--- a/lecture-materials/Managment&Governance/System-Manager/ssm.pptx
+++ b/lecture-materials/Managment&Governance/System-Manager/ssm.pptx
@@ -5,7 +5,7 @@
     <p:sldMasterId id="2147483661" r:id="rId1"/>
   </p:sldMasterIdLst>
   <p:notesMasterIdLst>
-    <p:notesMasterId r:id="rId28"/>
+    <p:notesMasterId r:id="rId26"/>
   </p:notesMasterIdLst>
   <p:sldIdLst>
     <p:sldId id="275" r:id="rId2"/>
@@ -32,18 +32,16 @@
     <p:sldId id="276" r:id="rId23"/>
     <p:sldId id="278" r:id="rId24"/>
     <p:sldId id="272" r:id="rId25"/>
-    <p:sldId id="283" r:id="rId26"/>
-    <p:sldId id="284" r:id="rId27"/>
   </p:sldIdLst>
   <p:sldSz cx="9144000" cy="5143500" type="screen16x9"/>
   <p:notesSz cx="6858000" cy="9144000"/>
   <p:embeddedFontLst>
     <p:embeddedFont>
       <p:font typeface="Avenir Next LT Pro" panose="020B0504020202020204" pitchFamily="34" charset="77"/>
-      <p:regular r:id="rId29"/>
-      <p:bold r:id="rId30"/>
-      <p:italic r:id="rId31"/>
-      <p:boldItalic r:id="rId32"/>
+      <p:regular r:id="rId27"/>
+      <p:bold r:id="rId28"/>
+      <p:italic r:id="rId29"/>
+      <p:boldItalic r:id="rId30"/>
     </p:embeddedFont>
   </p:embeddedFontLst>
   <p:defaultTextStyle>
@@ -176,1158 +174,6 @@
           <inkml:channelProperty channel="F" name="resolution" value="0" units="1/dev"/>
         </inkml:channelProperties>
       </inkml:inkSource>
-      <inkml:timestamp xml:id="ts0" timeString="2024-01-15T18:08:57.615"/>
-    </inkml:context>
-    <inkml:brush xml:id="br0">
-      <inkml:brushProperty name="width" value="0.035" units="cm"/>
-      <inkml:brushProperty name="height" value="0.035" units="cm"/>
-      <inkml:brushProperty name="color" value="#DA0C07"/>
-      <inkml:brushProperty name="inkEffects" value="lava"/>
-      <inkml:brushProperty name="anchorX" value="0"/>
-      <inkml:brushProperty name="anchorY" value="0"/>
-      <inkml:brushProperty name="scaleFactor" value="0.5"/>
-    </inkml:brush>
-  </inkml:definitions>
-  <inkml:trace contextRef="#ctx0" brushRef="#br0">112 1 24575,'0'47'0,"0"-26"0,0 25 0,0-21 0,0-2-9674,0 22 9674,0-16 0,2 19 2211,-2-6-2211,3 47 0,-6-39-1634,2 7 0,0-3 1634,-5-24 0,3 21 0,0-1-83,-2-23 83,-1 28 0,-1 0 2607,2-31-2607,-6 55 0,5-55 0,-2 22 251,2-18-251,-4 23 6204,6-35-6204,-3 31 161,4-36-161,-3 27 0,3-29 1591,-1 15-1591,3-16 0,-2 9 0,3-6 0,-3 0 0,3-6 0,-1-4 0,2-8 0,-1 3 0,3-4 0,-2 1 0,2-2 0,0-3 0,-1 5 0,-1 1 0</inkml:trace>
-</inkml:ink>
-</file>
-
-<file path=ppt/ink/ink10.xml><?xml version="1.0" encoding="utf-8"?>
-<inkml:ink xmlns:inkml="http://www.w3.org/2003/InkML">
-  <inkml:definitions>
-    <inkml:context xml:id="ctx0">
-      <inkml:inkSource xml:id="inkSrc0">
-        <inkml:traceFormat>
-          <inkml:channel name="X" type="integer" min="-2.14748E9" max="2.14748E9" units="cm"/>
-          <inkml:channel name="Y" type="integer" min="-2.14748E9" max="2.14748E9" units="cm"/>
-          <inkml:channel name="F" type="integer" max="32767" units="dev"/>
-        </inkml:traceFormat>
-        <inkml:channelProperties>
-          <inkml:channelProperty channel="X" name="resolution" value="1000" units="1/cm"/>
-          <inkml:channelProperty channel="Y" name="resolution" value="1000" units="1/cm"/>
-          <inkml:channelProperty channel="F" name="resolution" value="0" units="1/dev"/>
-        </inkml:channelProperties>
-      </inkml:inkSource>
-      <inkml:timestamp xml:id="ts0" timeString="2024-01-15T18:09:02.104"/>
-    </inkml:context>
-    <inkml:brush xml:id="br0">
-      <inkml:brushProperty name="width" value="0.035" units="cm"/>
-      <inkml:brushProperty name="height" value="0.035" units="cm"/>
-      <inkml:brushProperty name="color" value="#DA0C07"/>
-      <inkml:brushProperty name="inkEffects" value="lava"/>
-      <inkml:brushProperty name="anchorX" value="-112121.92969"/>
-      <inkml:brushProperty name="anchorY" value="-120741.00781"/>
-      <inkml:brushProperty name="scaleFactor" value="0.5"/>
-    </inkml:brush>
-  </inkml:definitions>
-  <inkml:trace contextRef="#ctx0" brushRef="#br0">319 9 24575,'-3'-3'0,"-1"2"0,2 0 0,-4-1 0,-1 2 0,0-1 0,2 1 0,2 0 0,0 0 0,-2 1 0,1 1 0,-2 3 0,2-3 0,0 6 0,3-6 0,0 5 0,-1-1 0,2 2 0,-1 0 0,1 7 0,0-9 0,0 12 0,0-13 0,0 15 0,0-14 0,-3 15 0,3-14 0,-4 10 0,2-11 0,-3 11 0,1-10 0,-4 7 0,5-10 0,-2 3 0,-2 1 0,3-5 0,-9 8 0,-1-5 0,2 1 0,-9 0 0,13-4 0,-15 1 0,12-2 0,-15 0 0,19-2 0,-17 2 0,17-2 0,-11-2 0,13 2 0,-7-2 0,11 0 0,-3 1 0,7-2 0,1 3 0,-1-3 0,9 2 0,-6-2 0,12 0 0,-14 1 0,4 1 0</inkml:trace>
-</inkml:ink>
-</file>
-
-<file path=ppt/ink/ink100.xml><?xml version="1.0" encoding="utf-8"?>
-<inkml:ink xmlns:inkml="http://www.w3.org/2003/InkML">
-  <inkml:definitions>
-    <inkml:context xml:id="ctx0">
-      <inkml:inkSource xml:id="inkSrc0">
-        <inkml:traceFormat>
-          <inkml:channel name="X" type="integer" min="-2.14748E9" max="2.14748E9" units="cm"/>
-          <inkml:channel name="Y" type="integer" min="-2.14748E9" max="2.14748E9" units="cm"/>
-          <inkml:channel name="F" type="integer" max="32767" units="dev"/>
-        </inkml:traceFormat>
-        <inkml:channelProperties>
-          <inkml:channelProperty channel="X" name="resolution" value="1000" units="1/cm"/>
-          <inkml:channelProperty channel="Y" name="resolution" value="1000" units="1/cm"/>
-          <inkml:channelProperty channel="F" name="resolution" value="0" units="1/dev"/>
-        </inkml:channelProperties>
-      </inkml:inkSource>
-      <inkml:timestamp xml:id="ts0" timeString="2024-01-15T18:18:22.625"/>
-    </inkml:context>
-    <inkml:brush xml:id="br0">
-      <inkml:brushProperty name="width" value="0.035" units="cm"/>
-      <inkml:brushProperty name="height" value="0.035" units="cm"/>
-      <inkml:brushProperty name="color" value="#DA0C07"/>
-      <inkml:brushProperty name="inkEffects" value="lava"/>
-      <inkml:brushProperty name="anchorX" value="-23324.375"/>
-      <inkml:brushProperty name="anchorY" value="-49139.03906"/>
-      <inkml:brushProperty name="scaleFactor" value="0.5"/>
-    </inkml:brush>
-  </inkml:definitions>
-  <inkml:trace contextRef="#ctx0" brushRef="#br0">1 90 24575,'6'0'0,"-1"0"0,-2 0 0,5 0 0,-4 0 0,4 0 0,-5 0 0,4 0 0,2 0 0,0 0 0,8 1 0,-9 0 0,8 0 0,3 0 0,4 0 0,42 5 0,-13-4 0,2 0-2111,30 3 2111,9-3 0,-2-1-2877,-26-1 2877,7 0 0,17 2 0,-15-1-3957,7-1 3957,-7 1 0,14 0 0,-10 0-1667,-25-1 0,2 0 1667,25 0 0,12 0 0,-4 0 0,1 0 0,4 0 0,-13 0 0,12 0 0,-2 0 0,-11 0 0,4 0 0,-1 0 0,1 0 0,14-1 0,-4 0 0,-18 0 0,22 0 0,-25 0 0,16-2 0,0 0 0,-18 1 0,14-3 0,1 1 0,17 0 0,-19-1 0,-15-3 0,22 3 0,-1-1 473,-26-4-473,35-2 0,-54 5 0,9-3 1610,-41 6-1610,11-2 3529,-19 2-3529,0 0 5615,-6 3-5615,-3-2 1052,1 3-1052,-6-3 0,6 3 0,-3-1 0,-8 0 0,-19 0 0,8 0 0,-42 1 0,44 0-6784,-51 2 6784,47-1 0,-50 3-1776,27-1 1776,2 0 0,-3 0 0,-19 2 0,-3 1 0,1 0 0,11 1 0,-23 2 0,1 0-3948,33-4 3948,-45 6-2641,58-10 2641,3 4 1910,-4-1-1910,-18 2 0,14 1 67,-14-3-67,-38 7 0,41-8 0,-38 8 0,-2 1 1374,27-8-1374,-25 8 0,1-1 0,34-9 0,-24 7 0,-3 0 0,9-4 0,20 1 0,-3 0 0,-9 0 0,0 0-1145,10-1 0,1 0 1145,-7 1 0,-2 0-763,-7-1 0,11 0 763,25 1-770,-41 0 770,58-2 1315,-12-1-1315,23-1 2680,-8-1-2680,5 1 4008,2-1-4008,1 1 5992,9-2-5992,4-2 0,0-1 0,1 2 2389,3-3-2389,-4 2 0,11-3 0,-4 2 0,18-3 0,-14 3 0,43-4 0,-35 4 0,65-3-1131,-54 3 1131,29 0 0,4 0-2480,-18 0 2480,34 0 0,3 0 0,-8 0 0,-10 1 0,13 1 0,-11 0-3610,22-2 3610,-14 2 0,14 0 0,-13 0 0,19 0 0,-17 0 0,13 0 0,-13 0 0,-30 1 0,1 0 0,34 0 0,15 0 0,-17 0 0,3 0 0,1-1 0,18 0 0,-20 0-4392,-10 0 4392,22 0 0,2-1 0,-8-1-1296,-7 1 1,0 0 1295,12-1-90,-32 0 0,-6 0 90,-13 2 1659,-5-3-1659,40 0 0,-55 1 0,38-3 2233,-56 5-2233,3-2 4947,-12 1-4947,-3-1 2704,-17-2-2704,0 3 0,-22-4 0,19 6 0,-41-3 0,39 2 0,-61 0-406,58 1 406,-58 0 1506,53 1-1506,-36 0 0,40 3 0,-30-2-1667,37 0 1667,-20 2-539,18-3 539,5 1 1120,-15 1-1120,9 0 0,7 0 0,4-1 0</inkml:trace>
-</inkml:ink>
-</file>
-
-<file path=ppt/ink/ink101.xml><?xml version="1.0" encoding="utf-8"?>
-<inkml:ink xmlns:inkml="http://www.w3.org/2003/InkML">
-  <inkml:definitions>
-    <inkml:context xml:id="ctx0">
-      <inkml:inkSource xml:id="inkSrc0">
-        <inkml:traceFormat>
-          <inkml:channel name="X" type="integer" min="-2.14748E9" max="2.14748E9" units="cm"/>
-          <inkml:channel name="Y" type="integer" min="-2.14748E9" max="2.14748E9" units="cm"/>
-          <inkml:channel name="F" type="integer" max="32767" units="dev"/>
-        </inkml:traceFormat>
-        <inkml:channelProperties>
-          <inkml:channelProperty channel="X" name="resolution" value="1000" units="1/cm"/>
-          <inkml:channelProperty channel="Y" name="resolution" value="1000" units="1/cm"/>
-          <inkml:channelProperty channel="F" name="resolution" value="0" units="1/dev"/>
-        </inkml:channelProperties>
-      </inkml:inkSource>
-      <inkml:timestamp xml:id="ts0" timeString="2024-01-15T18:18:23.918"/>
-    </inkml:context>
-    <inkml:brush xml:id="br0">
-      <inkml:brushProperty name="width" value="0.035" units="cm"/>
-      <inkml:brushProperty name="height" value="0.035" units="cm"/>
-      <inkml:brushProperty name="color" value="#DA0C07"/>
-      <inkml:brushProperty name="inkEffects" value="lava"/>
-      <inkml:brushProperty name="anchorX" value="-30796.08594"/>
-      <inkml:brushProperty name="anchorY" value="-58891.11719"/>
-      <inkml:brushProperty name="scaleFactor" value="0.5"/>
-    </inkml:brush>
-  </inkml:definitions>
-  <inkml:trace contextRef="#ctx0" brushRef="#br0">176 1 24575,'-2'13'0,"1"-4"0,-3 4 0,4-6 0,-1-4 0,0 9 0,-1-6 0,-2 17 0,1-14 0,-4 21 0,4-21 0,-8 21 0,7-21 0,-6 12 0,5-13 0,-7 10 0,4-7 0,-11 11 0,12-13 0,-13 8 0,16-13 0,-7 4 0,8-5 0,1-1 0,-1 0 0,-1 0 0,0 1 0,-2 2 0,2-1 0,-2 4 0,4-3 0,-1 3 0,5-3 0,1 4 0,0-5 0,6 6 0,-5-6 0,9 7 0,-9-7 0,11 5 0,-8-6 0,13 7 0,-12-6 0,9 4 0,-9-4 0,7 4 0,-6-4 0,7 6 0,-12-7 0,8 9 0,-9-9 0,4 8 0,-5-8 0,-1 4 0,-1-3 0,-1 3 0,0-2 0,-1 2 0,0-1 0,0-2 0,-3 9 0,2-7 0,0 4 0,2-5 0,1-2 0,1 2 0,1-3 0,2 1 0,-2 0 0,7 1 0,-6-2 0,10 2 0,-7-2 0,4-1 0,-5 1 0,6-2 0,-7 0 0,4-4 0,-6 2 0,-1-6 0,-1 4 0,-1-4 0,-1 4 0,-3-4 0,1 3 0,-9-8 0,10 9 0,-6-4 0</inkml:trace>
-</inkml:ink>
-</file>
-
-<file path=ppt/ink/ink102.xml><?xml version="1.0" encoding="utf-8"?>
-<inkml:ink xmlns:inkml="http://www.w3.org/2003/InkML">
-  <inkml:definitions>
-    <inkml:context xml:id="ctx0">
-      <inkml:inkSource xml:id="inkSrc0">
-        <inkml:traceFormat>
-          <inkml:channel name="X" type="integer" min="-2.14748E9" max="2.14748E9" units="cm"/>
-          <inkml:channel name="Y" type="integer" min="-2.14748E9" max="2.14748E9" units="cm"/>
-          <inkml:channel name="F" type="integer" max="32767" units="dev"/>
-        </inkml:traceFormat>
-        <inkml:channelProperties>
-          <inkml:channelProperty channel="X" name="resolution" value="1000" units="1/cm"/>
-          <inkml:channelProperty channel="Y" name="resolution" value="1000" units="1/cm"/>
-          <inkml:channelProperty channel="F" name="resolution" value="0" units="1/dev"/>
-        </inkml:channelProperties>
-      </inkml:inkSource>
-      <inkml:timestamp xml:id="ts0" timeString="2024-01-15T18:18:24.241"/>
-    </inkml:context>
-    <inkml:brush xml:id="br0">
-      <inkml:brushProperty name="width" value="0.035" units="cm"/>
-      <inkml:brushProperty name="height" value="0.035" units="cm"/>
-      <inkml:brushProperty name="color" value="#DA0C07"/>
-      <inkml:brushProperty name="inkEffects" value="lava"/>
-      <inkml:brushProperty name="anchorX" value="-35146.16797"/>
-      <inkml:brushProperty name="anchorY" value="-69947.75"/>
-      <inkml:brushProperty name="scaleFactor" value="0.5"/>
-    </inkml:brush>
-  </inkml:definitions>
-  <inkml:trace contextRef="#ctx0" brushRef="#br0">1 1 24575,'1'6'0,"-1"-2"0,2 0 0,-2-1 0,1-1 0,0 7 0,1-6 0,-1 7 0,-1-6 0,3 6 0,-2-5 0,2 8 0,-2-9 0,3 10 0,-4-9 0,3 5 0,-3-7 0,0 0 0,1 3 0,-1-3 0,2 5 0,-2-3 0,1 5 0,-1-5 0,2 1 0,-1-4 0,-1-1 0,1-1 0</inkml:trace>
-</inkml:ink>
-</file>
-
-<file path=ppt/ink/ink103.xml><?xml version="1.0" encoding="utf-8"?>
-<inkml:ink xmlns:inkml="http://www.w3.org/2003/InkML">
-  <inkml:definitions>
-    <inkml:context xml:id="ctx0">
-      <inkml:inkSource xml:id="inkSrc0">
-        <inkml:traceFormat>
-          <inkml:channel name="X" type="integer" min="-2.14748E9" max="2.14748E9" units="cm"/>
-          <inkml:channel name="Y" type="integer" min="-2.14748E9" max="2.14748E9" units="cm"/>
-          <inkml:channel name="F" type="integer" max="32767" units="dev"/>
-        </inkml:traceFormat>
-        <inkml:channelProperties>
-          <inkml:channelProperty channel="X" name="resolution" value="1000" units="1/cm"/>
-          <inkml:channelProperty channel="Y" name="resolution" value="1000" units="1/cm"/>
-          <inkml:channelProperty channel="F" name="resolution" value="0" units="1/dev"/>
-        </inkml:channelProperties>
-      </inkml:inkSource>
-      <inkml:timestamp xml:id="ts0" timeString="2024-01-15T18:18:25.221"/>
-    </inkml:context>
-    <inkml:brush xml:id="br0">
-      <inkml:brushProperty name="width" value="0.035" units="cm"/>
-      <inkml:brushProperty name="height" value="0.035" units="cm"/>
-      <inkml:brushProperty name="color" value="#DA0C07"/>
-      <inkml:brushProperty name="inkEffects" value="lava"/>
-      <inkml:brushProperty name="anchorX" value="-39199.62109"/>
-      <inkml:brushProperty name="anchorY" value="-80833.125"/>
-      <inkml:brushProperty name="scaleFactor" value="0.5"/>
-    </inkml:brush>
-  </inkml:definitions>
-  <inkml:trace contextRef="#ctx0" brushRef="#br0">45 0 24575,'0'5'0,"0"-1"0,0-1 0,0 0 0,-1 3 0,1-2 0,-3 7 0,2-7 0,-3 8 0,2-7 0,-5 12 0,5-8 0,-4 10 0,3-9 0,-2 5 0,4-7 0,0 10 0,1-11 0,2 13 0,-1-16 0,9 14 0,-7-12 0,16 13 0,-13-14 0,14 11 0,-10-11 0,23 10 0,-20-9 0,25 8 0,-29-11 0,19 6 0,-16-5 0,15 3 0,-16-2 0,11 0 0,-18-2 0,9 1 0,-11 1 0,2-2 0,-3 1 0,-2 0 0,0 1 0,-6 0 0,5 0 0,-9 0 0,9-3 0,-11 3 0,7-4 0,-7 3 0,4-3 0,-6 2 0,7-1 0,-13 2 0,14-4 0,-16 4 0,15-3 0,-21 4 0,21-4 0,-18 5 0,18-5 0,-12 3 0,11-3 0,-4 1 0,6 0 0,-5 0 0,5 0 0,-3-1 0,10-4 0,-1 1 0,3-2 0,-1 3 0,-1-3 0,3 2 0,-3-1 0,1 2 0</inkml:trace>
-</inkml:ink>
-</file>
-
-<file path=ppt/ink/ink104.xml><?xml version="1.0" encoding="utf-8"?>
-<inkml:ink xmlns:inkml="http://www.w3.org/2003/InkML">
-  <inkml:definitions>
-    <inkml:context xml:id="ctx0">
-      <inkml:inkSource xml:id="inkSrc0">
-        <inkml:traceFormat>
-          <inkml:channel name="X" type="integer" min="-2.14748E9" max="2.14748E9" units="cm"/>
-          <inkml:channel name="Y" type="integer" min="-2.14748E9" max="2.14748E9" units="cm"/>
-          <inkml:channel name="F" type="integer" max="32767" units="dev"/>
-        </inkml:traceFormat>
-        <inkml:channelProperties>
-          <inkml:channelProperty channel="X" name="resolution" value="1000" units="1/cm"/>
-          <inkml:channelProperty channel="Y" name="resolution" value="1000" units="1/cm"/>
-          <inkml:channelProperty channel="F" name="resolution" value="0" units="1/dev"/>
-        </inkml:channelProperties>
-      </inkml:inkSource>
-      <inkml:timestamp xml:id="ts0" timeString="2024-01-15T18:18:25.449"/>
-    </inkml:context>
-    <inkml:brush xml:id="br0">
-      <inkml:brushProperty name="width" value="0.035" units="cm"/>
-      <inkml:brushProperty name="height" value="0.035" units="cm"/>
-      <inkml:brushProperty name="color" value="#DA0C07"/>
-      <inkml:brushProperty name="inkEffects" value="lava"/>
-      <inkml:brushProperty name="anchorX" value="-40851.92969"/>
-      <inkml:brushProperty name="anchorY" value="-89255.13281"/>
-      <inkml:brushProperty name="scaleFactor" value="0.5"/>
-    </inkml:brush>
-  </inkml:definitions>
-  <inkml:trace contextRef="#ctx0" brushRef="#br0">1 12 24575,'11'-3'0,"-1"2"0,-5 0 0,-1 1 0,16-2 0,-10 1 0,11-1 0,4 1 0,-15 1 0,19 0 0,-16 0 0,16 1 0,-14 1 0,14-1 0,-20 2 0,16-1 0,-16 0 0,14 1 0,-18-1 0,11 0 0,-12-1 0,10 1 0,-9-1 0,9 1 0,-10-1 0,8 1 0,-9-2 0,2 2 0</inkml:trace>
-</inkml:ink>
-</file>
-
-<file path=ppt/ink/ink105.xml><?xml version="1.0" encoding="utf-8"?>
-<inkml:ink xmlns:inkml="http://www.w3.org/2003/InkML">
-  <inkml:definitions>
-    <inkml:context xml:id="ctx0">
-      <inkml:inkSource xml:id="inkSrc0">
-        <inkml:traceFormat>
-          <inkml:channel name="X" type="integer" min="-2.14748E9" max="2.14748E9" units="cm"/>
-          <inkml:channel name="Y" type="integer" min="-2.14748E9" max="2.14748E9" units="cm"/>
-          <inkml:channel name="F" type="integer" max="32767" units="dev"/>
-        </inkml:traceFormat>
-        <inkml:channelProperties>
-          <inkml:channelProperty channel="X" name="resolution" value="1000" units="1/cm"/>
-          <inkml:channelProperty channel="Y" name="resolution" value="1000" units="1/cm"/>
-          <inkml:channelProperty channel="F" name="resolution" value="0" units="1/dev"/>
-        </inkml:channelProperties>
-      </inkml:inkSource>
-      <inkml:timestamp xml:id="ts0" timeString="2024-01-15T18:18:25.789"/>
-    </inkml:context>
-    <inkml:brush xml:id="br0">
-      <inkml:brushProperty name="width" value="0.035" units="cm"/>
-      <inkml:brushProperty name="height" value="0.035" units="cm"/>
-      <inkml:brushProperty name="color" value="#DA0C07"/>
-      <inkml:brushProperty name="inkEffects" value="lava"/>
-      <inkml:brushProperty name="anchorX" value="-45469.70703"/>
-      <inkml:brushProperty name="anchorY" value="-99833.85938"/>
-      <inkml:brushProperty name="scaleFactor" value="0.5"/>
-    </inkml:brush>
-  </inkml:definitions>
-  <inkml:trace contextRef="#ctx0" brushRef="#br0">1 66 24575,'0'5'0,"0"1"0,0-1 0,0-1 0,0-1 0,0 11 0,0-7 0,0 13 0,3-2 0,0-6 0,5 12 0,-5-17 0,8 14 0,-7-15 0,12 15 0,-12-16 0,10 10 0,-11-12 0,4 3 0,-1-2 0,0-2 0,-1 1 0,1-1 0,-2 1 0,6 1 0,-3-1 0,2 0 0,0 0 0,2-2 0,16 2 0,-12-1-6784,26-1 6784,-31-1 0,25-1 0,-19-2 0,22-6 0,-21 3 0,13-6 0,-20 6 0,12-9 0,-13 7 0,8-13 0,-13 15 0,2-16 0,-4 15 0,-2-16 0,-2 16 0,-4-15 0,2 17 0,-9-15 0,4 11 6784,-7-8-6784,-4 5 0,5 1-1073,-1 2 1073,5 3 0,0 2 0,-1-1 0,-11-3 0,9 3 0,-21-6 0,20 8-6429,-21-4 6429,22 7 0,-12-1 0,10 1 0,-10 2 0,11 0 0,-10 7 0,18-6 0,-14 11 0,17-10 0,-12 14 0,13-12 718,-6 13-718,8-12 0,-3 23 0,2-19 0,1 11 0,1-19 0</inkml:trace>
-</inkml:ink>
-</file>
-
-<file path=ppt/ink/ink106.xml><?xml version="1.0" encoding="utf-8"?>
-<inkml:ink xmlns:inkml="http://www.w3.org/2003/InkML">
-  <inkml:definitions>
-    <inkml:context xml:id="ctx0">
-      <inkml:inkSource xml:id="inkSrc0">
-        <inkml:traceFormat>
-          <inkml:channel name="X" type="integer" min="-2.14748E9" max="2.14748E9" units="cm"/>
-          <inkml:channel name="Y" type="integer" min="-2.14748E9" max="2.14748E9" units="cm"/>
-          <inkml:channel name="F" type="integer" max="32767" units="dev"/>
-        </inkml:traceFormat>
-        <inkml:channelProperties>
-          <inkml:channelProperty channel="X" name="resolution" value="1000" units="1/cm"/>
-          <inkml:channelProperty channel="Y" name="resolution" value="1000" units="1/cm"/>
-          <inkml:channelProperty channel="F" name="resolution" value="0" units="1/dev"/>
-        </inkml:channelProperties>
-      </inkml:inkSource>
-      <inkml:timestamp xml:id="ts0" timeString="2024-01-15T18:18:27.287"/>
-    </inkml:context>
-    <inkml:brush xml:id="br0">
-      <inkml:brushProperty name="width" value="0.035" units="cm"/>
-      <inkml:brushProperty name="height" value="0.035" units="cm"/>
-      <inkml:brushProperty name="color" value="#DA0C07"/>
-      <inkml:brushProperty name="inkEffects" value="lava"/>
-      <inkml:brushProperty name="anchorX" value="-50131.375"/>
-      <inkml:brushProperty name="anchorY" value="-110489.36719"/>
-      <inkml:brushProperty name="scaleFactor" value="0.5"/>
-    </inkml:brush>
-  </inkml:definitions>
-  <inkml:trace contextRef="#ctx0" brushRef="#br0">421 800 24575,'4'-6'0,"-2"2"0,4 1 0,-3 2 0,-2-1 0,2 2 0,-2-1 0,11-2 0,-7 1 0,14-2 0,-14 3 0,10-2 0,-4 3 0,12-4 0,-8 3-6784,26-6 6784,-27 6-3932,40-9 3932,-39 8-3234,57-11 3234,-47 7 0,73-12-680,-66 12 680,17-3 0,3 1 0,-10-1 0,18-2 0,13 1 0,-25 1 0,20-1 0,8 0 0,-13 2 0,-2-1 0,-1 0 0,1 0 0,18-1 0,-11 1 0,-29 2 0,18-1 0,-3 0 0,-29 2 0,45-6 0,-45 5 0,33-7 0,-33 8 0,32-10 0,-40 12-363,32-13 363,-35 12 2145,20-12-2145,-24 10 714,16-11-714,-21 12 4134,8-8-4134,-8 6 6182,1-6-6182,-2 2 0,-1-9 0,-2 10 0,-2-15 0,1 18 0,-7-20 0,5 20 0,-10-21 0,7 21 1401,-6-13-1401,5 11 417,-6-5-417,5 4 0,-4 0 0,-2-3 0,-5-1 0,3 1 0,-9-4 0,18 13 0,-11-6 0,13 7 0,-5-1 0,6 2 0,-2 0 0,1 1 0,1 0 0,-5-1 0,5 0 0,-7-2 0,6 1 0,-6-2 0,5 4 0,-8-6 0,9 7 0,-5-3 0,6 4 0,-1 0 0,-8-1 0,5 1 0,-16-3 0,14 3 0,-15-3 0,4 3 0,-21-3 0,8 1-3738,-45 0 3738,44-2 0,-26 4 0,-15-5-2773,12 4 0,-3 1 2773,7-1 0,0 0-1080,-12 0 1,3 2 1079,-19-1 0,34 0 0,-2 0 0,-44 0 0,34 1 0,-8 1 0,10 0-2993,-21 0 2993,13 0 0,-2 1 0,-18 0 736,47-2-736,-23 2 0,-2-1 0,17-1 0,0 0 0,2 1 0,17-2 0,-11 0 0,22 0 0,7 0 0,-3 0 3358,19-2-3358,0 1 2421,4-1-2421,0 0 6222,-1 0-6222,0 1 1699,-1-2-1699,-1 1 0,-2 2 0,-3 2 0,0 2 0,0 2 0,0 1 0,2 0 0,-1 6 0,0-5 0,0 12 0,1-12 0,-1 7 0,2 2 0,-1-6 0,-1 24 0,0-22 0,1 22 0,1-22 0,0 28 0,1 16 0,1-14 0,2 22 0,-3-50 0,4 22 0,-3-28 0,0 11 0,2-7 0,1 3 0,0-2 0,-1-2 0,0-7 0,-3 0 0,7 3 0,-4-3 0,3 1 0,-3-4 0,-1-1 0,-1 0 0,-1-4 0,-2 7 0,1-3 0,0 4 0,1-3 0,-1 0 0,2 1 0,-2 0 0,0 2 0,0-3 0,0 1 0,0 4 0,0-2 0,0 6 0,0-6 0,0 5 0,0-7 0,0 6 0,0-4 0,0 10 0,0-9 0,0 10 0,1-11 0,1 8 0,0-7 0,4 5 0,-4-6 0,6 7 0,-6-8 0,3 5 0,0-4 0,-2 1 0,1-2 0,0 4 0,-1-5 0,2 6 0,-3-8 0,1 5 0,-1-4 0,0 2 0,0-1 0,0 0 0,0-2 0,-1 2 0,1-3 0,-2 3 0,3-3 0,-1 0 0,2-1 0,-1-1 0,6-2 0,-5 4 0,12-5 0,-10 4 0,12-3 0,-11 4 0,6-1 0,21-2 0,-17 2 0,29-3 0,14-1-3436,-24 3 3436,32-2 0,-28 2-5646,44-3 5646,-32 2 0,5-2 0,1 0-2715,-5 2 2715,26-3-2876,-24 2 2876,-15 3 0,45-5 895,-37 2-895,5 0 0,-1 0 0,-20-1 0,24 0 0,-44 2 0,25-3 0,-29 4 0,14-3 3320,-18 3-3320,-2-1 3134,-2 2-3134,-2-2 6516,-9 3-6516,2-1 808,-7 1-808,10 0 0,-5 0 0,5 0 0,-6 0 0,5 0 0,-3 1 0,7-1 0,1 3 0,1-3 0,2 1 0</inkml:trace>
-</inkml:ink>
-</file>
-
-<file path=ppt/ink/ink11.xml><?xml version="1.0" encoding="utf-8"?>
-<inkml:ink xmlns:inkml="http://www.w3.org/2003/InkML">
-  <inkml:definitions>
-    <inkml:context xml:id="ctx0">
-      <inkml:inkSource xml:id="inkSrc0">
-        <inkml:traceFormat>
-          <inkml:channel name="X" type="integer" min="-2.14748E9" max="2.14748E9" units="cm"/>
-          <inkml:channel name="Y" type="integer" min="-2.14748E9" max="2.14748E9" units="cm"/>
-          <inkml:channel name="F" type="integer" max="32767" units="dev"/>
-        </inkml:traceFormat>
-        <inkml:channelProperties>
-          <inkml:channelProperty channel="X" name="resolution" value="1000" units="1/cm"/>
-          <inkml:channelProperty channel="Y" name="resolution" value="1000" units="1/cm"/>
-          <inkml:channelProperty channel="F" name="resolution" value="0" units="1/dev"/>
-        </inkml:channelProperties>
-      </inkml:inkSource>
-      <inkml:timestamp xml:id="ts0" timeString="2024-01-15T18:09:02.352"/>
-    </inkml:context>
-    <inkml:brush xml:id="br0">
-      <inkml:brushProperty name="width" value="0.035" units="cm"/>
-      <inkml:brushProperty name="height" value="0.035" units="cm"/>
-      <inkml:brushProperty name="color" value="#DA0C07"/>
-      <inkml:brushProperty name="inkEffects" value="lava"/>
-      <inkml:brushProperty name="anchorX" value="-125754.82813"/>
-      <inkml:brushProperty name="anchorY" value="-131224.07813"/>
-      <inkml:brushProperty name="scaleFactor" value="0.5"/>
-    </inkml:brush>
-  </inkml:definitions>
-  <inkml:trace contextRef="#ctx0" brushRef="#br0">108 0 24575,'-3'4'0,"0"0"0,2 0 0,-2-1 0,1-1 0,-4 5 0,2-3 0,-1 3 0,0-1 0,0 3 0,-1-1 0,-1 6 0,4-10 0,-6 11 0,6-10 0,-7 11 0,8-12 0,-6 11 0,5-11 0,-4 10 0,4-8 0,-1 5 0,2-6 0,-2 4 0,5-8 0,-2 4 0,4-7 0,0 0 0,0-2 0,0 1 0,3-6 0,-3 4 0,7-7 0,-9 7 0,6-4 0,-7 7 0,1 0 0</inkml:trace>
-</inkml:ink>
-</file>
-
-<file path=ppt/ink/ink12.xml><?xml version="1.0" encoding="utf-8"?>
-<inkml:ink xmlns:inkml="http://www.w3.org/2003/InkML">
-  <inkml:definitions>
-    <inkml:context xml:id="ctx0">
-      <inkml:inkSource xml:id="inkSrc0">
-        <inkml:traceFormat>
-          <inkml:channel name="X" type="integer" min="-2.14748E9" max="2.14748E9" units="cm"/>
-          <inkml:channel name="Y" type="integer" min="-2.14748E9" max="2.14748E9" units="cm"/>
-          <inkml:channel name="F" type="integer" max="32767" units="dev"/>
-        </inkml:traceFormat>
-        <inkml:channelProperties>
-          <inkml:channelProperty channel="X" name="resolution" value="1000" units="1/cm"/>
-          <inkml:channelProperty channel="Y" name="resolution" value="1000" units="1/cm"/>
-          <inkml:channelProperty channel="F" name="resolution" value="0" units="1/dev"/>
-        </inkml:channelProperties>
-      </inkml:inkSource>
-      <inkml:timestamp xml:id="ts0" timeString="2024-01-15T18:09:02.493"/>
-    </inkml:context>
-    <inkml:brush xml:id="br0">
-      <inkml:brushProperty name="width" value="0.035" units="cm"/>
-      <inkml:brushProperty name="height" value="0.035" units="cm"/>
-      <inkml:brushProperty name="color" value="#DA0C07"/>
-      <inkml:brushProperty name="inkEffects" value="lava"/>
-      <inkml:brushProperty name="anchorX" value="-139962.3125"/>
-      <inkml:brushProperty name="anchorY" value="-141718.875"/>
-      <inkml:brushProperty name="scaleFactor" value="0.5"/>
-    </inkml:brush>
-  </inkml:definitions>
-  <inkml:trace contextRef="#ctx0" brushRef="#br0">1 1 24575,'1'1'0,"1"-2"0,1 5 0,-2-1 0,2-1 0,0 0 0,1 3 0,3-1 0,-1 1 0,0-1 0,-2-3 0,0 2 0,0-1 0,2 0 0,-3 0 0,1-1 0</inkml:trace>
-</inkml:ink>
-</file>
-
-<file path=ppt/ink/ink13.xml><?xml version="1.0" encoding="utf-8"?>
-<inkml:ink xmlns:inkml="http://www.w3.org/2003/InkML">
-  <inkml:definitions>
-    <inkml:context xml:id="ctx0">
-      <inkml:inkSource xml:id="inkSrc0">
-        <inkml:traceFormat>
-          <inkml:channel name="X" type="integer" min="-2.14748E9" max="2.14748E9" units="cm"/>
-          <inkml:channel name="Y" type="integer" min="-2.14748E9" max="2.14748E9" units="cm"/>
-          <inkml:channel name="F" type="integer" max="32767" units="dev"/>
-        </inkml:traceFormat>
-        <inkml:channelProperties>
-          <inkml:channelProperty channel="X" name="resolution" value="1000" units="1/cm"/>
-          <inkml:channelProperty channel="Y" name="resolution" value="1000" units="1/cm"/>
-          <inkml:channelProperty channel="F" name="resolution" value="0" units="1/dev"/>
-        </inkml:channelProperties>
-      </inkml:inkSource>
-      <inkml:timestamp xml:id="ts0" timeString="2024-01-15T18:09:02.907"/>
-    </inkml:context>
-    <inkml:brush xml:id="br0">
-      <inkml:brushProperty name="width" value="0.035" units="cm"/>
-      <inkml:brushProperty name="height" value="0.035" units="cm"/>
-      <inkml:brushProperty name="color" value="#DA0C07"/>
-      <inkml:brushProperty name="inkEffects" value="lava"/>
-      <inkml:brushProperty name="anchorX" value="-156810.82813"/>
-      <inkml:brushProperty name="anchorY" value="-154463.20313"/>
-      <inkml:brushProperty name="scaleFactor" value="0.5"/>
-    </inkml:brush>
-  </inkml:definitions>
-  <inkml:trace contextRef="#ctx0" brushRef="#br0">270 1 24489,'-1'4'0,"-1"0"43,2-1-43,-2 10 0,1-7 0,-1 8 14,2-8-14,0 0 7,0 11-7,0-8 0,0 12 0,0-14 22,0 4-22,1 9 0,1 3 0,-1-1 0,3 8 0,-1-11 0,2 3 0,-1-3 0,-2-11 0,-1-4 0,0-1 0,-1 0 0,4 5 0,-2 0 0,2 2 0,-1 0 0,-1-5 0,-2-1 0,0-4 0,-3-1 0,-4-5 0,3 5 0,-12-9 0,9 7 0,-14-7 0,14 7 0,-18-7 0,16 8 0,-6-4 0,9 4 0,2 0 0,-2 1 0,-1-2 0,1 3 0,-7-4 0,5 3-6784,-11-4 6784,12 5-1397,-15-4 1397,17 4-720,-15-2 720,15 2-25,-12 0 25,13 0 5723,-8 2-5723,2 4 1961,3-1-1961,-1 3 0,7-3 0,1-1 1198,0 5-1198,0-5 44,3 8-44,-3-7 0,6 7 0,-5-7 0,9 11 0,-7-11 0,11 13 0,-11-13 0,13 11 0,-12-12 0,12 9 0,-12-9 0,20 8 0,-17-8 0,16 5 0,-13-5 0,-2-2 0,-1 0 0</inkml:trace>
-</inkml:ink>
-</file>
-
-<file path=ppt/ink/ink14.xml><?xml version="1.0" encoding="utf-8"?>
-<inkml:ink xmlns:inkml="http://www.w3.org/2003/InkML">
-  <inkml:definitions>
-    <inkml:context xml:id="ctx0">
-      <inkml:inkSource xml:id="inkSrc0">
-        <inkml:traceFormat>
-          <inkml:channel name="X" type="integer" min="-2.14748E9" max="2.14748E9" units="cm"/>
-          <inkml:channel name="Y" type="integer" min="-2.14748E9" max="2.14748E9" units="cm"/>
-          <inkml:channel name="F" type="integer" max="32767" units="dev"/>
-        </inkml:traceFormat>
-        <inkml:channelProperties>
-          <inkml:channelProperty channel="X" name="resolution" value="1000" units="1/cm"/>
-          <inkml:channelProperty channel="Y" name="resolution" value="1000" units="1/cm"/>
-          <inkml:channelProperty channel="F" name="resolution" value="0" units="1/dev"/>
-        </inkml:channelProperties>
-      </inkml:inkSource>
-      <inkml:timestamp xml:id="ts0" timeString="2024-01-15T18:09:03.206"/>
-    </inkml:context>
-    <inkml:brush xml:id="br0">
-      <inkml:brushProperty name="width" value="0.035" units="cm"/>
-      <inkml:brushProperty name="height" value="0.035" units="cm"/>
-      <inkml:brushProperty name="color" value="#DA0C07"/>
-      <inkml:brushProperty name="inkEffects" value="lava"/>
-      <inkml:brushProperty name="anchorX" value="-171388.60938"/>
-      <inkml:brushProperty name="anchorY" value="-165005.95313"/>
-      <inkml:brushProperty name="scaleFactor" value="0.5"/>
-    </inkml:brush>
-  </inkml:definitions>
-  <inkml:trace contextRef="#ctx0" brushRef="#br0">5 159 24575,'2'-3'0,"-1"1"0,0 0 0,-1-1 0,2 2 0,0-6 0,0 5 0,1-5 0,0 6 0,0-6 0,-2 4 0,5-8 0,-4 7 0,3-9 0,-2 9 0,1-6 0,-2 6 0,2-7 0,-4 6 0,6-10 0,-6 11 0,3-8 0,-3 8 0,0-5 0,-2 7 0,2-3 0,-2 3 0,1-1 0,-1 2 0,0 0 0,-1 1 0,1 0 0,0 1 0,-2 0 0,0 6 0,-1-2 0,0 1 0,1 3 0,0-6 0,0 7 0,2-5 0,-3 6 0,4-5 0,-3 7 0,3-9 0,0 8 0,1-8 0,0 6 0,0-6 0,4 8 0,-2-8 0,5 7 0,-2-8 0,7 8 0,-6-7 0,15 8 0,-16-10 0,21 7 0,-19-8 0,25 6 0,-23-7 0,30 4 0,-28-4-1825,17 2 1825,-22-2 0,4 0-697,1 0 697,1 0 0,19-2 0,-16 2-1487,30-3 0,-34 3 0,11-2 0</inkml:trace>
-</inkml:ink>
-</file>
-
-<file path=ppt/ink/ink15.xml><?xml version="1.0" encoding="utf-8"?>
-<inkml:ink xmlns:inkml="http://www.w3.org/2003/InkML">
-  <inkml:definitions>
-    <inkml:context xml:id="ctx0">
-      <inkml:inkSource xml:id="inkSrc0">
-        <inkml:traceFormat>
-          <inkml:channel name="X" type="integer" min="-2.14748E9" max="2.14748E9" units="cm"/>
-          <inkml:channel name="Y" type="integer" min="-2.14748E9" max="2.14748E9" units="cm"/>
-          <inkml:channel name="F" type="integer" max="32767" units="dev"/>
-        </inkml:traceFormat>
-        <inkml:channelProperties>
-          <inkml:channelProperty channel="X" name="resolution" value="1000" units="1/cm"/>
-          <inkml:channelProperty channel="Y" name="resolution" value="1000" units="1/cm"/>
-          <inkml:channelProperty channel="F" name="resolution" value="0" units="1/dev"/>
-        </inkml:channelProperties>
-      </inkml:inkSource>
-      <inkml:timestamp xml:id="ts0" timeString="2024-01-15T18:09:03.629"/>
-    </inkml:context>
-    <inkml:brush xml:id="br0">
-      <inkml:brushProperty name="width" value="0.035" units="cm"/>
-      <inkml:brushProperty name="height" value="0.035" units="cm"/>
-      <inkml:brushProperty name="color" value="#DA0C07"/>
-      <inkml:brushProperty name="inkEffects" value="lava"/>
-      <inkml:brushProperty name="anchorX" value="-189146.28125"/>
-      <inkml:brushProperty name="anchorY" value="-178040.21875"/>
-      <inkml:brushProperty name="scaleFactor" value="0.5"/>
-    </inkml:brush>
-  </inkml:definitions>
-  <inkml:trace contextRef="#ctx0" brushRef="#br0">139 7 24575,'-4'-2'0,"0"2"0,1-1 0,0-1 0,0 2 0,0-1 0,-2 1 0,2 0 0,-4 0 0,4 0 0,-5 0 0,4 0 0,-7 2 0,5 0 0,-8 4 0,8-3 0,-9 5 0,10-4 0,-7 5 0,9-5 0,-4 5 0,4-6 0,0 5 0,1-5 0,2 6 0,-2-5 0,2 5 0,2-5 0,0 4 0,2-5 0,4 5 0,-6-4 0,7 1 0,-4-1 0,6 0 0,2 1 0,7-2 0,-7 1-6784,14-1 6784,-16-1-2139,22-1 2139,-22-1-1497,28 0 1497,-27 0 0,32-3 0,-29 1-133,23-5 133,-22 3 0,21-3 0,-20 3 0,36-9 0,-35 9 915,20-8 1,-32 12 0,-1-3 0</inkml:trace>
-</inkml:ink>
-</file>
-
-<file path=ppt/ink/ink16.xml><?xml version="1.0" encoding="utf-8"?>
-<inkml:ink xmlns:inkml="http://www.w3.org/2003/InkML">
-  <inkml:definitions>
-    <inkml:context xml:id="ctx0">
-      <inkml:inkSource xml:id="inkSrc0">
-        <inkml:traceFormat>
-          <inkml:channel name="X" type="integer" min="-2.14748E9" max="2.14748E9" units="cm"/>
-          <inkml:channel name="Y" type="integer" min="-2.14748E9" max="2.14748E9" units="cm"/>
-          <inkml:channel name="F" type="integer" max="32767" units="dev"/>
-        </inkml:traceFormat>
-        <inkml:channelProperties>
-          <inkml:channelProperty channel="X" name="resolution" value="1000" units="1/cm"/>
-          <inkml:channelProperty channel="Y" name="resolution" value="1000" units="1/cm"/>
-          <inkml:channelProperty channel="F" name="resolution" value="0" units="1/dev"/>
-        </inkml:channelProperties>
-      </inkml:inkSource>
-      <inkml:timestamp xml:id="ts0" timeString="2024-01-15T18:09:03.838"/>
-    </inkml:context>
-    <inkml:brush xml:id="br0">
-      <inkml:brushProperty name="width" value="0.035" units="cm"/>
-      <inkml:brushProperty name="height" value="0.035" units="cm"/>
-      <inkml:brushProperty name="color" value="#DA0C07"/>
-      <inkml:brushProperty name="inkEffects" value="lava"/>
-      <inkml:brushProperty name="anchorX" value="-208003.65625"/>
-      <inkml:brushProperty name="anchorY" value="-191046.53125"/>
-      <inkml:brushProperty name="scaleFactor" value="0.5"/>
-    </inkml:brush>
-  </inkml:definitions>
-  <inkml:trace contextRef="#ctx0" brushRef="#br0">17 0 24575,'-2'3'0,"0"0"0,1 0 0,0-2 0,-1 6 0,-1-5 0,0 8 0,2-7 0,-1 9 0,2-7 0,0 9 0,0-10 0,2 7 0,-1-6 0,4 5 0,-2-4 0,2 7 0,0-9 0,3 9 0,-3-9 0,6 7 0,-7-9 0,6 5 0,-6-5 0,4 1 0,-4-1 0,2-2 0,-1 2 0,-1-5 0,-1 1 0,0-3 0,-2 2 0,2-6 0,-3 5 0,1-4 0,-1 5 0,0 0 0,0 0 0,0-3 0,0 2 0,0-5 0,0 0 0,-1-5 0,0 4 0,-1-4 0,-1 9 0,3-5 0,-1 7 0,1-1 0</inkml:trace>
-</inkml:ink>
-</file>
-
-<file path=ppt/ink/ink17.xml><?xml version="1.0" encoding="utf-8"?>
-<inkml:ink xmlns:inkml="http://www.w3.org/2003/InkML">
-  <inkml:definitions>
-    <inkml:context xml:id="ctx0">
-      <inkml:inkSource xml:id="inkSrc0">
-        <inkml:traceFormat>
-          <inkml:channel name="X" type="integer" min="-2.14748E9" max="2.14748E9" units="cm"/>
-          <inkml:channel name="Y" type="integer" min="-2.14748E9" max="2.14748E9" units="cm"/>
-          <inkml:channel name="F" type="integer" max="32767" units="dev"/>
-        </inkml:traceFormat>
-        <inkml:channelProperties>
-          <inkml:channelProperty channel="X" name="resolution" value="1000" units="1/cm"/>
-          <inkml:channelProperty channel="Y" name="resolution" value="1000" units="1/cm"/>
-          <inkml:channelProperty channel="F" name="resolution" value="0" units="1/dev"/>
-        </inkml:channelProperties>
-      </inkml:inkSource>
-      <inkml:timestamp xml:id="ts0" timeString="2024-01-15T18:09:03.964"/>
-    </inkml:context>
-    <inkml:brush xml:id="br0">
-      <inkml:brushProperty name="width" value="0.035" units="cm"/>
-      <inkml:brushProperty name="height" value="0.035" units="cm"/>
-      <inkml:brushProperty name="color" value="#DA0C07"/>
-      <inkml:brushProperty name="inkEffects" value="lava"/>
-      <inkml:brushProperty name="anchorX" value="-227028.53125"/>
-      <inkml:brushProperty name="anchorY" value="-203986.51563"/>
-      <inkml:brushProperty name="scaleFactor" value="0.5"/>
-    </inkml:brush>
-  </inkml:definitions>
-  <inkml:trace contextRef="#ctx0" brushRef="#br0">0 0 24575,'1'4'0,"0"0"0,0-3 0,0 3 0,1 1 0,1 1 0,-2-2 0,3 3 0,-3-4 0,7 10 0,-7-8 0,10 12 0,-8-12 0,12 10 0,-11-10 0,13 9 0,-6-7 0,12 6 0,-10-8 0,4 1 0,-10-6 0,5 2 0,-7-2 0,10 0 0,-12 0 0,5 0 0</inkml:trace>
-</inkml:ink>
-</file>
-
-<file path=ppt/ink/ink18.xml><?xml version="1.0" encoding="utf-8"?>
-<inkml:ink xmlns:inkml="http://www.w3.org/2003/InkML">
-  <inkml:definitions>
-    <inkml:context xml:id="ctx0">
-      <inkml:inkSource xml:id="inkSrc0">
-        <inkml:traceFormat>
-          <inkml:channel name="X" type="integer" min="-2.14748E9" max="2.14748E9" units="cm"/>
-          <inkml:channel name="Y" type="integer" min="-2.14748E9" max="2.14748E9" units="cm"/>
-          <inkml:channel name="F" type="integer" max="32767" units="dev"/>
-        </inkml:traceFormat>
-        <inkml:channelProperties>
-          <inkml:channelProperty channel="X" name="resolution" value="1000" units="1/cm"/>
-          <inkml:channelProperty channel="Y" name="resolution" value="1000" units="1/cm"/>
-          <inkml:channelProperty channel="F" name="resolution" value="0" units="1/dev"/>
-        </inkml:channelProperties>
-      </inkml:inkSource>
-      <inkml:timestamp xml:id="ts0" timeString="2024-01-15T18:09:04.268"/>
-    </inkml:context>
-    <inkml:brush xml:id="br0">
-      <inkml:brushProperty name="width" value="0.035" units="cm"/>
-      <inkml:brushProperty name="height" value="0.035" units="cm"/>
-      <inkml:brushProperty name="color" value="#DA0C07"/>
-      <inkml:brushProperty name="inkEffects" value="lava"/>
-      <inkml:brushProperty name="anchorX" value="-246235.1875"/>
-      <inkml:brushProperty name="anchorY" value="-217028.20313"/>
-      <inkml:brushProperty name="scaleFactor" value="0.5"/>
-    </inkml:brush>
-  </inkml:definitions>
-  <inkml:trace contextRef="#ctx0" brushRef="#br0">0 272 24575,'2'6'0,"1"-1"0,-3-2 0,2 4 0,-1-3 0,1 1 0,0-1 0,0-2 0,1 5 0,-2-4 0,3 4 0,-3-5 0,4 4 0,-2-5 0,1 4 0,-1-4 0,0 0 0,-2-2 0,2 1 0,-3-3 0,4 0 0,-3 0 0,3-4 0,-3 4 0,2-10 0,-1 8 0,0-14 0,-1 14-6784,1-13 6784,-2 12-2525,3-13 2525,-3 12-3701,3-17 3701,-3 18 0,4-16 0,-3 15 3701,5-13-3701,-4 7 0,6-8 0,-4 10 0,6-8 0,-5 12 0,8-11 0,-9 13 0,12-11 0,-12 10 2525,12-4-2525,-9 5 6784,4 0-6784,-5 2 0,0-1 0,-1 2 0,-1 1 0,11-2 0,2 3 0,8 0 0,-6 1 0,-5 2 0,-5 0 0,-3 0-6784,2 0 6784,-2 0 0,9 5 0,-6-3 0,16 13 0,-15-12 0,14 12 0,-18-12 0,12 13 0,-13-13 0,11 16 0,-12-15 0,5 11 0,-7-13 0,1 1 0</inkml:trace>
-</inkml:ink>
-</file>
-
-<file path=ppt/ink/ink19.xml><?xml version="1.0" encoding="utf-8"?>
-<inkml:ink xmlns:inkml="http://www.w3.org/2003/InkML">
-  <inkml:definitions>
-    <inkml:context xml:id="ctx0">
-      <inkml:inkSource xml:id="inkSrc0">
-        <inkml:traceFormat>
-          <inkml:channel name="X" type="integer" min="-2.14748E9" max="2.14748E9" units="cm"/>
-          <inkml:channel name="Y" type="integer" min="-2.14748E9" max="2.14748E9" units="cm"/>
-          <inkml:channel name="F" type="integer" max="32767" units="dev"/>
-        </inkml:traceFormat>
-        <inkml:channelProperties>
-          <inkml:channelProperty channel="X" name="resolution" value="1000" units="1/cm"/>
-          <inkml:channelProperty channel="Y" name="resolution" value="1000" units="1/cm"/>
-          <inkml:channelProperty channel="F" name="resolution" value="0" units="1/dev"/>
-        </inkml:channelProperties>
-      </inkml:inkSource>
-      <inkml:timestamp xml:id="ts0" timeString="2024-01-15T18:09:05.280"/>
-    </inkml:context>
-    <inkml:brush xml:id="br0">
-      <inkml:brushProperty name="width" value="0.035" units="cm"/>
-      <inkml:brushProperty name="height" value="0.035" units="cm"/>
-      <inkml:brushProperty name="color" value="#DA0C07"/>
-      <inkml:brushProperty name="inkEffects" value="lava"/>
-      <inkml:brushProperty name="anchorX" value="-265989.75"/>
-      <inkml:brushProperty name="anchorY" value="-229968.23438"/>
-      <inkml:brushProperty name="scaleFactor" value="0.5"/>
-    </inkml:brush>
-  </inkml:definitions>
-  <inkml:trace contextRef="#ctx0" brushRef="#br0">85 174 24575,'-5'3'0,"0"-2"0,5 2 0,-3-1 0,-6 16 0,4-10 0,-5 10 0,6-10 0,2-4 0,-3 8 0,3-4 0,-2 8 0,2-8 0,1 8 0,1-12 0,0 10 0,0-9 0,3 5 0,-1-6 0,4 2 0,-2-4 0,4 1 0,-3-3 0,6 0 0,-3-3 0,8-2 0,-9 0 0,12-7 0,-15 7 0,15-11 0,-14 9 0,13-17 0,-12 13 0,7-12 0,-8 11 0,4-12 0,-6 10-6784,4-22 6784,-5 23-633,1-25 633,-3 29-201,-2-21 201,2 23 0,-4-11 0,4 14 0,-7-8 0,4 7 6371,-8-3-6371,6 5 0,-4 1 0,6 2 931,-4 2-931,4 0 0,-4 10 0,5-6 316,-2 15-316,3 24 0,-1-19-561,1 20 561,2-30 0,0-4 0,7 41 0,-7-28-6598,12 52 6598,-12-55 0,9 54-62,-10-56 62,4 56 0,-4-57 0,0 35 0,0-32 0,0 20 0,-2-22 374,2 3-374,-4-5 0,2-10 0,-3 15 0,2-16 0,-4 5 0,4-7 6752,-9 3-6752,7-6 95,-7 2-95,-1-7 0,7 1 0,-9-4 0,12 2 0,-7-4 0,6 5 0,-6-7 0,6 5 0,-8-7 0,7 5 0,0-2 0,0 0 0,4 5 0,-5-9 0,3 8 0,-3-12 0,4 11 0,-3-16 0,4 14 0,-3-15 0,4 13 0,-2-7 0,1 7 0,0-3 0,1 4 0,1-8 0,0 9 0,3-10 0,-1 11 0,1-1 0,0 1 0,-2 5 0,-1 0 0</inkml:trace>
-</inkml:ink>
-</file>
-
-<file path=ppt/ink/ink2.xml><?xml version="1.0" encoding="utf-8"?>
-<inkml:ink xmlns:inkml="http://www.w3.org/2003/InkML">
-  <inkml:definitions>
-    <inkml:context xml:id="ctx0">
-      <inkml:inkSource xml:id="inkSrc0">
-        <inkml:traceFormat>
-          <inkml:channel name="X" type="integer" min="-2.14748E9" max="2.14748E9" units="cm"/>
-          <inkml:channel name="Y" type="integer" min="-2.14748E9" max="2.14748E9" units="cm"/>
-          <inkml:channel name="F" type="integer" max="32767" units="dev"/>
-        </inkml:traceFormat>
-        <inkml:channelProperties>
-          <inkml:channelProperty channel="X" name="resolution" value="1000" units="1/cm"/>
-          <inkml:channelProperty channel="Y" name="resolution" value="1000" units="1/cm"/>
-          <inkml:channelProperty channel="F" name="resolution" value="0" units="1/dev"/>
-        </inkml:channelProperties>
-      </inkml:inkSource>
-      <inkml:timestamp xml:id="ts0" timeString="2024-01-15T18:08:58.184"/>
-    </inkml:context>
-    <inkml:brush xml:id="br0">
-      <inkml:brushProperty name="width" value="0.035" units="cm"/>
-      <inkml:brushProperty name="height" value="0.035" units="cm"/>
-      <inkml:brushProperty name="color" value="#DA0C07"/>
-      <inkml:brushProperty name="inkEffects" value="lava"/>
-      <inkml:brushProperty name="anchorX" value="-5685.13672"/>
-      <inkml:brushProperty name="anchorY" value="-11682.78809"/>
-      <inkml:brushProperty name="scaleFactor" value="0.5"/>
-    </inkml:brush>
-  </inkml:definitions>
-  <inkml:trace contextRef="#ctx0" brushRef="#br0">1 24 8191,'4'-2'0,"2"1"5063,-3-1-5063,2 0 0,-2 0 2818,3 1-2818,16-4 0,-9 4 0,18-5 0,-19 6-2818,50-2 2818,-36 2 0,28 2 0,3 1 3664,-16 2-3664,33 4 0,2 2-1473,-19-2 1473,41 7 0,1 0-1550,-38-6 1550,7 2 0,16 3 0,-14-3 1850,-3-1-1850,27 7 0,4 1 0,-1-1 0,-31-5 0,7 1 0,-6-2 0,-16-2 0,1 0 0,22 4 0,10 1 0,-16-2 0,-7-2 0,1 0 0,14 3 0,-13-2 0,4 1 0,2 0 0,0-1 0,-1 1-3328,-2 0 3328,-21-4 0,-2 0 1080,-23-3-1080,21 2 0,-24-3 1487,12 2-1487,-16-3 0,4 3 0,-14-5 2807,-3 7-2807,-4-6 0,-14 9 0,11-8 0,-20 10 0,18-10-104,-24 9 104,19-7 0,-29 12 0,20-7-4503,-31 19 4503,33-18-3010,-35 32 3010,37-28 0,-46 52 0,45-41-831,-16 24 0,-1 3 831,15-17 0,-6 13 0,-1 1 0,4-7 0,-6 24 0,8-29 0,-5 30 1459,10-35-1459,0 12 0,-2 4 0,-6 17 0,3-5 0,0 1 0,-2 1 0,5-1 0,1-4 0,8-26 0,-5 22 0,1-1 0,7-23 0,-16 48 0,15-49 0,-11 24 0,11-28 2223,-13 21-2223,12-29-589,-11 14 589,13-24 1658,-13 9-1658,14-12 1137,-14 7-1137,7-9 876,-4 0-876,-8-2 0,-2-6 0,9 2 0,-26-14 0,31 10-1282,-57-24 1282,47 19-3279,-59-32 3279,55 29 0,-19-12 0,-2-1-622,17 11 622,-17-9 0,-2-1 0,8 3 0,-4-1 0,-1-1 0,-9-4 0,-5-3 0,-26-7 0,14 5 1947,-11-3-1947,5 0 0,50 27 0,-39-22 0,41 22 0,-30-14 0,41 18 0,-9-3 0,15 5 0,0 2 3047,5 0-3047,-9-2 0,7 2 5445,-5-2-5445,1 0 0,5 3 0,-8-5 0,10 7 425,-3-3 1,6 3 0,0 0 0</inkml:trace>
-</inkml:ink>
-</file>
-
-<file path=ppt/ink/ink20.xml><?xml version="1.0" encoding="utf-8"?>
-<inkml:ink xmlns:inkml="http://www.w3.org/2003/InkML">
-  <inkml:definitions>
-    <inkml:context xml:id="ctx0">
-      <inkml:inkSource xml:id="inkSrc0">
-        <inkml:traceFormat>
-          <inkml:channel name="X" type="integer" min="-2.14748E9" max="2.14748E9" units="cm"/>
-          <inkml:channel name="Y" type="integer" min="-2.14748E9" max="2.14748E9" units="cm"/>
-          <inkml:channel name="F" type="integer" max="32767" units="dev"/>
-        </inkml:traceFormat>
-        <inkml:channelProperties>
-          <inkml:channelProperty channel="X" name="resolution" value="1000" units="1/cm"/>
-          <inkml:channelProperty channel="Y" name="resolution" value="1000" units="1/cm"/>
-          <inkml:channelProperty channel="F" name="resolution" value="0" units="1/dev"/>
-        </inkml:channelProperties>
-      </inkml:inkSource>
-      <inkml:timestamp xml:id="ts0" timeString="2024-01-15T18:09:05.783"/>
-    </inkml:context>
-    <inkml:brush xml:id="br0">
-      <inkml:brushProperty name="width" value="0.035" units="cm"/>
-      <inkml:brushProperty name="height" value="0.035" units="cm"/>
-      <inkml:brushProperty name="color" value="#DA0C07"/>
-      <inkml:brushProperty name="inkEffects" value="lava"/>
-      <inkml:brushProperty name="anchorX" value="-281753.03125"/>
-      <inkml:brushProperty name="anchorY" value="-241783.8125"/>
-      <inkml:brushProperty name="scaleFactor" value="0.5"/>
-    </inkml:brush>
-  </inkml:definitions>
-  <inkml:trace contextRef="#ctx0" brushRef="#br0">106 26 24575,'-5'0'0,"1"0"0,1 0 0,1 0 0,-1 2 0,0-2 0,-3 5 0,3-4 0,-4 7 0,4-7 0,-5 9 0,6-7 0,-8 10 0,7-8 0,-7 13 0,7-11 0,-5 15 0,7-16 0,-7 12 0,7-13 0,-4 10 0,5-10 0,-3 13 0,2-13 0,-1 10 0,1-11 0,1 2 0,0 4 0,2-1 0,-1 0 0,4 0 0,-3-7 0,2 2 0,-1-4 0,0 2 0,0-2 0,0-1 0,0 0 0,1-3 0,-1 3 0,4-6 0,-4 5 0,8-11 0,-7 10 0,8-14 0,-8 11-6784,6-10 6784,-6 9-611,8-13 611,-8 13 0,7-15 0,-8 14-4335,7-13 4335,-8 13 4273,8-16-4273,-8 18 609,5-16-609,-6 18 0,3-10 0,-4 10 6752,1-8-6752,-1 8 96,0-4-96,0 8 0,0 0 0,0 3 0,-1 2 0,1-1 0,-1 5 0,1-4 0,0 8 0,0-5 0,0 7 0,0-8 0,0 2 0,1-6 0,-1 0 0,1 2 0,-1-1 0,2 8 0,-1-7 0,2 10 0,-1-8 0,0 6 0,0-6 0,2 9 0,-1-10 0,4 10 0,-3-11 0,5 9 0,-5-9 0,8 6 0,-7-8 0,12 5 0,-10-5 0,8 3 0,-8-5 0,10 2 0,-10-2 0,5 0 0</inkml:trace>
-</inkml:ink>
-</file>
-
-<file path=ppt/ink/ink21.xml><?xml version="1.0" encoding="utf-8"?>
-<inkml:ink xmlns:inkml="http://www.w3.org/2003/InkML">
-  <inkml:definitions>
-    <inkml:context xml:id="ctx0">
-      <inkml:inkSource xml:id="inkSrc0">
-        <inkml:traceFormat>
-          <inkml:channel name="X" type="integer" min="-2.14748E9" max="2.14748E9" units="cm"/>
-          <inkml:channel name="Y" type="integer" min="-2.14748E9" max="2.14748E9" units="cm"/>
-          <inkml:channel name="F" type="integer" max="32767" units="dev"/>
-        </inkml:traceFormat>
-        <inkml:channelProperties>
-          <inkml:channelProperty channel="X" name="resolution" value="1000" units="1/cm"/>
-          <inkml:channelProperty channel="Y" name="resolution" value="1000" units="1/cm"/>
-          <inkml:channelProperty channel="F" name="resolution" value="0" units="1/dev"/>
-        </inkml:channelProperties>
-      </inkml:inkSource>
-      <inkml:timestamp xml:id="ts0" timeString="2024-01-15T18:09:06.319"/>
-    </inkml:context>
-    <inkml:brush xml:id="br0">
-      <inkml:brushProperty name="width" value="0.035" units="cm"/>
-      <inkml:brushProperty name="height" value="0.035" units="cm"/>
-      <inkml:brushProperty name="color" value="#DA0C07"/>
-      <inkml:brushProperty name="inkEffects" value="lava"/>
-      <inkml:brushProperty name="anchorX" value="-300072.78125"/>
-      <inkml:brushProperty name="anchorY" value="-255978.84375"/>
-      <inkml:brushProperty name="scaleFactor" value="0.5"/>
-    </inkml:brush>
-  </inkml:definitions>
-  <inkml:trace contextRef="#ctx0" brushRef="#br0">93 58 8191,'2'2'0,"-1"1"5063,0 0-5063,1 0 2818,2 4-2818,-1-2 1719,0 2-1719,0-2 6784,-3-1-6784,5 6 0,-3-5 0,6 12 0,-6-12 0,6 10 0,-6-11 0,6 10 0,-4-12 0,4 9 0,-5-9 0,3 3 0,-2-2 0,1 0 0,-1-1 0,0-1 0,-1-2 0,-1-1 0,-1-1 0,2-5 0,-2 4 0,2-9 0,0 8 0,-3-9 0,2 8 0,-2-13 0,0 13 0,0-10 0,-2 9 0,-2-8 0,2 7 0,-7-10 0,8 12 0,-7-6 0,4 6 0,-6-1 0,4 1 0,-2 2 0,1 0 0,-7 2 0,5-1 0,-9 2 0,13 1 0,-12 4 0,10-3 0,-8 7 0,8-5 0,-4 9 0,3-3 0,-2 7 0,5-9 0,-3 11 0,8-11 0,-6 13 0,6-14 0,-1 12 0,1-12 0,1 10 0,0-8 0,4 7 0,-3-8 0,8 10 0,-5-12 0,5 8 0,-6-9 0,10 7 0,-9-7 0,19 10 0,-17-13 0,19 10 0,-13-9 0,15 5 0,-15-5 0,6 0 0,0-1 0,7 0 0,-4 0 0,17-2 0,-29-1 0,26-2 0,-27 2 0,14-3 0,-14 3 0,-1-1 0,-3 2 0</inkml:trace>
-</inkml:ink>
-</file>
-
-<file path=ppt/ink/ink22.xml><?xml version="1.0" encoding="utf-8"?>
-<inkml:ink xmlns:inkml="http://www.w3.org/2003/InkML">
-  <inkml:definitions>
-    <inkml:context xml:id="ctx0">
-      <inkml:inkSource xml:id="inkSrc0">
-        <inkml:traceFormat>
-          <inkml:channel name="X" type="integer" min="-2.14748E9" max="2.14748E9" units="cm"/>
-          <inkml:channel name="Y" type="integer" min="-2.14748E9" max="2.14748E9" units="cm"/>
-          <inkml:channel name="F" type="integer" max="32767" units="dev"/>
-        </inkml:traceFormat>
-        <inkml:channelProperties>
-          <inkml:channelProperty channel="X" name="resolution" value="1000" units="1/cm"/>
-          <inkml:channelProperty channel="Y" name="resolution" value="1000" units="1/cm"/>
-          <inkml:channelProperty channel="F" name="resolution" value="0" units="1/dev"/>
-        </inkml:channelProperties>
-      </inkml:inkSource>
-      <inkml:timestamp xml:id="ts0" timeString="2024-01-15T18:09:06.733"/>
-    </inkml:context>
-    <inkml:brush xml:id="br0">
-      <inkml:brushProperty name="width" value="0.035" units="cm"/>
-      <inkml:brushProperty name="height" value="0.035" units="cm"/>
-      <inkml:brushProperty name="color" value="#DA0C07"/>
-      <inkml:brushProperty name="inkEffects" value="lava"/>
-      <inkml:brushProperty name="anchorX" value="-319160.40625"/>
-      <inkml:brushProperty name="anchorY" value="-270149.96875"/>
-      <inkml:brushProperty name="scaleFactor" value="0.5"/>
-    </inkml:brush>
-  </inkml:definitions>
-  <inkml:trace contextRef="#ctx0" brushRef="#br0">32 171 8191,'-1'6'0,"0"-2"5063,-1 0-5063,0 3 2818,1-2-2818,-2 2 1719,3 1-1719,-3-4 0,2 12 0,-1-11 6784,0 13-6784,0-8 0,-1 5 0,2-5 0,-2 3 0,3-8 0,-3 11 0,3-10 0,-1 6 0,1-11 0,0 0 0,0-4 0,1-1 0,-1 1 0,5-8 0,-2 6 0,3-12 0,-2 11 0,4-14 0,-5 15 0,7-14 0,-7 14 0,13-22 0,-11 19 0,14-19 0,-15 19 0,13-11 0,-12 11 0,14-10 0,-12 12 0,11-7 0,-12 9 0,7-1 0,-1 3 0,-5 1 0,6 1 0,-4 7 0,-4-3 0,8 14 0,-11-12 0,8 16 0,-8-17-6784,5 17 6784,-5-15 0,2 6 0,-4-7 0,2 2 0,0-1 0,1 8 0,0-7-4537,0 10 4537,0-11 2704,1 10-2704,-1-13-643,4 12 643,-5-11-378,7 8 378,-8-9 5371,6 1-5371,-6-4 2506,2-2-2506,0-1 1071,0-2-1071,0 2 0,2-5 0,-3 4 0,9-11 0,-10 9-6094,12-11 6094,-10 11-619,11-14 619,-9 12 0,9-12 0,-7 10 0,9-11 0,-8 11 0,15-21 0,-15 21 5322,9-12-5322,-11 15 0,-2 0 870,2 1-870,1-3 0,-2-1 0,13-10 0,-10 6 0,21-18 0,-20 19-145,9-9 0,-14 18 0,-2 0 0</inkml:trace>
-</inkml:ink>
-</file>
-
-<file path=ppt/ink/ink23.xml><?xml version="1.0" encoding="utf-8"?>
-<inkml:ink xmlns:inkml="http://www.w3.org/2003/InkML">
-  <inkml:definitions>
-    <inkml:context xml:id="ctx0">
-      <inkml:inkSource xml:id="inkSrc0">
-        <inkml:traceFormat>
-          <inkml:channel name="X" type="integer" min="-2.14748E9" max="2.14748E9" units="cm"/>
-          <inkml:channel name="Y" type="integer" min="-2.14748E9" max="2.14748E9" units="cm"/>
-          <inkml:channel name="F" type="integer" max="32767" units="dev"/>
-        </inkml:traceFormat>
-        <inkml:channelProperties>
-          <inkml:channelProperty channel="X" name="resolution" value="1000" units="1/cm"/>
-          <inkml:channelProperty channel="Y" name="resolution" value="1000" units="1/cm"/>
-          <inkml:channelProperty channel="F" name="resolution" value="0" units="1/dev"/>
-        </inkml:channelProperties>
-      </inkml:inkSource>
-      <inkml:timestamp xml:id="ts0" timeString="2024-01-15T18:09:06.950"/>
-    </inkml:context>
-    <inkml:brush xml:id="br0">
-      <inkml:brushProperty name="width" value="0.035" units="cm"/>
-      <inkml:brushProperty name="height" value="0.035" units="cm"/>
-      <inkml:brushProperty name="color" value="#DA0C07"/>
-      <inkml:brushProperty name="inkEffects" value="lava"/>
-      <inkml:brushProperty name="anchorX" value="-338904.59375"/>
-      <inkml:brushProperty name="anchorY" value="-284026.28125"/>
-      <inkml:brushProperty name="scaleFactor" value="0.5"/>
-    </inkml:brush>
-  </inkml:definitions>
-  <inkml:trace contextRef="#ctx0" brushRef="#br0">36 1 24575,'2'6'0,"-2"3"0,1-5 0,-1 4 0,2-3 0,-2-1 0,1 4 0,1 5 0,-2-3 0,1 4 0,0-2 0,1 5 0,0-2 0,1 13 0,-2-20 0,4 21 0,-4-20 0,3 18 0,-3-20 0,1 14 0,-1-15 0,0 10 0,1-6 0,0 9 0,-1-9 0,-1 6 0,0-11 0,0 6 0,0-7 0,-1 6 0,-1-6 0,1 3 0,-2-4 0,1-2 0,0 1 0,0-1 0,0-1 0,0 0 0,-1 0 0,-1-5 0,1 3 0,-4-7 0,4 5 0,-6-9 0,5 8 0,-5-7 0,4 6 0,-1-3 0,4 6 0,0-1 0</inkml:trace>
-</inkml:ink>
-</file>
-
-<file path=ppt/ink/ink24.xml><?xml version="1.0" encoding="utf-8"?>
-<inkml:ink xmlns:inkml="http://www.w3.org/2003/InkML">
-  <inkml:definitions>
-    <inkml:context xml:id="ctx0">
-      <inkml:inkSource xml:id="inkSrc0">
-        <inkml:traceFormat>
-          <inkml:channel name="X" type="integer" min="-2.14748E9" max="2.14748E9" units="cm"/>
-          <inkml:channel name="Y" type="integer" min="-2.14748E9" max="2.14748E9" units="cm"/>
-          <inkml:channel name="F" type="integer" max="32767" units="dev"/>
-        </inkml:traceFormat>
-        <inkml:channelProperties>
-          <inkml:channelProperty channel="X" name="resolution" value="1000" units="1/cm"/>
-          <inkml:channelProperty channel="Y" name="resolution" value="1000" units="1/cm"/>
-          <inkml:channelProperty channel="F" name="resolution" value="0" units="1/dev"/>
-        </inkml:channelProperties>
-      </inkml:inkSource>
-      <inkml:timestamp xml:id="ts0" timeString="2024-01-15T18:09:07.108"/>
-    </inkml:context>
-    <inkml:brush xml:id="br0">
-      <inkml:brushProperty name="width" value="0.035" units="cm"/>
-      <inkml:brushProperty name="height" value="0.035" units="cm"/>
-      <inkml:brushProperty name="color" value="#DA0C07"/>
-      <inkml:brushProperty name="inkEffects" value="lava"/>
-      <inkml:brushProperty name="anchorX" value="-356288.84375"/>
-      <inkml:brushProperty name="anchorY" value="-295596.03125"/>
-      <inkml:brushProperty name="scaleFactor" value="0.5"/>
-    </inkml:brush>
-  </inkml:definitions>
-  <inkml:trace contextRef="#ctx0" brushRef="#br0">1 34 24575,'0'-4'0,"0"0"-9831,1 1 8341,-1 0 4308,3 0-2818,-2 0 1719,5-1-1719,-3 2 0,4-1 0,-2 1 0,6 0 0,-6 1 6784,12 1-6784,-2 1 0,6 1 0,-3 1 0,-6-2 0,-6 2 0,0-3 0,-2 3 0,1-3 0,5 3 0,-3-2 0,7 2 0,1 1 0,8 2 0,-4-1 0,15 5 0,-22-7 0,26 10 0,-28-12-6784,29 13 6784,-30-11-1385,22 11 1385,-22-11-19,9 7 0,-14-9 1,1 3-1</inkml:trace>
-</inkml:ink>
-</file>
-
-<file path=ppt/ink/ink25.xml><?xml version="1.0" encoding="utf-8"?>
-<inkml:ink xmlns:inkml="http://www.w3.org/2003/InkML">
-  <inkml:definitions>
-    <inkml:context xml:id="ctx0">
-      <inkml:inkSource xml:id="inkSrc0">
-        <inkml:traceFormat>
-          <inkml:channel name="X" type="integer" min="-2.14748E9" max="2.14748E9" units="cm"/>
-          <inkml:channel name="Y" type="integer" min="-2.14748E9" max="2.14748E9" units="cm"/>
-          <inkml:channel name="F" type="integer" max="32767" units="dev"/>
-        </inkml:traceFormat>
-        <inkml:channelProperties>
-          <inkml:channelProperty channel="X" name="resolution" value="1000" units="1/cm"/>
-          <inkml:channelProperty channel="Y" name="resolution" value="1000" units="1/cm"/>
-          <inkml:channelProperty channel="F" name="resolution" value="0" units="1/dev"/>
-        </inkml:channelProperties>
-      </inkml:inkSource>
-      <inkml:timestamp xml:id="ts0" timeString="2024-01-15T18:09:09.150"/>
-    </inkml:context>
-    <inkml:brush xml:id="br0">
-      <inkml:brushProperty name="width" value="0.035" units="cm"/>
-      <inkml:brushProperty name="height" value="0.035" units="cm"/>
-      <inkml:brushProperty name="color" value="#DA0C07"/>
-      <inkml:brushProperty name="inkEffects" value="lava"/>
-      <inkml:brushProperty name="anchorX" value="-376597"/>
-      <inkml:brushProperty name="anchorY" value="-309634.75"/>
-      <inkml:brushProperty name="scaleFactor" value="0.5"/>
-    </inkml:brush>
-  </inkml:definitions>
-  <inkml:trace contextRef="#ctx0" brushRef="#br0">1 631 24575,'4'7'0,"0"-1"0,2 1 0,-2-2 0,1 0 0,-1-2 0,-1 2 0,8 5 0,-6-5 0,10 11 0,-8-11 0,12 11 0,-10-8-6784,21 16 6784,-18-16-3996,41 29 3996,-31-27-1586,42 29 1586,-29-24 0,17 8 0,4 1 0,3 2 0,16 1 0,2 0 0,-6-4 0,3-1 0,0-2 0,-9-5 0,30 4 0,6-1-1121,-45-9 0,1-1 1121,17 1 0,10 0 0,-9 0 0,-21-2 0,2 0 0,34-2 0,15-2 0,-18-1 0,6 2 0,-25-2 0,10-1 0,-10 0 700,20-1-700,-18-2 0,8 0 0,-7 0 0,5-1 0,7-2-330,6-3 1,9-1-1,0-1 1,-6 1 329,-3 1 0,-5 1 0,4-2-100,2-3 0,9-2 1,-6 1-1,-16 1 100,-20 3 0,-5 0 0,35-6 0,1-1 0,-27 2 0,0-1-380,27-5 1,4-1 379,-2 0 0,5-3 0,-1-1 0,6-3 0,-11 3 0,-17 7 0,-4-1 416,26-9 0,-1-2-416,-25 9 0,-9 1 0,5-7 0,-5 5 0,12-5 0,-5 0 0,-6-4 0,-3 0 0,5 1 0,-2 0 921,-12 4 0,-4 0-921,12-14 0,-15 10 0,31-27 0,-43 29 0,14-12 0,-19 12 0,-4 6 3192,1-5-3192,-14 16 2419,5-9-2419,-6 10 0,2-4 0,-6 9 6133,4-8-6133,-4 7 0,4-2 1640,-2 2-1640,0 4 326,5-5-326,2 3 0,-2 0 0,8 1 0,-11 2 0,14 0 0,-3 1 0,2 0 0,11 0 0,0 3 0,-7-2-6784,36 4 6784,-42-3 0,25 0-587,-21 0 587,-5-1 0,22 1 0,-23 0-4342,28 0 4342,-33-2-45,27 0 45,-26 0 4320,18 0-4320,-17-2 0,1 1 583,-6-3-583,-6 3 6749,-1-2-6749,-6-5 0,3 4 106,-6-4-106,5 5 0,2 1 0,0 1 0</inkml:trace>
-</inkml:ink>
-</file>
-
-<file path=ppt/ink/ink26.xml><?xml version="1.0" encoding="utf-8"?>
-<inkml:ink xmlns:inkml="http://www.w3.org/2003/InkML">
-  <inkml:definitions>
-    <inkml:context xml:id="ctx0">
-      <inkml:inkSource xml:id="inkSrc0">
-        <inkml:traceFormat>
-          <inkml:channel name="X" type="integer" min="-2.14748E9" max="2.14748E9" units="cm"/>
-          <inkml:channel name="Y" type="integer" min="-2.14748E9" max="2.14748E9" units="cm"/>
-          <inkml:channel name="F" type="integer" max="32767" units="dev"/>
-        </inkml:traceFormat>
-        <inkml:channelProperties>
-          <inkml:channelProperty channel="X" name="resolution" value="1000" units="1/cm"/>
-          <inkml:channelProperty channel="Y" name="resolution" value="1000" units="1/cm"/>
-          <inkml:channelProperty channel="F" name="resolution" value="0" units="1/dev"/>
-        </inkml:channelProperties>
-      </inkml:inkSource>
-      <inkml:timestamp xml:id="ts0" timeString="2024-01-15T18:09:09.490"/>
-    </inkml:context>
-    <inkml:brush xml:id="br0">
-      <inkml:brushProperty name="width" value="0.035" units="cm"/>
-      <inkml:brushProperty name="height" value="0.035" units="cm"/>
-      <inkml:brushProperty name="color" value="#DA0C07"/>
-      <inkml:brushProperty name="inkEffects" value="lava"/>
-      <inkml:brushProperty name="anchorX" value="-400393.28125"/>
-      <inkml:brushProperty name="anchorY" value="-323652.9375"/>
-      <inkml:brushProperty name="scaleFactor" value="0.5"/>
-    </inkml:brush>
-  </inkml:definitions>
-  <inkml:trace contextRef="#ctx0" brushRef="#br0">1 39 21609,'39'-3'0,"0"2"0,48-7-5173,-18 6 5173,-8-2 0,0 0-3796,3 3 3796,6-5 0,0 5-1435,-28-1 1435,27 2-264,-12-2 1,5 1 263,3 1 0,1-1 0,1 0 0,2 0 0,10 0 0,-12 2 0,-31-1 0,51 3 0,-65-2-1129,21 5 1129,-33-5 2579,8 4-2579,-12-4 3979,1 3-3979,-6-2 1478,-3 2-1478,-4 9 0,2-8 6682,-13 20-6682,-1-5 0,1 3 0,-15 13 0,20-23 0,-15 18 0,11-16 0,-13 19 0,7-11 0,-21 28 0,26-33 0,-18 25 0,28-34-6476,-15 21 6476,17-22-907,-11 20 907,12-21 0,-3 12 0,5-12 0,0 4 0,1-4 6335,1-2-6335,0-1 1356,0-1-1356,3 4 0,-2-3 0,8 1 0,-6-3 0,7 0 0,-6-1 0,9-4 0,-9 2 0,9-8 0,-9 7 0,1-4 0,-3 5 0</inkml:trace>
-</inkml:ink>
-</file>
-
-<file path=ppt/ink/ink27.xml><?xml version="1.0" encoding="utf-8"?>
-<inkml:ink xmlns:inkml="http://www.w3.org/2003/InkML">
-  <inkml:definitions>
-    <inkml:context xml:id="ctx0">
-      <inkml:inkSource xml:id="inkSrc0">
-        <inkml:traceFormat>
-          <inkml:channel name="X" type="integer" min="-2.14748E9" max="2.14748E9" units="cm"/>
-          <inkml:channel name="Y" type="integer" min="-2.14748E9" max="2.14748E9" units="cm"/>
-          <inkml:channel name="F" type="integer" max="32767" units="dev"/>
-        </inkml:traceFormat>
-        <inkml:channelProperties>
-          <inkml:channelProperty channel="X" name="resolution" value="1000" units="1/cm"/>
-          <inkml:channelProperty channel="Y" name="resolution" value="1000" units="1/cm"/>
-          <inkml:channelProperty channel="F" name="resolution" value="0" units="1/dev"/>
-        </inkml:channelProperties>
-      </inkml:inkSource>
-      <inkml:timestamp xml:id="ts0" timeString="2024-01-15T18:09:10.011"/>
-    </inkml:context>
-    <inkml:brush xml:id="br0">
-      <inkml:brushProperty name="width" value="0.035" units="cm"/>
-      <inkml:brushProperty name="height" value="0.035" units="cm"/>
-      <inkml:brushProperty name="color" value="#DA0C07"/>
-      <inkml:brushProperty name="inkEffects" value="lava"/>
-      <inkml:brushProperty name="anchorX" value="-424871.875"/>
-      <inkml:brushProperty name="anchorY" value="-337653.03125"/>
-      <inkml:brushProperty name="scaleFactor" value="0.5"/>
-    </inkml:brush>
-  </inkml:definitions>
-  <inkml:trace contextRef="#ctx0" brushRef="#br0">688 1 24575,'-3'0'0,"0"-1"0,1 4 0,0-2 0,0 2 0,-7 8 0,5-5 0,-7 9 0,8-10 0,-5 8 0,-1 2 0,0-2 0,-7 15 0,5-7-6784,-14 26 6784,12-20 0,-31 58 0,28-58-1532,-26 54 1532,17-38 0,1 0 0,-3 2 0,-11 18 0,4-7 0,2-2 0,7-13 0,-4 7 0,1-2 0,13-21 0,-32 48 0,38-58 0,-26 37 0,29-41 0,-14 22 0,13-23 0,-8 18 0,6-13 0,-5 11 0,10-17 0,-4 8 0,7-11 0,-3 9 0,4-10 0,1 8 0,1-10 6026,4 3-6026,-3-6 2290,5 0-2290,-5 0 0,10-5 0,-8 3 0,10-10 0,-9 8 0,6-5 0,-9 7 0,1 0 0</inkml:trace>
-</inkml:ink>
-</file>
-
-<file path=ppt/ink/ink28.xml><?xml version="1.0" encoding="utf-8"?>
-<inkml:ink xmlns:inkml="http://www.w3.org/2003/InkML">
-  <inkml:definitions>
-    <inkml:context xml:id="ctx0">
-      <inkml:inkSource xml:id="inkSrc0">
-        <inkml:traceFormat>
-          <inkml:channel name="X" type="integer" min="-2.14748E9" max="2.14748E9" units="cm"/>
-          <inkml:channel name="Y" type="integer" min="-2.14748E9" max="2.14748E9" units="cm"/>
-          <inkml:channel name="F" type="integer" max="32767" units="dev"/>
-        </inkml:traceFormat>
-        <inkml:channelProperties>
-          <inkml:channelProperty channel="X" name="resolution" value="1000" units="1/cm"/>
-          <inkml:channelProperty channel="Y" name="resolution" value="1000" units="1/cm"/>
-          <inkml:channelProperty channel="F" name="resolution" value="0" units="1/dev"/>
-        </inkml:channelProperties>
-      </inkml:inkSource>
-      <inkml:timestamp xml:id="ts0" timeString="2024-01-15T18:09:10.991"/>
-    </inkml:context>
-    <inkml:brush xml:id="br0">
-      <inkml:brushProperty name="width" value="0.035" units="cm"/>
-      <inkml:brushProperty name="height" value="0.035" units="cm"/>
-      <inkml:brushProperty name="color" value="#DA0C07"/>
-      <inkml:brushProperty name="inkEffects" value="lava"/>
-      <inkml:brushProperty name="anchorX" value="-447304.125"/>
-      <inkml:brushProperty name="anchorY" value="-349044.5625"/>
-      <inkml:brushProperty name="scaleFactor" value="0.5"/>
-    </inkml:brush>
-  </inkml:definitions>
-  <inkml:trace contextRef="#ctx0" brushRef="#br0">0 1786 8191,'6'-2'0,"0"0"4667,-1 1-4667,1-1 2866,5-1-2866,1-2-2670,5-2 2670,-6 2 0,2-1 4379,3-2-4379,-3 2 0,53-32 0,-23 12 0,0-1-1111,40-23 1111,-9 3 0,-5 2-1567,-28 17 1567,35-23 0,0-1 0,-33 22 0,8-6 0,10-9 0,-10 8 2002,-2 2-2002,20-18 0,1-2 0,-17 11 0,12-14 0,-1-1 0,-14 9 0,6-7 0,-2-2 0,-12 6-2079,0-4 1,-1-1 2078,0 1 0,-11 7 0,-4 3 980,-11 20-980,17-49 333,-22 52-333,10-38 0,-11 40 0,0-22 0,-4 22 0,2-17 0,-6 28 1778,2-16-1778,-2 19 5743,0-7-5743,-1 11 0,1-3 0,-1 4 1874,2-3-1874,1 0 1267,-2 2-1267,4-1 0,-3 1 0,1 2 0,10-5 0,10 3 0,-2-1 0,32 5 0,-31 3-6784,67 7 6784,-53-3 0,29 5 0,1 1-2074,-21-4 2074,26 6 0,6 2 0,14 1-1284,-27-5 1,10 2 0,-6-1 1283,-1 0 0,1-1 0,12 3 0,8 0 0,-12-2-1389,22 3 1389,-23-4 0,13 1 0,-15-2 0,3-1 0,-2 0 0,15 2 0,-13-2 986,18 3-986,-18-5 0,13 2 0,-14-1-1007,19 2 1007,-4-2 0,-2-1 0,-12 2 0,3-2 0,4 1 773,-28-1 1,0 0-774,34 3 0,-5 1 0,-9 0 0,-11-2 0,-6-1 0,-28-6 0,48 12 1721,-53-12-1721,18 9 0,-29-10 2843,6 8-2843,-17-8 4554,4 8-4554,-5-2 0,-2 11 0,-2-10 0,-1 7 0,2-8 0,-5 10 0,3-6 3453,-6 17-3453,1-7 0,-16 56 0,9-41-1504,-1 9 0,-1 3 1504,-4 7 0,-5 15 0,-2 3 0,-3 7 0,5-14 0,-4 10 0,5-14 0,0-3 0,-3 13 0,-7 17 0,5-12-5788,-4 11 5788,0 4 0,2-4-1010,8-24 1010,-3 20 0,2 2-1969,3-16 1969,1-2 0,-3 14 0,6-15 0,3-8 0,-8 25 0,1 2 0,9-19 0,-6 11 0,0 1 0,7-16 0,-7 18 0,0 2 0,-2 4-941,6-24 1,0-2 940,-4 4 0,-9 22 2277,12-51-2277,-3 12 0,-1 1 803,-1-10-803,-4 2 0,-2 1 1277,-1-3-1277,-18 16 0,32-45 0,-6 6 0,-6-4 0,4-1 5538,-28 6-5538,-31-10 921,27-2-921,-12-7 0,3-3-1378,25-1 1378,-21-2 0,-1-1 0,16-1 0,-27-5 0,-3-1-502,17 0 502,-8-2 0,-14-3 0,13 2-5221,2 1 5221,-4-3 0,-4 0 0,-23-6-1457,6 0 1457,2-1 0,0 1-2037,-4-2 2037,17 6 0,4 0 0,9 4 0,-7-4 0,-14-6 0,10 4 0,-16-4 0,17 5 0,-10-4 0,18 5 0,21 7 0,-32-10 0,-1 0 0,25 8 0,-30-10 0,1-1 0,34 13 0,-8-3 0,2-1 0,18 7 0,-33-12 851,48 18-851,-23-10 0,14 11 0,7-2 1840,-1 5-1840,20 2 3960,-2 0-3960,13-1 0,-5-1 0,14-2 0,-13 2 6784,18-3-6784,-11 2 0,1 1 0,-7-1 0</inkml:trace>
-</inkml:ink>
-</file>
-
-<file path=ppt/ink/ink29.xml><?xml version="1.0" encoding="utf-8"?>
-<inkml:ink xmlns:inkml="http://www.w3.org/2003/InkML">
-  <inkml:definitions>
-    <inkml:context xml:id="ctx0">
-      <inkml:inkSource xml:id="inkSrc0">
-        <inkml:traceFormat>
-          <inkml:channel name="X" type="integer" min="-2.14748E9" max="2.14748E9" units="cm"/>
-          <inkml:channel name="Y" type="integer" min="-2.14748E9" max="2.14748E9" units="cm"/>
-          <inkml:channel name="F" type="integer" max="32767" units="dev"/>
-        </inkml:traceFormat>
-        <inkml:channelProperties>
-          <inkml:channelProperty channel="X" name="resolution" value="1000" units="1/cm"/>
-          <inkml:channelProperty channel="Y" name="resolution" value="1000" units="1/cm"/>
-          <inkml:channelProperty channel="F" name="resolution" value="0" units="1/dev"/>
-        </inkml:channelProperties>
-      </inkml:inkSource>
-      <inkml:timestamp xml:id="ts0" timeString="2024-01-15T18:09:11.400"/>
-    </inkml:context>
-    <inkml:brush xml:id="br0">
-      <inkml:brushProperty name="width" value="0.035" units="cm"/>
-      <inkml:brushProperty name="height" value="0.035" units="cm"/>
-      <inkml:brushProperty name="color" value="#DA0C07"/>
-      <inkml:brushProperty name="inkEffects" value="lava"/>
-      <inkml:brushProperty name="anchorX" value="-473863.46875"/>
-      <inkml:brushProperty name="anchorY" value="-363176.53125"/>
-      <inkml:brushProperty name="scaleFactor" value="0.5"/>
-    </inkml:brush>
-  </inkml:definitions>
-  <inkml:trace contextRef="#ctx0" brushRef="#br0">234 0 8191,'-1'5'0,"-1"0"5063,2 0-5063,-1-1 0,-2 13 0,1-9 0,-3 14 0,3-12 0,-1 1 0,-1 2 0,2-6 0,-8 19 0,4-11 0,-6 14 0,6-16 0,-9 16 0,11-20 0,-16 24 0,15-25 2818,-12 15-2818,12-18 0,-15 18 0,13-17 0,-16 16 0,18-18 1719,-13 11-1719,13-11 0,-9 5 0,10-6 6784,-4 1-6784,6-3 0,-1-3 0,3-1 0,0-1 0,0 1 0,3-10 0,-1 6 0,4-21 0,-2 19-6784,5-23 6784,-6 23-166,7-17 1,-9 21 0,3-5 0</inkml:trace>
-</inkml:ink>
-</file>
-
-<file path=ppt/ink/ink3.xml><?xml version="1.0" encoding="utf-8"?>
-<inkml:ink xmlns:inkml="http://www.w3.org/2003/InkML">
-  <inkml:definitions>
-    <inkml:context xml:id="ctx0">
-      <inkml:inkSource xml:id="inkSrc0">
-        <inkml:traceFormat>
-          <inkml:channel name="X" type="integer" min="-2.14748E9" max="2.14748E9" units="cm"/>
-          <inkml:channel name="Y" type="integer" min="-2.14748E9" max="2.14748E9" units="cm"/>
-          <inkml:channel name="F" type="integer" max="32767" units="dev"/>
-        </inkml:traceFormat>
-        <inkml:channelProperties>
-          <inkml:channelProperty channel="X" name="resolution" value="1000" units="1/cm"/>
-          <inkml:channelProperty channel="Y" name="resolution" value="1000" units="1/cm"/>
-          <inkml:channelProperty channel="F" name="resolution" value="0" units="1/dev"/>
-        </inkml:channelProperties>
-      </inkml:inkSource>
-      <inkml:timestamp xml:id="ts0" timeString="2024-01-15T18:08:58.790"/>
-    </inkml:context>
-    <inkml:brush xml:id="br0">
-      <inkml:brushProperty name="width" value="0.035" units="cm"/>
-      <inkml:brushProperty name="height" value="0.035" units="cm"/>
-      <inkml:brushProperty name="color" value="#DA0C07"/>
-      <inkml:brushProperty name="inkEffects" value="lava"/>
-      <inkml:brushProperty name="anchorX" value="-14207.00098"/>
-      <inkml:brushProperty name="anchorY" value="-26131.9707"/>
-      <inkml:brushProperty name="scaleFactor" value="0.5"/>
-    </inkml:brush>
-  </inkml:definitions>
-  <inkml:trace contextRef="#ctx0" brushRef="#br0">1 57 24575,'8'-3'0,"2"-1"0,-5 3 0,4-2 0,16-1 0,-12 0 0,15 1 0,-13-1-8503,42-1 8503,-26 1 0,66-2 109,-50 5-109,9-1 0,5-1 0,26 0-2002,-10 1 0,-2 1 2002,5-2 0,11 3 0,-3 0-2677,-28 0 2677,3 0 0,-4 0 0,-23 0 0,2 0 2146,32 0-2146,6 0 0,4 0-915,-29 0 1,-1 0 914,34 1 0,-2 1 0,-4-1 293,-22 0 1,2 0-294,-1 1 0,2-1 610,10 0 1,-3-1-611,23 3-1070,-17-1 0,-5-1 1070,-12-1 0,15 2 0,-4-1 2552,-34-1-2552,63 0 0,-73 0 2441,25 0-2441,-34 0 0,13-1 0,-17 0 0,5-1 0,-12 2 0,1-2 0</inkml:trace>
-</inkml:ink>
-</file>
-
-<file path=ppt/ink/ink30.xml><?xml version="1.0" encoding="utf-8"?>
-<inkml:ink xmlns:inkml="http://www.w3.org/2003/InkML">
-  <inkml:definitions>
-    <inkml:context xml:id="ctx0">
-      <inkml:inkSource xml:id="inkSrc0">
-        <inkml:traceFormat>
-          <inkml:channel name="X" type="integer" min="-2.14748E9" max="2.14748E9" units="cm"/>
-          <inkml:channel name="Y" type="integer" min="-2.14748E9" max="2.14748E9" units="cm"/>
-          <inkml:channel name="F" type="integer" max="32767" units="dev"/>
-        </inkml:traceFormat>
-        <inkml:channelProperties>
-          <inkml:channelProperty channel="X" name="resolution" value="1000" units="1/cm"/>
-          <inkml:channelProperty channel="Y" name="resolution" value="1000" units="1/cm"/>
-          <inkml:channelProperty channel="F" name="resolution" value="0" units="1/dev"/>
-        </inkml:channelProperties>
-      </inkml:inkSource>
-      <inkml:timestamp xml:id="ts0" timeString="2024-01-15T18:09:11.622"/>
-    </inkml:context>
-    <inkml:brush xml:id="br0">
-      <inkml:brushProperty name="width" value="0.035" units="cm"/>
-      <inkml:brushProperty name="height" value="0.035" units="cm"/>
-      <inkml:brushProperty name="color" value="#DA0C07"/>
-      <inkml:brushProperty name="inkEffects" value="lava"/>
-      <inkml:brushProperty name="anchorX" value="-498605.15625"/>
-      <inkml:brushProperty name="anchorY" value="-373678.71875"/>
-      <inkml:brushProperty name="scaleFactor" value="0.5"/>
-    </inkml:brush>
-  </inkml:definitions>
-  <inkml:trace contextRef="#ctx0" brushRef="#br0">0 1 24575,'3'3'0,"5"7"0,-4-3 0,4 5 0,-5-8 0,2 9 0,-2-6 0,5 15 0,-4-15 0,4 20 0,-5-19 0,4 17 0,-5-15 0,4 14 0,-5-13 0,5 18 0,-4-21 0,2 20 0,-1-21 0,0 18 0,-2-17 0,2 9 0,-3 9 0,1-13 0,-1 11 0,0-19 0,0 9 0,0-6 0,-2 13 0,0-16 0,-4 12 0,5-13 0,-7 9 0,5-9 0,-5 4 0,4-5 0,-7 3 0,5-4 0,-3 0 0,7-2 0,1 0 0</inkml:trace>
-</inkml:ink>
-</file>
-
-<file path=ppt/ink/ink31.xml><?xml version="1.0" encoding="utf-8"?>
-<inkml:ink xmlns:inkml="http://www.w3.org/2003/InkML">
-  <inkml:definitions>
-    <inkml:context xml:id="ctx0">
-      <inkml:inkSource xml:id="inkSrc0">
-        <inkml:traceFormat>
-          <inkml:channel name="X" type="integer" min="-2.14748E9" max="2.14748E9" units="cm"/>
-          <inkml:channel name="Y" type="integer" min="-2.14748E9" max="2.14748E9" units="cm"/>
-          <inkml:channel name="F" type="integer" max="32767" units="dev"/>
-        </inkml:traceFormat>
-        <inkml:channelProperties>
-          <inkml:channelProperty channel="X" name="resolution" value="1000" units="1/cm"/>
-          <inkml:channelProperty channel="Y" name="resolution" value="1000" units="1/cm"/>
-          <inkml:channelProperty channel="F" name="resolution" value="0" units="1/dev"/>
-        </inkml:channelProperties>
-      </inkml:inkSource>
-      <inkml:timestamp xml:id="ts0" timeString="2024-01-15T18:09:11.802"/>
-    </inkml:context>
-    <inkml:brush xml:id="br0">
-      <inkml:brushProperty name="width" value="0.035" units="cm"/>
-      <inkml:brushProperty name="height" value="0.035" units="cm"/>
-      <inkml:brushProperty name="color" value="#DA0C07"/>
-      <inkml:brushProperty name="inkEffects" value="lava"/>
-      <inkml:brushProperty name="anchorX" value="-526180.125"/>
-      <inkml:brushProperty name="anchorY" value="-386715.03125"/>
-      <inkml:brushProperty name="scaleFactor" value="0.5"/>
-    </inkml:brush>
-  </inkml:definitions>
-  <inkml:trace contextRef="#ctx0" brushRef="#br0">0 34 24575,'3'-1'0,"0"-1"0,0 2 0,1-1 0,-1 1 0,1-2 0,0 2 0,-1 0 0,5 0 0,-4 0 0,6 0 0,-3 0 0,9 0 0,-9 0 0,15 0 0,-16-1 0,14 1 0,-15-1 0,14-1 0,-12 2 0,11-2 0,-11 1 0,9-1 0,-8 1 0,11-1 0,-9 0 0,6-1 0,-9 2 0,0-2 0,-2 3 0,-3-1 0,1 0 0,1 0 0,-1-1 0,0 1 0,-1 0 0</inkml:trace>
-</inkml:ink>
-</file>
-
-<file path=ppt/ink/ink32.xml><?xml version="1.0" encoding="utf-8"?>
-<inkml:ink xmlns:inkml="http://www.w3.org/2003/InkML">
-  <inkml:definitions>
-    <inkml:context xml:id="ctx0">
-      <inkml:inkSource xml:id="inkSrc0">
-        <inkml:traceFormat>
-          <inkml:channel name="X" type="integer" min="-2.14748E9" max="2.14748E9" units="cm"/>
-          <inkml:channel name="Y" type="integer" min="-2.14748E9" max="2.14748E9" units="cm"/>
-          <inkml:channel name="F" type="integer" max="32767" units="dev"/>
-        </inkml:traceFormat>
-        <inkml:channelProperties>
-          <inkml:channelProperty channel="X" name="resolution" value="1000" units="1/cm"/>
-          <inkml:channelProperty channel="Y" name="resolution" value="1000" units="1/cm"/>
-          <inkml:channelProperty channel="F" name="resolution" value="0" units="1/dev"/>
-        </inkml:channelProperties>
-      </inkml:inkSource>
-      <inkml:timestamp xml:id="ts0" timeString="2024-01-15T18:09:12.088"/>
-    </inkml:context>
-    <inkml:brush xml:id="br0">
-      <inkml:brushProperty name="width" value="0.035" units="cm"/>
-      <inkml:brushProperty name="height" value="0.035" units="cm"/>
-      <inkml:brushProperty name="color" value="#DA0C07"/>
-      <inkml:brushProperty name="inkEffects" value="lava"/>
-      <inkml:brushProperty name="anchorX" value="-553906.625"/>
-      <inkml:brushProperty name="anchorY" value="-399669.125"/>
-      <inkml:brushProperty name="scaleFactor" value="0.5"/>
-    </inkml:brush>
-  </inkml:definitions>
-  <inkml:trace contextRef="#ctx0" brushRef="#br0">33 1 24575,'-2'6'0,"1"-1"0,-1-2 0,2 0 0,-2 0 0,-1 7 0,-1-5 0,0 7 0,3-8 0,-1 1 0,0 6 0,0-7 0,-2 10 0,2-6 0,1 8 0,1-8 0,0 8 0,0-12 0,1 9 0,1-9 0,2 7 0,-1-6 0,5 6 0,-6-6 0,8 3 0,-7-6 0,6 1 0,-5-3 0,1 0 0,-2 0 0,0 1 0,-1-1 0,1 1 0,3-1 0,-2-1 0,4-2 0,2-1 0,-2 0 0,0-1 0,-1 0 0,-4 3 0,1-3 0,-2 5 0,-2-2 0</inkml:trace>
-</inkml:ink>
-</file>
-
-<file path=ppt/ink/ink33.xml><?xml version="1.0" encoding="utf-8"?>
-<inkml:ink xmlns:inkml="http://www.w3.org/2003/InkML">
-  <inkml:definitions>
-    <inkml:context xml:id="ctx0">
-      <inkml:inkSource xml:id="inkSrc0">
-        <inkml:traceFormat>
-          <inkml:channel name="X" type="integer" min="-2.14748E9" max="2.14748E9" units="cm"/>
-          <inkml:channel name="Y" type="integer" min="-2.14748E9" max="2.14748E9" units="cm"/>
-          <inkml:channel name="F" type="integer" max="32767" units="dev"/>
-        </inkml:traceFormat>
-        <inkml:channelProperties>
-          <inkml:channelProperty channel="X" name="resolution" value="1000" units="1/cm"/>
-          <inkml:channelProperty channel="Y" name="resolution" value="1000" units="1/cm"/>
-          <inkml:channelProperty channel="F" name="resolution" value="0" units="1/dev"/>
-        </inkml:channelProperties>
-      </inkml:inkSource>
-      <inkml:timestamp xml:id="ts0" timeString="2024-01-15T18:09:12.303"/>
-    </inkml:context>
-    <inkml:brush xml:id="br0">
-      <inkml:brushProperty name="width" value="0.035" units="cm"/>
-      <inkml:brushProperty name="height" value="0.035" units="cm"/>
-      <inkml:brushProperty name="color" value="#DA0C07"/>
-      <inkml:brushProperty name="inkEffects" value="lava"/>
-      <inkml:brushProperty name="anchorX" value="-581893.375"/>
-      <inkml:brushProperty name="anchorY" value="-412473.375"/>
-      <inkml:brushProperty name="scaleFactor" value="0.5"/>
-    </inkml:brush>
-  </inkml:definitions>
-  <inkml:trace contextRef="#ctx0" brushRef="#br0">1 262 24575,'0'4'0,"0"0"0,0-1 0,0 0 0,2 4 0,-1-3 0,3 4 0,-3-5 0,1 1 0,0-1 0,0 0 0,2 1 0,-1-2 0,4 2 0,-4-4 0,5 0 0,-5-2 0,9-4 0,-8 2 0,14-9 0,-12 9 0,12-11 0,-13 10 0,16-16 0,-4 1 0,8-7 0,-11 8 0,-3 7 0,-4 2 0,-4 5 0,6-7 0,-5 6 0,6-10 0,-6 9 0,7-11 0,-6 11 0,6-11 0,-6 9 0,8-9 0,-11 13 0,7-9 0,-5 12 0,2-8 0,-4 7 0,3-1 0,-3 3 0,2-2 0,-1 3 0,1-2 0,-1 2 0,4 2 0,-4-2 0,6 4 0,-5-3 0,3 2 0,-6-2 0,1 0 0</inkml:trace>
-</inkml:ink>
-</file>
-
-<file path=ppt/ink/ink34.xml><?xml version="1.0" encoding="utf-8"?>
-<inkml:ink xmlns:inkml="http://www.w3.org/2003/InkML">
-  <inkml:definitions>
-    <inkml:context xml:id="ctx0">
-      <inkml:inkSource xml:id="inkSrc0">
-        <inkml:traceFormat>
-          <inkml:channel name="X" type="integer" min="-2.14748E9" max="2.14748E9" units="cm"/>
-          <inkml:channel name="Y" type="integer" min="-2.14748E9" max="2.14748E9" units="cm"/>
-          <inkml:channel name="F" type="integer" max="32767" units="dev"/>
-        </inkml:traceFormat>
-        <inkml:channelProperties>
-          <inkml:channelProperty channel="X" name="resolution" value="1000" units="1/cm"/>
-          <inkml:channelProperty channel="Y" name="resolution" value="1000" units="1/cm"/>
-          <inkml:channelProperty channel="F" name="resolution" value="0" units="1/dev"/>
-        </inkml:channelProperties>
-      </inkml:inkSource>
-      <inkml:timestamp xml:id="ts0" timeString="2024-01-15T18:09:12.741"/>
-    </inkml:context>
-    <inkml:brush xml:id="br0">
-      <inkml:brushProperty name="width" value="0.035" units="cm"/>
-      <inkml:brushProperty name="height" value="0.035" units="cm"/>
-      <inkml:brushProperty name="color" value="#DA0C07"/>
-      <inkml:brushProperty name="inkEffects" value="lava"/>
-      <inkml:brushProperty name="anchorX" value="-610252.0625"/>
-      <inkml:brushProperty name="anchorY" value="-425071.375"/>
-      <inkml:brushProperty name="scaleFactor" value="0.5"/>
-    </inkml:brush>
-  </inkml:definitions>
-  <inkml:trace contextRef="#ctx0" brushRef="#br0">801 57 24575,'-14'-20'0,"0"2"0,10 15 0,-8-5 0,7 7 0,-7-4 0,9 5 0,-3-2 0,-2 2 0,4 0 0,-14 2 0,13-2 0,-15 5 0,16-3 0,-13 9 0,12-7 0,-11 12 0,12-11 0,-7 10 0,7-8 0,-5 13 0,6-9 0,-2 13 0,4-16 0,1 17 0,1-18-6784,4 19 6784,-3-18-1328,8 22 1328,-7-20 0,8 17 0,-6-11 0,6 5 0,-4-5-291,-1-3 291,-4-8 5983,3 5-5983,-4-5 1939,3 5-1939,-3-1 0,-1 1 0,2 2 0,-4 2 0,1-7 481,-2 1-481,-1-4 0,-2 0 0,1-1 0,-3 1 0,4-3 0,-6 1 0,6-2 0,-8 2 0,8-2 0,-10 1 0,9-1 0,-7 2 0,5-2 0,-6 0 0,1 1 0,-9 1 0,11-1 0,-15 3 0,16-3 0,-23 5 0,22-5 0,-26 7 0,25-7 0,-15 5 0,11-5 0,1 2-753,3 0 753,1-1 0,3 1 0,-3-1 0,-1 1 0,-3 2 0,-15 4 0,9-2 0,-19 6 0,24-8-6535,-20 9 6535,26-10-3817,-27 10 3817,26-10 0,-17 9 0,16-7 0,-11 8 0,12-8 0,-1 1 0</inkml:trace>
-</inkml:ink>
-</file>
-
-<file path=ppt/ink/ink35.xml><?xml version="1.0" encoding="utf-8"?>
-<inkml:ink xmlns:inkml="http://www.w3.org/2003/InkML">
-  <inkml:definitions>
-    <inkml:context xml:id="ctx0">
-      <inkml:inkSource xml:id="inkSrc0">
-        <inkml:traceFormat>
-          <inkml:channel name="X" type="integer" min="-2.14748E9" max="2.14748E9" units="cm"/>
-          <inkml:channel name="Y" type="integer" min="-2.14748E9" max="2.14748E9" units="cm"/>
-          <inkml:channel name="F" type="integer" max="32767" units="dev"/>
-        </inkml:traceFormat>
-        <inkml:channelProperties>
-          <inkml:channelProperty channel="X" name="resolution" value="1000" units="1/cm"/>
-          <inkml:channelProperty channel="Y" name="resolution" value="1000" units="1/cm"/>
-          <inkml:channelProperty channel="F" name="resolution" value="0" units="1/dev"/>
-        </inkml:channelProperties>
-      </inkml:inkSource>
-      <inkml:timestamp xml:id="ts0" timeString="2024-01-15T18:09:15.360"/>
-    </inkml:context>
-    <inkml:brush xml:id="br0">
-      <inkml:brushProperty name="width" value="0.035" units="cm"/>
-      <inkml:brushProperty name="height" value="0.035" units="cm"/>
-      <inkml:brushProperty name="color" value="#DA0C07"/>
-      <inkml:brushProperty name="inkEffects" value="lava"/>
-      <inkml:brushProperty name="anchorX" value="-635695.875"/>
-      <inkml:brushProperty name="anchorY" value="-435579.5625"/>
-      <inkml:brushProperty name="scaleFactor" value="0.5"/>
-    </inkml:brush>
-  </inkml:definitions>
-  <inkml:trace contextRef="#ctx0" brushRef="#br0">0 4 24575,'6'-2'0,"0"1"0,-2 1 0,0 0 0,-1 0 0,1 0-8503,15 0 8503,-10 0 0,13 0-2818,0 0 2818,-8 0-177,26 1 177,-11 2 0,60 3-1453,-45-3 1453,53 4 0,-41-4 0,4 0 0,1 0 0,12 0 0,19 0 0,-5 0 2374,-36-2-2374,11 0 0,16 0 0,-14 0-1481,-7-1 1481,32-2 0,0 1 0,-37 0 0,45-3 0,2-1-1110,-33 4 1110,23-2 0,0 0 0,-23 3 0,12-1 0,1-1 0,-7 2 0,17-2 0,-4 1 0,-40 1 0,23 0 0,0 0 0,-27 0 0,12 0 0,0 0 3622,-19 0-3622,46 0 1227,-58 0-1227,25 0 2421,-36 0-2421,13 0 5456,-17 0-5456,9-2 0,-16 2 0,3-1 442,-8 1-442,1 0 0,-1 0 0,-6 0 0,5 0 0,-8 0 0,11 0 0,-1 0 0</inkml:trace>
-</inkml:ink>
-</file>
-
-<file path=ppt/ink/ink36.xml><?xml version="1.0" encoding="utf-8"?>
-<inkml:ink xmlns:inkml="http://www.w3.org/2003/InkML">
-  <inkml:definitions>
-    <inkml:context xml:id="ctx0">
-      <inkml:inkSource xml:id="inkSrc0">
-        <inkml:traceFormat>
-          <inkml:channel name="X" type="integer" min="-2.14748E9" max="2.14748E9" units="cm"/>
-          <inkml:channel name="Y" type="integer" min="-2.14748E9" max="2.14748E9" units="cm"/>
-          <inkml:channel name="F" type="integer" max="32767" units="dev"/>
-        </inkml:traceFormat>
-        <inkml:channelProperties>
-          <inkml:channelProperty channel="X" name="resolution" value="1000" units="1/cm"/>
-          <inkml:channelProperty channel="Y" name="resolution" value="1000" units="1/cm"/>
-          <inkml:channelProperty channel="F" name="resolution" value="0" units="1/dev"/>
-        </inkml:channelProperties>
-      </inkml:inkSource>
       <inkml:timestamp xml:id="ts0" timeString="2024-01-15T18:14:33.773"/>
     </inkml:context>
     <inkml:brush xml:id="br0">
@@ -1341,2214 +187,6 @@
     </inkml:brush>
   </inkml:definitions>
   <inkml:trace contextRef="#ctx0" brushRef="#br0">1 1 24575,'0'0'0</inkml:trace>
-</inkml:ink>
-</file>
-
-<file path=ppt/ink/ink37.xml><?xml version="1.0" encoding="utf-8"?>
-<inkml:ink xmlns:inkml="http://www.w3.org/2003/InkML">
-  <inkml:definitions>
-    <inkml:context xml:id="ctx0">
-      <inkml:inkSource xml:id="inkSrc0">
-        <inkml:traceFormat>
-          <inkml:channel name="X" type="integer" min="-2.14748E9" max="2.14748E9" units="cm"/>
-          <inkml:channel name="Y" type="integer" min="-2.14748E9" max="2.14748E9" units="cm"/>
-          <inkml:channel name="F" type="integer" max="32767" units="dev"/>
-        </inkml:traceFormat>
-        <inkml:channelProperties>
-          <inkml:channelProperty channel="X" name="resolution" value="1000" units="1/cm"/>
-          <inkml:channelProperty channel="Y" name="resolution" value="1000" units="1/cm"/>
-          <inkml:channelProperty channel="F" name="resolution" value="0" units="1/dev"/>
-        </inkml:channelProperties>
-      </inkml:inkSource>
-      <inkml:timestamp xml:id="ts0" timeString="2024-01-15T18:14:53.174"/>
-    </inkml:context>
-    <inkml:brush xml:id="br0">
-      <inkml:brushProperty name="width" value="0.035" units="cm"/>
-      <inkml:brushProperty name="height" value="0.035" units="cm"/>
-      <inkml:brushProperty name="color" value="#DA0C07"/>
-      <inkml:brushProperty name="inkEffects" value="lava"/>
-      <inkml:brushProperty name="anchorX" value="-379046.4375"/>
-      <inkml:brushProperty name="anchorY" value="-110324.99219"/>
-      <inkml:brushProperty name="scaleFactor" value="0.5"/>
-    </inkml:brush>
-  </inkml:definitions>
-  <inkml:trace contextRef="#ctx0" brushRef="#br0">584 0 8191,'-3'8'0,"-5"16"0,3-10 0,-4 16 2093,7-14-2093,-2 0-607,-11 62 607,7-44 0,-3 17 0,1-1 1850,6-15-1850,-2 12 0,-2 5 0,0 17 0,-3 19 0,0 3 1590,2 0-1590,1-2 0,-1 17 0,1-9-1201,3-18 0,0 0 1201,-2 15 0,0 9 0,0-11 549,1-23 0,0 0-549,-2 20 0,-1 11 0,2-14-926,1-34 0,1 1 926,-1 16 0,-2 13 0,1 3 0,0-12-517,-1 3 0,0-1 517,-1 7 0,-1 9 0,0-5 177,2-18 1,1-3 0,-2 4-178,-5 28 0,-3 6 0,3-11 0,5-19 0,-1 1 0,-2 1 0,-2 12 0,-1-2 0,4-18 0,-1 18 0,-1-6 0,-2 13 0,3-18 0,3-18 0,-5 36 0,0-1-442,5-36 442,0 2 0,1-3 0,5-18 515,-6 13-515,8-25 967,-5 19-967,6-36 2222,-2 6-2222,2-10 3431,0 0-3431,2-1 4075,-1-5-4075,1 1 0,0-7 0,0 5 4347,2-14-4347,0 9 0,-1-8 0,3-19 0,-4 21-6784,7-59 6784,-8 50 0,4-31 0,1-4-906,-4 19 906,6-40 0,0-2-1342,-6 29 1342,8-38 0,0-1-3792,-4 35 3792,2-16 0,0 7 0,-5 37 0,0-14 0</inkml:trace>
-</inkml:ink>
-</file>
-
-<file path=ppt/ink/ink38.xml><?xml version="1.0" encoding="utf-8"?>
-<inkml:ink xmlns:inkml="http://www.w3.org/2003/InkML">
-  <inkml:definitions>
-    <inkml:context xml:id="ctx0">
-      <inkml:inkSource xml:id="inkSrc0">
-        <inkml:traceFormat>
-          <inkml:channel name="X" type="integer" min="-2.14748E9" max="2.14748E9" units="cm"/>
-          <inkml:channel name="Y" type="integer" min="-2.14748E9" max="2.14748E9" units="cm"/>
-          <inkml:channel name="F" type="integer" max="32767" units="dev"/>
-        </inkml:traceFormat>
-        <inkml:channelProperties>
-          <inkml:channelProperty channel="X" name="resolution" value="1000" units="1/cm"/>
-          <inkml:channelProperty channel="Y" name="resolution" value="1000" units="1/cm"/>
-          <inkml:channelProperty channel="F" name="resolution" value="0" units="1/dev"/>
-        </inkml:channelProperties>
-      </inkml:inkSource>
-      <inkml:timestamp xml:id="ts0" timeString="2024-01-15T18:14:54.140"/>
-    </inkml:context>
-    <inkml:brush xml:id="br0">
-      <inkml:brushProperty name="width" value="0.035" units="cm"/>
-      <inkml:brushProperty name="height" value="0.035" units="cm"/>
-      <inkml:brushProperty name="color" value="#DA0C07"/>
-      <inkml:brushProperty name="inkEffects" value="lava"/>
-      <inkml:brushProperty name="anchorX" value="-386531.9375"/>
-      <inkml:brushProperty name="anchorY" value="-120692.07813"/>
-      <inkml:brushProperty name="scaleFactor" value="0.5"/>
-    </inkml:brush>
-  </inkml:definitions>
-  <inkml:trace contextRef="#ctx0" brushRef="#br0">1 587 24575,'4'2'0,"9"-1"0,-6 2 0,8-1 0,-3 1 0,-1-3 0,35 3 0,-19 0-3358,36 0 3358,4 2 0,15-3 0,5 0-2574,-36 0 1,1 0 2573,17 0 0,9 0 0,-7 0-1398,-10-1 1,1-1 1397,28 1 0,14 0 0,-10 0-1398,-14-1 0,4 0 1398,-8 0 0,15-1 0,5 1 0,-7-1 0,-16 0-751,-4-2 1,-3 1 750,25 1 0,12 0 0,-16-1 669,9-5-669,-25 3 0,23 0 0,14-1 0,3 0 0,-8 1 0,-17 0-237,-10-1 1,-10 1 0,15-1 236,-7 1 0,16-1 0,12 0 0,6-1 0,2 1 0,-3-1 0,-7 1 0,-13 0 0,-16 1-93,23-2 1,-2 1 92,-21 1 0,16-1 0,8 1 0,4-1 0,-4 0 0,-8 1 0,-17 0 0,23-1 0,-6 0 0,-10 2 0,9-1 0,4 0 0,1-1-113,-13 1 1,1-2 0,2 1 0,2-1-1,3 1 113,-1-1 0,3 1 0,3 0 0,0 0 0,-1 0 0,-1-1 0,9 0 0,-3 0 0,1 0 0,3-1 0,5 1 0,-16 1 0,8-1 0,5 0 0,1 0 0,-3 1 0,-6-1 0,-9 2 0,-14 0 0,27 0 0,-2 0 0,-23 0 0,15-1 0,9 0 0,3-1 0,-4 1 0,-9 0 0,-16 2 0,17 1 0,-1 0 0,-5-1 0,20-2 0,8-1 0,1 0 0,-10 0 0,-18 3 0,5 1 0,0 0 0,-15 0 0,13-2 0,8 0 0,0-1 0,-4 1 0,-12 1 0,5 1 0,-10 1 0,10-1 0,8 0 0,13-1 0,4 1 0,-4-1 0,-12 1 0,-4 1 0,-10-1 0,10 1 0,-9-1 0,13 1 0,5-1 0,-3 0 0,-8 0 0,-16 0 161,2 0 1,-1-1-162,8 0 0,20 0 0,5 0 0,-7 0 0,-19 0 0,-14 1 0,-2-1 0,28-1 0,20-1 0,-1 1 0,-22 0 0,-34 3 0,0 0 0,23-4 0,17-1 0,-1-1 0,-19 2 0,17 2 0,8-5 0,2 0 0,-48 5 0,0-1 0,43-3 0,2-2 0,-39 3 0,1 0 0,20-1 0,9-1 0,-17 2 0,-10 1-108,3 0 1,13-2-1,-14 3 108,-7 2 0,33-5 0,-5 1 0,-47 3 0,61-2 0,-82 2 1968,25 2-1968,-26-2 0,3 3 0,-9-1 3003,-5 1-3003,1 0 4492,-1 0-4492,1 0 6716,-3 0-6716,-4 0 205,-1 0-205,-3 1 0,2 1 0,1 0 0,-14 5 0,11-3 0,-16 5 0,16-5 0,-13 6 0,1 5 0,1-5 0,-6 13 0,18-17 0,-14 25 0,15-18 0,-16 40 0,15-31 0,-9 49-3279,5-17 3279,0 28 0,1-11 0,3-10 0,0-1 0,-1 4 0,-1 25 0,1 1 0,-1-23 0,2 9 0,-1 17 0,0-13-3924,-3 13 3924,3-21 0,-1 20 0,0 0 0,1-17-2199,1-19 0,1-3 2199,-1 13 0,-2 9 0,1-1 0,-1-2 0,-1 0 0,1-2-1471,-3 16 1,0 5 1470,1-11 0,-1 11 0,0 1 0,1-12-382,-2 9 1,-1 1 381,2-18 0,-2 13 0,-1 3 0,0-4 0,2-12-346,-6 14 1,0 1 345,4-15 0,-3 12 0,0 4 0,0-4 0,2-11 0,-6 17 0,-1-4 0,-2 9 0,-4 8 0,4-13 306,6-24 1,-2 1-307,-5 10 0,-6 14 0,-3 4 0,0-6 0,4-18 0,-2-4 0,0 0 0,1 1 14,2 2 1,2 1 0,-2 0 0,-3 2-15,-14 16 0,-5 5 0,0-5 0,8-16 0,9-17 0,0-4 0,-13 19 0,-6 9 0,6-12 0,15-26 0,-1-1 0,-21 23 0,-10 9 0,10-11 0,-12 10 0,11-18 0,-15 15 0,-1-2 0,16-15 0,-11 5 0,-6-1 0,-16 11 0,16-15 0,10-11 0,-9 2 0,-18 9 0,15-12-445,2-9 445,-5 9 0,-2-3 1388,5-12-1388,-3-5 0,-18 4 0,0-3-245,11-6 1,0-1-1,-5-1 245,0 2 0,-7 2 0,1-2 0,10-3 104,12-5 1,8-3 0,-6-1-105,-7-1 0,-8-2 0,3-1 0,12 0 0,6-1 0,3 0 0,-18 1 0,-10 0 0,1-2 0,5-3 0,1-2 0,5 1-647,-2 2 1,-5-1 646,10-1 0,-14-3 0,-5 0 0,5 1 0,12 1 0,-10 0 0,-1-1 0,5-1 0,-16-2 0,-5-1 0,4 1 0,16 1-145,-12-2 0,0 0 145,18 3 0,-11-1 0,-5-1 0,-1 0 0,5 0 0,-11-3 0,1 0 0,3 0 0,5 1 0,-1 1 0,5 2 0,-11-3 0,11 0 0,-14-3 0,-6 0 0,2-1 0,11 2 0,17 3 0,0-1 0,-1 0 0,0 1 0,-19-4 0,-10-2 0,0 1 0,11 1 0,20 3 0,3 0 0,3 0 0,-5 0 0,-16-1 0,-6-2 0,6 2 0,19 2 0,11 0 0,1 1 0,-15-2 0,-19-3 0,-7-1 0,6 1 0,17 4 0,7 0 0,-1-1 0,4 2 0,-17-3 0,-8-2 0,0 0 0,9 2 0,19 3 0,4 0 0,1 0 0,-26-4 0,-21-3 0,1-1 0,23 5 0,34 6 0,-1 0 0,-25-5 0,-19-6 0,-1 1 0,20 5 0,26 6 0,1 0 0,-25-8 0,-18-4 0,0-1 0,20 5 0,-13 1 0,8-2 0,-13-5 0,14 4 0,-11-3 0,18 2 0,-12-3 0,12 4 0,-23-6 519,1-3 1,-1 0-520,3 2 0,30 4 0,1 1 0,-20-5 0,2-5 359,55 23-359,-13-8 846,13 6-846,10 4 2108,-20-11-2108,23 11 1629,-13-10-1629,13 5 4007,0 0-4007,3 1 4166,5 6-4166,3-1 2230,-3 1-2230,4-1 0,-4 1 0,3 1 0,-3 0 0,3 2 0,0-7 0,1 3 0,5-5 0,-3 3 0,0 2 0,-4 1 0</inkml:trace>
-</inkml:ink>
-</file>
-
-<file path=ppt/ink/ink39.xml><?xml version="1.0" encoding="utf-8"?>
-<inkml:ink xmlns:inkml="http://www.w3.org/2003/InkML">
-  <inkml:definitions>
-    <inkml:context xml:id="ctx0">
-      <inkml:inkSource xml:id="inkSrc0">
-        <inkml:traceFormat>
-          <inkml:channel name="X" type="integer" min="-2.14748E9" max="2.14748E9" units="cm"/>
-          <inkml:channel name="Y" type="integer" min="-2.14748E9" max="2.14748E9" units="cm"/>
-          <inkml:channel name="F" type="integer" max="32767" units="dev"/>
-        </inkml:traceFormat>
-        <inkml:channelProperties>
-          <inkml:channelProperty channel="X" name="resolution" value="1000" units="1/cm"/>
-          <inkml:channelProperty channel="Y" name="resolution" value="1000" units="1/cm"/>
-          <inkml:channelProperty channel="F" name="resolution" value="0" units="1/dev"/>
-        </inkml:channelProperties>
-      </inkml:inkSource>
-      <inkml:timestamp xml:id="ts0" timeString="2024-01-15T18:14:54.710"/>
-    </inkml:context>
-    <inkml:brush xml:id="br0">
-      <inkml:brushProperty name="width" value="0.035" units="cm"/>
-      <inkml:brushProperty name="height" value="0.035" units="cm"/>
-      <inkml:brushProperty name="color" value="#DA0C07"/>
-      <inkml:brushProperty name="inkEffects" value="lava"/>
-      <inkml:brushProperty name="anchorX" value="-398262.21875"/>
-      <inkml:brushProperty name="anchorY" value="-134831.1875"/>
-      <inkml:brushProperty name="scaleFactor" value="0.5"/>
-    </inkml:brush>
-  </inkml:definitions>
-  <inkml:trace contextRef="#ctx0" brushRef="#br0">559 0 24575,'-3'5'0,"1"-1"0,0-1 0,0 0 0,-1 1 0,0 0 0,1 2 0,-1-1 0,-6 12 0,4-9 0,-4 12 0,4-11 0,-15 35 0,10-25-1456,-23 49 1456,18-38 0,-25 45 0,21-37 0,-8 10 0,1 0 0,9-17 0,-32 53 0,24-43 0,-27 35 0,21-33 0,-14 20 0,30-48 0,-14 20 0,22-26 0,-18 13 0,20-16 0,-10 6 0,13-11 0,-1 1 0,6-8 0,2-6 0,-1 3 0,2-6 1456,-3 8-1456,1-1 0,0 0 0,3-3 0,-3 0 0,15-22 0,-11 17-6784,23-34 6784,-19 30 0,20-32 0,-23 37 0,6-11 0</inkml:trace>
-</inkml:ink>
-</file>
-
-<file path=ppt/ink/ink4.xml><?xml version="1.0" encoding="utf-8"?>
-<inkml:ink xmlns:inkml="http://www.w3.org/2003/InkML">
-  <inkml:definitions>
-    <inkml:context xml:id="ctx0">
-      <inkml:inkSource xml:id="inkSrc0">
-        <inkml:traceFormat>
-          <inkml:channel name="X" type="integer" min="-2.14748E9" max="2.14748E9" units="cm"/>
-          <inkml:channel name="Y" type="integer" min="-2.14748E9" max="2.14748E9" units="cm"/>
-          <inkml:channel name="F" type="integer" max="32767" units="dev"/>
-        </inkml:traceFormat>
-        <inkml:channelProperties>
-          <inkml:channelProperty channel="X" name="resolution" value="1000" units="1/cm"/>
-          <inkml:channelProperty channel="Y" name="resolution" value="1000" units="1/cm"/>
-          <inkml:channelProperty channel="F" name="resolution" value="0" units="1/dev"/>
-        </inkml:channelProperties>
-      </inkml:inkSource>
-      <inkml:timestamp xml:id="ts0" timeString="2024-01-15T18:08:59.095"/>
-    </inkml:context>
-    <inkml:brush xml:id="br0">
-      <inkml:brushProperty name="width" value="0.035" units="cm"/>
-      <inkml:brushProperty name="height" value="0.035" units="cm"/>
-      <inkml:brushProperty name="color" value="#DA0C07"/>
-      <inkml:brushProperty name="inkEffects" value="lava"/>
-      <inkml:brushProperty name="anchorX" value="-28102.75781"/>
-      <inkml:brushProperty name="anchorY" value="-40158.27734"/>
-      <inkml:brushProperty name="scaleFactor" value="0.5"/>
-    </inkml:brush>
-  </inkml:definitions>
-  <inkml:trace contextRef="#ctx0" brushRef="#br0">641 0 8191,'6'2'0,"2"-1"5063,3 0-5063,-1 1 0,3-1 0,-5 2 0,7 0-2155,20 5 2155,-10-1 0,15 2 92,-2 3-92,-9-5 2492,33 12-2492,-5-4 0,28 14 0,-12-6 0,-9 0 0,-2-1 0,-3-5 0,13 8 0,-3-1 0,-27-12 0,24 13 0,0 1 0,-27-12 0,26 12 0,-2 0 0,-35-12-1304,55 18 1304,-63-21 0,31 13 0,-33-12 4103,15 9-4103,-27-15 0,3 2 3600,-4 2-3600,-6 0 0,2 1 0,-16 4 0,9-10 0,-19 10 0,17-11 0,-52 12 0,14-7-1005,-40 8 1005,11-9 0,-22 3 0,30-7 0,-1 1 0,0 1 0,1-2 0,-21 5 0,-2-1-3386,18-2 3386,15 1 0,-4 0 0,9-1 0,0 1-1921,-1 1 1,-2 1 1920,-9 1 0,-3 0-1285,-18 3 1,6-1 1284,13-1-545,-32 4 0,2-1 545,39-4 0,-16 4 0,6-1 0,42-8 0,-5 3 0</inkml:trace>
-</inkml:ink>
-</file>
-
-<file path=ppt/ink/ink40.xml><?xml version="1.0" encoding="utf-8"?>
-<inkml:ink xmlns:inkml="http://www.w3.org/2003/InkML">
-  <inkml:definitions>
-    <inkml:context xml:id="ctx0">
-      <inkml:inkSource xml:id="inkSrc0">
-        <inkml:traceFormat>
-          <inkml:channel name="X" type="integer" min="-2.14748E9" max="2.14748E9" units="cm"/>
-          <inkml:channel name="Y" type="integer" min="-2.14748E9" max="2.14748E9" units="cm"/>
-          <inkml:channel name="F" type="integer" max="32767" units="dev"/>
-        </inkml:traceFormat>
-        <inkml:channelProperties>
-          <inkml:channelProperty channel="X" name="resolution" value="1000" units="1/cm"/>
-          <inkml:channelProperty channel="Y" name="resolution" value="1000" units="1/cm"/>
-          <inkml:channelProperty channel="F" name="resolution" value="0" units="1/dev"/>
-        </inkml:channelProperties>
-      </inkml:inkSource>
-      <inkml:timestamp xml:id="ts0" timeString="2024-01-15T18:14:54.940"/>
-    </inkml:context>
-    <inkml:brush xml:id="br0">
-      <inkml:brushProperty name="width" value="0.035" units="cm"/>
-      <inkml:brushProperty name="height" value="0.035" units="cm"/>
-      <inkml:brushProperty name="color" value="#DA0C07"/>
-      <inkml:brushProperty name="inkEffects" value="lava"/>
-      <inkml:brushProperty name="anchorX" value="-406532.75"/>
-      <inkml:brushProperty name="anchorY" value="-142631.29688"/>
-      <inkml:brushProperty name="scaleFactor" value="0.5"/>
-    </inkml:brush>
-  </inkml:definitions>
-  <inkml:trace contextRef="#ctx0" brushRef="#br0">116 1 24575,'0'6'0,"0"-1"0,0 0 0,0 0 0,0 0 0,0 9 0,0-6 0,0 12 0,1-10 0,0 4 0,0-1 0,-1-3 0,0 10 0,0-2-6784,2 16 6784,-2-13-4537,3 22 4537,-3-29-3034,1 36 3034,-1-37-1671,0 33 1671,0-34 2207,-1 23-2207,-1-21 3299,-3 25-3299,-3-5 0,4-4 0,-5 2 0,8-24 104,-7 19-104,5-19-1075,-7 20 1075,7-21 0,-7 14 0,6-12 4452,-5 7-4452,3-5 0,-6 5 0,6-10 0,-8 8 0,11-11 0,-3 2 0</inkml:trace>
-</inkml:ink>
-</file>
-
-<file path=ppt/ink/ink41.xml><?xml version="1.0" encoding="utf-8"?>
-<inkml:ink xmlns:inkml="http://www.w3.org/2003/InkML">
-  <inkml:definitions>
-    <inkml:context xml:id="ctx0">
-      <inkml:inkSource xml:id="inkSrc0">
-        <inkml:traceFormat>
-          <inkml:channel name="X" type="integer" min="-2.14748E9" max="2.14748E9" units="cm"/>
-          <inkml:channel name="Y" type="integer" min="-2.14748E9" max="2.14748E9" units="cm"/>
-          <inkml:channel name="F" type="integer" max="32767" units="dev"/>
-        </inkml:traceFormat>
-        <inkml:channelProperties>
-          <inkml:channelProperty channel="X" name="resolution" value="1000" units="1/cm"/>
-          <inkml:channelProperty channel="Y" name="resolution" value="1000" units="1/cm"/>
-          <inkml:channelProperty channel="F" name="resolution" value="0" units="1/dev"/>
-        </inkml:channelProperties>
-      </inkml:inkSource>
-      <inkml:timestamp xml:id="ts0" timeString="2024-01-15T18:14:55.154"/>
-    </inkml:context>
-    <inkml:brush xml:id="br0">
-      <inkml:brushProperty name="width" value="0.035" units="cm"/>
-      <inkml:brushProperty name="height" value="0.035" units="cm"/>
-      <inkml:brushProperty name="color" value="#DA0C07"/>
-      <inkml:brushProperty name="inkEffects" value="lava"/>
-      <inkml:brushProperty name="anchorX" value="-415190.75"/>
-      <inkml:brushProperty name="anchorY" value="-150481.01563"/>
-      <inkml:brushProperty name="scaleFactor" value="0.5"/>
-    </inkml:brush>
-  </inkml:definitions>
-  <inkml:trace contextRef="#ctx0" brushRef="#br0">0 23 24575,'10'-5'0,"-5"3"0,5-3 0,-6 4 0,-1 0 0,5 0 0,-3 0 0,16-1 0,-12 0 0,18 1 0,-9-1 0,12 2 0,-4 0-1914,-6 0 1914,-5 0 0,-6 0-7,0 0 7,1 0 0,3 0 0,-3 2 0,25 0 0,-21-1-6148,29 4 6148,-31-5 0,8 3 0,-9-2 0,-4 1 0,4 0 1280,5 2-1280,-7-2 0,17 3 0,-18-3 0,11 5 0,-16-5 0,9 8 0,-11-5 1,3 4 0,-4-7 0,0 0 1</inkml:trace>
-</inkml:ink>
-</file>
-
-<file path=ppt/ink/ink42.xml><?xml version="1.0" encoding="utf-8"?>
-<inkml:ink xmlns:inkml="http://www.w3.org/2003/InkML">
-  <inkml:definitions>
-    <inkml:context xml:id="ctx0">
-      <inkml:inkSource xml:id="inkSrc0">
-        <inkml:traceFormat>
-          <inkml:channel name="X" type="integer" min="-2.14748E9" max="2.14748E9" units="cm"/>
-          <inkml:channel name="Y" type="integer" min="-2.14748E9" max="2.14748E9" units="cm"/>
-          <inkml:channel name="F" type="integer" max="32767" units="dev"/>
-        </inkml:traceFormat>
-        <inkml:channelProperties>
-          <inkml:channelProperty channel="X" name="resolution" value="1000" units="1/cm"/>
-          <inkml:channelProperty channel="Y" name="resolution" value="1000" units="1/cm"/>
-          <inkml:channelProperty channel="F" name="resolution" value="0" units="1/dev"/>
-        </inkml:channelProperties>
-      </inkml:inkSource>
-      <inkml:timestamp xml:id="ts0" timeString="2024-01-15T18:14:55.599"/>
-    </inkml:context>
-    <inkml:brush xml:id="br0">
-      <inkml:brushProperty name="width" value="0.035" units="cm"/>
-      <inkml:brushProperty name="height" value="0.035" units="cm"/>
-      <inkml:brushProperty name="color" value="#DA0C07"/>
-      <inkml:brushProperty name="inkEffects" value="lava"/>
-      <inkml:brushProperty name="anchorX" value="-426474.5"/>
-      <inkml:brushProperty name="anchorY" value="-160815.35938"/>
-      <inkml:brushProperty name="scaleFactor" value="0.5"/>
-    </inkml:brush>
-  </inkml:definitions>
-  <inkml:trace contextRef="#ctx0" brushRef="#br0">1 1421 8191,'11'2'0,"-2"-1"5063,-1 1-5063,0-2 0,16 4 0,-12-3 0,21 4 0,-23-4 0,21 3 0,-17-3 0,33 6 0,-30-5 2818,23 2-2818,0 1-2818,29 0 2818,-14 2 0,39 0 4030,-70-4-4030,55-1 0,-61 0 0,52-2 0,-39 2 0,43-2 0,-37 0 0,32-3 0,-48 2 0,36-7 0,-43 5 0,34-7 0,-38 6 0,30-11 0,-30 11 0,23-12 0,-18 8 6533,8-7-6533,-8 4 0,9-11 0,-14 12-6026,15-21 6026,-18 22 0,5-12 0,-8 15 0,6-19 0,-4 12 0,10-32 0,-10 25 0,8-30-431,-8 26 431,6-52 0,-6 28 0,0-3 0,0 0 0,-3 3 0,1-6 0,-1 2 0,-2 20 0,0-28 0,0 1 0,-1 26 0,-1-23 0,0 1 0,-2 29 0,-2-62 0,2 69 0,-2-28 0,-1 11 0,-5-12 0,4 8 0,-4-7 0,10 38-1570,-9-20 1570,9 21-323,-6-13 323,6 16 0,-3-7 0,4 11 5633,0-1-5633,1 6 2283,1-1-2283,-1 1 1192,-1-1-1192,2 3 0,-2-4 0,1 2 0</inkml:trace>
-</inkml:ink>
-</file>
-
-<file path=ppt/ink/ink43.xml><?xml version="1.0" encoding="utf-8"?>
-<inkml:ink xmlns:inkml="http://www.w3.org/2003/InkML">
-  <inkml:definitions>
-    <inkml:context xml:id="ctx0">
-      <inkml:inkSource xml:id="inkSrc0">
-        <inkml:traceFormat>
-          <inkml:channel name="X" type="integer" min="-2.14748E9" max="2.14748E9" units="cm"/>
-          <inkml:channel name="Y" type="integer" min="-2.14748E9" max="2.14748E9" units="cm"/>
-          <inkml:channel name="F" type="integer" max="32767" units="dev"/>
-        </inkml:traceFormat>
-        <inkml:channelProperties>
-          <inkml:channelProperty channel="X" name="resolution" value="1000" units="1/cm"/>
-          <inkml:channelProperty channel="Y" name="resolution" value="1000" units="1/cm"/>
-          <inkml:channelProperty channel="F" name="resolution" value="0" units="1/dev"/>
-        </inkml:channelProperties>
-      </inkml:inkSource>
-      <inkml:timestamp xml:id="ts0" timeString="2024-01-15T18:14:56.842"/>
-    </inkml:context>
-    <inkml:brush xml:id="br0">
-      <inkml:brushProperty name="width" value="0.035" units="cm"/>
-      <inkml:brushProperty name="height" value="0.035" units="cm"/>
-      <inkml:brushProperty name="color" value="#DA0C07"/>
-      <inkml:brushProperty name="inkEffects" value="lava"/>
-      <inkml:brushProperty name="anchorX" value="-438173.71875"/>
-      <inkml:brushProperty name="anchorY" value="-170157.125"/>
-      <inkml:brushProperty name="scaleFactor" value="0.5"/>
-    </inkml:brush>
-  </inkml:definitions>
-  <inkml:trace contextRef="#ctx0" brushRef="#br0">224 0 24575,'-13'43'0,"4"-13"-9211,-1 14 9211,5-15 0,-1-4-3227,-10 54 3227,8-37 0,-11 50 1580,12-59-1580,-2 22 0,-2 4 0,0 2-1594,-2 8 1,0-3 1593,3-19 0,0 5 0,1-3 2236,2-17-2236,-1 19 0,0-1 3479,4-21-3479,-4 30 0,7-39 609,-2 7-609,2-12 0,-2 11 0,3-17 0,-2 10 0,2-15 5,2 0-5,-2-5 858,1-3-858,2-4 74,-1 2-74,3-8 0,-3 9 0,1-2 0</inkml:trace>
-</inkml:ink>
-</file>
-
-<file path=ppt/ink/ink44.xml><?xml version="1.0" encoding="utf-8"?>
-<inkml:ink xmlns:inkml="http://www.w3.org/2003/InkML">
-  <inkml:definitions>
-    <inkml:context xml:id="ctx0">
-      <inkml:inkSource xml:id="inkSrc0">
-        <inkml:traceFormat>
-          <inkml:channel name="X" type="integer" min="-2.14748E9" max="2.14748E9" units="cm"/>
-          <inkml:channel name="Y" type="integer" min="-2.14748E9" max="2.14748E9" units="cm"/>
-          <inkml:channel name="F" type="integer" max="32767" units="dev"/>
-        </inkml:traceFormat>
-        <inkml:channelProperties>
-          <inkml:channelProperty channel="X" name="resolution" value="1000" units="1/cm"/>
-          <inkml:channelProperty channel="Y" name="resolution" value="1000" units="1/cm"/>
-          <inkml:channelProperty channel="F" name="resolution" value="0" units="1/dev"/>
-        </inkml:channelProperties>
-      </inkml:inkSource>
-      <inkml:timestamp xml:id="ts0" timeString="2024-01-15T18:14:57.232"/>
-    </inkml:context>
-    <inkml:brush xml:id="br0">
-      <inkml:brushProperty name="width" value="0.035" units="cm"/>
-      <inkml:brushProperty name="height" value="0.035" units="cm"/>
-      <inkml:brushProperty name="color" value="#DA0C07"/>
-      <inkml:brushProperty name="inkEffects" value="lava"/>
-      <inkml:brushProperty name="anchorX" value="-449666.4375"/>
-      <inkml:brushProperty name="anchorY" value="-178619.5"/>
-      <inkml:brushProperty name="scaleFactor" value="0.5"/>
-    </inkml:brush>
-  </inkml:definitions>
-  <inkml:trace contextRef="#ctx0" brushRef="#br0">497 1 8191,'11'0'0,"0"0"3593,4 0-3593,-3 0 0,31 5 0,-25-3 0,25 5 0,-22-2 2181,14 6-2181,12 4 0,10 4 0,-5 2 0,1 1 0,-2 1 0,-5-1 0,15 9 0,0 1 747,-18-2-747,34 23 0,-44-27 0,14 21 0,-30-31 0,20 29 5113,-22-24-5113,11 23 0,-14-14-4248,13 40 4248,-18-41 0,6 57 404,-12-62-404,-1 62 0,-1-62 0,-9 61 0,5-56-22,-10 35 22,7-35 0,-11 25 110,8-27-110,-22 42 0,20-48 0,-21 34 3416,24-43-3416,-10 12 0,10-13 0,1-2-4859,-12 9 4859,9-7 0,-8 3-2005,1-1 2005,7-7-695,-26 15 695,22-14 1280,-18 8-1280,-15-2 0,-30 0 3714,14-1-3714,1-6 0,4-1 0,26-5 0,-29 2 0,-1-2 0,30-2 0,-28-2 0,1-2 3496,28 2-3496,-64-13 0,61 11 0,-55-16 0,55 13 0,-42-15 1449,61 19-1449,-24-12 0,30 13 0,-14-9 1107,19 9-1107,-5-12 1603,11 11-1603,6-6 0,0 6 0,14-2 0,-8 2 0,37-7-1246,-27 9 1246,32-6 0,-40 8 0,4-1 0</inkml:trace>
-</inkml:ink>
-</file>
-
-<file path=ppt/ink/ink45.xml><?xml version="1.0" encoding="utf-8"?>
-<inkml:ink xmlns:inkml="http://www.w3.org/2003/InkML">
-  <inkml:definitions>
-    <inkml:context xml:id="ctx0">
-      <inkml:inkSource xml:id="inkSrc0">
-        <inkml:traceFormat>
-          <inkml:channel name="X" type="integer" min="-2.14748E9" max="2.14748E9" units="cm"/>
-          <inkml:channel name="Y" type="integer" min="-2.14748E9" max="2.14748E9" units="cm"/>
-          <inkml:channel name="F" type="integer" max="32767" units="dev"/>
-        </inkml:traceFormat>
-        <inkml:channelProperties>
-          <inkml:channelProperty channel="X" name="resolution" value="1000" units="1/cm"/>
-          <inkml:channelProperty channel="Y" name="resolution" value="1000" units="1/cm"/>
-          <inkml:channelProperty channel="F" name="resolution" value="0" units="1/dev"/>
-        </inkml:channelProperties>
-      </inkml:inkSource>
-      <inkml:timestamp xml:id="ts0" timeString="2024-01-15T18:14:57.543"/>
-    </inkml:context>
-    <inkml:brush xml:id="br0">
-      <inkml:brushProperty name="width" value="0.035" units="cm"/>
-      <inkml:brushProperty name="height" value="0.035" units="cm"/>
-      <inkml:brushProperty name="color" value="#DA0C07"/>
-      <inkml:brushProperty name="inkEffects" value="lava"/>
-      <inkml:brushProperty name="anchorX" value="-461327.09375"/>
-      <inkml:brushProperty name="anchorY" value="-186825.23438"/>
-      <inkml:brushProperty name="scaleFactor" value="0.5"/>
-    </inkml:brush>
-  </inkml:definitions>
-  <inkml:trace contextRef="#ctx0" brushRef="#br0">103 0 24575,'-2'5'0,"-1"0"0,1-2 0,0 3 0,-1 7 0,0-5 0,-1 10 0,2-12 0,-1 10 0,2-4 0,-4 30 0,3-23 0,-3 39 0,5-42 0,-3 26 0,2-19 0,0 23 0,1-14 0,-2 28 0,0-38 0,-2 30 0,2-36 0,-3 31 0,3-33 0,-4 31 0,3-30 0,-4 18 0,3-16-560,0-1 560,2-8 0,0-1 0,1-2 0,-2 1 0,2 3 0,-2-5 0,-1 8 0,2-11 560,0 3-560,3-8 0,1-1 0,-1 1 0,0-4 0,-1 5 0,0-2 0</inkml:trace>
-</inkml:ink>
-</file>
-
-<file path=ppt/ink/ink46.xml><?xml version="1.0" encoding="utf-8"?>
-<inkml:ink xmlns:inkml="http://www.w3.org/2003/InkML">
-  <inkml:definitions>
-    <inkml:context xml:id="ctx0">
-      <inkml:inkSource xml:id="inkSrc0">
-        <inkml:traceFormat>
-          <inkml:channel name="X" type="integer" min="-2.14748E9" max="2.14748E9" units="cm"/>
-          <inkml:channel name="Y" type="integer" min="-2.14748E9" max="2.14748E9" units="cm"/>
-          <inkml:channel name="F" type="integer" max="32767" units="dev"/>
-        </inkml:traceFormat>
-        <inkml:channelProperties>
-          <inkml:channelProperty channel="X" name="resolution" value="1000" units="1/cm"/>
-          <inkml:channelProperty channel="Y" name="resolution" value="1000" units="1/cm"/>
-          <inkml:channelProperty channel="F" name="resolution" value="0" units="1/dev"/>
-        </inkml:channelProperties>
-      </inkml:inkSource>
-      <inkml:timestamp xml:id="ts0" timeString="2024-01-15T18:14:57.890"/>
-    </inkml:context>
-    <inkml:brush xml:id="br0">
-      <inkml:brushProperty name="width" value="0.035" units="cm"/>
-      <inkml:brushProperty name="height" value="0.035" units="cm"/>
-      <inkml:brushProperty name="color" value="#DA0C07"/>
-      <inkml:brushProperty name="inkEffects" value="lava"/>
-      <inkml:brushProperty name="anchorX" value="-475952.03125"/>
-      <inkml:brushProperty name="anchorY" value="-194707.54688"/>
-      <inkml:brushProperty name="scaleFactor" value="0.5"/>
-    </inkml:brush>
-  </inkml:definitions>
-  <inkml:trace contextRef="#ctx0" brushRef="#br0">1 26 24575,'9'-6'0,"-2"1"0,0 3 0,-1-1 0,15-1 0,-12 2 0,27-2 0,-25 4 0,13 0 0,-4 0 0,-6 0 0,43 7 0,-32-3-1419,51 12 1419,-45-8 0,54 17 0,-49-15 0,39 14 0,-42-13 0,28 16-904,-21-10 904,20 15 0,-36-20 0,32 29 0,-41-28 0,47 47 0,-48-44-5111,33 41 5111,-37-41 0,17 31 650,-14-22-650,10 35 0,-9-23-1227,6 27 1227,-14-39 0,4 14 0,-4 0 6177,-3-12-6177,2 49 0,-10-14-922,2-4 922,-8 5-4705,3-44 4705,-1 8 0,-12 6 0,-11 2-358,5-3 358,-20 6 0,10-19-3753,-3 4 3753,3-8 0,4-1 4412,19-10-4412,-51 16 0,40-13-3662,-46 11 3662,51-15 0,-18 6 85,-12-3-85,-3 1 0,-4-1 0,4-4 0,38-2-1843,-19-2 1843,27 2 2829,-9-8-2829,16 7 206,0-9-206,7 5 0,16-9 0,-11 8 0,44-17 0,-44 20 0,26-9 0</inkml:trace>
-</inkml:ink>
-</file>
-
-<file path=ppt/ink/ink47.xml><?xml version="1.0" encoding="utf-8"?>
-<inkml:ink xmlns:inkml="http://www.w3.org/2003/InkML">
-  <inkml:definitions>
-    <inkml:context xml:id="ctx0">
-      <inkml:inkSource xml:id="inkSrc0">
-        <inkml:traceFormat>
-          <inkml:channel name="X" type="integer" min="-2.14748E9" max="2.14748E9" units="cm"/>
-          <inkml:channel name="Y" type="integer" min="-2.14748E9" max="2.14748E9" units="cm"/>
-          <inkml:channel name="F" type="integer" max="32767" units="dev"/>
-        </inkml:traceFormat>
-        <inkml:channelProperties>
-          <inkml:channelProperty channel="X" name="resolution" value="1000" units="1/cm"/>
-          <inkml:channelProperty channel="Y" name="resolution" value="1000" units="1/cm"/>
-          <inkml:channelProperty channel="F" name="resolution" value="0" units="1/dev"/>
-        </inkml:channelProperties>
-      </inkml:inkSource>
-      <inkml:timestamp xml:id="ts0" timeString="2024-01-15T18:14:58.176"/>
-    </inkml:context>
-    <inkml:brush xml:id="br0">
-      <inkml:brushProperty name="width" value="0.035" units="cm"/>
-      <inkml:brushProperty name="height" value="0.035" units="cm"/>
-      <inkml:brushProperty name="color" value="#DA0C07"/>
-      <inkml:brushProperty name="inkEffects" value="lava"/>
-      <inkml:brushProperty name="anchorX" value="-493673.71875"/>
-      <inkml:brushProperty name="anchorY" value="-205426.29688"/>
-      <inkml:brushProperty name="scaleFactor" value="0.5"/>
-    </inkml:brush>
-  </inkml:definitions>
-  <inkml:trace contextRef="#ctx0" brushRef="#br0">440 1 8191,'-3'1'0,"2"2"4860,-9 6-4860,6-4 0,-9 8 0,9-8 2843,-7 10-2843,-13 20 0,10-13 1744,-9 12-1744,10-11 0,5-12 0,-25 46 0,21-38 5224,-17 35-5224,16-31-6075,-17 28 6075,14-24-4204,-21 41 4204,27-50-1428,-27 49 1428,27-49 0,-22 39 0,25-43 0,-8 13 0,12-21 558,0 0-558,-3 6 0,3-4 0,-3 2 3773,4-4-3773,-1 0 5643,2-2-5643,-1 2 3446,1-2-3446,2-2 0,-1 1 0,3-3 0,0-3 0,0 2 0,5-10 0,-4 8 0,10-19 0,-8 15 0,7-19 0,-5 10 0,8-21 0,-9 22 0,3-7 0</inkml:trace>
-</inkml:ink>
-</file>
-
-<file path=ppt/ink/ink48.xml><?xml version="1.0" encoding="utf-8"?>
-<inkml:ink xmlns:inkml="http://www.w3.org/2003/InkML">
-  <inkml:definitions>
-    <inkml:context xml:id="ctx0">
-      <inkml:inkSource xml:id="inkSrc0">
-        <inkml:traceFormat>
-          <inkml:channel name="X" type="integer" min="-2.14748E9" max="2.14748E9" units="cm"/>
-          <inkml:channel name="Y" type="integer" min="-2.14748E9" max="2.14748E9" units="cm"/>
-          <inkml:channel name="F" type="integer" max="32767" units="dev"/>
-        </inkml:traceFormat>
-        <inkml:channelProperties>
-          <inkml:channelProperty channel="X" name="resolution" value="1000" units="1/cm"/>
-          <inkml:channelProperty channel="Y" name="resolution" value="1000" units="1/cm"/>
-          <inkml:channelProperty channel="F" name="resolution" value="0" units="1/dev"/>
-        </inkml:channelProperties>
-      </inkml:inkSource>
-      <inkml:timestamp xml:id="ts0" timeString="2024-01-15T18:14:58.467"/>
-    </inkml:context>
-    <inkml:brush xml:id="br0">
-      <inkml:brushProperty name="width" value="0.035" units="cm"/>
-      <inkml:brushProperty name="height" value="0.035" units="cm"/>
-      <inkml:brushProperty name="color" value="#DA0C07"/>
-      <inkml:brushProperty name="inkEffects" value="lava"/>
-      <inkml:brushProperty name="anchorX" value="-512395.625"/>
-      <inkml:brushProperty name="anchorY" value="-213063.9375"/>
-      <inkml:brushProperty name="scaleFactor" value="0.5"/>
-    </inkml:brush>
-  </inkml:definitions>
-  <inkml:trace contextRef="#ctx0" brushRef="#br0">1645 9 24575,'6'-3'0,"0"2"0,-3-2 0,1 3 0,-1-1 0,10 1 0,-7 0 0,10 0 0,-10 1 0,3-1 0,-1 3 0,3-1 0,-2 2 0,4-1 0,15 7 0,-12-5 0,37 13-471,-23-4 471,53 19 0,-43-14 0,8 3 0,-3-2 0,-20-7 0,21 10 0,1 1 0,-22-7 0,21 10 0,0 0 0,-24-11 0,42 30 0,-50-33 0,27 25 0,-28-23 0,13 24 0,-16-24 0,3 31 0,-9-30 0,-3 28 0,-2-30 0,-10 27 0,6-28-6628,-19 32 6628,17-34-2372,-30 37 2372,28-36 0,-36 32 0,35-34-3647,-42 32 3647,38-31-2323,-50 33 2323,46-32 0,-58 29 0,52-28-943,-66 27 943,56-25 1124,-52 20-1124,33-14 0,-10 3 0,14-8 0,19-4 0,-21 5 591,24-8-591,-24 10 0,-24 8 0,33-11 0,-25 9 0,-2 0 373,21-8-373,-36 11 0,-3 1 1709,28-10-1709,-8 3 0,-15 4 0,13-5 225,1 0-225,2-2 0,-13 3 0,10-3 0,-22 5 0,10-5 0,-13 4 0,15-4 0,-7 2 0,11-3 0,-1 0 0</inkml:trace>
-</inkml:ink>
-</file>
-
-<file path=ppt/ink/ink49.xml><?xml version="1.0" encoding="utf-8"?>
-<inkml:ink xmlns:inkml="http://www.w3.org/2003/InkML">
-  <inkml:definitions>
-    <inkml:context xml:id="ctx0">
-      <inkml:inkSource xml:id="inkSrc0">
-        <inkml:traceFormat>
-          <inkml:channel name="X" type="integer" min="-2.14748E9" max="2.14748E9" units="cm"/>
-          <inkml:channel name="Y" type="integer" min="-2.14748E9" max="2.14748E9" units="cm"/>
-          <inkml:channel name="F" type="integer" max="32767" units="dev"/>
-        </inkml:traceFormat>
-        <inkml:channelProperties>
-          <inkml:channelProperty channel="X" name="resolution" value="1000" units="1/cm"/>
-          <inkml:channelProperty channel="Y" name="resolution" value="1000" units="1/cm"/>
-          <inkml:channelProperty channel="F" name="resolution" value="0" units="1/dev"/>
-        </inkml:channelProperties>
-      </inkml:inkSource>
-      <inkml:timestamp xml:id="ts0" timeString="2024-01-15T18:15:00.182"/>
-    </inkml:context>
-    <inkml:brush xml:id="br0">
-      <inkml:brushProperty name="width" value="0.035" units="cm"/>
-      <inkml:brushProperty name="height" value="0.035" units="cm"/>
-      <inkml:brushProperty name="color" value="#DA0C07"/>
-      <inkml:brushProperty name="inkEffects" value="lava"/>
-      <inkml:brushProperty name="anchorX" value="-529614.8125"/>
-      <inkml:brushProperty name="anchorY" value="-221626.51563"/>
-      <inkml:brushProperty name="scaleFactor" value="0.5"/>
-    </inkml:brush>
-  </inkml:definitions>
-  <inkml:trace contextRef="#ctx0" brushRef="#br0">274 1 24575,'-6'20'0,"3"-7"-1123,-1 2 1123,4-7-7822,-6 18 7822,4-13 0,-3 15 509,0-14-509,4-2 0,-7 18 0,2 0 0,-7 27 0,3-15-2378,-1 14 2378,3-28 0,-7 31 0,7-35-2520,-13 47 2520,16-53-67,-7 21 67,5-14 0,-2-3 1994,-7 26-1994,-3 1 0,5-10 0,-4 9 4494,12-35-4494,-6 20 0,8-24 6721,-5 19-6721,5-20 192,0 6-192,2-5 0,3-6 0,-1 3 0,3-6 0,-1-2 0,2-3 0,-4 1 0,7-11 0,-5 10 0,5-16 0,-4 16 0,2-14 0,0 9 0,-2-1 0,-1 5 0</inkml:trace>
-</inkml:ink>
-</file>
-
-<file path=ppt/ink/ink5.xml><?xml version="1.0" encoding="utf-8"?>
-<inkml:ink xmlns:inkml="http://www.w3.org/2003/InkML">
-  <inkml:definitions>
-    <inkml:context xml:id="ctx0">
-      <inkml:inkSource xml:id="inkSrc0">
-        <inkml:traceFormat>
-          <inkml:channel name="X" type="integer" min="-2.14748E9" max="2.14748E9" units="cm"/>
-          <inkml:channel name="Y" type="integer" min="-2.14748E9" max="2.14748E9" units="cm"/>
-          <inkml:channel name="F" type="integer" max="32767" units="dev"/>
-        </inkml:traceFormat>
-        <inkml:channelProperties>
-          <inkml:channelProperty channel="X" name="resolution" value="1000" units="1/cm"/>
-          <inkml:channelProperty channel="Y" name="resolution" value="1000" units="1/cm"/>
-          <inkml:channelProperty channel="F" name="resolution" value="0" units="1/dev"/>
-        </inkml:channelProperties>
-      </inkml:inkSource>
-      <inkml:timestamp xml:id="ts0" timeString="2024-01-15T18:08:59.602"/>
-    </inkml:context>
-    <inkml:brush xml:id="br0">
-      <inkml:brushProperty name="width" value="0.035" units="cm"/>
-      <inkml:brushProperty name="height" value="0.035" units="cm"/>
-      <inkml:brushProperty name="color" value="#DA0C07"/>
-      <inkml:brushProperty name="inkEffects" value="lava"/>
-      <inkml:brushProperty name="anchorX" value="-38380.55078"/>
-      <inkml:brushProperty name="anchorY" value="-52063.20703"/>
-      <inkml:brushProperty name="scaleFactor" value="0.5"/>
-    </inkml:brush>
-  </inkml:definitions>
-  <inkml:trace contextRef="#ctx0" brushRef="#br0">466 0 24575,'-7'0'0,"2"0"0,0 0 0,2 0 0,0 1 0,-9 2 0,6-1 0,-15 3 0,14-3 0,-26 9 0,22-7 0,-33 11 0,31-8 0,-35 12 0,32-12 0,-21 10 0,19-11 0,-19 11 0,19-10 0,-22 13 0,31-15 0,-22 9 0,24-10 0,-13 6 0,16-7 0,-5 4 0,7-4 0,2 1 0,1-1 0,3-1 0,1 1 0,-1-2 0,11 6 0,-11-7 0,21 8 0,-17-7 0,32 8 0,-26-8 0,40 7 0,-24-7 0,65 8-1721,-48-8 1721,21 2 0,0 1-2410,-24-1 2410,33-1 0,3 0-5416,-15 0 5416,-13-2 0,4 0 0,35 0-725,-37 2 1,-2-1 0,23 0 0,-1 2 0</inkml:trace>
-</inkml:ink>
-</file>
-
-<file path=ppt/ink/ink50.xml><?xml version="1.0" encoding="utf-8"?>
-<inkml:ink xmlns:inkml="http://www.w3.org/2003/InkML">
-  <inkml:definitions>
-    <inkml:context xml:id="ctx0">
-      <inkml:inkSource xml:id="inkSrc0">
-        <inkml:traceFormat>
-          <inkml:channel name="X" type="integer" min="-2.14748E9" max="2.14748E9" units="cm"/>
-          <inkml:channel name="Y" type="integer" min="-2.14748E9" max="2.14748E9" units="cm"/>
-          <inkml:channel name="F" type="integer" max="32767" units="dev"/>
-        </inkml:traceFormat>
-        <inkml:channelProperties>
-          <inkml:channelProperty channel="X" name="resolution" value="1000" units="1/cm"/>
-          <inkml:channelProperty channel="Y" name="resolution" value="1000" units="1/cm"/>
-          <inkml:channelProperty channel="F" name="resolution" value="0" units="1/dev"/>
-        </inkml:channelProperties>
-      </inkml:inkSource>
-      <inkml:timestamp xml:id="ts0" timeString="2024-01-15T18:15:01.287"/>
-    </inkml:context>
-    <inkml:brush xml:id="br0">
-      <inkml:brushProperty name="width" value="0.035" units="cm"/>
-      <inkml:brushProperty name="height" value="0.035" units="cm"/>
-      <inkml:brushProperty name="color" value="#DA0C07"/>
-      <inkml:brushProperty name="inkEffects" value="lava"/>
-      <inkml:brushProperty name="anchorX" value="-543135.25"/>
-      <inkml:brushProperty name="anchorY" value="-232157.57813"/>
-      <inkml:brushProperty name="scaleFactor" value="0.5"/>
-    </inkml:brush>
-  </inkml:definitions>
-  <inkml:trace contextRef="#ctx0" brushRef="#br0">297 122 24575,'3'-5'0,"-1"1"0,4 0 0,-4 1 0,5 0 0,0-2 0,-1 4 0,11-5 0,-11 4 0,14-2 0,-10 1 0,27-4 0,-22 5 0,51-9 0,-44 9-6784,37-5 6784,-30 5 0,39-4-214,-34 4 214,60-7-1356,-61 6 1356,61-5 0,-48 5 0,21-1 0,1 1 0,-11 2-2009,23-3 1,-2 0 2008,-34 3 0,36 0 0,1 0 3052,-28 1-3052,32 0 0,1 0-1029,-31 0 1029,36 0 0,1 0-1752,-32 0 1752,7 1 0,6 1 0,-12-1 0,-5 1 0,19 2 0,-18-2 0,-1-1 0,14 2-767,-23 0 767,4 1 0,3-1 0,24 3 0,-5-1 0,2 0 0,24 1 0,-6 3 0,-3 0 0,-19-4 0,7 5 0,-3-1 0,-26-4 0,28 8 0,1 2-1916,-24-5 1916,0 2 0,5 1 0,34 9 1083,-43-7-1083,17 3 0,6 1 0,14 12 0,-1-3 0,-26-5 0,-9-2 1232,-24-8-1232,59 29 3312,-63-31-3312,34 21 0,-36-20 0,22 20 0,-25-18 0,23 25 0,-28-26 0,14 19 1467,-17-19-1467,8 11 0,-9-10 0,9 14 0,-13-17 6336,8 11-6336,-10-12 0,6 15 0,-6-14 231,4 21-231,-6-23 0,2 15 0,-3-15 0,-2 10 0,1-11 0,-6 19 0,3-19 1122,-4 12-1122,1-7 0,-4 3 0,2-2 0,-10 9 0,12-15 0,-7 8 0,0-3 0,9-6 0,-19 12 0,15-10 0,-19 11 0,-3 1 0,5-5 0,-20 9 0,31-16 0,-37 18 0,26-14-6784,-34 12 6784,34-14 0,-67 22-1081,63-24 1081,-24 9 0,-3-1 0,14-4-2367,-17 2 2367,14-2 0,13-5-1698,-15 2 1,-2 1 1697,1 0 0,-28 4 0,0-1 2606,31-5-2606,-35 3 0,0 0 0,35-4 0,-43 3 0,-2 0-1463,41-3 1463,-17 1 0,-10-1 0,-2 1 0,5-1 0,-15 4 0,-9-2 0,3-1 0,27-3 0,3 0 0,0-1 0,-2-2 0,2 2 0,2 0 0,6-1 0,-2 0 0,0 0 0,13 2 0,-10-4 0,2 1 0,21 0 0,-20-2 0,0 0 1554,16-1-1554,-18 0 0,-2 0 3652,13 0-3652,-4 0 0,-6 0-1819,-6-4 1,3 1 1818,-10 1 0,5-3 0,8 1 2719,32 3-2719,-36-7 0,30 4 0,-58-10-132,53 8 132,-41-7 0,44 7 0,-29-7 992,38 7-992,-42-11 0,40 13 0,-37-14 6511,40 15-6511,-34-14 0,37 10 0,-52-13 0,50 12-146,-25-8 146,28 10 0,-15-6 0,-18-6 0,13 5-6462,-28-13 6462,47 19 0,-26-14 0,32 16 0,-17-12 0,9-1 0,-1 4-3888,1-12 3888,15 20 0,-4-9-71,5 9 71,2 1 4502,-2-1-4502,3-2 0,-3-1 0,2 1 6731,-1-6-6731,1 8 159,1-20-159,0 2-6784,2-12 6784,-2 10-4537,7-12 4537,-5 26-1877,11-38 1877,-8 38-198,12-42 198,-9 33 0,4-14 0,-1 9 0,-6 16 3510,2-8-3510,0 7 5247,1-10-5247,8-8 0,-6 8 0,8-10 0,-14 23 4084,9-16-4084,-4 9 0,3-5 0,-3 6 0,1 1 0,-8 10 555,3-4-555,-2 3 0,-1 2 0,0 0 0</inkml:trace>
-</inkml:ink>
-</file>
-
-<file path=ppt/ink/ink51.xml><?xml version="1.0" encoding="utf-8"?>
-<inkml:ink xmlns:inkml="http://www.w3.org/2003/InkML">
-  <inkml:definitions>
-    <inkml:context xml:id="ctx0">
-      <inkml:inkSource xml:id="inkSrc0">
-        <inkml:traceFormat>
-          <inkml:channel name="X" type="integer" min="-2.14748E9" max="2.14748E9" units="cm"/>
-          <inkml:channel name="Y" type="integer" min="-2.14748E9" max="2.14748E9" units="cm"/>
-          <inkml:channel name="F" type="integer" max="32767" units="dev"/>
-        </inkml:traceFormat>
-        <inkml:channelProperties>
-          <inkml:channelProperty channel="X" name="resolution" value="1000" units="1/cm"/>
-          <inkml:channelProperty channel="Y" name="resolution" value="1000" units="1/cm"/>
-          <inkml:channelProperty channel="F" name="resolution" value="0" units="1/dev"/>
-        </inkml:channelProperties>
-      </inkml:inkSource>
-      <inkml:timestamp xml:id="ts0" timeString="2024-01-15T18:15:01.633"/>
-    </inkml:context>
-    <inkml:brush xml:id="br0">
-      <inkml:brushProperty name="width" value="0.035" units="cm"/>
-      <inkml:brushProperty name="height" value="0.035" units="cm"/>
-      <inkml:brushProperty name="color" value="#DA0C07"/>
-      <inkml:brushProperty name="inkEffects" value="lava"/>
-      <inkml:brushProperty name="anchorX" value="-556762.5"/>
-      <inkml:brushProperty name="anchorY" value="-242200.17188"/>
-      <inkml:brushProperty name="scaleFactor" value="0.5"/>
-    </inkml:brush>
-  </inkml:definitions>
-  <inkml:trace contextRef="#ctx0" brushRef="#br0">116 1 24575,'-3'4'0,"2"0"-9831,-3 3 8341,2-2 4129,-2 6-2639,1-6 1744,1 3-1744,-1 5 0,2-7 0,-3 12 6708,3-9-6708,-3 17 230,2-11-230,-5 28 0,5-29 0,-5 34 0,4-38 0,-4 36 0,5-36 0,-7 33 0,7-33 0,-6 22 0,4-18 0,-2 8 0,0-2 0,1-2 0,1-4 0,-1 0 0,5-10 0,-4 8 0,4-10 0,0 2 0,1-7 0,2-2 0,0-1 0,1-4 0,-1 4 0,3-11 0,-4 14 0,0-8 0</inkml:trace>
-</inkml:ink>
-</file>
-
-<file path=ppt/ink/ink52.xml><?xml version="1.0" encoding="utf-8"?>
-<inkml:ink xmlns:inkml="http://www.w3.org/2003/InkML">
-  <inkml:definitions>
-    <inkml:context xml:id="ctx0">
-      <inkml:inkSource xml:id="inkSrc0">
-        <inkml:traceFormat>
-          <inkml:channel name="X" type="integer" min="-2.14748E9" max="2.14748E9" units="cm"/>
-          <inkml:channel name="Y" type="integer" min="-2.14748E9" max="2.14748E9" units="cm"/>
-          <inkml:channel name="F" type="integer" max="32767" units="dev"/>
-        </inkml:traceFormat>
-        <inkml:channelProperties>
-          <inkml:channelProperty channel="X" name="resolution" value="1000" units="1/cm"/>
-          <inkml:channelProperty channel="Y" name="resolution" value="1000" units="1/cm"/>
-          <inkml:channelProperty channel="F" name="resolution" value="0" units="1/dev"/>
-        </inkml:channelProperties>
-      </inkml:inkSource>
-      <inkml:timestamp xml:id="ts0" timeString="2024-01-15T18:15:02.071"/>
-    </inkml:context>
-    <inkml:brush xml:id="br0">
-      <inkml:brushProperty name="width" value="0.035" units="cm"/>
-      <inkml:brushProperty name="height" value="0.035" units="cm"/>
-      <inkml:brushProperty name="color" value="#DA0C07"/>
-      <inkml:brushProperty name="inkEffects" value="lava"/>
-      <inkml:brushProperty name="anchorX" value="-570852.875"/>
-      <inkml:brushProperty name="anchorY" value="-252656.65625"/>
-      <inkml:brushProperty name="scaleFactor" value="0.5"/>
-    </inkml:brush>
-  </inkml:definitions>
-  <inkml:trace contextRef="#ctx0" brushRef="#br0">69 1 8191,'4'0'0,"2"0"3190,6 0-3190,-4 0 2996,4 0-2996,-5 0 1933,5 1-1933,-2-1 0,4 3 6051,-2-2-6051,-1 4 0,9 2 0,-10-2 0,7 4 0,-13-5 0,8 5 0,-8-5 0,6 10 0,-6-9 2214,3 9-2214,-4-7 0,0 6 0,-2-5 0,1 10 0,-2-13 0,-2 14 0,1-14 0,-6 15 0,5-15 0,-11 15 0,10-16 0,-11 11 0,8-10 0,-2 2 0,-6 2 0,-5 3 0,1-3 0,-8 4 0,18-11 0,-14 4 0,14-2 0,-14 0 0,14-3 0,-9 2 0,11-1 0,-10 1 0,9-2 0,-9 2 0,12-2 0,-2 2 0,6 0 0,1 0 0,0 2 0,2-1 0,1 3 0,-2-3 0,3 3 0,-3-2 0,5 6 0,-3-7 0,4 8 0,-5-9 0,5 9 0,-4-8 0,4 7 0,-5-7 0,7 5 0,-7-5 0,9 6 0,-8-7 0,7 6 0,-7-7 0,6 5 0,-6-5 0,11 3 0,-11-3 0,8 1 0,-7-2 0,10 0 0,-4-1 0,6 2 0,-7-3 0,8-2 0,-12 0-6784,14-3 6784,-14 3-4537,14-5 4537,-14 4 0,9-2 0,-12 3 0,0 1 0,-2 1 0</inkml:trace>
-</inkml:ink>
-</file>
-
-<file path=ppt/ink/ink53.xml><?xml version="1.0" encoding="utf-8"?>
-<inkml:ink xmlns:inkml="http://www.w3.org/2003/InkML">
-  <inkml:definitions>
-    <inkml:context xml:id="ctx0">
-      <inkml:inkSource xml:id="inkSrc0">
-        <inkml:traceFormat>
-          <inkml:channel name="X" type="integer" min="-2.14748E9" max="2.14748E9" units="cm"/>
-          <inkml:channel name="Y" type="integer" min="-2.14748E9" max="2.14748E9" units="cm"/>
-          <inkml:channel name="F" type="integer" max="32767" units="dev"/>
-        </inkml:traceFormat>
-        <inkml:channelProperties>
-          <inkml:channelProperty channel="X" name="resolution" value="1000" units="1/cm"/>
-          <inkml:channelProperty channel="Y" name="resolution" value="1000" units="1/cm"/>
-          <inkml:channelProperty channel="F" name="resolution" value="0" units="1/dev"/>
-        </inkml:channelProperties>
-      </inkml:inkSource>
-      <inkml:timestamp xml:id="ts0" timeString="2024-01-15T18:15:02.466"/>
-    </inkml:context>
-    <inkml:brush xml:id="br0">
-      <inkml:brushProperty name="width" value="0.035" units="cm"/>
-      <inkml:brushProperty name="height" value="0.035" units="cm"/>
-      <inkml:brushProperty name="color" value="#DA0C07"/>
-      <inkml:brushProperty name="inkEffects" value="lava"/>
-      <inkml:brushProperty name="anchorX" value="-587907.9375"/>
-      <inkml:brushProperty name="anchorY" value="-265655.71875"/>
-      <inkml:brushProperty name="scaleFactor" value="0.5"/>
-    </inkml:brush>
-  </inkml:definitions>
-  <inkml:trace contextRef="#ctx0" brushRef="#br0">74 95 24575,'-4'3'0,"2"0"0,-2-1 0,3 0 0,-2 0 0,0 1 0,-4 5 0,4-4 0,-5 8 0,5-8 0,-5 10 0,4-8 0,-6 17 0,7-15 0,-3 12 0,4-11 0,1 10 0,-1-8 0,2 10 0,2-15 0,0 10 0,0-12 0,6 8 0,-7-8 0,10 4 0,-9-6 0,6 0 0,-5-2 0,7-1 0,-6 1 0,6-7 0,-6 6 0,4-11 0,-5 8 0,4-12 0,-4 11 0,3-16 0,-4 16 0,3-14 0,-4 10 0,4-15 0,-5 13 0,4-18 0,-4 21 0,3-19 0,-3 18 0,3-18 0,-3 19-6784,2-16 6784,-2 18 0,1-12 0,0 12 0,2-7 0,-1 8 0,0-2 0,-1 7 6784,0 2-6784,0 1 0,0 2 0,0-2 0,0 2 0,0-3 0,1 5 0,-2-3 0,3 3 0,-3-2 0,4 3 0,1 7 0,-2-6 0,6 14 0,-6-17 0,7 20 0,-6-20 0,8 19 0,-8-19 0,7 13 0,-6-11 0,7 11 0,-7-11 0,11 11 0,-10-14 0,10 9 0,-10-11 0,9 7 0,-9-9 0,11 6 0,-9-7 0,10 3 0,-10-3 0,10-3 0,-12 3 0,15-9 0,-15 7 0,13-11 0,-14 11 0,7-14 0,-10 15 0,2-7 0</inkml:trace>
-</inkml:ink>
-</file>
-
-<file path=ppt/ink/ink54.xml><?xml version="1.0" encoding="utf-8"?>
-<inkml:ink xmlns:inkml="http://www.w3.org/2003/InkML">
-  <inkml:definitions>
-    <inkml:context xml:id="ctx0">
-      <inkml:inkSource xml:id="inkSrc0">
-        <inkml:traceFormat>
-          <inkml:channel name="X" type="integer" min="-2.14748E9" max="2.14748E9" units="cm"/>
-          <inkml:channel name="Y" type="integer" min="-2.14748E9" max="2.14748E9" units="cm"/>
-          <inkml:channel name="F" type="integer" max="32767" units="dev"/>
-        </inkml:traceFormat>
-        <inkml:channelProperties>
-          <inkml:channelProperty channel="X" name="resolution" value="1000" units="1/cm"/>
-          <inkml:channelProperty channel="Y" name="resolution" value="1000" units="1/cm"/>
-          <inkml:channelProperty channel="F" name="resolution" value="0" units="1/dev"/>
-        </inkml:channelProperties>
-      </inkml:inkSource>
-      <inkml:timestamp xml:id="ts0" timeString="2024-01-15T18:15:02.981"/>
-    </inkml:context>
-    <inkml:brush xml:id="br0">
-      <inkml:brushProperty name="width" value="0.035" units="cm"/>
-      <inkml:brushProperty name="height" value="0.035" units="cm"/>
-      <inkml:brushProperty name="color" value="#DA0C07"/>
-      <inkml:brushProperty name="inkEffects" value="lava"/>
-      <inkml:brushProperty name="anchorX" value="-605495.6875"/>
-      <inkml:brushProperty name="anchorY" value="-278590.65625"/>
-      <inkml:brushProperty name="scaleFactor" value="0.5"/>
-    </inkml:brush>
-  </inkml:definitions>
-  <inkml:trace contextRef="#ctx0" brushRef="#br0">12 28 24575,'0'6'0,"0"7"0,0-8 0,0 7 0,0 1 0,0-4 0,0 7 0,0-9 0,0 5 0,0-5 0,1 18 0,0-16 0,0 20 0,-1-21 0,0 15 0,0-11 0,0 12 0,0-11 0,0 12 0,0-18 0,-1 14 0,0-16 0,-1 12 0,2-13 0,-4 11 0,2-13 0,-1 2 0,2-6 0,1-2 0,0-2 0,0 2 0,0-10 0,1 9 0,1-13 0,1 12 0,1-14 0,-1 10 0,5-16 0,-5 14 0,8-21 0,-8 24 0,11-25 0,-10 23-6784,10-21 6784,-10 21-2361,11-17 2361,-11 19 0,9-12 0,-6 12 0,5-7 0,-5 7 0,2-2 0,-4 6 5615,-1 0-5615,-1 4 3530,-2 3-3530,-1 1 0,0 1 0,0 2 0,0 4 0,0-4 0,0 7 0,-1-6 0,1 8 0,-2-6 0,4 10 0,-2-12 0,6 18 0,-4-19 0,8 16 0,-6-15 0,11 16 0,-9-14 0,12 14 0,-13-16 0,16 13 0,-16-12 0,16 10 0,-16-12 0,12 10 0,-13-12 0,7 9 0,-9-6 0,0 0 0,-6 4 0,2-8 0,-7 8 0,4-9 0,-12 8 0,10-8 0,-16 8 0,15-7 0,-13 4 0,14-5 0,-15 4 0,15-4 0,-13 5 0,15-5 0,-8 3 0,9-3 0,-6 2 0,7-1 0,-2-1 0,6-1 0,1-5 0,1 3 0,6-9 0,-3 7 0,6-8 0,-7 8 0,8-7 0,-8 8 0,4-5 0,-7 5 0,-1 1 0</inkml:trace>
-</inkml:ink>
-</file>
-
-<file path=ppt/ink/ink55.xml><?xml version="1.0" encoding="utf-8"?>
-<inkml:ink xmlns:inkml="http://www.w3.org/2003/InkML">
-  <inkml:definitions>
-    <inkml:context xml:id="ctx0">
-      <inkml:inkSource xml:id="inkSrc0">
-        <inkml:traceFormat>
-          <inkml:channel name="X" type="integer" min="-2.14748E9" max="2.14748E9" units="cm"/>
-          <inkml:channel name="Y" type="integer" min="-2.14748E9" max="2.14748E9" units="cm"/>
-          <inkml:channel name="F" type="integer" max="32767" units="dev"/>
-        </inkml:traceFormat>
-        <inkml:channelProperties>
-          <inkml:channelProperty channel="X" name="resolution" value="1000" units="1/cm"/>
-          <inkml:channelProperty channel="Y" name="resolution" value="1000" units="1/cm"/>
-          <inkml:channelProperty channel="F" name="resolution" value="0" units="1/dev"/>
-        </inkml:channelProperties>
-      </inkml:inkSource>
-      <inkml:timestamp xml:id="ts0" timeString="2024-01-15T18:15:03.529"/>
-    </inkml:context>
-    <inkml:brush xml:id="br0">
-      <inkml:brushProperty name="width" value="0.035" units="cm"/>
-      <inkml:brushProperty name="height" value="0.035" units="cm"/>
-      <inkml:brushProperty name="color" value="#DA0C07"/>
-      <inkml:brushProperty name="inkEffects" value="lava"/>
-      <inkml:brushProperty name="anchorX" value="-623318.625"/>
-      <inkml:brushProperty name="anchorY" value="-291621.875"/>
-      <inkml:brushProperty name="scaleFactor" value="0.5"/>
-    </inkml:brush>
-  </inkml:definitions>
-  <inkml:trace contextRef="#ctx0" brushRef="#br0">54 0 8262,'-1'5'0,"-1"-1"5071,2-1-5071,0 0 2807,-1 0-2807,-1 7 0,1-5 1710,0 6-1710,1-6 6725,0 0-6725,0 3 0,-2 0 0,2-1 0,-2 14 0,1-12 0,-1 20 0,-1-8 0,1-3 0,-3 12 0,4-21-6784,-2 16 6784,1-18-3570,-2 18 3570,2-17-8,-3 16 8,4-17 0,-4 13 0,5-13 5012,-4 9-5012,4-10 5335,-2 2-5335,2-8 15,2 0-15,-2-3 0,2-3 0,-1 2 0,3-7 0,-2 3 0,3-7 0,-3 7 0,3-8 0,-2 5 0,2-2 0,-1 4 0,0-5 0,-1 7 0,3-9 0,2-6 0,-3 9 0,4-8 0,-4 8 0,-2 6 0,7-13 0,-6 15 0,6-12 0,-6 13 0,8-10 0,-8 10 0,7-6 0,-7 10 0,6-1 0,-6 2 0,6 5 0,-9-3 0,10 8 0,-9-7 0,9 12 0,-7-12 0,6 16 0,-7-15 0,4 12 0,-5-10 0,5 12 0,-5-10 0,5 12 0,-7-14 0,3 13 0,-3-13 0,0 12 0,0-13 0,-1 13 0,-1-13 0,-1 10 0,0-12 0,2 4 0,-3-1 0,-2 4 0,1-2 0,-6 8 0,7-13 0,-9 9 0,9-9 0,-11 7 0,11-7 0,-8 4 0,8-5 0,-7 4 0,7-4 0,-6 4 0,9-4 0,-4 0 0,5 0 0,0-3 0,1 1 0,2-1 0,1 0 0,-1 0 0,7-4 0,-6 3 0,12-6 0,-12 5 0,16-8 0,-15 7 0,18-10 0,-16 8 0,11-5 0,-12 7 0,0-1 0,-1 1 0,1-1 0,2-2 0,-2 3 0,-1-1 0</inkml:trace>
-</inkml:ink>
-</file>
-
-<file path=ppt/ink/ink56.xml><?xml version="1.0" encoding="utf-8"?>
-<inkml:ink xmlns:inkml="http://www.w3.org/2003/InkML">
-  <inkml:definitions>
-    <inkml:context xml:id="ctx0">
-      <inkml:inkSource xml:id="inkSrc0">
-        <inkml:traceFormat>
-          <inkml:channel name="X" type="integer" min="-2.14748E9" max="2.14748E9" units="cm"/>
-          <inkml:channel name="Y" type="integer" min="-2.14748E9" max="2.14748E9" units="cm"/>
-          <inkml:channel name="F" type="integer" max="32767" units="dev"/>
-        </inkml:traceFormat>
-        <inkml:channelProperties>
-          <inkml:channelProperty channel="X" name="resolution" value="1000" units="1/cm"/>
-          <inkml:channelProperty channel="Y" name="resolution" value="1000" units="1/cm"/>
-          <inkml:channelProperty channel="F" name="resolution" value="0" units="1/dev"/>
-        </inkml:channelProperties>
-      </inkml:inkSource>
-      <inkml:timestamp xml:id="ts0" timeString="2024-01-15T18:15:03.738"/>
-    </inkml:context>
-    <inkml:brush xml:id="br0">
-      <inkml:brushProperty name="width" value="0.035" units="cm"/>
-      <inkml:brushProperty name="height" value="0.035" units="cm"/>
-      <inkml:brushProperty name="color" value="#DA0C07"/>
-      <inkml:brushProperty name="inkEffects" value="lava"/>
-      <inkml:brushProperty name="anchorX" value="-641864.375"/>
-      <inkml:brushProperty name="anchorY" value="-304652.71875"/>
-      <inkml:brushProperty name="scaleFactor" value="0.5"/>
-    </inkml:brush>
-  </inkml:definitions>
-  <inkml:trace contextRef="#ctx0" brushRef="#br0">110 0 24575,'-3'8'0,"-1"0"0,4-5 0,-3 1 0,-1 8 0,-2 0 0,0 3 0,1-6 0,2-1 0,-1-1 0,-4 13 0,2-10 0,-7 16 0,9-19 0,-7 14 0,8-15 0,-6 8 0,6-6 0,-4 5 0,4-7 0,-1 4 0,4-10 0,0 1 0,1-4 0,2-1 0,0 0 0,4-8 0,-3 5 0,7-13 0,-6 12 0,6-11 0,-5 8 0,7-15 0,-8 16 0,2-5 0</inkml:trace>
-</inkml:ink>
-</file>
-
-<file path=ppt/ink/ink57.xml><?xml version="1.0" encoding="utf-8"?>
-<inkml:ink xmlns:inkml="http://www.w3.org/2003/InkML">
-  <inkml:definitions>
-    <inkml:context xml:id="ctx0">
-      <inkml:inkSource xml:id="inkSrc0">
-        <inkml:traceFormat>
-          <inkml:channel name="X" type="integer" min="-2.14748E9" max="2.14748E9" units="cm"/>
-          <inkml:channel name="Y" type="integer" min="-2.14748E9" max="2.14748E9" units="cm"/>
-          <inkml:channel name="F" type="integer" max="32767" units="dev"/>
-        </inkml:traceFormat>
-        <inkml:channelProperties>
-          <inkml:channelProperty channel="X" name="resolution" value="1000" units="1/cm"/>
-          <inkml:channelProperty channel="Y" name="resolution" value="1000" units="1/cm"/>
-          <inkml:channelProperty channel="F" name="resolution" value="0" units="1/dev"/>
-        </inkml:channelProperties>
-      </inkml:inkSource>
-      <inkml:timestamp xml:id="ts0" timeString="2024-01-15T18:15:04.219"/>
-    </inkml:context>
-    <inkml:brush xml:id="br0">
-      <inkml:brushProperty name="width" value="0.035" units="cm"/>
-      <inkml:brushProperty name="height" value="0.035" units="cm"/>
-      <inkml:brushProperty name="color" value="#DA0C07"/>
-      <inkml:brushProperty name="inkEffects" value="lava"/>
-      <inkml:brushProperty name="anchorX" value="-658111.5625"/>
-      <inkml:brushProperty name="anchorY" value="-315067.28125"/>
-      <inkml:brushProperty name="scaleFactor" value="0.5"/>
-    </inkml:brush>
-  </inkml:definitions>
-  <inkml:trace contextRef="#ctx0" brushRef="#br0">125 0 24575,'-3'3'0,"1"0"0,0 0 0,0 0 0,1 0 0,-3 4 0,3-4 0,-2 7 0,2-7 0,0 3 0,1-1 0,-1 0 0,0 7 0,0-6 0,1 11 0,0-12 0,2 12 0,-1-12 0,2 10 0,-1-9 0,0 4 0,0-5 0,2 5 0,-2-5 0,2 1 0,-4-3 0,3 0 0,-3 0 0,1 0 0,-1 0 0,0 1 0,0-1 0,-1 3 0,1-3 0,-4 5 0,3-4 0,-4 8 0,3-8 0,-4 10 0,3-9 0,-5 10 0,6-10 0,-4 4 0,6-6 0,-4 4 0,2-3 0,-2 4 0,1-3 0,-1 4 0,0 1 0,-2 1 0,-2 2 0,4-4 0,-6 7 0,7-11 0,-6 10 0,6-11 0,-3 5 0,4-7 0,-1 3 0,0-3 0,0 0 0,0-4 0,0-1 0,2 0 0,0 2 0</inkml:trace>
-</inkml:ink>
-</file>
-
-<file path=ppt/ink/ink58.xml><?xml version="1.0" encoding="utf-8"?>
-<inkml:ink xmlns:inkml="http://www.w3.org/2003/InkML">
-  <inkml:definitions>
-    <inkml:context xml:id="ctx0">
-      <inkml:inkSource xml:id="inkSrc0">
-        <inkml:traceFormat>
-          <inkml:channel name="X" type="integer" min="-2.14748E9" max="2.14748E9" units="cm"/>
-          <inkml:channel name="Y" type="integer" min="-2.14748E9" max="2.14748E9" units="cm"/>
-          <inkml:channel name="F" type="integer" max="32767" units="dev"/>
-        </inkml:traceFormat>
-        <inkml:channelProperties>
-          <inkml:channelProperty channel="X" name="resolution" value="1000" units="1/cm"/>
-          <inkml:channelProperty channel="Y" name="resolution" value="1000" units="1/cm"/>
-          <inkml:channelProperty channel="F" name="resolution" value="0" units="1/dev"/>
-        </inkml:channelProperties>
-      </inkml:inkSource>
-      <inkml:timestamp xml:id="ts0" timeString="2024-01-15T18:15:04.487"/>
-    </inkml:context>
-    <inkml:brush xml:id="br0">
-      <inkml:brushProperty name="width" value="0.035" units="cm"/>
-      <inkml:brushProperty name="height" value="0.035" units="cm"/>
-      <inkml:brushProperty name="color" value="#DA0C07"/>
-      <inkml:brushProperty name="inkEffects" value="lava"/>
-      <inkml:brushProperty name="anchorX" value="-674845.1875"/>
-      <inkml:brushProperty name="anchorY" value="-325531.4375"/>
-      <inkml:brushProperty name="scaleFactor" value="0.5"/>
-    </inkml:brush>
-  </inkml:definitions>
-  <inkml:trace contextRef="#ctx0" brushRef="#br0">0 32 24575,'3'-5'0,"0"1"0,5-1 0,-4 1 0,5-1 0,-6 3 0,12-2 0,-10 4 0,17-3 0,-15 3 0,20 0 0,-18 2 0,28 1 0,-26-1 0,19 3 0,-5-1 0,5 3 0,-2-3 0,10 5 0,-25-7-6784,25 8 6784,-29-9-373,24 8 373,-23-6 0,21 6 0,-23-5 0,11 3 0,-12-6 0,4 6 0,-5-6 6599,1 6-6599,-5-4 558,-1 3-558,-3-4 0,-3 5 0,2-6 0,-10 6 0,8-6 0,-10 6 0,8-4 0,-3 0 0,6 0 0,1-3 0</inkml:trace>
-</inkml:ink>
-</file>
-
-<file path=ppt/ink/ink59.xml><?xml version="1.0" encoding="utf-8"?>
-<inkml:ink xmlns:inkml="http://www.w3.org/2003/InkML">
-  <inkml:definitions>
-    <inkml:context xml:id="ctx0">
-      <inkml:inkSource xml:id="inkSrc0">
-        <inkml:traceFormat>
-          <inkml:channel name="X" type="integer" min="-2.14748E9" max="2.14748E9" units="cm"/>
-          <inkml:channel name="Y" type="integer" min="-2.14748E9" max="2.14748E9" units="cm"/>
-          <inkml:channel name="F" type="integer" max="32767" units="dev"/>
-        </inkml:traceFormat>
-        <inkml:channelProperties>
-          <inkml:channelProperty channel="X" name="resolution" value="1000" units="1/cm"/>
-          <inkml:channelProperty channel="Y" name="resolution" value="1000" units="1/cm"/>
-          <inkml:channelProperty channel="F" name="resolution" value="0" units="1/dev"/>
-        </inkml:channelProperties>
-      </inkml:inkSource>
-      <inkml:timestamp xml:id="ts0" timeString="2024-01-15T18:15:04.941"/>
-    </inkml:context>
-    <inkml:brush xml:id="br0">
-      <inkml:brushProperty name="width" value="0.035" units="cm"/>
-      <inkml:brushProperty name="height" value="0.035" units="cm"/>
-      <inkml:brushProperty name="color" value="#DA0C07"/>
-      <inkml:brushProperty name="inkEffects" value="lava"/>
-      <inkml:brushProperty name="anchorX" value="-694428.25"/>
-      <inkml:brushProperty name="anchorY" value="-338049.21875"/>
-      <inkml:brushProperty name="scaleFactor" value="0.5"/>
-    </inkml:brush>
-  </inkml:definitions>
-  <inkml:trace contextRef="#ctx0" brushRef="#br0">40 49 24575,'0'-4'0,"0"-1"0,-1 4 0,1-2 0,-3 2 0,2-1 0,-1 0 0,0 1 0,1-1 0,-3-1 0,1 0 0,0-1 0,-1 2 0,3-2 0,-2 4 0,-1-5 0,2 3 0,-2-1 0,4 2 0,-1 1 0</inkml:trace>
-</inkml:ink>
-</file>
-
-<file path=ppt/ink/ink6.xml><?xml version="1.0" encoding="utf-8"?>
-<inkml:ink xmlns:inkml="http://www.w3.org/2003/InkML">
-  <inkml:definitions>
-    <inkml:context xml:id="ctx0">
-      <inkml:inkSource xml:id="inkSrc0">
-        <inkml:traceFormat>
-          <inkml:channel name="X" type="integer" min="-2.14748E9" max="2.14748E9" units="cm"/>
-          <inkml:channel name="Y" type="integer" min="-2.14748E9" max="2.14748E9" units="cm"/>
-          <inkml:channel name="F" type="integer" max="32767" units="dev"/>
-        </inkml:traceFormat>
-        <inkml:channelProperties>
-          <inkml:channelProperty channel="X" name="resolution" value="1000" units="1/cm"/>
-          <inkml:channelProperty channel="Y" name="resolution" value="1000" units="1/cm"/>
-          <inkml:channelProperty channel="F" name="resolution" value="0" units="1/dev"/>
-        </inkml:channelProperties>
-      </inkml:inkSource>
-      <inkml:timestamp xml:id="ts0" timeString="2024-01-15T18:09:00.164"/>
-    </inkml:context>
-    <inkml:brush xml:id="br0">
-      <inkml:brushProperty name="width" value="0.035" units="cm"/>
-      <inkml:brushProperty name="height" value="0.035" units="cm"/>
-      <inkml:brushProperty name="color" value="#DA0C07"/>
-      <inkml:brushProperty name="inkEffects" value="lava"/>
-      <inkml:brushProperty name="anchorX" value="-50602.19922"/>
-      <inkml:brushProperty name="anchorY" value="-66143.375"/>
-      <inkml:brushProperty name="scaleFactor" value="0.5"/>
-    </inkml:brush>
-  </inkml:definitions>
-  <inkml:trace contextRef="#ctx0" brushRef="#br0">0 0 24575,'6'32'0,"-4"-11"0,3 0-9831,-1 9 8341,-2-12 1490,4 18 2818,-3-15-2818,4 41 1261,-4-31-1261,1 26 0,-1 1-1993,0-24 1993,-2 14 0,1 8 0,-1 4 0,0 1 0,-1 9 0,0 1 0,0-3 0,0-2 0,0-12 0,0-7-411,0-6 411,0 32 0,0-30 0,0 46 0,0-65 0,0 41 0,0-50 0,0 26 0,0-29 375,1 19-375,-1-22 0,3 17 0,-3-17 0,3 13 0,-3-17 1986,3 7-1986,-2-12 6536,1 1-6536,1-6 749,-3 1-749,2-1 0,-1 0 0,3-3 0,-4 3 0,3 0 0</inkml:trace>
-</inkml:ink>
-</file>
-
-<file path=ppt/ink/ink60.xml><?xml version="1.0" encoding="utf-8"?>
-<inkml:ink xmlns:inkml="http://www.w3.org/2003/InkML">
-  <inkml:definitions>
-    <inkml:context xml:id="ctx0">
-      <inkml:inkSource xml:id="inkSrc0">
-        <inkml:traceFormat>
-          <inkml:channel name="X" type="integer" min="-2.14748E9" max="2.14748E9" units="cm"/>
-          <inkml:channel name="Y" type="integer" min="-2.14748E9" max="2.14748E9" units="cm"/>
-          <inkml:channel name="F" type="integer" max="32767" units="dev"/>
-        </inkml:traceFormat>
-        <inkml:channelProperties>
-          <inkml:channelProperty channel="X" name="resolution" value="1000" units="1/cm"/>
-          <inkml:channelProperty channel="Y" name="resolution" value="1000" units="1/cm"/>
-          <inkml:channelProperty channel="F" name="resolution" value="0" units="1/dev"/>
-        </inkml:channelProperties>
-      </inkml:inkSource>
-      <inkml:timestamp xml:id="ts0" timeString="2024-01-15T18:15:06.063"/>
-    </inkml:context>
-    <inkml:brush xml:id="br0">
-      <inkml:brushProperty name="width" value="0.035" units="cm"/>
-      <inkml:brushProperty name="height" value="0.035" units="cm"/>
-      <inkml:brushProperty name="color" value="#DA0C07"/>
-      <inkml:brushProperty name="inkEffects" value="lava"/>
-      <inkml:brushProperty name="anchorX" value="-710690.8125"/>
-      <inkml:brushProperty name="anchorY" value="-347925"/>
-      <inkml:brushProperty name="scaleFactor" value="0.5"/>
-    </inkml:brush>
-  </inkml:definitions>
-  <inkml:trace contextRef="#ctx0" brushRef="#br0">0 1 24575,'2'3'0,"3"6"0,-4-4 0,4 4 0,-3-5 0,-1-1 0,4 7 0,-4-6 0,6 8 0,-4-5 0,4 10 0,-2-8 0,2 9 0,-5-13 0,4 14 0,-5-13 0,4 18 0,-3-17 0,-1 20 0,0-20 0,-1 15 0,0-15 0,0 18 0,0-14 0,-1 18 0,1-22 0,-1 16 0,1-18 0,0 13 0,0-13 0,0 7 0,0-9 0,1 3 0,-1-3 0,2-4 0,-4-1 0,2-3 0,-3 0 0,3 2 0,-1 0 0,1 2 0</inkml:trace>
-</inkml:ink>
-</file>
-
-<file path=ppt/ink/ink61.xml><?xml version="1.0" encoding="utf-8"?>
-<inkml:ink xmlns:inkml="http://www.w3.org/2003/InkML">
-  <inkml:definitions>
-    <inkml:context xml:id="ctx0">
-      <inkml:inkSource xml:id="inkSrc0">
-        <inkml:traceFormat>
-          <inkml:channel name="X" type="integer" min="-2.14748E9" max="2.14748E9" units="cm"/>
-          <inkml:channel name="Y" type="integer" min="-2.14748E9" max="2.14748E9" units="cm"/>
-          <inkml:channel name="F" type="integer" max="32767" units="dev"/>
-        </inkml:traceFormat>
-        <inkml:channelProperties>
-          <inkml:channelProperty channel="X" name="resolution" value="1000" units="1/cm"/>
-          <inkml:channelProperty channel="Y" name="resolution" value="1000" units="1/cm"/>
-          <inkml:channelProperty channel="F" name="resolution" value="0" units="1/dev"/>
-        </inkml:channelProperties>
-      </inkml:inkSource>
-      <inkml:timestamp xml:id="ts0" timeString="2024-01-15T18:15:06.348"/>
-    </inkml:context>
-    <inkml:brush xml:id="br0">
-      <inkml:brushProperty name="width" value="0.035" units="cm"/>
-      <inkml:brushProperty name="height" value="0.035" units="cm"/>
-      <inkml:brushProperty name="color" value="#DA0C07"/>
-      <inkml:brushProperty name="inkEffects" value="lava"/>
-      <inkml:brushProperty name="anchorX" value="-728593.6875"/>
-      <inkml:brushProperty name="anchorY" value="-359106.75"/>
-      <inkml:brushProperty name="scaleFactor" value="0.5"/>
-    </inkml:brush>
-  </inkml:definitions>
-  <inkml:trace contextRef="#ctx0" brushRef="#br0">0 1 24575,'0'6'0,"0"0"0,0-2 0,0 0 0,0 0 0,3 7 0,-3-4 0,4 4 0,-2-4 0,-1 0 0,3 9 0,-2-7 0,4 10 0,-3-11 0,4 14 0,-5-13 0,5 14 0,-6-18 0,6 12 0,-5-10 0,5 9 0,-5-8 0,7 9 0,-7-13 0,9 8 0,-7-9 0,6 4 0,-6-5 0,9 1 0,-8-3 0,9-2 0,-8 1 0,11-6 0,-11 3 0,11-7 0,-13 7 0,7-11 0,-7 11 0,2-14 0,-3 13 0,2-16 0,-4 16 0,2-14 0,-3 13 0,1-10 0,-1 11 0,2-8 0,-2 9 0,1-7 0,-1 7 0,2-3 0,-1 4 0,1-1 0,-1 4 0,-1-2 0</inkml:trace>
-</inkml:ink>
-</file>
-
-<file path=ppt/ink/ink62.xml><?xml version="1.0" encoding="utf-8"?>
-<inkml:ink xmlns:inkml="http://www.w3.org/2003/InkML">
-  <inkml:definitions>
-    <inkml:context xml:id="ctx0">
-      <inkml:inkSource xml:id="inkSrc0">
-        <inkml:traceFormat>
-          <inkml:channel name="X" type="integer" min="-2.14748E9" max="2.14748E9" units="cm"/>
-          <inkml:channel name="Y" type="integer" min="-2.14748E9" max="2.14748E9" units="cm"/>
-          <inkml:channel name="F" type="integer" max="32767" units="dev"/>
-        </inkml:traceFormat>
-        <inkml:channelProperties>
-          <inkml:channelProperty channel="X" name="resolution" value="1000" units="1/cm"/>
-          <inkml:channelProperty channel="Y" name="resolution" value="1000" units="1/cm"/>
-          <inkml:channelProperty channel="F" name="resolution" value="0" units="1/dev"/>
-        </inkml:channelProperties>
-      </inkml:inkSource>
-      <inkml:timestamp xml:id="ts0" timeString="2024-01-15T18:15:06.737"/>
-    </inkml:context>
-    <inkml:brush xml:id="br0">
-      <inkml:brushProperty name="width" value="0.035" units="cm"/>
-      <inkml:brushProperty name="height" value="0.035" units="cm"/>
-      <inkml:brushProperty name="color" value="#DA0C07"/>
-      <inkml:brushProperty name="inkEffects" value="lava"/>
-      <inkml:brushProperty name="anchorX" value="-746613.75"/>
-      <inkml:brushProperty name="anchorY" value="-370248.09375"/>
-      <inkml:brushProperty name="scaleFactor" value="0.5"/>
-    </inkml:brush>
-  </inkml:definitions>
-  <inkml:trace contextRef="#ctx0" brushRef="#br0">353 0 24575,'0'6'0,"0"7"0,-2-6 0,2 3 0,-2-2 0,0-4 0,-4 13 0,3-10 0,-6 14 0,1-8 0,-10 10 0,9-9 0,-19 13 0,21-19-6784,-27 19 6784,25-22-4537,-29 22 4537,28-20-3034,-30 19 3034,30-20-1210,-21 12 1210,23-14 2435,-16 12-2435,14-9 0,-11 7 0,14-9 3641,-3 1-3641,7-6 5444,0 1-5444,3-4 4045,0-2-4045,0-3 0,1 0 0,-1 2 0,1 2 0</inkml:trace>
-</inkml:ink>
-</file>
-
-<file path=ppt/ink/ink63.xml><?xml version="1.0" encoding="utf-8"?>
-<inkml:ink xmlns:inkml="http://www.w3.org/2003/InkML">
-  <inkml:definitions>
-    <inkml:context xml:id="ctx0">
-      <inkml:inkSource xml:id="inkSrc0">
-        <inkml:traceFormat>
-          <inkml:channel name="X" type="integer" min="-2.14748E9" max="2.14748E9" units="cm"/>
-          <inkml:channel name="Y" type="integer" min="-2.14748E9" max="2.14748E9" units="cm"/>
-          <inkml:channel name="F" type="integer" max="32767" units="dev"/>
-        </inkml:traceFormat>
-        <inkml:channelProperties>
-          <inkml:channelProperty channel="X" name="resolution" value="1000" units="1/cm"/>
-          <inkml:channelProperty channel="Y" name="resolution" value="1000" units="1/cm"/>
-          <inkml:channelProperty channel="F" name="resolution" value="0" units="1/dev"/>
-        </inkml:channelProperties>
-      </inkml:inkSource>
-      <inkml:timestamp xml:id="ts0" timeString="2024-01-15T18:15:06.967"/>
-    </inkml:context>
-    <inkml:brush xml:id="br0">
-      <inkml:brushProperty name="width" value="0.035" units="cm"/>
-      <inkml:brushProperty name="height" value="0.035" units="cm"/>
-      <inkml:brushProperty name="color" value="#DA0C07"/>
-      <inkml:brushProperty name="inkEffects" value="lava"/>
-      <inkml:brushProperty name="anchorX" value="-764422.1875"/>
-      <inkml:brushProperty name="anchorY" value="-379108.8125"/>
-      <inkml:brushProperty name="scaleFactor" value="0.5"/>
-    </inkml:brush>
-  </inkml:definitions>
-  <inkml:trace contextRef="#ctx0" brushRef="#br0">4 1 19547,'-2'7'0,"2"4"0,-1-4 2337,1 2-2337,0-3 855,0-3-855,0 3 443,0 0-443,0 2 0,1 10 0,-1-9 0,4 14 0,-2-18 0,5 15 0,-5-13 0,7 13 0,-8-14 0,10 11 0,-9-11 1393,8 7-1393,-4-5 0,7 6 0,-5-6 0,11 5 0,-14-8 0,21 6 0,-18-7 0,18 4 0,-13-4 0,1-1 0,16 0 0,-17-2 0,25 0 0,-22-1 0,16 0 0,-4-2 0,-7 0 0,5-3 0,-21 2 0,5 0 0,-8 0 0,-1 2 0,1-1 0,-2 1 0</inkml:trace>
-</inkml:ink>
-</file>
-
-<file path=ppt/ink/ink64.xml><?xml version="1.0" encoding="utf-8"?>
-<inkml:ink xmlns:inkml="http://www.w3.org/2003/InkML">
-  <inkml:definitions>
-    <inkml:context xml:id="ctx0">
-      <inkml:inkSource xml:id="inkSrc0">
-        <inkml:traceFormat>
-          <inkml:channel name="X" type="integer" min="-2.14748E9" max="2.14748E9" units="cm"/>
-          <inkml:channel name="Y" type="integer" min="-2.14748E9" max="2.14748E9" units="cm"/>
-          <inkml:channel name="F" type="integer" max="32767" units="dev"/>
-        </inkml:traceFormat>
-        <inkml:channelProperties>
-          <inkml:channelProperty channel="X" name="resolution" value="1000" units="1/cm"/>
-          <inkml:channelProperty channel="Y" name="resolution" value="1000" units="1/cm"/>
-          <inkml:channelProperty channel="F" name="resolution" value="0" units="1/dev"/>
-        </inkml:channelProperties>
-      </inkml:inkSource>
-      <inkml:timestamp xml:id="ts0" timeString="2024-01-15T18:15:07.482"/>
-    </inkml:context>
-    <inkml:brush xml:id="br0">
-      <inkml:brushProperty name="width" value="0.035" units="cm"/>
-      <inkml:brushProperty name="height" value="0.035" units="cm"/>
-      <inkml:brushProperty name="color" value="#DA0C07"/>
-      <inkml:brushProperty name="inkEffects" value="lava"/>
-      <inkml:brushProperty name="anchorX" value="-785150.6875"/>
-      <inkml:brushProperty name="anchorY" value="-390535.59375"/>
-      <inkml:brushProperty name="scaleFactor" value="0.5"/>
-    </inkml:brush>
-  </inkml:definitions>
-  <inkml:trace contextRef="#ctx0" brushRef="#br0">1 0 24575,'4'6'0,"-1"-2"0,1 1 0,2 4 0,-3-3 0,5 7 0,-4-8 0,6 8 0,-2-3-6784,10 11 6784,-9-11-4537,16 15 4537,-18-19-2830,22 20 2830,-20-20-1626,21 18 1626,-21-17 928,20 14-928,-21-15 1462,18 12-1462,-19-12 2211,28 19-2211,-26-15 0,23 17 0,-26-19 0,13 14 0,-14-15 2677,12 19-2677,-14-20 0,6 16 0,-8-16 745,3 11 0,-4-12 1,1 4-1</inkml:trace>
-</inkml:ink>
-</file>
-
-<file path=ppt/ink/ink65.xml><?xml version="1.0" encoding="utf-8"?>
-<inkml:ink xmlns:inkml="http://www.w3.org/2003/InkML">
-  <inkml:definitions>
-    <inkml:context xml:id="ctx0">
-      <inkml:inkSource xml:id="inkSrc0">
-        <inkml:traceFormat>
-          <inkml:channel name="X" type="integer" min="-2.14748E9" max="2.14748E9" units="cm"/>
-          <inkml:channel name="Y" type="integer" min="-2.14748E9" max="2.14748E9" units="cm"/>
-          <inkml:channel name="F" type="integer" max="32767" units="dev"/>
-        </inkml:traceFormat>
-        <inkml:channelProperties>
-          <inkml:channelProperty channel="X" name="resolution" value="1000" units="1/cm"/>
-          <inkml:channelProperty channel="Y" name="resolution" value="1000" units="1/cm"/>
-          <inkml:channelProperty channel="F" name="resolution" value="0" units="1/dev"/>
-        </inkml:channelProperties>
-      </inkml:inkSource>
-      <inkml:timestamp xml:id="ts0" timeString="2024-01-15T18:15:07.898"/>
-    </inkml:context>
-    <inkml:brush xml:id="br0">
-      <inkml:brushProperty name="width" value="0.035" units="cm"/>
-      <inkml:brushProperty name="height" value="0.035" units="cm"/>
-      <inkml:brushProperty name="color" value="#DA0C07"/>
-      <inkml:brushProperty name="inkEffects" value="lava"/>
-      <inkml:brushProperty name="anchorX" value="-801242.875"/>
-      <inkml:brushProperty name="anchorY" value="-402036.75"/>
-      <inkml:brushProperty name="scaleFactor" value="0.5"/>
-    </inkml:brush>
-  </inkml:definitions>
-  <inkml:trace contextRef="#ctx0" brushRef="#br0">26 166 24575,'-6'0'0,"-1"0"0,2 0 0,1 1 0,2-1 0,2 3 0,-2-1 0,2 0 0,0 1 0,0 5 0,0-3 0,3 5 0,-3-5 0,6 5 0,-3-3 0,3 4 0,-2-4 0,3 3 0,-4-4 0,7 6 0,-7-7 0,8 6 0,-7-8 0,8 5 0,-9-4 0,12 4 0,-12-5 0,13 3 0,-10-5 0,6 2 0,-3-1 0,7-1 0,-7 0 0,14-1 0,-17 0 0,18-2 0,-17 1 0,16-5 0,-16 4 0,11-6 0,-8 3 0,0-2 0,-3 3 0,-3 0 0,0 0 0,0 1 0,1-4 0,2-2 0,1-4 0,-1 4 0,1-9 0,-6 13 0,5-13 0,-5 14 0,2-13 0,-1 12 0,0-12 0,-2 10 0,0-10 0,-1 10 0,0-11 0,0 13 0,0-11 0,0 12 0,-1-9 0,1 9 0,-3-7 0,2 7 0,-1-3 0,1 4 0,-2-2 0,3 2 0,-3-4 0,2 5 0,1-2 0,-2 3 0,2-2 0,0 0 0,0 0 0,0 0 0,2 1 0,-2 0 0,1 1 0</inkml:trace>
-</inkml:ink>
-</file>
-
-<file path=ppt/ink/ink66.xml><?xml version="1.0" encoding="utf-8"?>
-<inkml:ink xmlns:inkml="http://www.w3.org/2003/InkML">
-  <inkml:definitions>
-    <inkml:context xml:id="ctx0">
-      <inkml:inkSource xml:id="inkSrc0">
-        <inkml:traceFormat>
-          <inkml:channel name="X" type="integer" min="-2.14748E9" max="2.14748E9" units="cm"/>
-          <inkml:channel name="Y" type="integer" min="-2.14748E9" max="2.14748E9" units="cm"/>
-          <inkml:channel name="F" type="integer" max="32767" units="dev"/>
-        </inkml:traceFormat>
-        <inkml:channelProperties>
-          <inkml:channelProperty channel="X" name="resolution" value="1000" units="1/cm"/>
-          <inkml:channelProperty channel="Y" name="resolution" value="1000" units="1/cm"/>
-          <inkml:channelProperty channel="F" name="resolution" value="0" units="1/dev"/>
-        </inkml:channelProperties>
-      </inkml:inkSource>
-      <inkml:timestamp xml:id="ts0" timeString="2024-01-15T18:14:39.064"/>
-    </inkml:context>
-    <inkml:brush xml:id="br0">
-      <inkml:brushProperty name="width" value="0.035" units="cm"/>
-      <inkml:brushProperty name="height" value="0.035" units="cm"/>
-      <inkml:brushProperty name="color" value="#DA0C07"/>
-      <inkml:brushProperty name="inkEffects" value="lava"/>
-      <inkml:brushProperty name="anchorX" value="0"/>
-      <inkml:brushProperty name="anchorY" value="0"/>
-      <inkml:brushProperty name="scaleFactor" value="0.5"/>
-    </inkml:brush>
-  </inkml:definitions>
-  <inkml:trace contextRef="#ctx0" brushRef="#br0">0 1 24575,'0'11'0,"0"-4"0,0 2 0,0-3 0,0 0 0,0 24 0,2 14-1937,1-1 1937,5 40-2182,1-31 2182,0 18 0,0 4 0,5 17 0,-3-19 0,0 11 0,-1-11-3133,4 26 3133,-6-25 0,1 19 0,0-1 0,-2-16-1883,-2-23 0,0 0 1883,0 28 0,1 19 0,-1 0 0,-1-20 0,-1-28 0,-1 1 0,1 34 0,0 24 0,0 1 0,-1-22-1323,-2-25 1,0-1 1322,1 14 0,1 14 0,-1 2 0,-1-14-562,-1-2 0,-1 0 562,-1-5 0,-1 9 0,0 1 0,0-9 0,1 12 0,0 1 0,-3-1 0,-2 13 0,1-4 0,1-19 0,0 17 0,-1 0 0,-2 19 0,2-23 0,1-17 0,0 25 0,0-1 0,3-36 0,1 10 0,0-2-984,0-15 984,2 23 0,0-60 1452,0 0-1452,0-3 0,0 11 0,1-13 0,1 17 0,-1-18 3022,0 9-3022,1-13 3593,-2 0-3593,3 0 6329,-3-2-6329,3 1 1310,-1-4-1310,0 0 65,2-3-65,-1-6 0,2 1 0,1-11 0,5-10 0,0-9 0,-1 11 0,-4 4 0</inkml:trace>
-</inkml:ink>
-</file>
-
-<file path=ppt/ink/ink67.xml><?xml version="1.0" encoding="utf-8"?>
-<inkml:ink xmlns:inkml="http://www.w3.org/2003/InkML">
-  <inkml:definitions>
-    <inkml:context xml:id="ctx0">
-      <inkml:inkSource xml:id="inkSrc0">
-        <inkml:traceFormat>
-          <inkml:channel name="X" type="integer" min="-2.14748E9" max="2.14748E9" units="cm"/>
-          <inkml:channel name="Y" type="integer" min="-2.14748E9" max="2.14748E9" units="cm"/>
-          <inkml:channel name="F" type="integer" max="32767" units="dev"/>
-        </inkml:traceFormat>
-        <inkml:channelProperties>
-          <inkml:channelProperty channel="X" name="resolution" value="1000" units="1/cm"/>
-          <inkml:channelProperty channel="Y" name="resolution" value="1000" units="1/cm"/>
-          <inkml:channelProperty channel="F" name="resolution" value="0" units="1/dev"/>
-        </inkml:channelProperties>
-      </inkml:inkSource>
-      <inkml:timestamp xml:id="ts0" timeString="2024-01-15T18:14:39.634"/>
-    </inkml:context>
-    <inkml:brush xml:id="br0">
-      <inkml:brushProperty name="width" value="0.035" units="cm"/>
-      <inkml:brushProperty name="height" value="0.035" units="cm"/>
-      <inkml:brushProperty name="color" value="#DA0C07"/>
-      <inkml:brushProperty name="inkEffects" value="lava"/>
-      <inkml:brushProperty name="anchorX" value="-5479.02588"/>
-      <inkml:brushProperty name="anchorY" value="-7495.02393"/>
-      <inkml:brushProperty name="scaleFactor" value="0.5"/>
-    </inkml:brush>
-  </inkml:definitions>
-  <inkml:trace contextRef="#ctx0" brushRef="#br0">1 73 8368,'3'-2'0,"0"-1"5082,0 0-5082,-1 1 2792,3 0-2792,9-4 0,-6 2 1694,8-3-1694,2 2 0,-3 1 0,34-4 0,-19 2-145,55-2 145,-43 5 0,48 0 0,4 0-4537,-22 3 4537,-8-1 0,12-1 0,-7 2-837,-10-1 1,0 2 836,14 0 0,9 0 0,-6 0-858,-6-1 1,2 1 857,7 1 0,13 1 0,-2 0 0,-16-1 328,-20-1 1,0-1-329,34 2 0,23 1 0,0 0 0,-22-1 0,-31 1 0,-1-1 0,14 0 0,17 0 0,7 0 0,-7 1 0,-17-1 0,-11 0 0,0 1 0,25 1 0,20 1 0,-1-1 0,-20 0 0,-28-1 0,-1 0 0,13 2 0,14 0 0,0 1 0,-13 0-19,-8 0 1,0 0 18,7 2 0,13 0 0,0 0 0,-12 0-423,-8-1 0,-1 1 423,16 1 0,8 2 0,-12-1 0,13 4-284,8 6 1,0 0 283,-14 1 0,7 5 0,-10 0 0,-49-12-882,43 31 882,-59-34 1906,15 27-1906,-20-12 0,1 42 0,-4-29 0,-5 25 0,-2 0 0,0-22 0,-4 50 0,-1 3 1248,0-34-1248,1 12 0,-1 18 0,2-15 1236,-3 5-1236,1 6 0,-2 20 0,2-18-2695,-1 0 2695,3-18 0,-2 13 0,2-8 536,-1-15 0,1 1-536,1 18 0,0 10 0,0-7 0,-2-13 0,0 2 0,3 1 0,0 11 0,0-1 0,1-18 0,-5 18 0,3 6 0,-1 18 0,1-20 0,-2-10 0,2-7 0,0 13 0,0-17 0,-2-11 0,-3 26 0,0-1 0,3-33 0,-5 14 0,0 1 0,3-16 0,-9 6 0,-1 1 0,4-7 0,-28 41 0,17-46 0,-7 1 0,8-11 0,2-10 0,10-8-1182,-41 20 1182,28-17 0,-21 5 0,-2-3 1056,19-10-1056,-66 15 0,55-21 0,-19 3 0,-4 0 0,-3-7 0,-10-1 0,3-1 0,19-3 0,-23-7 0,1-2 611,25 5-611,-39-13 0,-4-2 0,20 7 0,7-1 0,-2-1 0,-25-6-1027,40 10 0,-1 0 1027,8 2 0,-1-1 0,-26-8 0,4 1 0,10 0-599,-21-5 0,4 0 599,36 11 0,-23-8 0,4 1 0,38 12 0,-44-19 0,51 23 1006,-27-22-1006,33 24 631,-11-17 1,20 20 0,-2-3 0</inkml:trace>
-</inkml:ink>
-</file>
-
-<file path=ppt/ink/ink68.xml><?xml version="1.0" encoding="utf-8"?>
-<inkml:ink xmlns:inkml="http://www.w3.org/2003/InkML">
-  <inkml:definitions>
-    <inkml:context xml:id="ctx0">
-      <inkml:inkSource xml:id="inkSrc0">
-        <inkml:traceFormat>
-          <inkml:channel name="X" type="integer" min="-2.14748E9" max="2.14748E9" units="cm"/>
-          <inkml:channel name="Y" type="integer" min="-2.14748E9" max="2.14748E9" units="cm"/>
-          <inkml:channel name="F" type="integer" max="32767" units="dev"/>
-        </inkml:traceFormat>
-        <inkml:channelProperties>
-          <inkml:channelProperty channel="X" name="resolution" value="1000" units="1/cm"/>
-          <inkml:channelProperty channel="Y" name="resolution" value="1000" units="1/cm"/>
-          <inkml:channelProperty channel="F" name="resolution" value="0" units="1/dev"/>
-        </inkml:channelProperties>
-      </inkml:inkSource>
-      <inkml:timestamp xml:id="ts0" timeString="2024-01-15T18:14:39.939"/>
-    </inkml:context>
-    <inkml:brush xml:id="br0">
-      <inkml:brushProperty name="width" value="0.035" units="cm"/>
-      <inkml:brushProperty name="height" value="0.035" units="cm"/>
-      <inkml:brushProperty name="color" value="#DA0C07"/>
-      <inkml:brushProperty name="inkEffects" value="lava"/>
-      <inkml:brushProperty name="anchorX" value="-13338.42188"/>
-      <inkml:brushProperty name="anchorY" value="-14457.78516"/>
-      <inkml:brushProperty name="scaleFactor" value="0.5"/>
-    </inkml:brush>
-  </inkml:definitions>
-  <inkml:trace contextRef="#ctx0" brushRef="#br0">1096 1 24575,'0'5'0,"-2"1"0,2 0 0,-8 26 0,5-13-1843,-6 18 1843,2-9 0,-3-1 0,-11 50 0,6-32-2938,-7 21 0,-1 0 2938,6-21 0,-18 38 0,-1 1-3562,15-36 3562,-10 19 0,-3 5-800,12-26 0,-1-1 800,-15 29 0,-1 1 0,12-24 0,-1 2 0,-8 10 0,-4 6 0,6-13 0,2 0 0,-3-1 0,-7 10 0,8-12 0,6-9 0,-21 23 0,-1-1 0,22-27 0,-8 4 0,-1-2-170,12-11 170,-10 4 3679,13-11-3679,-3-4 0,14-11 4301,-8 3-4301,16-12 3245,-1 0-3245,5-3 1826,1 1-1826,0-5 0,12-24 0,-8 11-1099,19-38 1099,-11 25 0,8-14 0,2-2-1605,-3 6 0,13-25 0,-30 60 0</inkml:trace>
-</inkml:ink>
-</file>
-
-<file path=ppt/ink/ink69.xml><?xml version="1.0" encoding="utf-8"?>
-<inkml:ink xmlns:inkml="http://www.w3.org/2003/InkML">
-  <inkml:definitions>
-    <inkml:context xml:id="ctx0">
-      <inkml:inkSource xml:id="inkSrc0">
-        <inkml:traceFormat>
-          <inkml:channel name="X" type="integer" min="-2.14748E9" max="2.14748E9" units="cm"/>
-          <inkml:channel name="Y" type="integer" min="-2.14748E9" max="2.14748E9" units="cm"/>
-          <inkml:channel name="F" type="integer" max="32767" units="dev"/>
-        </inkml:traceFormat>
-        <inkml:channelProperties>
-          <inkml:channelProperty channel="X" name="resolution" value="1000" units="1/cm"/>
-          <inkml:channelProperty channel="Y" name="resolution" value="1000" units="1/cm"/>
-          <inkml:channelProperty channel="F" name="resolution" value="0" units="1/dev"/>
-        </inkml:channelProperties>
-      </inkml:inkSource>
-      <inkml:timestamp xml:id="ts0" timeString="2024-01-15T18:14:40.143"/>
-    </inkml:context>
-    <inkml:brush xml:id="br0">
-      <inkml:brushProperty name="width" value="0.035" units="cm"/>
-      <inkml:brushProperty name="height" value="0.035" units="cm"/>
-      <inkml:brushProperty name="color" value="#DA0C07"/>
-      <inkml:brushProperty name="inkEffects" value="lava"/>
-      <inkml:brushProperty name="anchorX" value="-18344.57031"/>
-      <inkml:brushProperty name="anchorY" value="-17816.85352"/>
-      <inkml:brushProperty name="scaleFactor" value="0.5"/>
-    </inkml:brush>
-  </inkml:definitions>
-  <inkml:trace contextRef="#ctx0" brushRef="#br0">41 1 24575,'2'6'0,"-1"-1"0,0-1 0,1 13 0,1-8 0,0 22 0,0-23 0,2 27 0,-1-14 0,4 31 0,-4-12 0,0-2 0,1 14 0,-2 8 0,1-11-8503,-2 32 8503,-2-63-1144,-1 56 1144,1-54 0,-3 48 0,1-52-3589,-1 27 3589,1-31 0,-1 16 0,1-20 0,-3 25 0,2-22 0,-6 23 0,5-25 0,-3 7 0,4-10 0,2-2 3589,-2 1-3589,0 3 0,0-5 2863,-1 5-2863,-1-1 6784,-1 2-6784,-5 3 0,5-6 0,0 0 0</inkml:trace>
-</inkml:ink>
-</file>
-
-<file path=ppt/ink/ink7.xml><?xml version="1.0" encoding="utf-8"?>
-<inkml:ink xmlns:inkml="http://www.w3.org/2003/InkML">
-  <inkml:definitions>
-    <inkml:context xml:id="ctx0">
-      <inkml:inkSource xml:id="inkSrc0">
-        <inkml:traceFormat>
-          <inkml:channel name="X" type="integer" min="-2.14748E9" max="2.14748E9" units="cm"/>
-          <inkml:channel name="Y" type="integer" min="-2.14748E9" max="2.14748E9" units="cm"/>
-          <inkml:channel name="F" type="integer" max="32767" units="dev"/>
-        </inkml:traceFormat>
-        <inkml:channelProperties>
-          <inkml:channelProperty channel="X" name="resolution" value="1000" units="1/cm"/>
-          <inkml:channelProperty channel="Y" name="resolution" value="1000" units="1/cm"/>
-          <inkml:channelProperty channel="F" name="resolution" value="0" units="1/dev"/>
-        </inkml:channelProperties>
-      </inkml:inkSource>
-      <inkml:timestamp xml:id="ts0" timeString="2024-01-15T18:09:00.671"/>
-    </inkml:context>
-    <inkml:brush xml:id="br0">
-      <inkml:brushProperty name="width" value="0.035" units="cm"/>
-      <inkml:brushProperty name="height" value="0.035" units="cm"/>
-      <inkml:brushProperty name="color" value="#DA0C07"/>
-      <inkml:brushProperty name="inkEffects" value="lava"/>
-      <inkml:brushProperty name="anchorX" value="-66252.03125"/>
-      <inkml:brushProperty name="anchorY" value="-81028.58594"/>
-      <inkml:brushProperty name="scaleFactor" value="0.5"/>
-    </inkml:brush>
-  </inkml:definitions>
-  <inkml:trace contextRef="#ctx0" brushRef="#br0">1 51 8444,'3'-3'0,"0"-1"5088,1 2-5088,-2-1 2781,2 1-2781,-2-1 1684,7-1-1684,0 0 0,3-1 0,-4 1 0,14 0 0,-12 0 0,35 0 0,-31 2 0,38 0 0,-28 1 0,45 1 6018,-35 1-6018,60 4 0,-64-4 0,68 8 0,-68-6 0,20 2 0,1 0 0,-19 0 0,66 5-1078,-70-4 1078,57 5 0,-52-5 0,49 8 0,-56-9 0,39 11 0,-53-12 0,32 11 0,-35-11 0,20 12 0,-23-11 0,15 16 0,-16-14 529,8 13-529,-8-8 0,5 15 0,-4-10 0,4 24 0,-6-25 0,8 39 0,-7-37 629,3 19-629,-4-21 0,1 1 0,-1 5-6625,7 14 6625,-6-16 0,12 34 0,-9-32 0,19 47 0,-14-45 0,17 40 0,-20-48 0,19 38 321,-20-39-321,22 47 0,-22-49 0,16 44 0,-18-44 6784,5 23-6784,-6-19-6784,0 16 6784,-2-16-891,-4 21 891,-1-29 0,-11 20 0,9-22 0,-19 16 0,15-18-339,-20 13 339,16-14 0,-31 8 0,16-7 0,-66 7 0,45-7-2065,-8-1 1,2-1 2064,14 0 0,-14-1 0,0-2 3470,17 0-3470,-20-2 0,0 0 0,22 1 0,-19-5 0,1 0-217,20 2 217,-64-10 0,59 7 0,-12-2 0,-1 0 0,9 2 0,-9-4 0,2-1 316,24 5-316,-39-9 5897,49 11-5897,-29-5 0,30 5-5233,-20-3 5233,26 5 210,-4 0-210,8 2 0,-3 0 0,7 0 0,-3 0 0,6 1 0,4 0 0,-4 0 1582,12 3 1,-12-3 0,5 3 0</inkml:trace>
-</inkml:ink>
-</file>
-
-<file path=ppt/ink/ink70.xml><?xml version="1.0" encoding="utf-8"?>
-<inkml:ink xmlns:inkml="http://www.w3.org/2003/InkML">
-  <inkml:definitions>
-    <inkml:context xml:id="ctx0">
-      <inkml:inkSource xml:id="inkSrc0">
-        <inkml:traceFormat>
-          <inkml:channel name="X" type="integer" min="-2.14748E9" max="2.14748E9" units="cm"/>
-          <inkml:channel name="Y" type="integer" min="-2.14748E9" max="2.14748E9" units="cm"/>
-          <inkml:channel name="F" type="integer" max="32767" units="dev"/>
-        </inkml:traceFormat>
-        <inkml:channelProperties>
-          <inkml:channelProperty channel="X" name="resolution" value="1000" units="1/cm"/>
-          <inkml:channelProperty channel="Y" name="resolution" value="1000" units="1/cm"/>
-          <inkml:channelProperty channel="F" name="resolution" value="0" units="1/dev"/>
-        </inkml:channelProperties>
-      </inkml:inkSource>
-      <inkml:timestamp xml:id="ts0" timeString="2024-01-15T18:14:40.343"/>
-    </inkml:context>
-    <inkml:brush xml:id="br0">
-      <inkml:brushProperty name="width" value="0.035" units="cm"/>
-      <inkml:brushProperty name="height" value="0.035" units="cm"/>
-      <inkml:brushProperty name="color" value="#DA0C07"/>
-      <inkml:brushProperty name="inkEffects" value="lava"/>
-      <inkml:brushProperty name="anchorX" value="-24367.63672"/>
-      <inkml:brushProperty name="anchorY" value="-20729.38867"/>
-      <inkml:brushProperty name="scaleFactor" value="0.5"/>
-    </inkml:brush>
-  </inkml:definitions>
-  <inkml:trace contextRef="#ctx0" brushRef="#br0">0 182 24575,'0'-6'0,"0"1"0,0 2 0,0 0 0,1-2 0,2-1 0,-1 0 0,2-1 0,-2 4 0,6-9 0,-4 7 0,13-13 0,-12 14 0,20-12 0,-18 12 0,28-11 0,-18 10 0,34-9 0,-25 9-3368,41-5 3368,-40 5 0,25 0 0,44-2 0,-49 3 0,18 2 0,19 0 0,-2 1 0,-15 0 0,-1 0 0,1 0-1484,1 1 0,0 0 1,7 0 1483,11 1 0,11 0 0,-4 0 0,-17-1 0,-20 1 0,1-1 0,16 2 0,20 0 0,6 0 0,-5 1 0,-18-1-2097,-7 1 0,-3-1 2097,27 1 0,12-1 0,-18 1-2265,10 4 2265,-23-4 0,12 0 0,-12-1 0,14 4 0,2-3 0,0 1 0</inkml:trace>
-</inkml:ink>
-</file>
-
-<file path=ppt/ink/ink71.xml><?xml version="1.0" encoding="utf-8"?>
-<inkml:ink xmlns:inkml="http://www.w3.org/2003/InkML">
-  <inkml:definitions>
-    <inkml:context xml:id="ctx0">
-      <inkml:inkSource xml:id="inkSrc0">
-        <inkml:traceFormat>
-          <inkml:channel name="X" type="integer" min="-2.14748E9" max="2.14748E9" units="cm"/>
-          <inkml:channel name="Y" type="integer" min="-2.14748E9" max="2.14748E9" units="cm"/>
-          <inkml:channel name="F" type="integer" max="32767" units="dev"/>
-        </inkml:traceFormat>
-        <inkml:channelProperties>
-          <inkml:channelProperty channel="X" name="resolution" value="1000" units="1/cm"/>
-          <inkml:channelProperty channel="Y" name="resolution" value="1000" units="1/cm"/>
-          <inkml:channelProperty channel="F" name="resolution" value="0" units="1/dev"/>
-        </inkml:channelProperties>
-      </inkml:inkSource>
-      <inkml:timestamp xml:id="ts0" timeString="2024-01-15T18:14:41.218"/>
-    </inkml:context>
-    <inkml:brush xml:id="br0">
-      <inkml:brushProperty name="width" value="0.035" units="cm"/>
-      <inkml:brushProperty name="height" value="0.035" units="cm"/>
-      <inkml:brushProperty name="color" value="#DA0C07"/>
-      <inkml:brushProperty name="inkEffects" value="lava"/>
-      <inkml:brushProperty name="anchorX" value="-35574.32031"/>
-      <inkml:brushProperty name="anchorY" value="-25842.47852"/>
-      <inkml:brushProperty name="scaleFactor" value="0.5"/>
-    </inkml:brush>
-  </inkml:definitions>
-  <inkml:trace contextRef="#ctx0" brushRef="#br0">275 0 24575,'-3'9'0,"-1"-1"0,4-3 0,-2-2 0,1 2 0,-1 0 0,-6 25 0,4-16 0,-7 38-8503,7-33 8503,-2 16 0,0-2 938,-2 8-938,-1 28 0,0 5-2017,-3 2 2017,2 4 0,0 17 0,2-16-2407,-2 1 2407,3-12 0,-1 19 0,-1 1 0,3-17 0,2-22 0,1-2 0,-5 31 0,-1 12 0,2-15-2469,2 4 2469,0-11 0,-1 2-1249,-2 14 1249,4-34 0,0 8-226,-1 10 1,0 8-1,0-7 226,2-16 0,0 3 0,-2 32 0,-2 16 0,2-14 0,4-30 0,0 1 0,-1 11 0,-1 15 0,0 1 0,1-13 0,1-5 0,1-1 0,-1 4 0,0 13 0,0-3 0,1-20 0,3 6 0,-1-6 0,2 10 0,-1-13 0,2-7 0,4 25 0,-1-7 0,-4-46 452,9 44-452,-9-60 2253,2 16-2253,-3-23 3368,0 3-3368,-2-7 5037,0-2-5037,1-1 5274,2-12-5274,-1 3 0,7-28 0,-6 22-6784,13-57 6784,-11 49 0,8-35 0,-12 49 0,1 3 0</inkml:trace>
-</inkml:ink>
-</file>
-
-<file path=ppt/ink/ink72.xml><?xml version="1.0" encoding="utf-8"?>
-<inkml:ink xmlns:inkml="http://www.w3.org/2003/InkML">
-  <inkml:definitions>
-    <inkml:context xml:id="ctx0">
-      <inkml:inkSource xml:id="inkSrc0">
-        <inkml:traceFormat>
-          <inkml:channel name="X" type="integer" min="-2.14748E9" max="2.14748E9" units="cm"/>
-          <inkml:channel name="Y" type="integer" min="-2.14748E9" max="2.14748E9" units="cm"/>
-          <inkml:channel name="F" type="integer" max="32767" units="dev"/>
-        </inkml:traceFormat>
-        <inkml:channelProperties>
-          <inkml:channelProperty channel="X" name="resolution" value="1000" units="1/cm"/>
-          <inkml:channelProperty channel="Y" name="resolution" value="1000" units="1/cm"/>
-          <inkml:channelProperty channel="F" name="resolution" value="0" units="1/dev"/>
-        </inkml:channelProperties>
-      </inkml:inkSource>
-      <inkml:timestamp xml:id="ts0" timeString="2024-01-15T18:14:41.961"/>
-    </inkml:context>
-    <inkml:brush xml:id="br0">
-      <inkml:brushProperty name="width" value="0.035" units="cm"/>
-      <inkml:brushProperty name="height" value="0.035" units="cm"/>
-      <inkml:brushProperty name="color" value="#DA0C07"/>
-      <inkml:brushProperty name="inkEffects" value="lava"/>
-      <inkml:brushProperty name="anchorX" value="-56670.96484"/>
-      <inkml:brushProperty name="anchorY" value="-30788.85156"/>
-      <inkml:brushProperty name="scaleFactor" value="0.5"/>
-    </inkml:brush>
-  </inkml:definitions>
-  <inkml:trace contextRef="#ctx0" brushRef="#br0">1 0 24575,'1'5'0,"4"3"0,-2-4 0,2 3 0,-2-5 0,5 5 0,-4-3 0,11 5 0,-9-6 0,14 4 0,-3-5 0,15 6 0,-1-6 0,19 2 0,2 0-1556,-5-3 1556,42 3 0,2-1-2622,-37-2 2622,14-1 0,16 0 0,-14 0 0,0-1 0,5-1 0,17 0 0,-16 0-2542,1 1 2542,10-1 0,19-2 0,-16 1-4558,1 1 4558,-13-1 0,13-1 0,-12 1-689,-28 3 1,1 0 688,40-3 0,18-1 0,-14 1-500,-30 2 0,1 0 500,14-1 0,17-1 0,-1 0 0,-22 1 0,12 1 0,-15 1 0,18-1 0,1 0 0,-18 0 0,23 1 0,-2 0 0,18 0 0,-22 0 0,-14 0 0,-1 0 0,15 0 0,-16 0 0,-5 0 0,19 1 0,-2 1 541,-26 1-541,12 4 0,0 0 0,-10-1 0,9 4 0,-6 1 3649,-40-6-3649,55 19 3003,-65-17-3003,39 21 4637,-44-20-4637,22 23 1825,-23-19-1825,11 21 0,-11-14 0,11 42 0,-7-13-6784,5 45 6784,-9-46 0,-3 16 0,-2 1-1297,-3-18 1297,4 37 0,-1 1 0,-4-29 0,1 10 0,0 16 0,0-14-4107,-1 4 4107,0 9 0,0-3-2392,0-23 2392,0 0 0,0 0 0,0 1 0,0 12 0,0-12 0,0 1 0,-3 28-463,2-28 1,1 9 462,-2 12 0,-1 10 0,1-7 206,2-5 1,0 1-207,-1 0 0,0 12 0,0-3 0,0-17 0,1 23 0,1-24 0,1 17 0,0-1 0,0-16 0,2 24 0,2 1 0,1 18 0,0-17-227,5 1 227,1 3 0,0-1 0,1-15 0,1-14 0,1-3 0,-2-5 0,2 3 0,-1-5 0,-8-28 0,10 35 2556,-16-48-2556,3 24 0,-4-31 0,-9 23 0,4-24 2392,-11 8-2392,7-12 0,-44 11 0,19-12-387,-23 4 0,-2-1 387,11-6 2517,-39 3-2517,-4-3 0,-1-4 0,-8-2-1876,9 2 0,-5 0 1876,23-1 0,-9 0 0,3-1 0,9 1-1342,1 1 1,2 0 1341,-5-2 0,-6 0 0,9 1 593,19 3 1,-2-1-594,-37-2 0,-15-1 0,12 0-281,30 4 0,-1-1 281,-21-2 0,-17 0 0,-1-1 0,19 3 265,22 2 0,1-1-265,-35-3 0,-15-3 0,17 3 0,39 4 0,2-1 0,-21-3 0,-9-2 0,14 1 0,-2 1 0,-3-2 0,-16-2 0,17 1 0,9-2 0,-3 1 0,-14-3 0,17 2 0,21 2 0,-19-5 0,4 2 0,33 5 0,-31-9 0,44 10 1240,-15-10-1240,22 11 0,-5-10 0,9 10 513,3-6 1,-3 8 0,3 0-1</inkml:trace>
-</inkml:ink>
-</file>
-
-<file path=ppt/ink/ink73.xml><?xml version="1.0" encoding="utf-8"?>
-<inkml:ink xmlns:inkml="http://www.w3.org/2003/InkML">
-  <inkml:definitions>
-    <inkml:context xml:id="ctx0">
-      <inkml:inkSource xml:id="inkSrc0">
-        <inkml:traceFormat>
-          <inkml:channel name="X" type="integer" min="-2.14748E9" max="2.14748E9" units="cm"/>
-          <inkml:channel name="Y" type="integer" min="-2.14748E9" max="2.14748E9" units="cm"/>
-          <inkml:channel name="F" type="integer" max="32767" units="dev"/>
-        </inkml:traceFormat>
-        <inkml:channelProperties>
-          <inkml:channelProperty channel="X" name="resolution" value="1000" units="1/cm"/>
-          <inkml:channelProperty channel="Y" name="resolution" value="1000" units="1/cm"/>
-          <inkml:channelProperty channel="F" name="resolution" value="0" units="1/dev"/>
-        </inkml:channelProperties>
-      </inkml:inkSource>
-      <inkml:timestamp xml:id="ts0" timeString="2024-01-15T18:14:42.383"/>
-    </inkml:context>
-    <inkml:brush xml:id="br0">
-      <inkml:brushProperty name="width" value="0.035" units="cm"/>
-      <inkml:brushProperty name="height" value="0.035" units="cm"/>
-      <inkml:brushProperty name="color" value="#DA0C07"/>
-      <inkml:brushProperty name="inkEffects" value="lava"/>
-      <inkml:brushProperty name="anchorX" value="-81319.83594"/>
-      <inkml:brushProperty name="anchorY" value="-38090.8125"/>
-      <inkml:brushProperty name="scaleFactor" value="0.5"/>
-    </inkml:brush>
-  </inkml:definitions>
-  <inkml:trace contextRef="#ctx0" brushRef="#br0">336 0 24575,'-2'4'0,"1"0"0,-2 5 0,3-5 0,-3 4 0,2-4 0,1-1 0,-3 4 0,3-3 0,-3 8 0,3-8 0,-1 8 0,1-7 0,-2 9 0,2-7 0,-3 11 0,3-12 0,-1 12 0,1-10 0,0 12 0,-2-5 0,2 14 0,-4-10 0,4 7 0,-2-10 0,-3 30 0,4-22 0,-9 46 0,7-51 0,-8 57 0,7-56 0,-10 60-511,8-57 511,-13 62-1428,9-55 1428,-9 50 0,7-45 0,-7 43 0,2-22 0,-5 28 0,6-39 0,-7 44 0,13-59 0,-3 20 0,0-1 0,6-24 0,-15 61 0,19-69 0,-9 34 0,11-41 0,-5 21 0,5-21 0,-3 16 0,4-21 0,-1 6 0,2-11 474,-1 0-474,3-3 1465,1-6-1465,-1 4 0,2-3 0,-4 7 0</inkml:trace>
-</inkml:ink>
-</file>
-
-<file path=ppt/ink/ink74.xml><?xml version="1.0" encoding="utf-8"?>
-<inkml:ink xmlns:inkml="http://www.w3.org/2003/InkML">
-  <inkml:definitions>
-    <inkml:context xml:id="ctx0">
-      <inkml:inkSource xml:id="inkSrc0">
-        <inkml:traceFormat>
-          <inkml:channel name="X" type="integer" min="-2.14748E9" max="2.14748E9" units="cm"/>
-          <inkml:channel name="Y" type="integer" min="-2.14748E9" max="2.14748E9" units="cm"/>
-          <inkml:channel name="F" type="integer" max="32767" units="dev"/>
-        </inkml:traceFormat>
-        <inkml:channelProperties>
-          <inkml:channelProperty channel="X" name="resolution" value="1000" units="1/cm"/>
-          <inkml:channelProperty channel="Y" name="resolution" value="1000" units="1/cm"/>
-          <inkml:channelProperty channel="F" name="resolution" value="0" units="1/dev"/>
-        </inkml:channelProperties>
-      </inkml:inkSource>
-      <inkml:timestamp xml:id="ts0" timeString="2024-01-15T18:14:43.023"/>
-    </inkml:context>
-    <inkml:brush xml:id="br0">
-      <inkml:brushProperty name="width" value="0.035" units="cm"/>
-      <inkml:brushProperty name="height" value="0.035" units="cm"/>
-      <inkml:brushProperty name="color" value="#DA0C07"/>
-      <inkml:brushProperty name="inkEffects" value="lava"/>
-      <inkml:brushProperty name="anchorX" value="-103560.625"/>
-      <inkml:brushProperty name="anchorY" value="-41624.85938"/>
-      <inkml:brushProperty name="scaleFactor" value="0.5"/>
-    </inkml:brush>
-  </inkml:definitions>
-  <inkml:trace contextRef="#ctx0" brushRef="#br0">338 1 24575,'-4'1'0,"0"-1"0,1 3 0,0-3 0,-1 4 0,2-2 0,-2 1 0,5 0 0,-2-2 0,2 2 0,2 2 0,-3-1 0,7 5 0,-6-5 0,6 11 0,-6-11 0,8 17 0,-8-14 0,8 11 0,-7-8 0,12 20 0,-6-12-2436,4 9 2436,-6-14 0,-3-7-643,4 10 643,-2-9-5764,8 23 5764,-5-18-181,13 31 181,-8-23-2761,16 29 2761,-16-28 0,11 16 321,-9-16-321,20 24 0,-15-17 0,21 17 4466,-28-29-4466,24 23 0,-23-25 0,22 25 0,-25-30 0,14 20 0,-16-18 214,9 12-214,-10-8 0,7 22 0,-9-21 0,1 30 0,-7-36 0,-10 37 0,3-33-4537,-25 43 4537,18-42-3034,-50 50 3034,38-45-1242,-51 37 1242,40-35 0,-9 3 0,-1-1 0,6-3 0,-7 3 0,3-3 2418,23-10-2418,-32 16 3617,42-22-3617,-16 10 2778,22-11-2778,-6 6 6784,11-10-6784,-3 3 0,3-6 0,-2 3 0,-9-4 0,5 3 0,-7-1 0,9 2 0,-10 0 0,9 0 0,-6 0 0,5 0 0,-14 2 0,7 0 0,-10 2 0,12-1 0,-10 5 0,10-6 0,-6 4 0,15-6 0</inkml:trace>
-</inkml:ink>
-</file>
-
-<file path=ppt/ink/ink75.xml><?xml version="1.0" encoding="utf-8"?>
-<inkml:ink xmlns:inkml="http://www.w3.org/2003/InkML">
-  <inkml:definitions>
-    <inkml:context xml:id="ctx0">
-      <inkml:inkSource xml:id="inkSrc0">
-        <inkml:traceFormat>
-          <inkml:channel name="X" type="integer" min="-2.14748E9" max="2.14748E9" units="cm"/>
-          <inkml:channel name="Y" type="integer" min="-2.14748E9" max="2.14748E9" units="cm"/>
-          <inkml:channel name="F" type="integer" max="32767" units="dev"/>
-        </inkml:traceFormat>
-        <inkml:channelProperties>
-          <inkml:channelProperty channel="X" name="resolution" value="1000" units="1/cm"/>
-          <inkml:channelProperty channel="Y" name="resolution" value="1000" units="1/cm"/>
-          <inkml:channelProperty channel="F" name="resolution" value="0" units="1/dev"/>
-        </inkml:channelProperties>
-      </inkml:inkSource>
-      <inkml:timestamp xml:id="ts0" timeString="2024-01-15T18:14:43.974"/>
-    </inkml:context>
-    <inkml:brush xml:id="br0">
-      <inkml:brushProperty name="width" value="0.035" units="cm"/>
-      <inkml:brushProperty name="height" value="0.035" units="cm"/>
-      <inkml:brushProperty name="color" value="#DA0C07"/>
-      <inkml:brushProperty name="inkEffects" value="lava"/>
-      <inkml:brushProperty name="anchorX" value="-125979.71094"/>
-      <inkml:brushProperty name="anchorY" value="-44838.17969"/>
-      <inkml:brushProperty name="scaleFactor" value="0.5"/>
-    </inkml:brush>
-  </inkml:definitions>
-  <inkml:trace contextRef="#ctx0" brushRef="#br0">0 1 24575,'2'4'0,"0"-1"0,-1 0 0,1 0-8503,1 4 8503,0 2 0,0 2 315,1 3-315,-3-5 0,8 23 0,-2-1 0,5 26-501,0 4 501,3 32 0,-5-34 0,1 19 0,-1-2 2865,-5-26-2865,4 29 0,-1-1 0,-7-32 0,5 28 0,0 1 0,-2-20 0,1 22 0,0 3 0,1 3-1868,-4-16 1,0 0 1867,0 25 0,0-8 0,-1-3-1109,0-6 1109,1 14 0,-1-3 0,-4-25 0,2 3 0,-1-2 0,-4-13 0,1 9 0,0-3 0,0-23 0,-7 60 0,6-57 0,-8 56 0,6-50 0,-6 41 417,10-63-417,-2 18 0,5-31 2076,-2 7-2076,3-12 6095,0-3-6095,0-1 2080,2-4-2080,-1 3 0,0-13 0,4-1-1696,1-30 0,-1 27 0,-2-11 0</inkml:trace>
-</inkml:ink>
-</file>
-
-<file path=ppt/ink/ink76.xml><?xml version="1.0" encoding="utf-8"?>
-<inkml:ink xmlns:inkml="http://www.w3.org/2003/InkML">
-  <inkml:definitions>
-    <inkml:context xml:id="ctx0">
-      <inkml:inkSource xml:id="inkSrc0">
-        <inkml:traceFormat>
-          <inkml:channel name="X" type="integer" min="-2.14748E9" max="2.14748E9" units="cm"/>
-          <inkml:channel name="Y" type="integer" min="-2.14748E9" max="2.14748E9" units="cm"/>
-          <inkml:channel name="F" type="integer" max="32767" units="dev"/>
-        </inkml:traceFormat>
-        <inkml:channelProperties>
-          <inkml:channelProperty channel="X" name="resolution" value="1000" units="1/cm"/>
-          <inkml:channelProperty channel="Y" name="resolution" value="1000" units="1/cm"/>
-          <inkml:channelProperty channel="F" name="resolution" value="0" units="1/dev"/>
-        </inkml:channelProperties>
-      </inkml:inkSource>
-      <inkml:timestamp xml:id="ts0" timeString="2024-01-15T18:14:44.587"/>
-    </inkml:context>
-    <inkml:brush xml:id="br0">
-      <inkml:brushProperty name="width" value="0.035" units="cm"/>
-      <inkml:brushProperty name="height" value="0.035" units="cm"/>
-      <inkml:brushProperty name="color" value="#DA0C07"/>
-      <inkml:brushProperty name="inkEffects" value="lava"/>
-      <inkml:brushProperty name="anchorX" value="-140929.1875"/>
-      <inkml:brushProperty name="anchorY" value="-51388.96484"/>
-      <inkml:brushProperty name="scaleFactor" value="0.5"/>
-    </inkml:brush>
-  </inkml:definitions>
-  <inkml:trace contextRef="#ctx0" brushRef="#br0">67 445 8191,'3'-2'0,"11"-7"5063,-7 6-5063,12-7 0,-11 6-2155,19-6 2155,-13 5 2,62-17-2,-48 16 0,30-6 0,3 0 0,-23 7 0,45-7 0,4 1-969,-30 6 969,21-3 0,22-1 0,-17 2 0,-2 1 0,-10 1 0,13-1 0,-7 0 39,-15 1 1,2 0-40,18 1 0,9 0 0,-6 0 380,-10 0 0,3 0-380,3 0 0,14-1 0,-2 1 0,-18 1 0,-24 1 0,1 1 0,27-2 0,18-2 0,1 0 0,-19 2-654,-27 0 0,-1 1 654,37-1 0,17-1 0,-10 0 0,-10-3 0,-5 0 0,1 4 0,-1 0-69,-10-3 0,-4-1 69,-11 3 0,-5 1 0,11-2 0,19-2 0,6-1 0,-28 2 0,1 0-300,35-6 0,0-1 300,-32 5 0,-2 1 0,17-6 0,-7 1 1782,-16 4-1782,2-1 0,-5 0 3275,-21 5-3275,40-8 0,-57 11 3197,16-5-3197,-21 6 6480,4-2-6480,-6 2 0,-1 1 0,-7 2 0,-5 16 0,2-10 0,-10 31 0,10-27 0,-9 30 0,7-10 0,-6 42-443,7-27 443,2 17 0,2-1-1774,2-19 1774,3 42 0,0 1-2360,-2-33 2360,6 12 0,4 15 0,-2-13 0,-1-5 0,7 12 0,5 18 0,-3-17-3507,0-6 3507,-1-4 0,4 14 0,-2-11 0,6 17 0,-3-16 0,4 13 0,-3-12 0,-7-23 0,-1 0 0,10 22 0,3 10 0,-5-15 0,-4-6 0,2 2 0,5 13 0,-5-13 0,1 2 0,-2-1 0,4 13 0,-5-15 0,-4-10 0,4 21 0,-1 0 0,-7-22 0,-1 5 0,-1 1 152,-1-3-152,-6 8 0,-1-1 0,-2-16 0,-5 13 0,-3-3 0,3-30 0,-32 66 0,26-68 0,-20 26 0,-3-1 0,12-22 0,-37 27 0,-6 0-2633,23-25 2633,-11 9 0,-3-2 0,-6-9-1017,-7 0 0,-4 0 1017,-18 3 0,16-9 0,-14 1 0,15-4 461,-4-5-461,-7 2 0,-20 1 0,18-2-1187,0-2 1187,21-3 0,-18 0 0,0 0 0,18-1 0,-23 3 0,20-5 0,-18 0 0,-1-1 0,19 0 100,-21 1-100,6-2 0,-17-1 0,14-1 0,34 0 0,0 0 0,-15-1 0,-15 0 0,-2-1 0,9-1 0,-15 0 0,0-2 0,15 1 0,-9-2 0,2 0 0,12 1-93,5 1 1,2-2 92,-22-6 0,-9-3 0,16 3 0,-8 3 0,-2-7 0,-18-5 0,17 3 0,42 9 0,1-1 0,-26-6 0,-11-3 0,12 1 0,-14-8 0,5 2 0,6 0 0,22 2 0,-1-1 0,5 0 0,22 9 0,-33-22 1589,50 27-1589,-20-20 0,25 20 0,-9-24 0,12 24 0,-2-17 0,5 22 0,1-4 0</inkml:trace>
-</inkml:ink>
-</file>
-
-<file path=ppt/ink/ink77.xml><?xml version="1.0" encoding="utf-8"?>
-<inkml:ink xmlns:inkml="http://www.w3.org/2003/InkML">
-  <inkml:definitions>
-    <inkml:context xml:id="ctx0">
-      <inkml:inkSource xml:id="inkSrc0">
-        <inkml:traceFormat>
-          <inkml:channel name="X" type="integer" min="-2.14748E9" max="2.14748E9" units="cm"/>
-          <inkml:channel name="Y" type="integer" min="-2.14748E9" max="2.14748E9" units="cm"/>
-          <inkml:channel name="F" type="integer" max="32767" units="dev"/>
-        </inkml:traceFormat>
-        <inkml:channelProperties>
-          <inkml:channelProperty channel="X" name="resolution" value="1000" units="1/cm"/>
-          <inkml:channelProperty channel="Y" name="resolution" value="1000" units="1/cm"/>
-          <inkml:channelProperty channel="F" name="resolution" value="0" units="1/dev"/>
-        </inkml:channelProperties>
-      </inkml:inkSource>
-      <inkml:timestamp xml:id="ts0" timeString="2024-01-15T18:14:45.022"/>
-    </inkml:context>
-    <inkml:brush xml:id="br0">
-      <inkml:brushProperty name="width" value="0.035" units="cm"/>
-      <inkml:brushProperty name="height" value="0.035" units="cm"/>
-      <inkml:brushProperty name="color" value="#DA0C07"/>
-      <inkml:brushProperty name="inkEffects" value="lava"/>
-      <inkml:brushProperty name="anchorX" value="-153580.3125"/>
-      <inkml:brushProperty name="anchorY" value="-55328.14453"/>
-      <inkml:brushProperty name="scaleFactor" value="0.5"/>
-    </inkml:brush>
-  </inkml:definitions>
-  <inkml:trace contextRef="#ctx0" brushRef="#br0">1 0 24575,'3'5'0,"2"7"0,-3-2 0,3 9 0,-3-10-9831,7 32 8341,-7-21 1490,14 75 815,-12-63-815,4 21 0,-1 4 0,2 4 0,-3-4 0,0 2 0,4 26 0,-6 2 0,-2 0 0,1-12 0,-4-6 0,0 11 0,0-14 0,0-7 0,-2 9 0,-3 15 0,1-15 0,0-5 0,-5 33 0,0-4 0,3-48 0,0 15 0,0 0 1508,-1-7-1508,-1 29 0,2-32 0,1-5 0,4-29 0,1 8 0,1-16 0,0 7 0,1-11 5687,1-1-5687,1-3 2526,4-9-2526,1-3-5999,20-33 5999,-13 17 0,12-19 0,0-3-1511,-6 17 1511,8-20 0,2-2 0,-4 7 0,6-15 0,1-2-1888,-4 8 1888,2-9 0,1-2-1919,1-2 1919,-6 7 0,1-1 0,7-25 0,-5 8 0,-1 3 0,-5 8 0,4-14 0,-1 3 0,-12 34 0,5-18 0,-1 1 0,-8 24 0,3-8 0,0 1 2938,-4 7-2938,7-24 0,-10 33 1403,-2 2-1403,-2 11 0,-3 7 0,1-10 0,-2 15 0,0-3 0</inkml:trace>
-</inkml:ink>
-</file>
-
-<file path=ppt/ink/ink78.xml><?xml version="1.0" encoding="utf-8"?>
-<inkml:ink xmlns:inkml="http://www.w3.org/2003/InkML">
-  <inkml:definitions>
-    <inkml:context xml:id="ctx0">
-      <inkml:inkSource xml:id="inkSrc0">
-        <inkml:traceFormat>
-          <inkml:channel name="X" type="integer" min="-2.14748E9" max="2.14748E9" units="cm"/>
-          <inkml:channel name="Y" type="integer" min="-2.14748E9" max="2.14748E9" units="cm"/>
-          <inkml:channel name="F" type="integer" max="32767" units="dev"/>
-        </inkml:traceFormat>
-        <inkml:channelProperties>
-          <inkml:channelProperty channel="X" name="resolution" value="1000" units="1/cm"/>
-          <inkml:channelProperty channel="Y" name="resolution" value="1000" units="1/cm"/>
-          <inkml:channelProperty channel="F" name="resolution" value="0" units="1/dev"/>
-        </inkml:channelProperties>
-      </inkml:inkSource>
-      <inkml:timestamp xml:id="ts0" timeString="2024-01-15T18:14:45.267"/>
-    </inkml:context>
-    <inkml:brush xml:id="br0">
-      <inkml:brushProperty name="width" value="0.035" units="cm"/>
-      <inkml:brushProperty name="height" value="0.035" units="cm"/>
-      <inkml:brushProperty name="color" value="#DA0C07"/>
-      <inkml:brushProperty name="inkEffects" value="lava"/>
-      <inkml:brushProperty name="anchorX" value="-170773.5"/>
-      <inkml:brushProperty name="anchorY" value="-59403.73828"/>
-      <inkml:brushProperty name="scaleFactor" value="0.5"/>
-    </inkml:brush>
-  </inkml:definitions>
-  <inkml:trace contextRef="#ctx0" brushRef="#br0">0 1 24575,'0'9'0,"0"17"0,0-14-7368,2 12 7368,-2-15-1276,2 9 1276,-1-9 1739,0 12-1739,0-7 0,3 6 0,-2-4 0,2 2 0,-1 2 0,2 5 0,0-2 0,3 5 0,-6-22 0,7 15 0,-7-16 3390,5 9-3390,-5-9 3515,6 8-3515,-4-8 0,11 6 0,-12-8 0,12 1 0,-12-2 0,10-5 0,-8 1-6784,9-7 6784,-8 5 0,11-12 0,-8 8 0,12-15 0,-11 12 0,13-15 0,-18 21 0,6-8 0</inkml:trace>
-</inkml:ink>
-</file>
-
-<file path=ppt/ink/ink79.xml><?xml version="1.0" encoding="utf-8"?>
-<inkml:ink xmlns:inkml="http://www.w3.org/2003/InkML">
-  <inkml:definitions>
-    <inkml:context xml:id="ctx0">
-      <inkml:inkSource xml:id="inkSrc0">
-        <inkml:traceFormat>
-          <inkml:channel name="X" type="integer" min="-2.14748E9" max="2.14748E9" units="cm"/>
-          <inkml:channel name="Y" type="integer" min="-2.14748E9" max="2.14748E9" units="cm"/>
-          <inkml:channel name="F" type="integer" max="32767" units="dev"/>
-        </inkml:traceFormat>
-        <inkml:channelProperties>
-          <inkml:channelProperty channel="X" name="resolution" value="1000" units="1/cm"/>
-          <inkml:channelProperty channel="Y" name="resolution" value="1000" units="1/cm"/>
-          <inkml:channelProperty channel="F" name="resolution" value="0" units="1/dev"/>
-        </inkml:channelProperties>
-      </inkml:inkSource>
-      <inkml:timestamp xml:id="ts0" timeString="2024-01-15T18:14:45.558"/>
-    </inkml:context>
-    <inkml:brush xml:id="br0">
-      <inkml:brushProperty name="width" value="0.035" units="cm"/>
-      <inkml:brushProperty name="height" value="0.035" units="cm"/>
-      <inkml:brushProperty name="color" value="#DA0C07"/>
-      <inkml:brushProperty name="inkEffects" value="lava"/>
-      <inkml:brushProperty name="anchorX" value="-187843.42188"/>
-      <inkml:brushProperty name="anchorY" value="-64572.05859"/>
-      <inkml:brushProperty name="scaleFactor" value="0.5"/>
-    </inkml:brush>
-  </inkml:definitions>
-  <inkml:trace contextRef="#ctx0" brushRef="#br0">428 0 13723,'-1'11'0,"0"0"2990,-2 4-2990,2-3 0,-3 3-3946,-2 28 3946,0-20 0,-5 44 1529,8-42-1529,-6 24 0,1 2 0,2-15-1962,-9 51 1962,9-62 0,-5 28 0,4-18 0,-4 17-282,3-9 282,-4 4 0,-13 48 0,10-40-2349,-9 19 2349,15-45 0,-12 33 0,-3 5 0,3-11-756,-8 24 0,2-4 756,16-44 1668,-14 31-1668,15-34 0,-11 21 0,13-27 0,-6 11 0,11-27 0,-4 13 0,5-16 2854,0 3-2854,2-7 4269,2-7-4269,0 3 6384,4-11-6384,-1 4 0,5-20 0,-3 9 1209,3-4-1209,16-48 0,1 4-1166,5-14 1166,-6 20 0,-2 5-2098,-6 19 2098,15-38 0,1-2-3453,-15 33 3453,10-25 0,1-4-4559,-2-1 4559,-9 25 0,-1 0-802,7-17 802,4-8-1925,-17 39 1925,16-40 0,-22 58 0,5-11 0</inkml:trace>
-</inkml:ink>
-</file>
-
-<file path=ppt/ink/ink8.xml><?xml version="1.0" encoding="utf-8"?>
-<inkml:ink xmlns:inkml="http://www.w3.org/2003/InkML">
-  <inkml:definitions>
-    <inkml:context xml:id="ctx0">
-      <inkml:inkSource xml:id="inkSrc0">
-        <inkml:traceFormat>
-          <inkml:channel name="X" type="integer" min="-2.14748E9" max="2.14748E9" units="cm"/>
-          <inkml:channel name="Y" type="integer" min="-2.14748E9" max="2.14748E9" units="cm"/>
-          <inkml:channel name="F" type="integer" max="32767" units="dev"/>
-        </inkml:traceFormat>
-        <inkml:channelProperties>
-          <inkml:channelProperty channel="X" name="resolution" value="1000" units="1/cm"/>
-          <inkml:channelProperty channel="Y" name="resolution" value="1000" units="1/cm"/>
-          <inkml:channelProperty channel="F" name="resolution" value="0" units="1/dev"/>
-        </inkml:channelProperties>
-      </inkml:inkSource>
-      <inkml:timestamp xml:id="ts0" timeString="2024-01-15T18:09:01.331"/>
-    </inkml:context>
-    <inkml:brush xml:id="br0">
-      <inkml:brushProperty name="width" value="0.035" units="cm"/>
-      <inkml:brushProperty name="height" value="0.035" units="cm"/>
-      <inkml:brushProperty name="color" value="#DA0C07"/>
-      <inkml:brushProperty name="inkEffects" value="lava"/>
-      <inkml:brushProperty name="anchorX" value="-82225.5625"/>
-      <inkml:brushProperty name="anchorY" value="-95422.39063"/>
-      <inkml:brushProperty name="scaleFactor" value="0.5"/>
-    </inkml:brush>
-  </inkml:definitions>
-  <inkml:trace contextRef="#ctx0" brushRef="#br0">1 1 24575,'0'6'0,"1"-1"0,-1-2 0,3 0 0,-3 1 0,3-1 0,-2 3 0,2-2 0,1 3 0,1 1 0,4 5 0,-2-3 0,12 13 0,-4-2 0,1-3-6784,2 7 6784,-13-20 0,9 16 0,-9-15 0,6 13 0,-3-10 0,3 9 0,-4-9 0,4 9 0,-7-13 0,7 11 0,-7-12 0,8 10 0,-8-11 0,8 10 0,-9-12 0,8 7 0,-5-7 0,8 1 0,-7-2 1696,6-1 0,-10 1 0,2-2 0</inkml:trace>
-</inkml:ink>
-</file>
-
-<file path=ppt/ink/ink80.xml><?xml version="1.0" encoding="utf-8"?>
-<inkml:ink xmlns:inkml="http://www.w3.org/2003/InkML">
-  <inkml:definitions>
-    <inkml:context xml:id="ctx0">
-      <inkml:inkSource xml:id="inkSrc0">
-        <inkml:traceFormat>
-          <inkml:channel name="X" type="integer" min="-2.14748E9" max="2.14748E9" units="cm"/>
-          <inkml:channel name="Y" type="integer" min="-2.14748E9" max="2.14748E9" units="cm"/>
-          <inkml:channel name="F" type="integer" max="32767" units="dev"/>
-        </inkml:traceFormat>
-        <inkml:channelProperties>
-          <inkml:channelProperty channel="X" name="resolution" value="1000" units="1/cm"/>
-          <inkml:channelProperty channel="Y" name="resolution" value="1000" units="1/cm"/>
-          <inkml:channelProperty channel="F" name="resolution" value="0" units="1/dev"/>
-        </inkml:channelProperties>
-      </inkml:inkSource>
-      <inkml:timestamp xml:id="ts0" timeString="2024-01-15T18:14:45.738"/>
-    </inkml:context>
-    <inkml:brush xml:id="br0">
-      <inkml:brushProperty name="width" value="0.035" units="cm"/>
-      <inkml:brushProperty name="height" value="0.035" units="cm"/>
-      <inkml:brushProperty name="color" value="#DA0C07"/>
-      <inkml:brushProperty name="inkEffects" value="lava"/>
-      <inkml:brushProperty name="anchorX" value="-205480.3125"/>
-      <inkml:brushProperty name="anchorY" value="-69071.99219"/>
-      <inkml:brushProperty name="scaleFactor" value="0.5"/>
-    </inkml:brush>
-  </inkml:definitions>
-  <inkml:trace contextRef="#ctx0" brushRef="#br0">122 0 24575,'4'2'0,"-1"0"0,-2 0 0,-1 1 0,2 0 0,-1 7 0,2-4 0,0 11 0,-1-10 0,5 19 0,-5-5 0,9 24 0,-9-20 0,9 51 0,-10-40-6784,7 48 6784,-5-50 0,0 46-243,-1-53 243,-2 24 0,0-1 0,0-23 0,-1 25 0,0-1 0,1-24-3738,-4 48 3738,4-60-2076,-10 57 2076,8-51 0,-11 47 0,12-53 0,-8 23 138,4-19-138,-8 25 0,6-25 0,-7 16 0,9-25 2992,-10 14-2992,8-11 0,-11 9 0,10-14 0,-11 6 0,12-10-403,-12 1 1,16-3-1,-6-2 1</inkml:trace>
-</inkml:ink>
-</file>
-
-<file path=ppt/ink/ink81.xml><?xml version="1.0" encoding="utf-8"?>
-<inkml:ink xmlns:inkml="http://www.w3.org/2003/InkML">
-  <inkml:definitions>
-    <inkml:context xml:id="ctx0">
-      <inkml:inkSource xml:id="inkSrc0">
-        <inkml:traceFormat>
-          <inkml:channel name="X" type="integer" min="-2.14748E9" max="2.14748E9" units="cm"/>
-          <inkml:channel name="Y" type="integer" min="-2.14748E9" max="2.14748E9" units="cm"/>
-          <inkml:channel name="F" type="integer" max="32767" units="dev"/>
-        </inkml:traceFormat>
-        <inkml:channelProperties>
-          <inkml:channelProperty channel="X" name="resolution" value="1000" units="1/cm"/>
-          <inkml:channelProperty channel="Y" name="resolution" value="1000" units="1/cm"/>
-          <inkml:channelProperty channel="F" name="resolution" value="0" units="1/dev"/>
-        </inkml:channelProperties>
-      </inkml:inkSource>
-      <inkml:timestamp xml:id="ts0" timeString="2024-01-15T18:14:45.939"/>
-    </inkml:context>
-    <inkml:brush xml:id="br0">
-      <inkml:brushProperty name="width" value="0.035" units="cm"/>
-      <inkml:brushProperty name="height" value="0.035" units="cm"/>
-      <inkml:brushProperty name="color" value="#DA0C07"/>
-      <inkml:brushProperty name="inkEffects" value="lava"/>
-      <inkml:brushProperty name="anchorX" value="-220720.01563"/>
-      <inkml:brushProperty name="anchorY" value="-71871.71875"/>
-      <inkml:brushProperty name="scaleFactor" value="0.5"/>
-    </inkml:brush>
-  </inkml:definitions>
-  <inkml:trace contextRef="#ctx0" brushRef="#br0">0 56 24575,'0'-5'0,"2"2"0,1-3 0,0 5 0,0-5 0,2 3 0,-3 0 0,6-2 0,-2 3 0,7 0 0,-6 1 0,12 2 0,-12 1 0,19 4 0,-17-3 0,26 9 0,-23-9 0,26 9 0,-21-6 0,26 4 0,-19-3 0,36 4 0,-7-5 0,11-1-6784,-19-3 6784,-17-2 0,-17-2 0,2 0 0,11-2 0,-9 0 0,12-1 0,-14-1 0,8-4 0,-5 0 6784,1-5-6784,-5 0 0,-1-1 0,-6 7 0,-1 3 0</inkml:trace>
-</inkml:ink>
-</file>
-
-<file path=ppt/ink/ink82.xml><?xml version="1.0" encoding="utf-8"?>
-<inkml:ink xmlns:inkml="http://www.w3.org/2003/InkML">
-  <inkml:definitions>
-    <inkml:context xml:id="ctx0">
-      <inkml:inkSource xml:id="inkSrc0">
-        <inkml:traceFormat>
-          <inkml:channel name="X" type="integer" min="-2.14748E9" max="2.14748E9" units="cm"/>
-          <inkml:channel name="Y" type="integer" min="-2.14748E9" max="2.14748E9" units="cm"/>
-          <inkml:channel name="F" type="integer" max="32767" units="dev"/>
-        </inkml:traceFormat>
-        <inkml:channelProperties>
-          <inkml:channelProperty channel="X" name="resolution" value="1000" units="1/cm"/>
-          <inkml:channelProperty channel="Y" name="resolution" value="1000" units="1/cm"/>
-          <inkml:channelProperty channel="F" name="resolution" value="0" units="1/dev"/>
-        </inkml:channelProperties>
-      </inkml:inkSource>
-      <inkml:timestamp xml:id="ts0" timeString="2024-01-15T18:14:46.270"/>
-    </inkml:context>
-    <inkml:brush xml:id="br0">
-      <inkml:brushProperty name="width" value="0.035" units="cm"/>
-      <inkml:brushProperty name="height" value="0.035" units="cm"/>
-      <inkml:brushProperty name="color" value="#DA0C07"/>
-      <inkml:brushProperty name="inkEffects" value="lava"/>
-      <inkml:brushProperty name="anchorX" value="-239024.01563"/>
-      <inkml:brushProperty name="anchorY" value="-76808.36719"/>
-      <inkml:brushProperty name="scaleFactor" value="0.5"/>
-    </inkml:brush>
-  </inkml:definitions>
-  <inkml:trace contextRef="#ctx0" brushRef="#br0">20 948 8191,'-2'15'0,"-1"21"1925,1-14-1925,0 17 0,0-18 0,2 0 2344,0 10-2344,0-10 0,0 64 0,0-32 0,-1 0 0,0 1 1099,0-1-1099,-1 3 4688,2-20-4688,-1 14 3302,0-25-3302,0 16 1070,1-28-1070,1 14 1956,0-18-1956,5 8 0,-3-15 0,4 0 0,-4-3 0,3-8 0,-2 4 0,8-24 0,-8 18 0,10-31 0,-11 30-1476,5-14 1476,-6 15 0,1 0 0,-1 0 0,2-4 0,-2 2 0,7-35 0,-4 25 0,9-63-1496,-8 57 1496,4-55 0,-2 47 0,5-57 0,-4 40 0,-1-16 0,-1-3 0,-1 8-2900,2-13 1,0 4 2899,-1 23 0,2-10 0,0 3 579,-2 22-579,5-19 0,0 0-603,-4 24 603,17-49 0,-13 46 0,9-11-2782,-7 14 2782,-1 7 4410,7-7-4410,-1 5 358,11-15-358,-8 16 0,-6 9 705,-5 8-705,-5 5 6104,0-2-6104,1 4 0,-4 0 0,1 1 0,-1 0 0,0 1 0,0 1 0,0 3 0,-1-3 0,4 12 0,-4-10 0,4 13 0,-4-9 0,5 13 0,-2-5 0,2 18 0,-4-18-271,1 12 1,-4-24 0,2 4 0</inkml:trace>
-</inkml:ink>
-</file>
-
-<file path=ppt/ink/ink83.xml><?xml version="1.0" encoding="utf-8"?>
-<inkml:ink xmlns:inkml="http://www.w3.org/2003/InkML">
-  <inkml:definitions>
-    <inkml:context xml:id="ctx0">
-      <inkml:inkSource xml:id="inkSrc0">
-        <inkml:traceFormat>
-          <inkml:channel name="X" type="integer" min="-2.14748E9" max="2.14748E9" units="cm"/>
-          <inkml:channel name="Y" type="integer" min="-2.14748E9" max="2.14748E9" units="cm"/>
-          <inkml:channel name="F" type="integer" max="32767" units="dev"/>
-        </inkml:traceFormat>
-        <inkml:channelProperties>
-          <inkml:channelProperty channel="X" name="resolution" value="1000" units="1/cm"/>
-          <inkml:channelProperty channel="Y" name="resolution" value="1000" units="1/cm"/>
-          <inkml:channelProperty channel="F" name="resolution" value="0" units="1/dev"/>
-        </inkml:channelProperties>
-      </inkml:inkSource>
-      <inkml:timestamp xml:id="ts0" timeString="2024-01-15T18:14:46.488"/>
-    </inkml:context>
-    <inkml:brush xml:id="br0">
-      <inkml:brushProperty name="width" value="0.035" units="cm"/>
-      <inkml:brushProperty name="height" value="0.035" units="cm"/>
-      <inkml:brushProperty name="color" value="#DA0C07"/>
-      <inkml:brushProperty name="inkEffects" value="lava"/>
-      <inkml:brushProperty name="anchorX" value="-257806.65625"/>
-      <inkml:brushProperty name="anchorY" value="-80855.90625"/>
-      <inkml:brushProperty name="scaleFactor" value="0.5"/>
-    </inkml:brush>
-  </inkml:definitions>
-  <inkml:trace contextRef="#ctx0" brushRef="#br0">0 178 24575,'5'0'0,"0"-1"0,-2 0 0,3-1 0,-2 1 0,12-5 0,-5 5 0,5-5 0,0 2 0,-6 0 0,20-4 0,-2 2 0,24-6-546,-3 1 546,31-7 0,-41 8 0,51-12 0,-70 16 0,51-12 0,-57 15 0,31-11 0,-35 12 0,14-6 0,-13 5 0,1-2 0,-4 3 0,-5 0 0,-3 1 0,-3 1 136,-1 0 1,2 0-1,0 0 1</inkml:trace>
-</inkml:ink>
-</file>
-
-<file path=ppt/ink/ink84.xml><?xml version="1.0" encoding="utf-8"?>
-<inkml:ink xmlns:inkml="http://www.w3.org/2003/InkML">
-  <inkml:definitions>
-    <inkml:context xml:id="ctx0">
-      <inkml:inkSource xml:id="inkSrc0">
-        <inkml:traceFormat>
-          <inkml:channel name="X" type="integer" min="-2.14748E9" max="2.14748E9" units="cm"/>
-          <inkml:channel name="Y" type="integer" min="-2.14748E9" max="2.14748E9" units="cm"/>
-          <inkml:channel name="F" type="integer" max="32767" units="dev"/>
-        </inkml:traceFormat>
-        <inkml:channelProperties>
-          <inkml:channelProperty channel="X" name="resolution" value="1000" units="1/cm"/>
-          <inkml:channelProperty channel="Y" name="resolution" value="1000" units="1/cm"/>
-          <inkml:channelProperty channel="F" name="resolution" value="0" units="1/dev"/>
-        </inkml:channelProperties>
-      </inkml:inkSource>
-      <inkml:timestamp xml:id="ts0" timeString="2024-01-15T18:14:47.015"/>
-    </inkml:context>
-    <inkml:brush xml:id="br0">
-      <inkml:brushProperty name="width" value="0.035" units="cm"/>
-      <inkml:brushProperty name="height" value="0.035" units="cm"/>
-      <inkml:brushProperty name="color" value="#DA0C07"/>
-      <inkml:brushProperty name="inkEffects" value="lava"/>
-      <inkml:brushProperty name="anchorX" value="-276830.3125"/>
-      <inkml:brushProperty name="anchorY" value="-85346.65625"/>
-      <inkml:brushProperty name="scaleFactor" value="0.5"/>
-    </inkml:brush>
-  </inkml:definitions>
-  <inkml:trace contextRef="#ctx0" brushRef="#br0">1 232 16324,'29'-3'0,"1"0"0,0-3 0,53-8-1236,-40 6 1236,12 0 0,-1 0 0,-17 1 0,50-4 0,-23-1 0,-9 5 0,1 1 0,11-6 0,7 6 0,-21-2 0,3 0-1541,2 1 0,1 1 1541,3-3 0,2 0 0,17-2 0,-11 2 1560,-31 2-1560,16-1 0,-3 2 0,-29 2 0,35-3 1211,-36 5-1211,13-4 0,-15 2 0,4 0 0,-15 1 2134,3 2-2134,-11 0 6349,-2 1-6349,-2 0 1140,1 0-1140,-1 0 175,-9 0-175,3 0 0,-25 1 0,19 0 0,-9 0 0,19-1 0</inkml:trace>
-</inkml:ink>
-</file>
-
-<file path=ppt/ink/ink85.xml><?xml version="1.0" encoding="utf-8"?>
-<inkml:ink xmlns:inkml="http://www.w3.org/2003/InkML">
-  <inkml:definitions>
-    <inkml:context xml:id="ctx0">
-      <inkml:inkSource xml:id="inkSrc0">
-        <inkml:traceFormat>
-          <inkml:channel name="X" type="integer" min="-2.14748E9" max="2.14748E9" units="cm"/>
-          <inkml:channel name="Y" type="integer" min="-2.14748E9" max="2.14748E9" units="cm"/>
-          <inkml:channel name="F" type="integer" max="32767" units="dev"/>
-        </inkml:traceFormat>
-        <inkml:channelProperties>
-          <inkml:channelProperty channel="X" name="resolution" value="1000" units="1/cm"/>
-          <inkml:channelProperty channel="Y" name="resolution" value="1000" units="1/cm"/>
-          <inkml:channelProperty channel="F" name="resolution" value="0" units="1/dev"/>
-        </inkml:channelProperties>
-      </inkml:inkSource>
-      <inkml:timestamp xml:id="ts0" timeString="2024-01-15T18:14:47.350"/>
-    </inkml:context>
-    <inkml:brush xml:id="br0">
-      <inkml:brushProperty name="width" value="0.035" units="cm"/>
-      <inkml:brushProperty name="height" value="0.035" units="cm"/>
-      <inkml:brushProperty name="color" value="#DA0C07"/>
-      <inkml:brushProperty name="inkEffects" value="lava"/>
-      <inkml:brushProperty name="anchorX" value="-290351.6875"/>
-      <inkml:brushProperty name="anchorY" value="-90256.90625"/>
-      <inkml:brushProperty name="scaleFactor" value="0.5"/>
-    </inkml:brush>
-  </inkml:definitions>
-  <inkml:trace contextRef="#ctx0" brushRef="#br0">1099 0 24575,'-24'11'0,"-50"21"-9831,32-15 8341,-37 15 1490,23-7 1492,15-9-1492,-13 9 0,-2 2 218,9-5-218,-15 6 0,2 1 0,23-7 0,-23 8 0,0 1 0,15-6 0,-9 6 0,1-1 0,21-12-3600,-37 27 3600,54-34 0,-25 18 0,33-24-435,-8 9 435,11-11 1053,-4 8-1053,6-7 3907,0 3-3907,3-6 5841,-1 2-5841,8-2 0,-5 2 0,14 0 0,-11-1 0,19 1 0,-16-3 0,27 2 0,-23-2 0,28 0 0,-18 0 0,21-3 0,-1-1-985,19-1 0,-31 0 0,1 3 1</inkml:trace>
-</inkml:ink>
-</file>
-
-<file path=ppt/ink/ink86.xml><?xml version="1.0" encoding="utf-8"?>
-<inkml:ink xmlns:inkml="http://www.w3.org/2003/InkML">
-  <inkml:definitions>
-    <inkml:context xml:id="ctx0">
-      <inkml:inkSource xml:id="inkSrc0">
-        <inkml:traceFormat>
-          <inkml:channel name="X" type="integer" min="-2.14748E9" max="2.14748E9" units="cm"/>
-          <inkml:channel name="Y" type="integer" min="-2.14748E9" max="2.14748E9" units="cm"/>
-          <inkml:channel name="F" type="integer" max="32767" units="dev"/>
-        </inkml:traceFormat>
-        <inkml:channelProperties>
-          <inkml:channelProperty channel="X" name="resolution" value="1000" units="1/cm"/>
-          <inkml:channelProperty channel="Y" name="resolution" value="1000" units="1/cm"/>
-          <inkml:channelProperty channel="F" name="resolution" value="0" units="1/dev"/>
-        </inkml:channelProperties>
-      </inkml:inkSource>
-      <inkml:timestamp xml:id="ts0" timeString="2024-01-15T18:14:47.766"/>
-    </inkml:context>
-    <inkml:brush xml:id="br0">
-      <inkml:brushProperty name="width" value="0.035" units="cm"/>
-      <inkml:brushProperty name="height" value="0.035" units="cm"/>
-      <inkml:brushProperty name="color" value="#DA0C07"/>
-      <inkml:brushProperty name="inkEffects" value="lava"/>
-      <inkml:brushProperty name="anchorX" value="-299722.34375"/>
-      <inkml:brushProperty name="anchorY" value="-93000.71875"/>
-      <inkml:brushProperty name="scaleFactor" value="0.5"/>
-    </inkml:brush>
-  </inkml:definitions>
-  <inkml:trace contextRef="#ctx0" brushRef="#br0">1 1 24575,'4'2'0,"1"1"0,-3-1 0,1 0 0,0 0 0,5 2 0,5 1 0,3 1 0,-1-1 0,-2-2 0,23 6 0,-18-7 0,61 14-770,-53-14 770,23 6 0,3 1-1582,-16-5 1582,14 1 0,1 0 0,-8 1 0,46 1 0,-38-1 0,-1 0 0,1-1 0,-1-1 0,32 5 0,-57-7 0,22 8 0,-34-7 0,24 10 0,-28-10 708,9 6-708,-11-5 1644,2 7-1644,-3-5 0,-2 11 0,-2-12 0,-7 12 0,2-13 0,-14 16 0,11-15 0,-26 17 0,22-16 0,-30 11 0,14-7-1804,-30 6 1804,2-1 0,-35 8 0,41-13 0,-5 3 0,3-2 0,24-6 0,-61 15 0,69-15 0,-41 11 0,47-12-341,-24 9 341,27-10 0,-8 6 0,12-5 0,3 2 0,1-3 0,3 0 0</inkml:trace>
-</inkml:ink>
-</file>
-
-<file path=ppt/ink/ink87.xml><?xml version="1.0" encoding="utf-8"?>
-<inkml:ink xmlns:inkml="http://www.w3.org/2003/InkML">
-  <inkml:definitions>
-    <inkml:context xml:id="ctx0">
-      <inkml:inkSource xml:id="inkSrc0">
-        <inkml:traceFormat>
-          <inkml:channel name="X" type="integer" min="-2.14748E9" max="2.14748E9" units="cm"/>
-          <inkml:channel name="Y" type="integer" min="-2.14748E9" max="2.14748E9" units="cm"/>
-          <inkml:channel name="F" type="integer" max="32767" units="dev"/>
-        </inkml:traceFormat>
-        <inkml:channelProperties>
-          <inkml:channelProperty channel="X" name="resolution" value="1000" units="1/cm"/>
-          <inkml:channelProperty channel="Y" name="resolution" value="1000" units="1/cm"/>
-          <inkml:channelProperty channel="F" name="resolution" value="0" units="1/dev"/>
-        </inkml:channelProperties>
-      </inkml:inkSource>
-      <inkml:timestamp xml:id="ts0" timeString="2024-01-15T18:14:48.335"/>
-    </inkml:context>
-    <inkml:brush xml:id="br0">
-      <inkml:brushProperty name="width" value="0.035" units="cm"/>
-      <inkml:brushProperty name="height" value="0.035" units="cm"/>
-      <inkml:brushProperty name="color" value="#DA0C07"/>
-      <inkml:brushProperty name="inkEffects" value="lava"/>
-      <inkml:brushProperty name="anchorX" value="-313458.875"/>
-      <inkml:brushProperty name="anchorY" value="-98296.21094"/>
-      <inkml:brushProperty name="scaleFactor" value="0.5"/>
-    </inkml:brush>
-  </inkml:definitions>
-  <inkml:trace contextRef="#ctx0" brushRef="#br0">1 82 24575,'3'-2'0,"0"1"0,-2 0 0,8-2 0,-5 1 0,12-3 0,-6 4 0,25-4 0,-14 2-2572,44-1 2572,-29 2 0,15 1 0,1 0 0,-6 0 0,45 0 0,2 0-1744,-33 1 1744,40-1 0,-3-1 0,-43 2 0,29-3 0,0 0 0,-30 3 0,39-3 0,0 0-3688,-43 0 3688,17 1 0,0 0 0,-17-2-2040,29 1 2040,-28 0-2718,26-3 2718,-51 6-1049,26-5 1049,-43 5 1971,12-3-1971,-20 3 1689,4-1-1689,-9 1 1279,2 0 0,2 0 0,0 0 0</inkml:trace>
-</inkml:ink>
-</file>
-
-<file path=ppt/ink/ink88.xml><?xml version="1.0" encoding="utf-8"?>
-<inkml:ink xmlns:inkml="http://www.w3.org/2003/InkML">
-  <inkml:definitions>
-    <inkml:context xml:id="ctx0">
-      <inkml:inkSource xml:id="inkSrc0">
-        <inkml:traceFormat>
-          <inkml:channel name="X" type="integer" min="-2.14748E9" max="2.14748E9" units="cm"/>
-          <inkml:channel name="Y" type="integer" min="-2.14748E9" max="2.14748E9" units="cm"/>
-          <inkml:channel name="F" type="integer" max="32767" units="dev"/>
-        </inkml:traceFormat>
-        <inkml:channelProperties>
-          <inkml:channelProperty channel="X" name="resolution" value="1000" units="1/cm"/>
-          <inkml:channelProperty channel="Y" name="resolution" value="1000" units="1/cm"/>
-          <inkml:channelProperty channel="F" name="resolution" value="0" units="1/dev"/>
-        </inkml:channelProperties>
-      </inkml:inkSource>
-      <inkml:timestamp xml:id="ts0" timeString="2024-01-15T18:14:48.613"/>
-    </inkml:context>
-    <inkml:brush xml:id="br0">
-      <inkml:brushProperty name="width" value="0.035" units="cm"/>
-      <inkml:brushProperty name="height" value="0.035" units="cm"/>
-      <inkml:brushProperty name="color" value="#DA0C07"/>
-      <inkml:brushProperty name="inkEffects" value="lava"/>
-      <inkml:brushProperty name="anchorX" value="-336985.4375"/>
-      <inkml:brushProperty name="anchorY" value="-102928.99219"/>
-      <inkml:brushProperty name="scaleFactor" value="0.5"/>
-    </inkml:brush>
-  </inkml:definitions>
-  <inkml:trace contextRef="#ctx0" brushRef="#br0">1190 0 24575,'-6'7'0,"3"-3"0,-9 10 0,6-8 0,-6 8 0,6-8 0,-1 1 0,-9 7 0,8-6 0,-27 22 0,11-10-2553,-28 20 2553,13-11 0,-4 1 0,0 0 0,2 0 0,-22 10 0,0 0 0,25-14 0,-26 12 0,-1-1 0,18-7 0,-16 7 0,0 1 0,15-9 0,-2 2 0,2-2 0,15-8-5939,-36 20 5939,45-26-143,-26 16 143,38-22 0,-8 4 0,9-5 0,8-5 1687,1 2-1687,4-4 6703,2-1-6703,2-1 0,2-1 0,1 0 0,19-5 0,-15 4 0,52-10 0,-18 1 0,3 2 0,-18 1 0</inkml:trace>
-</inkml:ink>
-</file>
-
-<file path=ppt/ink/ink89.xml><?xml version="1.0" encoding="utf-8"?>
-<inkml:ink xmlns:inkml="http://www.w3.org/2003/InkML">
-  <inkml:definitions>
-    <inkml:context xml:id="ctx0">
-      <inkml:inkSource xml:id="inkSrc0">
-        <inkml:traceFormat>
-          <inkml:channel name="X" type="integer" min="-2.14748E9" max="2.14748E9" units="cm"/>
-          <inkml:channel name="Y" type="integer" min="-2.14748E9" max="2.14748E9" units="cm"/>
-          <inkml:channel name="F" type="integer" max="32767" units="dev"/>
-        </inkml:traceFormat>
-        <inkml:channelProperties>
-          <inkml:channelProperty channel="X" name="resolution" value="1000" units="1/cm"/>
-          <inkml:channelProperty channel="Y" name="resolution" value="1000" units="1/cm"/>
-          <inkml:channelProperty channel="F" name="resolution" value="0" units="1/dev"/>
-        </inkml:channelProperties>
-      </inkml:inkSource>
-      <inkml:timestamp xml:id="ts0" timeString="2024-01-15T18:14:49.078"/>
-    </inkml:context>
-    <inkml:brush xml:id="br0">
-      <inkml:brushProperty name="width" value="0.035" units="cm"/>
-      <inkml:brushProperty name="height" value="0.035" units="cm"/>
-      <inkml:brushProperty name="color" value="#DA0C07"/>
-      <inkml:brushProperty name="inkEffects" value="lava"/>
-      <inkml:brushProperty name="anchorX" value="-355872"/>
-      <inkml:brushProperty name="anchorY" value="-105383.40625"/>
-      <inkml:brushProperty name="scaleFactor" value="0.5"/>
-    </inkml:brush>
-  </inkml:definitions>
-  <inkml:trace contextRef="#ctx0" brushRef="#br0">1 0 24575,'4'2'0,"0"-2"0,-2 2 0,0 0 0,0 2 0,1-1 0,0 2 0,-2-3 0,4 8 0,-4-6 0,4 9 0,-2-6 0,0 7 0,1-6 0,0 9 0,-2-9 0,5 14 0,-6-14 0,6 17 0,-6-17 0,8 19 0,-7-20 0,9 20 0,-6-20 0,8 20 0,-6-19 0,8 13 0,-4-7 0,12 10 0,-6-5-6784,25 15 6784,-24-21-4537,34 23 4537,-35-26-2572,38 23 2572,-41-26-1423,33 19 1423,-35-20 2441,21 10-2441,-17-10 0,16 8 0,-18-8 0,11 6 0,-20-10 3766,6 5-3766,-9-5 4440,-1 2-4440,-3-1 4356,-7 1-4356,5-2 313,-10 2-313,8-3 0,-12 2 0,7-1 0,-19 0 0,18-1 0,-29 3 0,23-3 0,-17 3 0,15-3 0,-5 2 0,12 0 0,-8 0 0,8 0 0,-5 1 0,3-1 0,-12 4 0,15-3 0,-18 4 0,22-5 0,-19 6 0,20-5 0,-12 5 0,16-6 0,-4 1 0</inkml:trace>
-</inkml:ink>
-</file>
-
-<file path=ppt/ink/ink9.xml><?xml version="1.0" encoding="utf-8"?>
-<inkml:ink xmlns:inkml="http://www.w3.org/2003/InkML">
-  <inkml:definitions>
-    <inkml:context xml:id="ctx0">
-      <inkml:inkSource xml:id="inkSrc0">
-        <inkml:traceFormat>
-          <inkml:channel name="X" type="integer" min="-2.14748E9" max="2.14748E9" units="cm"/>
-          <inkml:channel name="Y" type="integer" min="-2.14748E9" max="2.14748E9" units="cm"/>
-          <inkml:channel name="F" type="integer" max="32767" units="dev"/>
-        </inkml:traceFormat>
-        <inkml:channelProperties>
-          <inkml:channelProperty channel="X" name="resolution" value="1000" units="1/cm"/>
-          <inkml:channelProperty channel="Y" name="resolution" value="1000" units="1/cm"/>
-          <inkml:channelProperty channel="F" name="resolution" value="0" units="1/dev"/>
-        </inkml:channelProperties>
-      </inkml:inkSource>
-      <inkml:timestamp xml:id="ts0" timeString="2024-01-15T18:09:01.595"/>
-    </inkml:context>
-    <inkml:brush xml:id="br0">
-      <inkml:brushProperty name="width" value="0.035" units="cm"/>
-      <inkml:brushProperty name="height" value="0.035" units="cm"/>
-      <inkml:brushProperty name="color" value="#DA0C07"/>
-      <inkml:brushProperty name="inkEffects" value="lava"/>
-      <inkml:brushProperty name="anchorX" value="-98732.67969"/>
-      <inkml:brushProperty name="anchorY" value="-109296.83594"/>
-      <inkml:brushProperty name="scaleFactor" value="0.5"/>
-    </inkml:brush>
-  </inkml:definitions>
-  <inkml:trace contextRef="#ctx0" brushRef="#br0">694 0 24575,'-6'6'0,"1"1"0,2-2 0,-2 0 0,3-2 0,-2 1 0,1-1 0,-8 11 0,5-9 0,-10 12 0,10-12 0,-16 16 0,13-12-6784,-32 22 6784,30-22-1885,-43 25 1885,39-24-235,-29 15 235,20-13-3834,-27 15 3834,23-15 0,-35 18 0,46-21-1738,-40 15 1738,40-16-1908,-33 11 1908,37-14 2029,-25 9-2029,16-3 0,1-2 3034,3-1-3034,13-4 4537,1-3-4537,1 1 6784,4-2-6784,1 0 0,1 0 0,-1 0 0,-1 0 0</inkml:trace>
-</inkml:ink>
-</file>
-
-<file path=ppt/ink/ink90.xml><?xml version="1.0" encoding="utf-8"?>
-<inkml:ink xmlns:inkml="http://www.w3.org/2003/InkML">
-  <inkml:definitions>
-    <inkml:context xml:id="ctx0">
-      <inkml:inkSource xml:id="inkSrc0">
-        <inkml:traceFormat>
-          <inkml:channel name="X" type="integer" min="-2.14748E9" max="2.14748E9" units="cm"/>
-          <inkml:channel name="Y" type="integer" min="-2.14748E9" max="2.14748E9" units="cm"/>
-          <inkml:channel name="F" type="integer" max="32767" units="dev"/>
-        </inkml:traceFormat>
-        <inkml:channelProperties>
-          <inkml:channelProperty channel="X" name="resolution" value="1000" units="1/cm"/>
-          <inkml:channelProperty channel="Y" name="resolution" value="1000" units="1/cm"/>
-          <inkml:channelProperty channel="F" name="resolution" value="0" units="1/dev"/>
-        </inkml:channelProperties>
-      </inkml:inkSource>
-      <inkml:timestamp xml:id="ts0" timeString="2024-01-15T18:16:04.513"/>
-    </inkml:context>
-    <inkml:brush xml:id="br0">
-      <inkml:brushProperty name="width" value="0.035" units="cm"/>
-      <inkml:brushProperty name="height" value="0.035" units="cm"/>
-      <inkml:brushProperty name="color" value="#DA0C07"/>
-      <inkml:brushProperty name="inkEffects" value="lava"/>
-      <inkml:brushProperty name="anchorX" value="-817309.25"/>
-      <inkml:brushProperty name="anchorY" value="-413271.53125"/>
-      <inkml:brushProperty name="scaleFactor" value="0.5"/>
-    </inkml:brush>
-  </inkml:definitions>
-  <inkml:trace contextRef="#ctx0" brushRef="#br0">1 34 24575,'10'-7'0,"21"-1"0,-13 3 0,12 0 0,-14 4 0,14 0 0,-6 0 0,39 1 0,-40 0-8503,63 0 8503,-57 2 0,29-1 0,3-1 66,-21 2-66,24 0 0,3-1 0,-13 0-1289,9 0 1,4 0 1288,28-1 0,-32 0 0,9 0 0,-7 0 0,-6 0 0,0 0 0,13 0 0,7 0 0,-12 0 0,7 0 0,17 0 0,-4 0 0,-30 0 0,37 0 0,0 0 0,-40 0 0,14 0 0,15 0 0,-16 0-2830,-10 0 2830,16 0 0,2 0 0,-15 0 0,-5 0 0,2 0 0,11 0 0,-3 0 0,-7 0 910,-32 0-910,67 0 0,-67 0-1126,40 0 1126,-47 0 1466,20-1-1466,-27 1 3906,16-2-3906,-17 1 0,5 1 0,-5-3 5841,0 3-5841,-8-3 2847,-1 3-2847,-3-2 0,-3 0 0,1 0 0,-1 1 0,1 1 0,-2 0 0,1 0 0,-2 0 0,4 0 0,-1 0 0</inkml:trace>
-</inkml:ink>
-</file>
-
-<file path=ppt/ink/ink91.xml><?xml version="1.0" encoding="utf-8"?>
-<inkml:ink xmlns:inkml="http://www.w3.org/2003/InkML">
-  <inkml:definitions>
-    <inkml:context xml:id="ctx0">
-      <inkml:inkSource xml:id="inkSrc0">
-        <inkml:traceFormat>
-          <inkml:channel name="X" type="integer" min="-2.14748E9" max="2.14748E9" units="cm"/>
-          <inkml:channel name="Y" type="integer" min="-2.14748E9" max="2.14748E9" units="cm"/>
-          <inkml:channel name="F" type="integer" max="32767" units="dev"/>
-        </inkml:traceFormat>
-        <inkml:channelProperties>
-          <inkml:channelProperty channel="X" name="resolution" value="1000" units="1/cm"/>
-          <inkml:channelProperty channel="Y" name="resolution" value="1000" units="1/cm"/>
-          <inkml:channelProperty channel="F" name="resolution" value="0" units="1/dev"/>
-        </inkml:channelProperties>
-      </inkml:inkSource>
-      <inkml:timestamp xml:id="ts0" timeString="2024-01-15T18:16:05.574"/>
-    </inkml:context>
-    <inkml:brush xml:id="br0">
-      <inkml:brushProperty name="width" value="0.035" units="cm"/>
-      <inkml:brushProperty name="height" value="0.035" units="cm"/>
-      <inkml:brushProperty name="color" value="#DA0C07"/>
-      <inkml:brushProperty name="inkEffects" value="lava"/>
-      <inkml:brushProperty name="anchorX" value="-825880.625"/>
-      <inkml:brushProperty name="anchorY" value="-420860.6875"/>
-      <inkml:brushProperty name="scaleFactor" value="0.5"/>
-    </inkml:brush>
-  </inkml:definitions>
-  <inkml:trace contextRef="#ctx0" brushRef="#br0">435 17 24575,'-2'3'0,"1"0"0,2-2 0,0 2 0,1-3 0,0 1 0,3 1 0,-1-1 0,5 2 0,-5-1 0,3-1 0,-4-1 0,1 0 0,-1 1 0,8 1 0,-7-1 0,8 1 0,-2-1 0,13 1 0,-1 1 0,16-1 0,-21 0 0,27 0 0,-30 0 0,48 0 0,-39-1-531,31 0 531,-20 0-1939,17-1 1939,-11 0 0,46-2 0,-44 2 0,39-3 0,-38 3-3954,-5 0 3954,-8 0 0,-11 0-1496,7-1 1496,-3 0 0,3 0 0,8 1 0,-15 0 192,27-2-192,-20 2 0,14-2 0,-14 2 0,12-1 0,-21 1 0,14-2 0,-23 2 0,15-1 0,-17 1 1373,9-2-1373,-10 2 3974,3-1-3974,-8 1 2156,0-1-2156,-3 1 225,0 0-225,0 0 0,-2 0 0,1 0 0,-1 0 0,0 0 0,-3 0 0,2 0 0,-1 0 0,0 0 0,2 0 0,-9 0 0,10 0 0,-13 0 0,12 0 0,-14 0 0,6 0 0,-3 0 0,-9 0 0,15 0 0,-15 0 0,16 0 0,-24 0 0,20 0 0,-32 0 0,32 0 0,-37 0 0,35 0 0,-36-2 0,33 2 0,-54-2-409,46 2 409,-68-2 0,73 2 0,-67-2 0,64 2 0,-26-1 0,-2 0 0,19 1 0,-25-3 0,0 1-1863,27 1 1863,-49-2 0,42 0-6031,-32-2 6031,32 3 0,-33-2 0,54 3-1689,-37 0 1689,38 1 0,-31-2 0,32 2 0,-26-2 0,29 2 213,-17 0-213,18-1 1095,-10 1-1095,9-2 0,-7 2 0,12 0 5843,-10 0-5843,13 0 0,-4 0 0,7 0 0</inkml:trace>
-</inkml:ink>
-</file>
-
-<file path=ppt/ink/ink92.xml><?xml version="1.0" encoding="utf-8"?>
-<inkml:ink xmlns:inkml="http://www.w3.org/2003/InkML">
-  <inkml:definitions>
-    <inkml:context xml:id="ctx0">
-      <inkml:inkSource xml:id="inkSrc0">
-        <inkml:traceFormat>
-          <inkml:channel name="X" type="integer" min="-2.14748E9" max="2.14748E9" units="cm"/>
-          <inkml:channel name="Y" type="integer" min="-2.14748E9" max="2.14748E9" units="cm"/>
-          <inkml:channel name="F" type="integer" max="32767" units="dev"/>
-        </inkml:traceFormat>
-        <inkml:channelProperties>
-          <inkml:channelProperty channel="X" name="resolution" value="1000" units="1/cm"/>
-          <inkml:channelProperty channel="Y" name="resolution" value="1000" units="1/cm"/>
-          <inkml:channelProperty channel="F" name="resolution" value="0" units="1/dev"/>
-        </inkml:channelProperties>
-      </inkml:inkSource>
-      <inkml:timestamp xml:id="ts0" timeString="2024-01-15T18:16:06.287"/>
-    </inkml:context>
-    <inkml:brush xml:id="br0">
-      <inkml:brushProperty name="width" value="0.035" units="cm"/>
-      <inkml:brushProperty name="height" value="0.035" units="cm"/>
-      <inkml:brushProperty name="color" value="#DA0C07"/>
-      <inkml:brushProperty name="inkEffects" value="lava"/>
-      <inkml:brushProperty name="anchorX" value="-831641.5"/>
-      <inkml:brushProperty name="anchorY" value="-425880.03125"/>
-      <inkml:brushProperty name="scaleFactor" value="0.5"/>
-    </inkml:brush>
-  </inkml:definitions>
-  <inkml:trace contextRef="#ctx0" brushRef="#br0">1 189 24575,'3'1'0,"1"0"0,-3 0 0,2-1 0,0 0 0,0 1 0,1-1 0,-1 2 0,5-2 0,-4 0 0,7 0 0,-7 0 0,8 0 0,-6 0 0,12 0 0,-10 0 0,15 0 0,-16 0 0,16 0 0,-11 0-6784,17 0 6784,-15 0-1087,22 0 1087,-26-2 0,18 2 0,-13-1 0,13 0 0,-5 0 0,12-2 0,-16 3 0,20-4 0,-24 3-723,26-2 723,-29 2-193,24-2 193,-25 2 0,18-3 0,-18 3 5792,20-4-5792,-19 3 0,17-5 0,-18 4 0,10-4 0,-15 5 0,11-5 0,-13 4 0,4-1 0,-6 2 2662,1 1-2662,-3-1 333,2 0-333,-1-1 0,1 1 0,-1-1 0,0 0 0,-1 0 0,0 0 0,0 0 0,0 1 0,0-1 0,0 0 0,0 0 0,0-2 0,0 1 0,0-1 0,0 2 0,0-1 0,0 1 0,0-3 0,1 3 0,0-1 0,1 3 0,-2-2 0,2 2 0,-1-1 0,-1-1 0,3 3 0,-2-2 0,2 1 0,0-1 0,0 0 0,0 1 0,0-2 0,0 2 0,0-1 0,-2-1 0,2 3 0,0-2 0,0 0 0,1 0 0,-1 0 0,1 0 0,-2 0 0,2 0 0,-4-1 0,4 2 0,-3-2 0,3 1 0,-4 0 0,2 2 0,0-2 0,0 2 0,-1 0 0</inkml:trace>
-</inkml:ink>
-</file>
-
-<file path=ppt/ink/ink93.xml><?xml version="1.0" encoding="utf-8"?>
-<inkml:ink xmlns:inkml="http://www.w3.org/2003/InkML">
-  <inkml:definitions>
-    <inkml:context xml:id="ctx0">
-      <inkml:inkSource xml:id="inkSrc0">
-        <inkml:traceFormat>
-          <inkml:channel name="X" type="integer" min="-2.14748E9" max="2.14748E9" units="cm"/>
-          <inkml:channel name="Y" type="integer" min="-2.14748E9" max="2.14748E9" units="cm"/>
-          <inkml:channel name="F" type="integer" max="32767" units="dev"/>
-        </inkml:traceFormat>
-        <inkml:channelProperties>
-          <inkml:channelProperty channel="X" name="resolution" value="1000" units="1/cm"/>
-          <inkml:channelProperty channel="Y" name="resolution" value="1000" units="1/cm"/>
-          <inkml:channelProperty channel="F" name="resolution" value="0" units="1/dev"/>
-        </inkml:channelProperties>
-      </inkml:inkSource>
-      <inkml:timestamp xml:id="ts0" timeString="2024-01-15T18:16:38.663"/>
-    </inkml:context>
-    <inkml:brush xml:id="br0">
-      <inkml:brushProperty name="width" value="0.035" units="cm"/>
-      <inkml:brushProperty name="height" value="0.035" units="cm"/>
-      <inkml:brushProperty name="color" value="#DA0C07"/>
-      <inkml:brushProperty name="inkEffects" value="lava"/>
-      <inkml:brushProperty name="anchorX" value="-841702.375"/>
-      <inkml:brushProperty name="anchorY" value="-433311.40625"/>
-      <inkml:brushProperty name="scaleFactor" value="0.5"/>
-    </inkml:brush>
-  </inkml:definitions>
-  <inkml:trace contextRef="#ctx0" brushRef="#br0">446 1 24575,'-7'2'0,"-3"1"0,3 1 0,0-1 0,4-2 0,-1 1 0,-1 0 0,1 0 0,0 0 0,0 0 0,-8 2 0,4-1 0,-6 1 0,9-2 0,-4 0 0,5-1 0,-8 1 0,8-1 0,-6 1 0,4-1 0,-3 1 0,1-2 0,-3 3 0,4-3 0,-3 2 0,6-1 0,-5-1 0,5 1 0,-5 1 0,6-2 0,-5 1 0,3 1 0,-3-1 0,2 1 0,-7 2 0,7-4 0,-8 4 0,10-4 0,-6 4 0,6-3 0,-8 4 0,8-4 0,-6 3 0,6-3 0,-4 2 0,4 0 0,-10 1 0,7-1 0,-9 3 0,11-4 0,-7 3 0,9-3 0,-9 3 0,9-2 0,-7 2 0,8-3 0,-5 1 0,4 0 0,-2 3 0,3-3 0,-2 4 0,2-5 0,1 4 0,0-4 0,-1 4 0,2-1 0,-1 4 0,1-1 0,0 3 0,0-6 0,0 0 0,0 3 0,1-4 0,1 9 0,0-7 0,1 10 0,4 4 0,-3-4 0,3 3 0,-4-11 0,1 4 0,-1 0 0,5 11 0,-4-9 0,4 13 0,-5-17 0,1 8 0,-1-4 0,-1-1 0,0 1 0,-1-3 0,0 3 0,-1-3 0,0 6 0,0-2 0,-1-5 0,0 4 0,0-7 0,1-2 0,-1 7 0,0-8 0,-1 6 0,2-5 0,-3 1 0,3 1 0,-2-1 0,2-3 0,0 0 0</inkml:trace>
-</inkml:ink>
-</file>
-
-<file path=ppt/ink/ink94.xml><?xml version="1.0" encoding="utf-8"?>
-<inkml:ink xmlns:inkml="http://www.w3.org/2003/InkML">
-  <inkml:definitions>
-    <inkml:context xml:id="ctx0">
-      <inkml:inkSource xml:id="inkSrc0">
-        <inkml:traceFormat>
-          <inkml:channel name="X" type="integer" min="-2.14748E9" max="2.14748E9" units="cm"/>
-          <inkml:channel name="Y" type="integer" min="-2.14748E9" max="2.14748E9" units="cm"/>
-          <inkml:channel name="F" type="integer" max="32767" units="dev"/>
-        </inkml:traceFormat>
-        <inkml:channelProperties>
-          <inkml:channelProperty channel="X" name="resolution" value="1000" units="1/cm"/>
-          <inkml:channelProperty channel="Y" name="resolution" value="1000" units="1/cm"/>
-          <inkml:channelProperty channel="F" name="resolution" value="0" units="1/dev"/>
-        </inkml:channelProperties>
-      </inkml:inkSource>
-      <inkml:timestamp xml:id="ts0" timeString="2024-01-15T18:18:20.165"/>
-    </inkml:context>
-    <inkml:brush xml:id="br0">
-      <inkml:brushProperty name="width" value="0.035" units="cm"/>
-      <inkml:brushProperty name="height" value="0.035" units="cm"/>
-      <inkml:brushProperty name="color" value="#DA0C07"/>
-      <inkml:brushProperty name="inkEffects" value="lava"/>
-      <inkml:brushProperty name="anchorX" value="0"/>
-      <inkml:brushProperty name="anchorY" value="0"/>
-      <inkml:brushProperty name="scaleFactor" value="0.5"/>
-    </inkml:brush>
-  </inkml:definitions>
-  <inkml:trace contextRef="#ctx0" brushRef="#br0">102 1 24575,'-3'6'0,"2"-1"0,-7 12 0,-7 33 0,4-14-8503,-10 40 8503,15-50 0,-4 16-1910,1 3 1910,5-23-317,-4 28 317,6-23 0,0 21 0,1-19 0,1 28 0,1-43-3230,1 32 3230,0-35 3230,3 17-3230,1 0 3515,1-5-3515,0 5 431,-3-18-431,-1-5 6784,0-3-6784,-2-3 0,2 1 0,-3-2 0,1 2 0</inkml:trace>
-</inkml:ink>
-</file>
-
-<file path=ppt/ink/ink95.xml><?xml version="1.0" encoding="utf-8"?>
-<inkml:ink xmlns:inkml="http://www.w3.org/2003/InkML">
-  <inkml:definitions>
-    <inkml:context xml:id="ctx0">
-      <inkml:inkSource xml:id="inkSrc0">
-        <inkml:traceFormat>
-          <inkml:channel name="X" type="integer" min="-2.14748E9" max="2.14748E9" units="cm"/>
-          <inkml:channel name="Y" type="integer" min="-2.14748E9" max="2.14748E9" units="cm"/>
-          <inkml:channel name="F" type="integer" max="32767" units="dev"/>
-        </inkml:traceFormat>
-        <inkml:channelProperties>
-          <inkml:channelProperty channel="X" name="resolution" value="1000" units="1/cm"/>
-          <inkml:channelProperty channel="Y" name="resolution" value="1000" units="1/cm"/>
-          <inkml:channelProperty channel="F" name="resolution" value="0" units="1/dev"/>
-        </inkml:channelProperties>
-      </inkml:inkSource>
-      <inkml:timestamp xml:id="ts0" timeString="2024-01-15T18:18:20.540"/>
-    </inkml:context>
-    <inkml:brush xml:id="br0">
-      <inkml:brushProperty name="width" value="0.035" units="cm"/>
-      <inkml:brushProperty name="height" value="0.035" units="cm"/>
-      <inkml:brushProperty name="color" value="#DA0C07"/>
-      <inkml:brushProperty name="inkEffects" value="lava"/>
-      <inkml:brushProperty name="anchorX" value="-1577.33374"/>
-      <inkml:brushProperty name="anchorY" value="-7064.32617"/>
-      <inkml:brushProperty name="scaleFactor" value="0.5"/>
-    </inkml:brush>
-  </inkml:definitions>
-  <inkml:trace contextRef="#ctx0" brushRef="#br0">29 117 8191,'-3'6'0,"0"0"5063,1-1-5063,0 0 2818,0-2-2818,-4 15 0,4-7 0,-5 8 1719,7-8-1719,-1 5 0,1-5 6784,0 15-6784,1-15 0,-1 7 0,8 6 0,-5-13 0,14 23 0,-12-26 0,16 22 0,0-11 0,15 9 0,6-6 0,-7-7 0,-10-8 0,11-4 0,-24-3 0,31-4 0,-33 3 0,18-9 0,-15 5 0,17-11 0,-16 7 0,17-14 0,-22 15 0,11-14 0,-11 10 0,2-11 0,-3 6 0,-2-3-1131,-4 6 1131,0 3-573,-2-2 573,2 3 0,-2-1 0,0 0 0,-3-8 0,1 8 0,-2-9 0,1 11 0,0 0 0,-10-19 0,8 17 0,-15-24 0,16 28 0,-18-19 0,15 20 0,-22-17 0,20 18 1097,-13-9-1097,13 10 0,-15-3 0,12 4 0,-14-2 0,19 5 0,-17-1 0,17 1 0,-20 2 0,21-1 607,-18 7-607,17-6 0,-9 6 0,10-3 0,-3 6 0,4-6 0,-4 12 0,5-11 0,-1 9 0,3-11 0,1 1 0</inkml:trace>
-</inkml:ink>
-</file>
-
-<file path=ppt/ink/ink96.xml><?xml version="1.0" encoding="utf-8"?>
-<inkml:ink xmlns:inkml="http://www.w3.org/2003/InkML">
-  <inkml:definitions>
-    <inkml:context xml:id="ctx0">
-      <inkml:inkSource xml:id="inkSrc0">
-        <inkml:traceFormat>
-          <inkml:channel name="X" type="integer" min="-2.14748E9" max="2.14748E9" units="cm"/>
-          <inkml:channel name="Y" type="integer" min="-2.14748E9" max="2.14748E9" units="cm"/>
-          <inkml:channel name="F" type="integer" max="32767" units="dev"/>
-        </inkml:traceFormat>
-        <inkml:channelProperties>
-          <inkml:channelProperty channel="X" name="resolution" value="1000" units="1/cm"/>
-          <inkml:channelProperty channel="Y" name="resolution" value="1000" units="1/cm"/>
-          <inkml:channelProperty channel="F" name="resolution" value="0" units="1/dev"/>
-        </inkml:channelProperties>
-      </inkml:inkSource>
-      <inkml:timestamp xml:id="ts0" timeString="2024-01-15T18:18:20.756"/>
-    </inkml:context>
-    <inkml:brush xml:id="br0">
-      <inkml:brushProperty name="width" value="0.035" units="cm"/>
-      <inkml:brushProperty name="height" value="0.035" units="cm"/>
-      <inkml:brushProperty name="color" value="#DA0C07"/>
-      <inkml:brushProperty name="inkEffects" value="lava"/>
-      <inkml:brushProperty name="anchorX" value="-6043.39941"/>
-      <inkml:brushProperty name="anchorY" value="-16205.4043"/>
-      <inkml:brushProperty name="scaleFactor" value="0.5"/>
-    </inkml:brush>
-  </inkml:definitions>
-  <inkml:trace contextRef="#ctx0" brushRef="#br0">6 35 24575,'0'-7'0,"0"2"0,-1 0 0,0 2 0,0-1 0,0 1 0,0-1 0,0 2 0,1 1 0</inkml:trace>
-</inkml:ink>
-</file>
-
-<file path=ppt/ink/ink97.xml><?xml version="1.0" encoding="utf-8"?>
-<inkml:ink xmlns:inkml="http://www.w3.org/2003/InkML">
-  <inkml:definitions>
-    <inkml:context xml:id="ctx0">
-      <inkml:inkSource xml:id="inkSrc0">
-        <inkml:traceFormat>
-          <inkml:channel name="X" type="integer" min="-2.14748E9" max="2.14748E9" units="cm"/>
-          <inkml:channel name="Y" type="integer" min="-2.14748E9" max="2.14748E9" units="cm"/>
-          <inkml:channel name="F" type="integer" max="32767" units="dev"/>
-        </inkml:traceFormat>
-        <inkml:channelProperties>
-          <inkml:channelProperty channel="X" name="resolution" value="1000" units="1/cm"/>
-          <inkml:channelProperty channel="Y" name="resolution" value="1000" units="1/cm"/>
-          <inkml:channelProperty channel="F" name="resolution" value="0" units="1/dev"/>
-        </inkml:channelProperties>
-      </inkml:inkSource>
-      <inkml:timestamp xml:id="ts0" timeString="2024-01-15T18:18:21.158"/>
-    </inkml:context>
-    <inkml:brush xml:id="br0">
-      <inkml:brushProperty name="width" value="0.035" units="cm"/>
-      <inkml:brushProperty name="height" value="0.035" units="cm"/>
-      <inkml:brushProperty name="color" value="#DA0C07"/>
-      <inkml:brushProperty name="inkEffects" value="lava"/>
-      <inkml:brushProperty name="anchorX" value="-8428.6084"/>
-      <inkml:brushProperty name="anchorY" value="-23250.08203"/>
-      <inkml:brushProperty name="scaleFactor" value="0.5"/>
-    </inkml:brush>
-  </inkml:definitions>
-  <inkml:trace contextRef="#ctx0" brushRef="#br0">151 87 8191,'-3'5'0,"-2"2"5063,1-3-5063,-1 3 0,2-1 0,0-1 2818,1 0-2818,-6 9 0,5-6 1719,-5 6-1719,5-3 0,2-5 6784,-4 17-6784,5-13 0,-2 16 0,2-16 0,6 12 0,-4-14-6784,10 16 6784,-8-18 0,9 11 0,-6-11 0,13 7 0,-10-7-4537,17 3 4537,-18-6 0,8 0-210,-11-2 210,0-1 4433,0 0-4433,-1 0 0,1 0 0,9-1 0,-7 1 0,17-8 0,-17 6 6629,13-9-6629,-14 5 0,12-7 0,-13 4 469,11-12-469,-11 9 0,2-6 0,-5 8 0,0-7 0,-3 9 0,0-17 0,-2 17 0,-2-14 0,-3 3 0,1 2 0,-3-5 0,-1 8 0,3 3 0,-12-10 0,12 14 0,-18-13 0,17 15 0,-19-10 0,18 10 0,-22-6 0,19 9 0,-14-3 0,13 4-6784,-13 1 6784,14 1-511,-20 5 511,23-3 0,-18 7 0,20-6 0,-13 9 0,15-8 0,-12 10 0,12-6 0,-4 5 0,5-3 0,3 7 0,-1-9 0,8 14 0,-5-20 0,4 8 0</inkml:trace>
-</inkml:ink>
-</file>
-
-<file path=ppt/ink/ink98.xml><?xml version="1.0" encoding="utf-8"?>
-<inkml:ink xmlns:inkml="http://www.w3.org/2003/InkML">
-  <inkml:definitions>
-    <inkml:context xml:id="ctx0">
-      <inkml:inkSource xml:id="inkSrc0">
-        <inkml:traceFormat>
-          <inkml:channel name="X" type="integer" min="-2.14748E9" max="2.14748E9" units="cm"/>
-          <inkml:channel name="Y" type="integer" min="-2.14748E9" max="2.14748E9" units="cm"/>
-          <inkml:channel name="F" type="integer" max="32767" units="dev"/>
-        </inkml:traceFormat>
-        <inkml:channelProperties>
-          <inkml:channelProperty channel="X" name="resolution" value="1000" units="1/cm"/>
-          <inkml:channelProperty channel="Y" name="resolution" value="1000" units="1/cm"/>
-          <inkml:channelProperty channel="F" name="resolution" value="0" units="1/dev"/>
-        </inkml:channelProperties>
-      </inkml:inkSource>
-      <inkml:timestamp xml:id="ts0" timeString="2024-01-15T18:18:21.519"/>
-    </inkml:context>
-    <inkml:brush xml:id="br0">
-      <inkml:brushProperty name="width" value="0.035" units="cm"/>
-      <inkml:brushProperty name="height" value="0.035" units="cm"/>
-      <inkml:brushProperty name="color" value="#DA0C07"/>
-      <inkml:brushProperty name="inkEffects" value="lava"/>
-      <inkml:brushProperty name="anchorX" value="-11045.54004"/>
-      <inkml:brushProperty name="anchorY" value="-30139.77344"/>
-      <inkml:brushProperty name="scaleFactor" value="0.5"/>
-    </inkml:brush>
-  </inkml:definitions>
-  <inkml:trace contextRef="#ctx0" brushRef="#br0">6 106 8191,'-2'6'0,"0"2"5063,1-4-5063,0 2 0,1 5 0,0-5 2818,0 10-2818,0-12 0,1 6 1719,1-5-1719,2 8 6784,1-1-6784,0 3 0,0-7 0,-1-1 0,-1-4 0,0 2 0,1 0 0,0-2 0,10 11 0,-6-10 0,15 12 0,-16-12 0,17 6 0,-18-7 0,18 2 0,-13-3 0,5 1 0,0-3 0,-5 0 0,17-4 0,-3-3 0,-4 0-6784,4-7 6784,-20 9-2044,12-11 2044,-14 11 0,8-12 0,-8 9 0,2-10 0,-2 8 0,-1-3 0,-1-2 0,-1 6 5772,-1-17-5772,-5 9 0,4-3 0,-10-3 0,10 16 3056,-9-12-3056,7 13 0,-7-8 0,4 7 0,-9-5 0,10 8-6784,-12-3 6784,14 6 0,-8-1 0,9 2 0,-1 0 0,1 0 0,-4 0 0,2 1 0,-9 2 0,8 0 6784,-11 5-6784,10-3 0,-10 7 0,8-4 0,-8 9 0,11-7 0,-5 8 0,8-9 0,-2 14 0,5-15 0,1 16 0,1-15 0,5 9 0,-4-9 0,2-1 0,-4-5 0</inkml:trace>
-</inkml:ink>
-</file>
-
-<file path=ppt/ink/ink99.xml><?xml version="1.0" encoding="utf-8"?>
-<inkml:ink xmlns:inkml="http://www.w3.org/2003/InkML">
-  <inkml:definitions>
-    <inkml:context xml:id="ctx0">
-      <inkml:inkSource xml:id="inkSrc0">
-        <inkml:traceFormat>
-          <inkml:channel name="X" type="integer" min="-2.14748E9" max="2.14748E9" units="cm"/>
-          <inkml:channel name="Y" type="integer" min="-2.14748E9" max="2.14748E9" units="cm"/>
-          <inkml:channel name="F" type="integer" max="32767" units="dev"/>
-        </inkml:traceFormat>
-        <inkml:channelProperties>
-          <inkml:channelProperty channel="X" name="resolution" value="1000" units="1/cm"/>
-          <inkml:channelProperty channel="Y" name="resolution" value="1000" units="1/cm"/>
-          <inkml:channelProperty channel="F" name="resolution" value="0" units="1/dev"/>
-        </inkml:channelProperties>
-      </inkml:inkSource>
-      <inkml:timestamp xml:id="ts0" timeString="2024-01-15T18:18:21.832"/>
-    </inkml:context>
-    <inkml:brush xml:id="br0">
-      <inkml:brushProperty name="width" value="0.035" units="cm"/>
-      <inkml:brushProperty name="height" value="0.035" units="cm"/>
-      <inkml:brushProperty name="color" value="#DA0C07"/>
-      <inkml:brushProperty name="inkEffects" value="lava"/>
-      <inkml:brushProperty name="anchorX" value="-16731.45898"/>
-      <inkml:brushProperty name="anchorY" value="-39681.44141"/>
-      <inkml:brushProperty name="scaleFactor" value="0.5"/>
-    </inkml:brush>
-  </inkml:definitions>
-  <inkml:trace contextRef="#ctx0" brushRef="#br0">3 192 24575,'-2'3'0,"1"0"0,1 0 0,0 0 0,0 0 0,1 7 0,0-5 0,3 9 0,5 0 0,-1-4 0,15 13 0,-14-17 0,28 17 0,-24-17 0,40 14 0,-32-14-1725,38 8 1725,-29-8 0,43 5 0,-26-8 0,3 0 0,1-1 0,-5-4 0,10-3 0,-1 0 0,-24 0 0,23-6 0,-1-2 0,-27 8 0,57-24 0,-66 23 0,26-17 0,-30 15 0,6-13 0,-11 9 0,3-15 0,-9 15 0,-1-18 0,-3 22 0,-8-23 0,4 21 978,-5-9-978,6 13 0,-2-4 0,-2 2 0,-5-4 0,2 5 0,-9-6 0,7 6-6037,-24-7 6037,22 10-3788,-35-8 3788,36 11-3282,-38-5 3282,37 6-2195,-32 0 2195,34 0 2195,-20 4-2195,16 1 0,-7 2 0,8 1 2533,1-1-2533,-1 6 0,8-5 4034,-6 5-4034,11-8 0,-2 2 0,3-3 1633,-5 10 1,6-9 0,-3 4 0</inkml:trace>
 </inkml:ink>
 </file>
 
@@ -6024,7 +2662,7 @@
           <a:p>
             <a:fld id="{9333598D-5CB0-4442-8EE9-5C9DA07BC8EE}" type="datetimeFigureOut">
               <a:rPr lang="en-CH" smtClean="0"/>
-              <a:t>15.01.2024</a:t>
+              <a:t>28.01.2024</a:t>
             </a:fld>
             <a:endParaRPr lang="en-CH"/>
           </a:p>
@@ -6234,7 +2872,7 @@
           <a:p>
             <a:fld id="{9333598D-5CB0-4442-8EE9-5C9DA07BC8EE}" type="datetimeFigureOut">
               <a:rPr lang="en-CH" smtClean="0"/>
-              <a:t>15.01.2024</a:t>
+              <a:t>28.01.2024</a:t>
             </a:fld>
             <a:endParaRPr lang="en-CH"/>
           </a:p>
@@ -6454,7 +3092,7 @@
           <a:p>
             <a:fld id="{9333598D-5CB0-4442-8EE9-5C9DA07BC8EE}" type="datetimeFigureOut">
               <a:rPr lang="en-CH" smtClean="0"/>
-              <a:t>15.01.2024</a:t>
+              <a:t>28.01.2024</a:t>
             </a:fld>
             <a:endParaRPr lang="en-CH"/>
           </a:p>
@@ -6664,7 +3302,7 @@
           <a:p>
             <a:fld id="{9333598D-5CB0-4442-8EE9-5C9DA07BC8EE}" type="datetimeFigureOut">
               <a:rPr lang="en-CH" smtClean="0"/>
-              <a:t>15.01.2024</a:t>
+              <a:t>28.01.2024</a:t>
             </a:fld>
             <a:endParaRPr lang="en-CH"/>
           </a:p>
@@ -6950,7 +3588,7 @@
           <a:p>
             <a:fld id="{9333598D-5CB0-4442-8EE9-5C9DA07BC8EE}" type="datetimeFigureOut">
               <a:rPr lang="en-CH" smtClean="0"/>
-              <a:t>15.01.2024</a:t>
+              <a:t>28.01.2024</a:t>
             </a:fld>
             <a:endParaRPr lang="en-CH"/>
           </a:p>
@@ -7228,7 +3866,7 @@
           <a:p>
             <a:fld id="{9333598D-5CB0-4442-8EE9-5C9DA07BC8EE}" type="datetimeFigureOut">
               <a:rPr lang="en-CH" smtClean="0"/>
-              <a:t>15.01.2024</a:t>
+              <a:t>28.01.2024</a:t>
             </a:fld>
             <a:endParaRPr lang="en-CH"/>
           </a:p>
@@ -7653,7 +4291,7 @@
           <a:p>
             <a:fld id="{9333598D-5CB0-4442-8EE9-5C9DA07BC8EE}" type="datetimeFigureOut">
               <a:rPr lang="en-CH" smtClean="0"/>
-              <a:t>15.01.2024</a:t>
+              <a:t>28.01.2024</a:t>
             </a:fld>
             <a:endParaRPr lang="en-CH"/>
           </a:p>
@@ -7805,7 +4443,7 @@
           <a:p>
             <a:fld id="{9333598D-5CB0-4442-8EE9-5C9DA07BC8EE}" type="datetimeFigureOut">
               <a:rPr lang="en-CH" smtClean="0"/>
-              <a:t>15.01.2024</a:t>
+              <a:t>28.01.2024</a:t>
             </a:fld>
             <a:endParaRPr lang="en-CH"/>
           </a:p>
@@ -7928,7 +4566,7 @@
           <a:p>
             <a:fld id="{9333598D-5CB0-4442-8EE9-5C9DA07BC8EE}" type="datetimeFigureOut">
               <a:rPr lang="en-CH" smtClean="0"/>
-              <a:t>15.01.2024</a:t>
+              <a:t>28.01.2024</a:t>
             </a:fld>
             <a:endParaRPr lang="en-CH"/>
           </a:p>
@@ -8250,7 +4888,7 @@
           <a:p>
             <a:fld id="{9333598D-5CB0-4442-8EE9-5C9DA07BC8EE}" type="datetimeFigureOut">
               <a:rPr lang="en-CH" smtClean="0"/>
-              <a:t>15.01.2024</a:t>
+              <a:t>28.01.2024</a:t>
             </a:fld>
             <a:endParaRPr lang="en-CH"/>
           </a:p>
@@ -8549,7 +5187,7 @@
           <a:p>
             <a:fld id="{9333598D-5CB0-4442-8EE9-5C9DA07BC8EE}" type="datetimeFigureOut">
               <a:rPr lang="en-CH" smtClean="0"/>
-              <a:t>15.01.2024</a:t>
+              <a:t>28.01.2024</a:t>
             </a:fld>
             <a:endParaRPr lang="en-CH"/>
           </a:p>
@@ -8802,7 +5440,7 @@
           <a:p>
             <a:fld id="{9333598D-5CB0-4442-8EE9-5C9DA07BC8EE}" type="datetimeFigureOut">
               <a:rPr lang="en-CH" smtClean="0"/>
-              <a:t>15.01.2024</a:t>
+              <a:t>28.01.2024</a:t>
             </a:fld>
             <a:endParaRPr lang="en-CH"/>
           </a:p>
@@ -23125,1815 +19763,9 @@
           </a:p>
         </p:txBody>
       </p:sp>
-      <p:grpSp>
-        <p:nvGrpSpPr>
-          <p:cNvPr id="38" name="Group 37">
-            <a:extLst>
-              <a:ext uri="{FF2B5EF4-FFF2-40B4-BE49-F238E27FC236}">
-                <a16:creationId xmlns:a16="http://schemas.microsoft.com/office/drawing/2014/main" id="{C8D36D35-84F6-CE30-9960-D70AF53A15BD}"/>
-              </a:ext>
-            </a:extLst>
-          </p:cNvPr>
-          <p:cNvGrpSpPr/>
-          <p:nvPr/>
-        </p:nvGrpSpPr>
-        <p:grpSpPr>
-          <a:xfrm>
-            <a:off x="1507425" y="3353127"/>
-            <a:ext cx="8119080" cy="1567080"/>
-            <a:chOff x="1507425" y="3353127"/>
-            <a:chExt cx="8119080" cy="1567080"/>
-          </a:xfrm>
-        </p:grpSpPr>
-        <mc:AlternateContent xmlns:mc="http://schemas.openxmlformats.org/markup-compatibility/2006">
-          <mc:Choice xmlns:p14="http://schemas.microsoft.com/office/powerpoint/2010/main" xmlns:aink="http://schemas.microsoft.com/office/drawing/2016/ink" Requires="p14 aink">
-            <p:contentPart p14:bwMode="auto" r:id="rId3">
-              <p14:nvContentPartPr>
-                <p14:cNvPr id="2" name="Ink 1">
-                  <a:extLst>
-                    <a:ext uri="{FF2B5EF4-FFF2-40B4-BE49-F238E27FC236}">
-                      <a16:creationId xmlns:a16="http://schemas.microsoft.com/office/drawing/2014/main" id="{C43695A8-A077-7691-3D6E-CE9DBC416A65}"/>
-                    </a:ext>
-                  </a:extLst>
-                </p14:cNvPr>
-                <p14:cNvContentPartPr/>
-                <p14:nvPr/>
-              </p14:nvContentPartPr>
-              <p14:xfrm>
-                <a:off x="1507425" y="4123887"/>
-                <a:ext cx="42120" cy="466200"/>
-              </p14:xfrm>
-            </p:contentPart>
-          </mc:Choice>
-          <mc:Fallback>
-            <p:pic>
-              <p:nvPicPr>
-                <p:cNvPr id="2" name="Ink 1">
-                  <a:extLst>
-                    <a:ext uri="{FF2B5EF4-FFF2-40B4-BE49-F238E27FC236}">
-                      <a16:creationId xmlns:a16="http://schemas.microsoft.com/office/drawing/2014/main" id="{C43695A8-A077-7691-3D6E-CE9DBC416A65}"/>
-                    </a:ext>
-                  </a:extLst>
-                </p:cNvPr>
-                <p:cNvPicPr/>
-                <p:nvPr/>
-              </p:nvPicPr>
-              <p:blipFill>
-                <a:blip r:embed="rId4"/>
-                <a:stretch>
-                  <a:fillRect/>
-                </a:stretch>
-              </p:blipFill>
-              <p:spPr>
-                <a:xfrm>
-                  <a:off x="1501305" y="4117767"/>
-                  <a:ext cx="54360" cy="478440"/>
-                </a:xfrm>
-                <a:prstGeom prst="rect">
-                  <a:avLst/>
-                </a:prstGeom>
-              </p:spPr>
-            </p:pic>
-          </mc:Fallback>
-        </mc:AlternateContent>
-        <mc:AlternateContent xmlns:mc="http://schemas.openxmlformats.org/markup-compatibility/2006">
-          <mc:Choice xmlns:p14="http://schemas.microsoft.com/office/powerpoint/2010/main" xmlns:aink="http://schemas.microsoft.com/office/drawing/2016/ink" Requires="p14 aink">
-            <p:contentPart p14:bwMode="auto" r:id="rId5">
-              <p14:nvContentPartPr>
-                <p14:cNvPr id="3" name="Ink 2">
-                  <a:extLst>
-                    <a:ext uri="{FF2B5EF4-FFF2-40B4-BE49-F238E27FC236}">
-                      <a16:creationId xmlns:a16="http://schemas.microsoft.com/office/drawing/2014/main" id="{5BD279C6-7DEC-51AA-2EFC-9F7BC97579D7}"/>
-                    </a:ext>
-                  </a:extLst>
-                </p14:cNvPr>
-                <p14:cNvContentPartPr/>
-                <p14:nvPr/>
-              </p14:nvContentPartPr>
-              <p14:xfrm>
-                <a:off x="1568625" y="4095447"/>
-                <a:ext cx="991080" cy="801720"/>
-              </p14:xfrm>
-            </p:contentPart>
-          </mc:Choice>
-          <mc:Fallback>
-            <p:pic>
-              <p:nvPicPr>
-                <p:cNvPr id="3" name="Ink 2">
-                  <a:extLst>
-                    <a:ext uri="{FF2B5EF4-FFF2-40B4-BE49-F238E27FC236}">
-                      <a16:creationId xmlns:a16="http://schemas.microsoft.com/office/drawing/2014/main" id="{5BD279C6-7DEC-51AA-2EFC-9F7BC97579D7}"/>
-                    </a:ext>
-                  </a:extLst>
-                </p:cNvPr>
-                <p:cNvPicPr/>
-                <p:nvPr/>
-              </p:nvPicPr>
-              <p:blipFill>
-                <a:blip r:embed="rId6"/>
-                <a:stretch>
-                  <a:fillRect/>
-                </a:stretch>
-              </p:blipFill>
-              <p:spPr>
-                <a:xfrm>
-                  <a:off x="1562505" y="4089327"/>
-                  <a:ext cx="1003320" cy="813960"/>
-                </a:xfrm>
-                <a:prstGeom prst="rect">
-                  <a:avLst/>
-                </a:prstGeom>
-              </p:spPr>
-            </p:pic>
-          </mc:Fallback>
-        </mc:AlternateContent>
-        <mc:AlternateContent xmlns:mc="http://schemas.openxmlformats.org/markup-compatibility/2006">
-          <mc:Choice xmlns:p14="http://schemas.microsoft.com/office/powerpoint/2010/main" xmlns:aink="http://schemas.microsoft.com/office/drawing/2016/ink" Requires="p14 aink">
-            <p:contentPart p14:bwMode="auto" r:id="rId7">
-              <p14:nvContentPartPr>
-                <p14:cNvPr id="4" name="Ink 3">
-                  <a:extLst>
-                    <a:ext uri="{FF2B5EF4-FFF2-40B4-BE49-F238E27FC236}">
-                      <a16:creationId xmlns:a16="http://schemas.microsoft.com/office/drawing/2014/main" id="{A543512E-FE1E-08D1-A110-2D1BC63EC811}"/>
-                    </a:ext>
-                  </a:extLst>
-                </p14:cNvPr>
-                <p14:cNvContentPartPr/>
-                <p14:nvPr/>
-              </p14:nvContentPartPr>
-              <p14:xfrm>
-                <a:off x="2533785" y="4492527"/>
-                <a:ext cx="1020600" cy="20880"/>
-              </p14:xfrm>
-            </p:contentPart>
-          </mc:Choice>
-          <mc:Fallback>
-            <p:pic>
-              <p:nvPicPr>
-                <p:cNvPr id="4" name="Ink 3">
-                  <a:extLst>
-                    <a:ext uri="{FF2B5EF4-FFF2-40B4-BE49-F238E27FC236}">
-                      <a16:creationId xmlns:a16="http://schemas.microsoft.com/office/drawing/2014/main" id="{A543512E-FE1E-08D1-A110-2D1BC63EC811}"/>
-                    </a:ext>
-                  </a:extLst>
-                </p:cNvPr>
-                <p:cNvPicPr/>
-                <p:nvPr/>
-              </p:nvPicPr>
-              <p:blipFill>
-                <a:blip r:embed="rId8"/>
-                <a:stretch>
-                  <a:fillRect/>
-                </a:stretch>
-              </p:blipFill>
-              <p:spPr>
-                <a:xfrm>
-                  <a:off x="2527665" y="4486407"/>
-                  <a:ext cx="1032840" cy="33120"/>
-                </a:xfrm>
-                <a:prstGeom prst="rect">
-                  <a:avLst/>
-                </a:prstGeom>
-              </p:spPr>
-            </p:pic>
-          </mc:Fallback>
-        </mc:AlternateContent>
-        <mc:AlternateContent xmlns:mc="http://schemas.openxmlformats.org/markup-compatibility/2006">
-          <mc:Choice xmlns:p14="http://schemas.microsoft.com/office/powerpoint/2010/main" xmlns:aink="http://schemas.microsoft.com/office/drawing/2016/ink" Requires="p14 aink">
-            <p:contentPart p14:bwMode="auto" r:id="rId9">
-              <p14:nvContentPartPr>
-                <p14:cNvPr id="5" name="Ink 4">
-                  <a:extLst>
-                    <a:ext uri="{FF2B5EF4-FFF2-40B4-BE49-F238E27FC236}">
-                      <a16:creationId xmlns:a16="http://schemas.microsoft.com/office/drawing/2014/main" id="{86799A06-C71A-3CC1-7639-D2B4F36A0FBD}"/>
-                    </a:ext>
-                  </a:extLst>
-                </p14:cNvPr>
-                <p14:cNvContentPartPr/>
-                <p14:nvPr/>
-              </p14:nvContentPartPr>
-              <p14:xfrm>
-                <a:off x="3165945" y="4338087"/>
-                <a:ext cx="747360" cy="310680"/>
-              </p14:xfrm>
-            </p:contentPart>
-          </mc:Choice>
-          <mc:Fallback>
-            <p:pic>
-              <p:nvPicPr>
-                <p:cNvPr id="5" name="Ink 4">
-                  <a:extLst>
-                    <a:ext uri="{FF2B5EF4-FFF2-40B4-BE49-F238E27FC236}">
-                      <a16:creationId xmlns:a16="http://schemas.microsoft.com/office/drawing/2014/main" id="{86799A06-C71A-3CC1-7639-D2B4F36A0FBD}"/>
-                    </a:ext>
-                  </a:extLst>
-                </p:cNvPr>
-                <p:cNvPicPr/>
-                <p:nvPr/>
-              </p:nvPicPr>
-              <p:blipFill>
-                <a:blip r:embed="rId10"/>
-                <a:stretch>
-                  <a:fillRect/>
-                </a:stretch>
-              </p:blipFill>
-              <p:spPr>
-                <a:xfrm>
-                  <a:off x="3159825" y="4331967"/>
-                  <a:ext cx="759600" cy="322920"/>
-                </a:xfrm>
-                <a:prstGeom prst="rect">
-                  <a:avLst/>
-                </a:prstGeom>
-              </p:spPr>
-            </p:pic>
-          </mc:Fallback>
-        </mc:AlternateContent>
-        <mc:AlternateContent xmlns:mc="http://schemas.openxmlformats.org/markup-compatibility/2006">
-          <mc:Choice xmlns:p14="http://schemas.microsoft.com/office/powerpoint/2010/main" xmlns:aink="http://schemas.microsoft.com/office/drawing/2016/ink" Requires="p14 aink">
-            <p:contentPart p14:bwMode="auto" r:id="rId11">
-              <p14:nvContentPartPr>
-                <p14:cNvPr id="6" name="Ink 5">
-                  <a:extLst>
-                    <a:ext uri="{FF2B5EF4-FFF2-40B4-BE49-F238E27FC236}">
-                      <a16:creationId xmlns:a16="http://schemas.microsoft.com/office/drawing/2014/main" id="{652E5926-4E32-ED0E-69C1-D3B89B1B911C}"/>
-                    </a:ext>
-                  </a:extLst>
-                </p14:cNvPr>
-                <p14:cNvContentPartPr/>
-                <p14:nvPr/>
-              </p14:nvContentPartPr>
-              <p14:xfrm>
-                <a:off x="2519025" y="4419807"/>
-                <a:ext cx="432720" cy="97560"/>
-              </p14:xfrm>
-            </p:contentPart>
-          </mc:Choice>
-          <mc:Fallback>
-            <p:pic>
-              <p:nvPicPr>
-                <p:cNvPr id="6" name="Ink 5">
-                  <a:extLst>
-                    <a:ext uri="{FF2B5EF4-FFF2-40B4-BE49-F238E27FC236}">
-                      <a16:creationId xmlns:a16="http://schemas.microsoft.com/office/drawing/2014/main" id="{652E5926-4E32-ED0E-69C1-D3B89B1B911C}"/>
-                    </a:ext>
-                  </a:extLst>
-                </p:cNvPr>
-                <p:cNvPicPr/>
-                <p:nvPr/>
-              </p:nvPicPr>
-              <p:blipFill>
-                <a:blip r:embed="rId12"/>
-                <a:stretch>
-                  <a:fillRect/>
-                </a:stretch>
-              </p:blipFill>
-              <p:spPr>
-                <a:xfrm>
-                  <a:off x="2512905" y="4413687"/>
-                  <a:ext cx="444960" cy="109800"/>
-                </a:xfrm>
-                <a:prstGeom prst="rect">
-                  <a:avLst/>
-                </a:prstGeom>
-              </p:spPr>
-            </p:pic>
-          </mc:Fallback>
-        </mc:AlternateContent>
-        <mc:AlternateContent xmlns:mc="http://schemas.openxmlformats.org/markup-compatibility/2006">
-          <mc:Choice xmlns:p14="http://schemas.microsoft.com/office/powerpoint/2010/main" xmlns:aink="http://schemas.microsoft.com/office/drawing/2016/ink" Requires="p14 aink">
-            <p:contentPart p14:bwMode="auto" r:id="rId13">
-              <p14:nvContentPartPr>
-                <p14:cNvPr id="7" name="Ink 6">
-                  <a:extLst>
-                    <a:ext uri="{FF2B5EF4-FFF2-40B4-BE49-F238E27FC236}">
-                      <a16:creationId xmlns:a16="http://schemas.microsoft.com/office/drawing/2014/main" id="{E3F63B37-3DC1-4540-B30B-6C6C63734A1F}"/>
-                    </a:ext>
-                  </a:extLst>
-                </p14:cNvPr>
-                <p14:cNvContentPartPr/>
-                <p14:nvPr/>
-              </p14:nvContentPartPr>
-              <p14:xfrm>
-                <a:off x="4157385" y="4265727"/>
-                <a:ext cx="28800" cy="554760"/>
-              </p14:xfrm>
-            </p:contentPart>
-          </mc:Choice>
-          <mc:Fallback>
-            <p:pic>
-              <p:nvPicPr>
-                <p:cNvPr id="7" name="Ink 6">
-                  <a:extLst>
-                    <a:ext uri="{FF2B5EF4-FFF2-40B4-BE49-F238E27FC236}">
-                      <a16:creationId xmlns:a16="http://schemas.microsoft.com/office/drawing/2014/main" id="{E3F63B37-3DC1-4540-B30B-6C6C63734A1F}"/>
-                    </a:ext>
-                  </a:extLst>
-                </p:cNvPr>
-                <p:cNvPicPr/>
-                <p:nvPr/>
-              </p:nvPicPr>
-              <p:blipFill>
-                <a:blip r:embed="rId14"/>
-                <a:stretch>
-                  <a:fillRect/>
-                </a:stretch>
-              </p:blipFill>
-              <p:spPr>
-                <a:xfrm>
-                  <a:off x="4151265" y="4259607"/>
-                  <a:ext cx="41040" cy="567000"/>
-                </a:xfrm>
-                <a:prstGeom prst="rect">
-                  <a:avLst/>
-                </a:prstGeom>
-              </p:spPr>
-            </p:pic>
-          </mc:Fallback>
-        </mc:AlternateContent>
-        <mc:AlternateContent xmlns:mc="http://schemas.openxmlformats.org/markup-compatibility/2006">
-          <mc:Choice xmlns:p14="http://schemas.microsoft.com/office/powerpoint/2010/main" xmlns:aink="http://schemas.microsoft.com/office/drawing/2016/ink" Requires="p14 aink">
-            <p:contentPart p14:bwMode="auto" r:id="rId15">
-              <p14:nvContentPartPr>
-                <p14:cNvPr id="8" name="Ink 7">
-                  <a:extLst>
-                    <a:ext uri="{FF2B5EF4-FFF2-40B4-BE49-F238E27FC236}">
-                      <a16:creationId xmlns:a16="http://schemas.microsoft.com/office/drawing/2014/main" id="{A6F4333E-B618-4F21-CED4-A2751B8C9365}"/>
-                    </a:ext>
-                  </a:extLst>
-                </p14:cNvPr>
-                <p14:cNvContentPartPr/>
-                <p14:nvPr/>
-              </p14:nvContentPartPr>
-              <p14:xfrm>
-                <a:off x="4232625" y="4223967"/>
-                <a:ext cx="576000" cy="458640"/>
-              </p14:xfrm>
-            </p:contentPart>
-          </mc:Choice>
-          <mc:Fallback>
-            <p:pic>
-              <p:nvPicPr>
-                <p:cNvPr id="8" name="Ink 7">
-                  <a:extLst>
-                    <a:ext uri="{FF2B5EF4-FFF2-40B4-BE49-F238E27FC236}">
-                      <a16:creationId xmlns:a16="http://schemas.microsoft.com/office/drawing/2014/main" id="{A6F4333E-B618-4F21-CED4-A2751B8C9365}"/>
-                    </a:ext>
-                  </a:extLst>
-                </p:cNvPr>
-                <p:cNvPicPr/>
-                <p:nvPr/>
-              </p:nvPicPr>
-              <p:blipFill>
-                <a:blip r:embed="rId16"/>
-                <a:stretch>
-                  <a:fillRect/>
-                </a:stretch>
-              </p:blipFill>
-              <p:spPr>
-                <a:xfrm>
-                  <a:off x="4226505" y="4217847"/>
-                  <a:ext cx="588240" cy="470880"/>
-                </a:xfrm>
-                <a:prstGeom prst="rect">
-                  <a:avLst/>
-                </a:prstGeom>
-              </p:spPr>
-            </p:pic>
-          </mc:Fallback>
-        </mc:AlternateContent>
-        <mc:AlternateContent xmlns:mc="http://schemas.openxmlformats.org/markup-compatibility/2006">
-          <mc:Choice xmlns:p14="http://schemas.microsoft.com/office/powerpoint/2010/main" xmlns:aink="http://schemas.microsoft.com/office/drawing/2016/ink" Requires="p14 aink">
-            <p:contentPart p14:bwMode="auto" r:id="rId17">
-              <p14:nvContentPartPr>
-                <p14:cNvPr id="9" name="Ink 8">
-                  <a:extLst>
-                    <a:ext uri="{FF2B5EF4-FFF2-40B4-BE49-F238E27FC236}">
-                      <a16:creationId xmlns:a16="http://schemas.microsoft.com/office/drawing/2014/main" id="{9CEF53DD-ED65-9977-A5C3-183B6F31340D}"/>
-                    </a:ext>
-                  </a:extLst>
-                </p14:cNvPr>
-                <p14:cNvContentPartPr/>
-                <p14:nvPr/>
-              </p14:nvContentPartPr>
-              <p14:xfrm>
-                <a:off x="4391385" y="4324407"/>
-                <a:ext cx="102960" cy="119880"/>
-              </p14:xfrm>
-            </p:contentPart>
-          </mc:Choice>
-          <mc:Fallback>
-            <p:pic>
-              <p:nvPicPr>
-                <p:cNvPr id="9" name="Ink 8">
-                  <a:extLst>
-                    <a:ext uri="{FF2B5EF4-FFF2-40B4-BE49-F238E27FC236}">
-                      <a16:creationId xmlns:a16="http://schemas.microsoft.com/office/drawing/2014/main" id="{9CEF53DD-ED65-9977-A5C3-183B6F31340D}"/>
-                    </a:ext>
-                  </a:extLst>
-                </p:cNvPr>
-                <p:cNvPicPr/>
-                <p:nvPr/>
-              </p:nvPicPr>
-              <p:blipFill>
-                <a:blip r:embed="rId18"/>
-                <a:stretch>
-                  <a:fillRect/>
-                </a:stretch>
-              </p:blipFill>
-              <p:spPr>
-                <a:xfrm>
-                  <a:off x="4385265" y="4318287"/>
-                  <a:ext cx="115200" cy="132120"/>
-                </a:xfrm>
-                <a:prstGeom prst="rect">
-                  <a:avLst/>
-                </a:prstGeom>
-              </p:spPr>
-            </p:pic>
-          </mc:Fallback>
-        </mc:AlternateContent>
-        <mc:AlternateContent xmlns:mc="http://schemas.openxmlformats.org/markup-compatibility/2006">
-          <mc:Choice xmlns:p14="http://schemas.microsoft.com/office/powerpoint/2010/main" xmlns:aink="http://schemas.microsoft.com/office/drawing/2016/ink" Requires="p14 aink">
-            <p:contentPart p14:bwMode="auto" r:id="rId19">
-              <p14:nvContentPartPr>
-                <p14:cNvPr id="10" name="Ink 9">
-                  <a:extLst>
-                    <a:ext uri="{FF2B5EF4-FFF2-40B4-BE49-F238E27FC236}">
-                      <a16:creationId xmlns:a16="http://schemas.microsoft.com/office/drawing/2014/main" id="{993E7BB8-F997-B539-500A-A67572088601}"/>
-                    </a:ext>
-                  </a:extLst>
-                </p14:cNvPr>
-                <p14:cNvContentPartPr/>
-                <p14:nvPr/>
-              </p14:nvContentPartPr>
-              <p14:xfrm>
-                <a:off x="4283025" y="4335567"/>
-                <a:ext cx="250200" cy="147240"/>
-              </p14:xfrm>
-            </p:contentPart>
-          </mc:Choice>
-          <mc:Fallback>
-            <p:pic>
-              <p:nvPicPr>
-                <p:cNvPr id="10" name="Ink 9">
-                  <a:extLst>
-                    <a:ext uri="{FF2B5EF4-FFF2-40B4-BE49-F238E27FC236}">
-                      <a16:creationId xmlns:a16="http://schemas.microsoft.com/office/drawing/2014/main" id="{993E7BB8-F997-B539-500A-A67572088601}"/>
-                    </a:ext>
-                  </a:extLst>
-                </p:cNvPr>
-                <p:cNvPicPr/>
-                <p:nvPr/>
-              </p:nvPicPr>
-              <p:blipFill>
-                <a:blip r:embed="rId20"/>
-                <a:stretch>
-                  <a:fillRect/>
-                </a:stretch>
-              </p:blipFill>
-              <p:spPr>
-                <a:xfrm>
-                  <a:off x="4276905" y="4329447"/>
-                  <a:ext cx="262440" cy="159480"/>
-                </a:xfrm>
-                <a:prstGeom prst="rect">
-                  <a:avLst/>
-                </a:prstGeom>
-              </p:spPr>
-            </p:pic>
-          </mc:Fallback>
-        </mc:AlternateContent>
-        <mc:AlternateContent xmlns:mc="http://schemas.openxmlformats.org/markup-compatibility/2006">
-          <mc:Choice xmlns:p14="http://schemas.microsoft.com/office/powerpoint/2010/main" xmlns:aink="http://schemas.microsoft.com/office/drawing/2016/ink" Requires="p14 aink">
-            <p:contentPart p14:bwMode="auto" r:id="rId21">
-              <p14:nvContentPartPr>
-                <p14:cNvPr id="11" name="Ink 10">
-                  <a:extLst>
-                    <a:ext uri="{FF2B5EF4-FFF2-40B4-BE49-F238E27FC236}">
-                      <a16:creationId xmlns:a16="http://schemas.microsoft.com/office/drawing/2014/main" id="{87F67AC4-778A-E666-1D7B-1F912FDE1E73}"/>
-                    </a:ext>
-                  </a:extLst>
-                </p14:cNvPr>
-                <p14:cNvContentPartPr/>
-                <p14:nvPr/>
-              </p14:nvContentPartPr>
-              <p14:xfrm>
-                <a:off x="4353225" y="4045767"/>
-                <a:ext cx="114840" cy="99000"/>
-              </p14:xfrm>
-            </p:contentPart>
-          </mc:Choice>
-          <mc:Fallback>
-            <p:pic>
-              <p:nvPicPr>
-                <p:cNvPr id="11" name="Ink 10">
-                  <a:extLst>
-                    <a:ext uri="{FF2B5EF4-FFF2-40B4-BE49-F238E27FC236}">
-                      <a16:creationId xmlns:a16="http://schemas.microsoft.com/office/drawing/2014/main" id="{87F67AC4-778A-E666-1D7B-1F912FDE1E73}"/>
-                    </a:ext>
-                  </a:extLst>
-                </p:cNvPr>
-                <p:cNvPicPr/>
-                <p:nvPr/>
-              </p:nvPicPr>
-              <p:blipFill>
-                <a:blip r:embed="rId22"/>
-                <a:stretch>
-                  <a:fillRect/>
-                </a:stretch>
-              </p:blipFill>
-              <p:spPr>
-                <a:xfrm>
-                  <a:off x="4347105" y="4039647"/>
-                  <a:ext cx="127080" cy="111240"/>
-                </a:xfrm>
-                <a:prstGeom prst="rect">
-                  <a:avLst/>
-                </a:prstGeom>
-              </p:spPr>
-            </p:pic>
-          </mc:Fallback>
-        </mc:AlternateContent>
-        <mc:AlternateContent xmlns:mc="http://schemas.openxmlformats.org/markup-compatibility/2006">
-          <mc:Choice xmlns:p14="http://schemas.microsoft.com/office/powerpoint/2010/main" xmlns:aink="http://schemas.microsoft.com/office/drawing/2016/ink" Requires="p14 aink">
-            <p:contentPart p14:bwMode="auto" r:id="rId23">
-              <p14:nvContentPartPr>
-                <p14:cNvPr id="12" name="Ink 11">
-                  <a:extLst>
-                    <a:ext uri="{FF2B5EF4-FFF2-40B4-BE49-F238E27FC236}">
-                      <a16:creationId xmlns:a16="http://schemas.microsoft.com/office/drawing/2014/main" id="{677A4DBE-CCDD-4C05-7653-08A83EB5A7E3}"/>
-                    </a:ext>
-                  </a:extLst>
-                </p14:cNvPr>
-                <p14:cNvContentPartPr/>
-                <p14:nvPr/>
-              </p14:nvContentPartPr>
-              <p14:xfrm>
-                <a:off x="4566345" y="4093647"/>
-                <a:ext cx="39240" cy="67320"/>
-              </p14:xfrm>
-            </p:contentPart>
-          </mc:Choice>
-          <mc:Fallback>
-            <p:pic>
-              <p:nvPicPr>
-                <p:cNvPr id="12" name="Ink 11">
-                  <a:extLst>
-                    <a:ext uri="{FF2B5EF4-FFF2-40B4-BE49-F238E27FC236}">
-                      <a16:creationId xmlns:a16="http://schemas.microsoft.com/office/drawing/2014/main" id="{677A4DBE-CCDD-4C05-7653-08A83EB5A7E3}"/>
-                    </a:ext>
-                  </a:extLst>
-                </p:cNvPr>
-                <p:cNvPicPr/>
-                <p:nvPr/>
-              </p:nvPicPr>
-              <p:blipFill>
-                <a:blip r:embed="rId24"/>
-                <a:stretch>
-                  <a:fillRect/>
-                </a:stretch>
-              </p:blipFill>
-              <p:spPr>
-                <a:xfrm>
-                  <a:off x="4560225" y="4087527"/>
-                  <a:ext cx="51480" cy="79560"/>
-                </a:xfrm>
-                <a:prstGeom prst="rect">
-                  <a:avLst/>
-                </a:prstGeom>
-              </p:spPr>
-            </p:pic>
-          </mc:Fallback>
-        </mc:AlternateContent>
-        <mc:AlternateContent xmlns:mc="http://schemas.openxmlformats.org/markup-compatibility/2006">
-          <mc:Choice xmlns:p14="http://schemas.microsoft.com/office/powerpoint/2010/main" xmlns:aink="http://schemas.microsoft.com/office/drawing/2016/ink" Requires="p14 aink">
-            <p:contentPart p14:bwMode="auto" r:id="rId25">
-              <p14:nvContentPartPr>
-                <p14:cNvPr id="13" name="Ink 12">
-                  <a:extLst>
-                    <a:ext uri="{FF2B5EF4-FFF2-40B4-BE49-F238E27FC236}">
-                      <a16:creationId xmlns:a16="http://schemas.microsoft.com/office/drawing/2014/main" id="{93D8054C-298F-B1EA-AFF7-45F0C6BAC123}"/>
-                    </a:ext>
-                  </a:extLst>
-                </p14:cNvPr>
-                <p14:cNvContentPartPr/>
-                <p14:nvPr/>
-              </p14:nvContentPartPr>
-              <p14:xfrm>
-                <a:off x="4595145" y="4021287"/>
-                <a:ext cx="22320" cy="14760"/>
-              </p14:xfrm>
-            </p:contentPart>
-          </mc:Choice>
-          <mc:Fallback>
-            <p:pic>
-              <p:nvPicPr>
-                <p:cNvPr id="13" name="Ink 12">
-                  <a:extLst>
-                    <a:ext uri="{FF2B5EF4-FFF2-40B4-BE49-F238E27FC236}">
-                      <a16:creationId xmlns:a16="http://schemas.microsoft.com/office/drawing/2014/main" id="{93D8054C-298F-B1EA-AFF7-45F0C6BAC123}"/>
-                    </a:ext>
-                  </a:extLst>
-                </p:cNvPr>
-                <p:cNvPicPr/>
-                <p:nvPr/>
-              </p:nvPicPr>
-              <p:blipFill>
-                <a:blip r:embed="rId26"/>
-                <a:stretch>
-                  <a:fillRect/>
-                </a:stretch>
-              </p:blipFill>
-              <p:spPr>
-                <a:xfrm>
-                  <a:off x="4589025" y="4015167"/>
-                  <a:ext cx="34560" cy="27000"/>
-                </a:xfrm>
-                <a:prstGeom prst="rect">
-                  <a:avLst/>
-                </a:prstGeom>
-              </p:spPr>
-            </p:pic>
-          </mc:Fallback>
-        </mc:AlternateContent>
-        <mc:AlternateContent xmlns:mc="http://schemas.openxmlformats.org/markup-compatibility/2006">
-          <mc:Choice xmlns:p14="http://schemas.microsoft.com/office/powerpoint/2010/main" xmlns:aink="http://schemas.microsoft.com/office/drawing/2016/ink" Requires="p14 aink">
-            <p:contentPart p14:bwMode="auto" r:id="rId27">
-              <p14:nvContentPartPr>
-                <p14:cNvPr id="14" name="Ink 13">
-                  <a:extLst>
-                    <a:ext uri="{FF2B5EF4-FFF2-40B4-BE49-F238E27FC236}">
-                      <a16:creationId xmlns:a16="http://schemas.microsoft.com/office/drawing/2014/main" id="{B6ACC7AA-79D5-6208-CB1F-412A44037699}"/>
-                    </a:ext>
-                  </a:extLst>
-                </p14:cNvPr>
-                <p14:cNvContentPartPr/>
-                <p14:nvPr/>
-              </p14:nvContentPartPr>
-              <p14:xfrm>
-                <a:off x="4657065" y="3994287"/>
-                <a:ext cx="108720" cy="163800"/>
-              </p14:xfrm>
-            </p:contentPart>
-          </mc:Choice>
-          <mc:Fallback>
-            <p:pic>
-              <p:nvPicPr>
-                <p:cNvPr id="14" name="Ink 13">
-                  <a:extLst>
-                    <a:ext uri="{FF2B5EF4-FFF2-40B4-BE49-F238E27FC236}">
-                      <a16:creationId xmlns:a16="http://schemas.microsoft.com/office/drawing/2014/main" id="{B6ACC7AA-79D5-6208-CB1F-412A44037699}"/>
-                    </a:ext>
-                  </a:extLst>
-                </p:cNvPr>
-                <p:cNvPicPr/>
-                <p:nvPr/>
-              </p:nvPicPr>
-              <p:blipFill>
-                <a:blip r:embed="rId28"/>
-                <a:stretch>
-                  <a:fillRect/>
-                </a:stretch>
-              </p:blipFill>
-              <p:spPr>
-                <a:xfrm>
-                  <a:off x="4650945" y="3988167"/>
-                  <a:ext cx="120960" cy="176040"/>
-                </a:xfrm>
-                <a:prstGeom prst="rect">
-                  <a:avLst/>
-                </a:prstGeom>
-              </p:spPr>
-            </p:pic>
-          </mc:Fallback>
-        </mc:AlternateContent>
-        <mc:AlternateContent xmlns:mc="http://schemas.openxmlformats.org/markup-compatibility/2006">
-          <mc:Choice xmlns:p14="http://schemas.microsoft.com/office/powerpoint/2010/main" xmlns:aink="http://schemas.microsoft.com/office/drawing/2016/ink" Requires="p14 aink">
-            <p:contentPart p14:bwMode="auto" r:id="rId29">
-              <p14:nvContentPartPr>
-                <p14:cNvPr id="15" name="Ink 14">
-                  <a:extLst>
-                    <a:ext uri="{FF2B5EF4-FFF2-40B4-BE49-F238E27FC236}">
-                      <a16:creationId xmlns:a16="http://schemas.microsoft.com/office/drawing/2014/main" id="{21415EAF-E3EB-4BA5-F517-A672C615C32C}"/>
-                    </a:ext>
-                  </a:extLst>
-                </p14:cNvPr>
-                <p14:cNvContentPartPr/>
-                <p14:nvPr/>
-              </p14:nvContentPartPr>
-              <p14:xfrm>
-                <a:off x="4808985" y="4073127"/>
-                <a:ext cx="135720" cy="69840"/>
-              </p14:xfrm>
-            </p:contentPart>
-          </mc:Choice>
-          <mc:Fallback>
-            <p:pic>
-              <p:nvPicPr>
-                <p:cNvPr id="15" name="Ink 14">
-                  <a:extLst>
-                    <a:ext uri="{FF2B5EF4-FFF2-40B4-BE49-F238E27FC236}">
-                      <a16:creationId xmlns:a16="http://schemas.microsoft.com/office/drawing/2014/main" id="{21415EAF-E3EB-4BA5-F517-A672C615C32C}"/>
-                    </a:ext>
-                  </a:extLst>
-                </p:cNvPr>
-                <p:cNvPicPr/>
-                <p:nvPr/>
-              </p:nvPicPr>
-              <p:blipFill>
-                <a:blip r:embed="rId30"/>
-                <a:stretch>
-                  <a:fillRect/>
-                </a:stretch>
-              </p:blipFill>
-              <p:spPr>
-                <a:xfrm>
-                  <a:off x="4802865" y="4067007"/>
-                  <a:ext cx="147960" cy="82080"/>
-                </a:xfrm>
-                <a:prstGeom prst="rect">
-                  <a:avLst/>
-                </a:prstGeom>
-              </p:spPr>
-            </p:pic>
-          </mc:Fallback>
-        </mc:AlternateContent>
-        <mc:AlternateContent xmlns:mc="http://schemas.openxmlformats.org/markup-compatibility/2006">
-          <mc:Choice xmlns:p14="http://schemas.microsoft.com/office/powerpoint/2010/main" xmlns:aink="http://schemas.microsoft.com/office/drawing/2016/ink" Requires="p14 aink">
-            <p:contentPart p14:bwMode="auto" r:id="rId31">
-              <p14:nvContentPartPr>
-                <p14:cNvPr id="16" name="Ink 15">
-                  <a:extLst>
-                    <a:ext uri="{FF2B5EF4-FFF2-40B4-BE49-F238E27FC236}">
-                      <a16:creationId xmlns:a16="http://schemas.microsoft.com/office/drawing/2014/main" id="{1FA7DCB9-7063-FD81-6D99-6742F4ED4DBC}"/>
-                    </a:ext>
-                  </a:extLst>
-                </p14:cNvPr>
-                <p14:cNvContentPartPr/>
-                <p14:nvPr/>
-              </p14:nvContentPartPr>
-              <p14:xfrm>
-                <a:off x="5157105" y="4100487"/>
-                <a:ext cx="183600" cy="51120"/>
-              </p14:xfrm>
-            </p:contentPart>
-          </mc:Choice>
-          <mc:Fallback>
-            <p:pic>
-              <p:nvPicPr>
-                <p:cNvPr id="16" name="Ink 15">
-                  <a:extLst>
-                    <a:ext uri="{FF2B5EF4-FFF2-40B4-BE49-F238E27FC236}">
-                      <a16:creationId xmlns:a16="http://schemas.microsoft.com/office/drawing/2014/main" id="{1FA7DCB9-7063-FD81-6D99-6742F4ED4DBC}"/>
-                    </a:ext>
-                  </a:extLst>
-                </p:cNvPr>
-                <p:cNvPicPr/>
-                <p:nvPr/>
-              </p:nvPicPr>
-              <p:blipFill>
-                <a:blip r:embed="rId32"/>
-                <a:stretch>
-                  <a:fillRect/>
-                </a:stretch>
-              </p:blipFill>
-              <p:spPr>
-                <a:xfrm>
-                  <a:off x="5150985" y="4094367"/>
-                  <a:ext cx="195840" cy="63360"/>
-                </a:xfrm>
-                <a:prstGeom prst="rect">
-                  <a:avLst/>
-                </a:prstGeom>
-              </p:spPr>
-            </p:pic>
-          </mc:Fallback>
-        </mc:AlternateContent>
-        <mc:AlternateContent xmlns:mc="http://schemas.openxmlformats.org/markup-compatibility/2006">
-          <mc:Choice xmlns:p14="http://schemas.microsoft.com/office/powerpoint/2010/main" xmlns:aink="http://schemas.microsoft.com/office/drawing/2016/ink" Requires="p14 aink">
-            <p:contentPart p14:bwMode="auto" r:id="rId33">
-              <p14:nvContentPartPr>
-                <p14:cNvPr id="17" name="Ink 16">
-                  <a:extLst>
-                    <a:ext uri="{FF2B5EF4-FFF2-40B4-BE49-F238E27FC236}">
-                      <a16:creationId xmlns:a16="http://schemas.microsoft.com/office/drawing/2014/main" id="{D7552F33-A811-2AE5-5DDF-CC7739B2FE6F}"/>
-                    </a:ext>
-                  </a:extLst>
-                </p14:cNvPr>
-                <p14:cNvContentPartPr/>
-                <p14:nvPr/>
-              </p14:nvContentPartPr>
-              <p14:xfrm>
-                <a:off x="5367345" y="4095447"/>
-                <a:ext cx="36720" cy="58320"/>
-              </p14:xfrm>
-            </p:contentPart>
-          </mc:Choice>
-          <mc:Fallback>
-            <p:pic>
-              <p:nvPicPr>
-                <p:cNvPr id="17" name="Ink 16">
-                  <a:extLst>
-                    <a:ext uri="{FF2B5EF4-FFF2-40B4-BE49-F238E27FC236}">
-                      <a16:creationId xmlns:a16="http://schemas.microsoft.com/office/drawing/2014/main" id="{D7552F33-A811-2AE5-5DDF-CC7739B2FE6F}"/>
-                    </a:ext>
-                  </a:extLst>
-                </p:cNvPr>
-                <p:cNvPicPr/>
-                <p:nvPr/>
-              </p:nvPicPr>
-              <p:blipFill>
-                <a:blip r:embed="rId34"/>
-                <a:stretch>
-                  <a:fillRect/>
-                </a:stretch>
-              </p:blipFill>
-              <p:spPr>
-                <a:xfrm>
-                  <a:off x="5361225" y="4089327"/>
-                  <a:ext cx="48960" cy="70560"/>
-                </a:xfrm>
-                <a:prstGeom prst="rect">
-                  <a:avLst/>
-                </a:prstGeom>
-              </p:spPr>
-            </p:pic>
-          </mc:Fallback>
-        </mc:AlternateContent>
-        <mc:AlternateContent xmlns:mc="http://schemas.openxmlformats.org/markup-compatibility/2006">
-          <mc:Choice xmlns:p14="http://schemas.microsoft.com/office/powerpoint/2010/main" xmlns:aink="http://schemas.microsoft.com/office/drawing/2016/ink" Requires="p14 aink">
-            <p:contentPart p14:bwMode="auto" r:id="rId35">
-              <p14:nvContentPartPr>
-                <p14:cNvPr id="18" name="Ink 17">
-                  <a:extLst>
-                    <a:ext uri="{FF2B5EF4-FFF2-40B4-BE49-F238E27FC236}">
-                      <a16:creationId xmlns:a16="http://schemas.microsoft.com/office/drawing/2014/main" id="{5FD830B4-8E8D-AFDB-F96F-C711D900B94E}"/>
-                    </a:ext>
-                  </a:extLst>
-                </p14:cNvPr>
-                <p14:cNvContentPartPr/>
-                <p14:nvPr/>
-              </p14:nvContentPartPr>
-              <p14:xfrm>
-                <a:off x="5398665" y="4091127"/>
-                <a:ext cx="67680" cy="52200"/>
-              </p14:xfrm>
-            </p:contentPart>
-          </mc:Choice>
-          <mc:Fallback>
-            <p:pic>
-              <p:nvPicPr>
-                <p:cNvPr id="18" name="Ink 17">
-                  <a:extLst>
-                    <a:ext uri="{FF2B5EF4-FFF2-40B4-BE49-F238E27FC236}">
-                      <a16:creationId xmlns:a16="http://schemas.microsoft.com/office/drawing/2014/main" id="{5FD830B4-8E8D-AFDB-F96F-C711D900B94E}"/>
-                    </a:ext>
-                  </a:extLst>
-                </p:cNvPr>
-                <p:cNvPicPr/>
-                <p:nvPr/>
-              </p:nvPicPr>
-              <p:blipFill>
-                <a:blip r:embed="rId36"/>
-                <a:stretch>
-                  <a:fillRect/>
-                </a:stretch>
-              </p:blipFill>
-              <p:spPr>
-                <a:xfrm>
-                  <a:off x="5392545" y="4085007"/>
-                  <a:ext cx="79920" cy="64440"/>
-                </a:xfrm>
-                <a:prstGeom prst="rect">
-                  <a:avLst/>
-                </a:prstGeom>
-              </p:spPr>
-            </p:pic>
-          </mc:Fallback>
-        </mc:AlternateContent>
-        <mc:AlternateContent xmlns:mc="http://schemas.openxmlformats.org/markup-compatibility/2006">
-          <mc:Choice xmlns:p14="http://schemas.microsoft.com/office/powerpoint/2010/main" xmlns:aink="http://schemas.microsoft.com/office/drawing/2016/ink" Requires="p14 aink">
-            <p:contentPart p14:bwMode="auto" r:id="rId37">
-              <p14:nvContentPartPr>
-                <p14:cNvPr id="19" name="Ink 18">
-                  <a:extLst>
-                    <a:ext uri="{FF2B5EF4-FFF2-40B4-BE49-F238E27FC236}">
-                      <a16:creationId xmlns:a16="http://schemas.microsoft.com/office/drawing/2014/main" id="{9CFCDCD4-60F4-AE83-68B1-6F455CD9EE2C}"/>
-                    </a:ext>
-                  </a:extLst>
-                </p14:cNvPr>
-                <p14:cNvContentPartPr/>
-                <p14:nvPr/>
-              </p14:nvContentPartPr>
-              <p14:xfrm>
-                <a:off x="5495145" y="4048647"/>
-                <a:ext cx="168480" cy="122760"/>
-              </p14:xfrm>
-            </p:contentPart>
-          </mc:Choice>
-          <mc:Fallback>
-            <p:pic>
-              <p:nvPicPr>
-                <p:cNvPr id="19" name="Ink 18">
-                  <a:extLst>
-                    <a:ext uri="{FF2B5EF4-FFF2-40B4-BE49-F238E27FC236}">
-                      <a16:creationId xmlns:a16="http://schemas.microsoft.com/office/drawing/2014/main" id="{9CFCDCD4-60F4-AE83-68B1-6F455CD9EE2C}"/>
-                    </a:ext>
-                  </a:extLst>
-                </p:cNvPr>
-                <p:cNvPicPr/>
-                <p:nvPr/>
-              </p:nvPicPr>
-              <p:blipFill>
-                <a:blip r:embed="rId38"/>
-                <a:stretch>
-                  <a:fillRect/>
-                </a:stretch>
-              </p:blipFill>
-              <p:spPr>
-                <a:xfrm>
-                  <a:off x="5489025" y="4042527"/>
-                  <a:ext cx="180720" cy="135000"/>
-                </a:xfrm>
-                <a:prstGeom prst="rect">
-                  <a:avLst/>
-                </a:prstGeom>
-              </p:spPr>
-            </p:pic>
-          </mc:Fallback>
-        </mc:AlternateContent>
-        <mc:AlternateContent xmlns:mc="http://schemas.openxmlformats.org/markup-compatibility/2006">
-          <mc:Choice xmlns:p14="http://schemas.microsoft.com/office/powerpoint/2010/main" xmlns:aink="http://schemas.microsoft.com/office/drawing/2016/ink" Requires="p14 aink">
-            <p:contentPart p14:bwMode="auto" r:id="rId39">
-              <p14:nvContentPartPr>
-                <p14:cNvPr id="20" name="Ink 19">
-                  <a:extLst>
-                    <a:ext uri="{FF2B5EF4-FFF2-40B4-BE49-F238E27FC236}">
-                      <a16:creationId xmlns:a16="http://schemas.microsoft.com/office/drawing/2014/main" id="{2B5196D4-4DEF-7A18-36CD-CA57D5955E2D}"/>
-                    </a:ext>
-                  </a:extLst>
-                </p14:cNvPr>
-                <p14:cNvContentPartPr/>
-                <p14:nvPr/>
-              </p14:nvContentPartPr>
-              <p14:xfrm>
-                <a:off x="5133705" y="4436007"/>
-                <a:ext cx="76320" cy="289800"/>
-              </p14:xfrm>
-            </p:contentPart>
-          </mc:Choice>
-          <mc:Fallback>
-            <p:pic>
-              <p:nvPicPr>
-                <p:cNvPr id="20" name="Ink 19">
-                  <a:extLst>
-                    <a:ext uri="{FF2B5EF4-FFF2-40B4-BE49-F238E27FC236}">
-                      <a16:creationId xmlns:a16="http://schemas.microsoft.com/office/drawing/2014/main" id="{2B5196D4-4DEF-7A18-36CD-CA57D5955E2D}"/>
-                    </a:ext>
-                  </a:extLst>
-                </p:cNvPr>
-                <p:cNvPicPr/>
-                <p:nvPr/>
-              </p:nvPicPr>
-              <p:blipFill>
-                <a:blip r:embed="rId40"/>
-                <a:stretch>
-                  <a:fillRect/>
-                </a:stretch>
-              </p:blipFill>
-              <p:spPr>
-                <a:xfrm>
-                  <a:off x="5127585" y="4429887"/>
-                  <a:ext cx="88560" cy="302040"/>
-                </a:xfrm>
-                <a:prstGeom prst="rect">
-                  <a:avLst/>
-                </a:prstGeom>
-              </p:spPr>
-            </p:pic>
-          </mc:Fallback>
-        </mc:AlternateContent>
-        <mc:AlternateContent xmlns:mc="http://schemas.openxmlformats.org/markup-compatibility/2006">
-          <mc:Choice xmlns:p14="http://schemas.microsoft.com/office/powerpoint/2010/main" xmlns:aink="http://schemas.microsoft.com/office/drawing/2016/ink" Requires="p14 aink">
-            <p:contentPart p14:bwMode="auto" r:id="rId41">
-              <p14:nvContentPartPr>
-                <p14:cNvPr id="21" name="Ink 20">
-                  <a:extLst>
-                    <a:ext uri="{FF2B5EF4-FFF2-40B4-BE49-F238E27FC236}">
-                      <a16:creationId xmlns:a16="http://schemas.microsoft.com/office/drawing/2014/main" id="{61B43255-1A78-1AD0-E494-8B7D1794F27B}"/>
-                    </a:ext>
-                  </a:extLst>
-                </p14:cNvPr>
-                <p14:cNvContentPartPr/>
-                <p14:nvPr/>
-              </p14:nvContentPartPr>
-              <p14:xfrm>
-                <a:off x="5038665" y="4467687"/>
-                <a:ext cx="108360" cy="94680"/>
-              </p14:xfrm>
-            </p:contentPart>
-          </mc:Choice>
-          <mc:Fallback>
-            <p:pic>
-              <p:nvPicPr>
-                <p:cNvPr id="21" name="Ink 20">
-                  <a:extLst>
-                    <a:ext uri="{FF2B5EF4-FFF2-40B4-BE49-F238E27FC236}">
-                      <a16:creationId xmlns:a16="http://schemas.microsoft.com/office/drawing/2014/main" id="{61B43255-1A78-1AD0-E494-8B7D1794F27B}"/>
-                    </a:ext>
-                  </a:extLst>
-                </p:cNvPr>
-                <p:cNvPicPr/>
-                <p:nvPr/>
-              </p:nvPicPr>
-              <p:blipFill>
-                <a:blip r:embed="rId42"/>
-                <a:stretch>
-                  <a:fillRect/>
-                </a:stretch>
-              </p:blipFill>
-              <p:spPr>
-                <a:xfrm>
-                  <a:off x="5032545" y="4461567"/>
-                  <a:ext cx="120600" cy="106920"/>
-                </a:xfrm>
-                <a:prstGeom prst="rect">
-                  <a:avLst/>
-                </a:prstGeom>
-              </p:spPr>
-            </p:pic>
-          </mc:Fallback>
-        </mc:AlternateContent>
-        <mc:AlternateContent xmlns:mc="http://schemas.openxmlformats.org/markup-compatibility/2006">
-          <mc:Choice xmlns:p14="http://schemas.microsoft.com/office/powerpoint/2010/main" xmlns:aink="http://schemas.microsoft.com/office/drawing/2016/ink" Requires="p14 aink">
-            <p:contentPart p14:bwMode="auto" r:id="rId43">
-              <p14:nvContentPartPr>
-                <p14:cNvPr id="22" name="Ink 21">
-                  <a:extLst>
-                    <a:ext uri="{FF2B5EF4-FFF2-40B4-BE49-F238E27FC236}">
-                      <a16:creationId xmlns:a16="http://schemas.microsoft.com/office/drawing/2014/main" id="{3291FF92-3113-0B2F-1BE2-E62BC19F65AD}"/>
-                    </a:ext>
-                  </a:extLst>
-                </p14:cNvPr>
-                <p14:cNvContentPartPr/>
-                <p14:nvPr/>
-              </p14:nvContentPartPr>
-              <p14:xfrm>
-                <a:off x="5281665" y="4457247"/>
-                <a:ext cx="141840" cy="100080"/>
-              </p14:xfrm>
-            </p:contentPart>
-          </mc:Choice>
-          <mc:Fallback>
-            <p:pic>
-              <p:nvPicPr>
-                <p:cNvPr id="22" name="Ink 21">
-                  <a:extLst>
-                    <a:ext uri="{FF2B5EF4-FFF2-40B4-BE49-F238E27FC236}">
-                      <a16:creationId xmlns:a16="http://schemas.microsoft.com/office/drawing/2014/main" id="{3291FF92-3113-0B2F-1BE2-E62BC19F65AD}"/>
-                    </a:ext>
-                  </a:extLst>
-                </p:cNvPr>
-                <p:cNvPicPr/>
-                <p:nvPr/>
-              </p:nvPicPr>
-              <p:blipFill>
-                <a:blip r:embed="rId44"/>
-                <a:stretch>
-                  <a:fillRect/>
-                </a:stretch>
-              </p:blipFill>
-              <p:spPr>
-                <a:xfrm>
-                  <a:off x="5275545" y="4451127"/>
-                  <a:ext cx="154080" cy="112320"/>
-                </a:xfrm>
-                <a:prstGeom prst="rect">
-                  <a:avLst/>
-                </a:prstGeom>
-              </p:spPr>
-            </p:pic>
-          </mc:Fallback>
-        </mc:AlternateContent>
-        <mc:AlternateContent xmlns:mc="http://schemas.openxmlformats.org/markup-compatibility/2006">
-          <mc:Choice xmlns:p14="http://schemas.microsoft.com/office/powerpoint/2010/main" xmlns:aink="http://schemas.microsoft.com/office/drawing/2016/ink" Requires="p14 aink">
-            <p:contentPart p14:bwMode="auto" r:id="rId45">
-              <p14:nvContentPartPr>
-                <p14:cNvPr id="23" name="Ink 22">
-                  <a:extLst>
-                    <a:ext uri="{FF2B5EF4-FFF2-40B4-BE49-F238E27FC236}">
-                      <a16:creationId xmlns:a16="http://schemas.microsoft.com/office/drawing/2014/main" id="{CAEC9C1C-D8B1-B19F-DA55-E5E07ABB0160}"/>
-                    </a:ext>
-                  </a:extLst>
-                </p14:cNvPr>
-                <p14:cNvContentPartPr/>
-                <p14:nvPr/>
-              </p14:nvContentPartPr>
-              <p14:xfrm>
-                <a:off x="5449425" y="4443567"/>
-                <a:ext cx="210600" cy="124200"/>
-              </p14:xfrm>
-            </p:contentPart>
-          </mc:Choice>
-          <mc:Fallback>
-            <p:pic>
-              <p:nvPicPr>
-                <p:cNvPr id="23" name="Ink 22">
-                  <a:extLst>
-                    <a:ext uri="{FF2B5EF4-FFF2-40B4-BE49-F238E27FC236}">
-                      <a16:creationId xmlns:a16="http://schemas.microsoft.com/office/drawing/2014/main" id="{CAEC9C1C-D8B1-B19F-DA55-E5E07ABB0160}"/>
-                    </a:ext>
-                  </a:extLst>
-                </p:cNvPr>
-                <p:cNvPicPr/>
-                <p:nvPr/>
-              </p:nvPicPr>
-              <p:blipFill>
-                <a:blip r:embed="rId46"/>
-                <a:stretch>
-                  <a:fillRect/>
-                </a:stretch>
-              </p:blipFill>
-              <p:spPr>
-                <a:xfrm>
-                  <a:off x="5443305" y="4437447"/>
-                  <a:ext cx="222840" cy="136440"/>
-                </a:xfrm>
-                <a:prstGeom prst="rect">
-                  <a:avLst/>
-                </a:prstGeom>
-              </p:spPr>
-            </p:pic>
-          </mc:Fallback>
-        </mc:AlternateContent>
-        <mc:AlternateContent xmlns:mc="http://schemas.openxmlformats.org/markup-compatibility/2006">
-          <mc:Choice xmlns:p14="http://schemas.microsoft.com/office/powerpoint/2010/main" xmlns:aink="http://schemas.microsoft.com/office/drawing/2016/ink" Requires="p14 aink">
-            <p:contentPart p14:bwMode="auto" r:id="rId47">
-              <p14:nvContentPartPr>
-                <p14:cNvPr id="24" name="Ink 23">
-                  <a:extLst>
-                    <a:ext uri="{FF2B5EF4-FFF2-40B4-BE49-F238E27FC236}">
-                      <a16:creationId xmlns:a16="http://schemas.microsoft.com/office/drawing/2014/main" id="{EA0D75CD-6ACF-6B4D-8079-8D9A41B3E98A}"/>
-                    </a:ext>
-                  </a:extLst>
-                </p14:cNvPr>
-                <p14:cNvContentPartPr/>
-                <p14:nvPr/>
-              </p14:nvContentPartPr>
-              <p14:xfrm>
-                <a:off x="5724465" y="4416927"/>
-                <a:ext cx="27000" cy="136800"/>
-              </p14:xfrm>
-            </p:contentPart>
-          </mc:Choice>
-          <mc:Fallback>
-            <p:pic>
-              <p:nvPicPr>
-                <p:cNvPr id="24" name="Ink 23">
-                  <a:extLst>
-                    <a:ext uri="{FF2B5EF4-FFF2-40B4-BE49-F238E27FC236}">
-                      <a16:creationId xmlns:a16="http://schemas.microsoft.com/office/drawing/2014/main" id="{EA0D75CD-6ACF-6B4D-8079-8D9A41B3E98A}"/>
-                    </a:ext>
-                  </a:extLst>
-                </p:cNvPr>
-                <p:cNvPicPr/>
-                <p:nvPr/>
-              </p:nvPicPr>
-              <p:blipFill>
-                <a:blip r:embed="rId48"/>
-                <a:stretch>
-                  <a:fillRect/>
-                </a:stretch>
-              </p:blipFill>
-              <p:spPr>
-                <a:xfrm>
-                  <a:off x="5718345" y="4410807"/>
-                  <a:ext cx="39240" cy="149040"/>
-                </a:xfrm>
-                <a:prstGeom prst="rect">
-                  <a:avLst/>
-                </a:prstGeom>
-              </p:spPr>
-            </p:pic>
-          </mc:Fallback>
-        </mc:AlternateContent>
-        <mc:AlternateContent xmlns:mc="http://schemas.openxmlformats.org/markup-compatibility/2006">
-          <mc:Choice xmlns:p14="http://schemas.microsoft.com/office/powerpoint/2010/main" xmlns:aink="http://schemas.microsoft.com/office/drawing/2016/ink" Requires="p14 aink">
-            <p:contentPart p14:bwMode="auto" r:id="rId49">
-              <p14:nvContentPartPr>
-                <p14:cNvPr id="25" name="Ink 24">
-                  <a:extLst>
-                    <a:ext uri="{FF2B5EF4-FFF2-40B4-BE49-F238E27FC236}">
-                      <a16:creationId xmlns:a16="http://schemas.microsoft.com/office/drawing/2014/main" id="{4D892BDE-65BE-E118-9698-36808596B218}"/>
-                    </a:ext>
-                  </a:extLst>
-                </p14:cNvPr>
-                <p14:cNvContentPartPr/>
-                <p14:nvPr/>
-              </p14:nvContentPartPr>
-              <p14:xfrm>
-                <a:off x="5702865" y="4462287"/>
-                <a:ext cx="159840" cy="40320"/>
-              </p14:xfrm>
-            </p:contentPart>
-          </mc:Choice>
-          <mc:Fallback>
-            <p:pic>
-              <p:nvPicPr>
-                <p:cNvPr id="25" name="Ink 24">
-                  <a:extLst>
-                    <a:ext uri="{FF2B5EF4-FFF2-40B4-BE49-F238E27FC236}">
-                      <a16:creationId xmlns:a16="http://schemas.microsoft.com/office/drawing/2014/main" id="{4D892BDE-65BE-E118-9698-36808596B218}"/>
-                    </a:ext>
-                  </a:extLst>
-                </p:cNvPr>
-                <p:cNvPicPr/>
-                <p:nvPr/>
-              </p:nvPicPr>
-              <p:blipFill>
-                <a:blip r:embed="rId50"/>
-                <a:stretch>
-                  <a:fillRect/>
-                </a:stretch>
-              </p:blipFill>
-              <p:spPr>
-                <a:xfrm>
-                  <a:off x="5696745" y="4456167"/>
-                  <a:ext cx="172080" cy="52560"/>
-                </a:xfrm>
-                <a:prstGeom prst="rect">
-                  <a:avLst/>
-                </a:prstGeom>
-              </p:spPr>
-            </p:pic>
-          </mc:Fallback>
-        </mc:AlternateContent>
-        <mc:AlternateContent xmlns:mc="http://schemas.openxmlformats.org/markup-compatibility/2006">
-          <mc:Choice xmlns:p14="http://schemas.microsoft.com/office/powerpoint/2010/main" xmlns:aink="http://schemas.microsoft.com/office/drawing/2016/ink" Requires="p14 aink">
-            <p:contentPart p14:bwMode="auto" r:id="rId51">
-              <p14:nvContentPartPr>
-                <p14:cNvPr id="28" name="Ink 27">
-                  <a:extLst>
-                    <a:ext uri="{FF2B5EF4-FFF2-40B4-BE49-F238E27FC236}">
-                      <a16:creationId xmlns:a16="http://schemas.microsoft.com/office/drawing/2014/main" id="{144B124E-052D-35C6-C0EC-B0EA342AC17A}"/>
-                    </a:ext>
-                  </a:extLst>
-                </p14:cNvPr>
-                <p14:cNvContentPartPr/>
-                <p14:nvPr/>
-              </p14:nvContentPartPr>
-              <p14:xfrm>
-                <a:off x="4735905" y="4494687"/>
-                <a:ext cx="2392200" cy="425520"/>
-              </p14:xfrm>
-            </p:contentPart>
-          </mc:Choice>
-          <mc:Fallback>
-            <p:pic>
-              <p:nvPicPr>
-                <p:cNvPr id="28" name="Ink 27">
-                  <a:extLst>
-                    <a:ext uri="{FF2B5EF4-FFF2-40B4-BE49-F238E27FC236}">
-                      <a16:creationId xmlns:a16="http://schemas.microsoft.com/office/drawing/2014/main" id="{144B124E-052D-35C6-C0EC-B0EA342AC17A}"/>
-                    </a:ext>
-                  </a:extLst>
-                </p:cNvPr>
-                <p:cNvPicPr/>
-                <p:nvPr/>
-              </p:nvPicPr>
-              <p:blipFill>
-                <a:blip r:embed="rId52"/>
-                <a:stretch>
-                  <a:fillRect/>
-                </a:stretch>
-              </p:blipFill>
-              <p:spPr>
-                <a:xfrm>
-                  <a:off x="4729785" y="4488567"/>
-                  <a:ext cx="2404440" cy="437760"/>
-                </a:xfrm>
-                <a:prstGeom prst="rect">
-                  <a:avLst/>
-                </a:prstGeom>
-              </p:spPr>
-            </p:pic>
-          </mc:Fallback>
-        </mc:AlternateContent>
-        <mc:AlternateContent xmlns:mc="http://schemas.openxmlformats.org/markup-compatibility/2006">
-          <mc:Choice xmlns:p14="http://schemas.microsoft.com/office/powerpoint/2010/main" xmlns:aink="http://schemas.microsoft.com/office/drawing/2016/ink" Requires="p14 aink">
-            <p:contentPart p14:bwMode="auto" r:id="rId53">
-              <p14:nvContentPartPr>
-                <p14:cNvPr id="29" name="Ink 28">
-                  <a:extLst>
-                    <a:ext uri="{FF2B5EF4-FFF2-40B4-BE49-F238E27FC236}">
-                      <a16:creationId xmlns:a16="http://schemas.microsoft.com/office/drawing/2014/main" id="{6177B75F-5927-A870-905F-40FBD79BC69B}"/>
-                    </a:ext>
-                  </a:extLst>
-                </p14:cNvPr>
-                <p14:cNvContentPartPr/>
-                <p14:nvPr/>
-              </p14:nvContentPartPr>
-              <p14:xfrm>
-                <a:off x="6953145" y="4302807"/>
-                <a:ext cx="516240" cy="193320"/>
-              </p14:xfrm>
-            </p:contentPart>
-          </mc:Choice>
-          <mc:Fallback>
-            <p:pic>
-              <p:nvPicPr>
-                <p:cNvPr id="29" name="Ink 28">
-                  <a:extLst>
-                    <a:ext uri="{FF2B5EF4-FFF2-40B4-BE49-F238E27FC236}">
-                      <a16:creationId xmlns:a16="http://schemas.microsoft.com/office/drawing/2014/main" id="{6177B75F-5927-A870-905F-40FBD79BC69B}"/>
-                    </a:ext>
-                  </a:extLst>
-                </p:cNvPr>
-                <p:cNvPicPr/>
-                <p:nvPr/>
-              </p:nvPicPr>
-              <p:blipFill>
-                <a:blip r:embed="rId54"/>
-                <a:stretch>
-                  <a:fillRect/>
-                </a:stretch>
-              </p:blipFill>
-              <p:spPr>
-                <a:xfrm>
-                  <a:off x="6947025" y="4296687"/>
-                  <a:ext cx="528480" cy="205560"/>
-                </a:xfrm>
-                <a:prstGeom prst="rect">
-                  <a:avLst/>
-                </a:prstGeom>
-              </p:spPr>
-            </p:pic>
-          </mc:Fallback>
-        </mc:AlternateContent>
-        <mc:AlternateContent xmlns:mc="http://schemas.openxmlformats.org/markup-compatibility/2006">
-          <mc:Choice xmlns:p14="http://schemas.microsoft.com/office/powerpoint/2010/main" xmlns:aink="http://schemas.microsoft.com/office/drawing/2016/ink" Requires="p14 aink">
-            <p:contentPart p14:bwMode="auto" r:id="rId55">
-              <p14:nvContentPartPr>
-                <p14:cNvPr id="30" name="Ink 29">
-                  <a:extLst>
-                    <a:ext uri="{FF2B5EF4-FFF2-40B4-BE49-F238E27FC236}">
-                      <a16:creationId xmlns:a16="http://schemas.microsoft.com/office/drawing/2014/main" id="{FE25219B-FC41-1113-0F8B-4A028E9E25DF}"/>
-                    </a:ext>
-                  </a:extLst>
-                </p14:cNvPr>
-                <p14:cNvContentPartPr/>
-                <p14:nvPr/>
-              </p14:nvContentPartPr>
-              <p14:xfrm>
-                <a:off x="7512585" y="4043967"/>
-                <a:ext cx="248040" cy="433080"/>
-              </p14:xfrm>
-            </p:contentPart>
-          </mc:Choice>
-          <mc:Fallback>
-            <p:pic>
-              <p:nvPicPr>
-                <p:cNvPr id="30" name="Ink 29">
-                  <a:extLst>
-                    <a:ext uri="{FF2B5EF4-FFF2-40B4-BE49-F238E27FC236}">
-                      <a16:creationId xmlns:a16="http://schemas.microsoft.com/office/drawing/2014/main" id="{FE25219B-FC41-1113-0F8B-4A028E9E25DF}"/>
-                    </a:ext>
-                  </a:extLst>
-                </p:cNvPr>
-                <p:cNvPicPr/>
-                <p:nvPr/>
-              </p:nvPicPr>
-              <p:blipFill>
-                <a:blip r:embed="rId56"/>
-                <a:stretch>
-                  <a:fillRect/>
-                </a:stretch>
-              </p:blipFill>
-              <p:spPr>
-                <a:xfrm>
-                  <a:off x="7506465" y="4037847"/>
-                  <a:ext cx="260280" cy="445320"/>
-                </a:xfrm>
-                <a:prstGeom prst="rect">
-                  <a:avLst/>
-                </a:prstGeom>
-              </p:spPr>
-            </p:pic>
-          </mc:Fallback>
-        </mc:AlternateContent>
-        <mc:AlternateContent xmlns:mc="http://schemas.openxmlformats.org/markup-compatibility/2006">
-          <mc:Choice xmlns:p14="http://schemas.microsoft.com/office/powerpoint/2010/main" xmlns:aink="http://schemas.microsoft.com/office/drawing/2016/ink" Requires="p14 aink">
-            <p:contentPart p14:bwMode="auto" r:id="rId57">
-              <p14:nvContentPartPr>
-                <p14:cNvPr id="31" name="Ink 30">
-                  <a:extLst>
-                    <a:ext uri="{FF2B5EF4-FFF2-40B4-BE49-F238E27FC236}">
-                      <a16:creationId xmlns:a16="http://schemas.microsoft.com/office/drawing/2014/main" id="{F1827C2F-377B-9A04-C01F-CF2C455D69DC}"/>
-                    </a:ext>
-                  </a:extLst>
-                </p14:cNvPr>
-                <p14:cNvContentPartPr/>
-                <p14:nvPr/>
-              </p14:nvContentPartPr>
-              <p14:xfrm>
-                <a:off x="7744785" y="3353127"/>
-                <a:ext cx="1881720" cy="1465560"/>
-              </p14:xfrm>
-            </p:contentPart>
-          </mc:Choice>
-          <mc:Fallback>
-            <p:pic>
-              <p:nvPicPr>
-                <p:cNvPr id="31" name="Ink 30">
-                  <a:extLst>
-                    <a:ext uri="{FF2B5EF4-FFF2-40B4-BE49-F238E27FC236}">
-                      <a16:creationId xmlns:a16="http://schemas.microsoft.com/office/drawing/2014/main" id="{F1827C2F-377B-9A04-C01F-CF2C455D69DC}"/>
-                    </a:ext>
-                  </a:extLst>
-                </p:cNvPr>
-                <p:cNvPicPr/>
-                <p:nvPr/>
-              </p:nvPicPr>
-              <p:blipFill>
-                <a:blip r:embed="rId58"/>
-                <a:stretch>
-                  <a:fillRect/>
-                </a:stretch>
-              </p:blipFill>
-              <p:spPr>
-                <a:xfrm>
-                  <a:off x="7738665" y="3347007"/>
-                  <a:ext cx="1893960" cy="1477800"/>
-                </a:xfrm>
-                <a:prstGeom prst="rect">
-                  <a:avLst/>
-                </a:prstGeom>
-              </p:spPr>
-            </p:pic>
-          </mc:Fallback>
-        </mc:AlternateContent>
-        <mc:AlternateContent xmlns:mc="http://schemas.openxmlformats.org/markup-compatibility/2006">
-          <mc:Choice xmlns:p14="http://schemas.microsoft.com/office/powerpoint/2010/main" xmlns:aink="http://schemas.microsoft.com/office/drawing/2016/ink" Requires="p14 aink">
-            <p:contentPart p14:bwMode="auto" r:id="rId59">
-              <p14:nvContentPartPr>
-                <p14:cNvPr id="32" name="Ink 31">
-                  <a:extLst>
-                    <a:ext uri="{FF2B5EF4-FFF2-40B4-BE49-F238E27FC236}">
-                      <a16:creationId xmlns:a16="http://schemas.microsoft.com/office/drawing/2014/main" id="{36F6877C-5806-B787-63CC-2F91A89D3C41}"/>
-                    </a:ext>
-                  </a:extLst>
-                </p14:cNvPr>
-                <p14:cNvContentPartPr/>
-                <p14:nvPr/>
-              </p14:nvContentPartPr>
-              <p14:xfrm>
-                <a:off x="8358225" y="4058007"/>
-                <a:ext cx="84600" cy="139680"/>
-              </p14:xfrm>
-            </p:contentPart>
-          </mc:Choice>
-          <mc:Fallback>
-            <p:pic>
-              <p:nvPicPr>
-                <p:cNvPr id="32" name="Ink 31">
-                  <a:extLst>
-                    <a:ext uri="{FF2B5EF4-FFF2-40B4-BE49-F238E27FC236}">
-                      <a16:creationId xmlns:a16="http://schemas.microsoft.com/office/drawing/2014/main" id="{36F6877C-5806-B787-63CC-2F91A89D3C41}"/>
-                    </a:ext>
-                  </a:extLst>
-                </p:cNvPr>
-                <p:cNvPicPr/>
-                <p:nvPr/>
-              </p:nvPicPr>
-              <p:blipFill>
-                <a:blip r:embed="rId60"/>
-                <a:stretch>
-                  <a:fillRect/>
-                </a:stretch>
-              </p:blipFill>
-              <p:spPr>
-                <a:xfrm>
-                  <a:off x="8352105" y="4051887"/>
-                  <a:ext cx="96840" cy="151920"/>
-                </a:xfrm>
-                <a:prstGeom prst="rect">
-                  <a:avLst/>
-                </a:prstGeom>
-              </p:spPr>
-            </p:pic>
-          </mc:Fallback>
-        </mc:AlternateContent>
-        <mc:AlternateContent xmlns:mc="http://schemas.openxmlformats.org/markup-compatibility/2006">
-          <mc:Choice xmlns:p14="http://schemas.microsoft.com/office/powerpoint/2010/main" xmlns:aink="http://schemas.microsoft.com/office/drawing/2016/ink" Requires="p14 aink">
-            <p:contentPart p14:bwMode="auto" r:id="rId61">
-              <p14:nvContentPartPr>
-                <p14:cNvPr id="33" name="Ink 32">
-                  <a:extLst>
-                    <a:ext uri="{FF2B5EF4-FFF2-40B4-BE49-F238E27FC236}">
-                      <a16:creationId xmlns:a16="http://schemas.microsoft.com/office/drawing/2014/main" id="{B8C9FB81-34C6-0DE0-2BA5-4C18FC289FA8}"/>
-                    </a:ext>
-                  </a:extLst>
-                </p14:cNvPr>
-                <p14:cNvContentPartPr/>
-                <p14:nvPr/>
-              </p14:nvContentPartPr>
-              <p14:xfrm>
-                <a:off x="8466945" y="3965487"/>
-                <a:ext cx="34920" cy="175680"/>
-              </p14:xfrm>
-            </p:contentPart>
-          </mc:Choice>
-          <mc:Fallback>
-            <p:pic>
-              <p:nvPicPr>
-                <p:cNvPr id="33" name="Ink 32">
-                  <a:extLst>
-                    <a:ext uri="{FF2B5EF4-FFF2-40B4-BE49-F238E27FC236}">
-                      <a16:creationId xmlns:a16="http://schemas.microsoft.com/office/drawing/2014/main" id="{B8C9FB81-34C6-0DE0-2BA5-4C18FC289FA8}"/>
-                    </a:ext>
-                  </a:extLst>
-                </p:cNvPr>
-                <p:cNvPicPr/>
-                <p:nvPr/>
-              </p:nvPicPr>
-              <p:blipFill>
-                <a:blip r:embed="rId62"/>
-                <a:stretch>
-                  <a:fillRect/>
-                </a:stretch>
-              </p:blipFill>
-              <p:spPr>
-                <a:xfrm>
-                  <a:off x="8460825" y="3959367"/>
-                  <a:ext cx="47160" cy="187920"/>
-                </a:xfrm>
-                <a:prstGeom prst="rect">
-                  <a:avLst/>
-                </a:prstGeom>
-              </p:spPr>
-            </p:pic>
-          </mc:Fallback>
-        </mc:AlternateContent>
-        <mc:AlternateContent xmlns:mc="http://schemas.openxmlformats.org/markup-compatibility/2006">
-          <mc:Choice xmlns:p14="http://schemas.microsoft.com/office/powerpoint/2010/main" xmlns:aink="http://schemas.microsoft.com/office/drawing/2016/ink" Requires="p14 aink">
-            <p:contentPart p14:bwMode="auto" r:id="rId63">
-              <p14:nvContentPartPr>
-                <p14:cNvPr id="34" name="Ink 33">
-                  <a:extLst>
-                    <a:ext uri="{FF2B5EF4-FFF2-40B4-BE49-F238E27FC236}">
-                      <a16:creationId xmlns:a16="http://schemas.microsoft.com/office/drawing/2014/main" id="{AC6C66CD-C656-60D0-8EA5-60111B579208}"/>
-                    </a:ext>
-                  </a:extLst>
-                </p14:cNvPr>
-                <p14:cNvContentPartPr/>
-                <p14:nvPr/>
-              </p14:nvContentPartPr>
-              <p14:xfrm>
-                <a:off x="8429865" y="4111647"/>
-                <a:ext cx="103680" cy="12600"/>
-              </p14:xfrm>
-            </p:contentPart>
-          </mc:Choice>
-          <mc:Fallback>
-            <p:pic>
-              <p:nvPicPr>
-                <p:cNvPr id="34" name="Ink 33">
-                  <a:extLst>
-                    <a:ext uri="{FF2B5EF4-FFF2-40B4-BE49-F238E27FC236}">
-                      <a16:creationId xmlns:a16="http://schemas.microsoft.com/office/drawing/2014/main" id="{AC6C66CD-C656-60D0-8EA5-60111B579208}"/>
-                    </a:ext>
-                  </a:extLst>
-                </p:cNvPr>
-                <p:cNvPicPr/>
-                <p:nvPr/>
-              </p:nvPicPr>
-              <p:blipFill>
-                <a:blip r:embed="rId64"/>
-                <a:stretch>
-                  <a:fillRect/>
-                </a:stretch>
-              </p:blipFill>
-              <p:spPr>
-                <a:xfrm>
-                  <a:off x="8423745" y="4105527"/>
-                  <a:ext cx="115920" cy="24840"/>
-                </a:xfrm>
-                <a:prstGeom prst="rect">
-                  <a:avLst/>
-                </a:prstGeom>
-              </p:spPr>
-            </p:pic>
-          </mc:Fallback>
-        </mc:AlternateContent>
-        <mc:AlternateContent xmlns:mc="http://schemas.openxmlformats.org/markup-compatibility/2006">
-          <mc:Choice xmlns:p14="http://schemas.microsoft.com/office/powerpoint/2010/main" xmlns:aink="http://schemas.microsoft.com/office/drawing/2016/ink" Requires="p14 aink">
-            <p:contentPart p14:bwMode="auto" r:id="rId65">
-              <p14:nvContentPartPr>
-                <p14:cNvPr id="35" name="Ink 34">
-                  <a:extLst>
-                    <a:ext uri="{FF2B5EF4-FFF2-40B4-BE49-F238E27FC236}">
-                      <a16:creationId xmlns:a16="http://schemas.microsoft.com/office/drawing/2014/main" id="{353ADF54-F10F-C4A9-1B63-269165032CB0}"/>
-                    </a:ext>
-                  </a:extLst>
-                </p14:cNvPr>
-                <p14:cNvContentPartPr/>
-                <p14:nvPr/>
-              </p14:nvContentPartPr>
-              <p14:xfrm>
-                <a:off x="8582865" y="3996087"/>
-                <a:ext cx="44280" cy="73080"/>
-              </p14:xfrm>
-            </p:contentPart>
-          </mc:Choice>
-          <mc:Fallback>
-            <p:pic>
-              <p:nvPicPr>
-                <p:cNvPr id="35" name="Ink 34">
-                  <a:extLst>
-                    <a:ext uri="{FF2B5EF4-FFF2-40B4-BE49-F238E27FC236}">
-                      <a16:creationId xmlns:a16="http://schemas.microsoft.com/office/drawing/2014/main" id="{353ADF54-F10F-C4A9-1B63-269165032CB0}"/>
-                    </a:ext>
-                  </a:extLst>
-                </p:cNvPr>
-                <p:cNvPicPr/>
-                <p:nvPr/>
-              </p:nvPicPr>
-              <p:blipFill>
-                <a:blip r:embed="rId66"/>
-                <a:stretch>
-                  <a:fillRect/>
-                </a:stretch>
-              </p:blipFill>
-              <p:spPr>
-                <a:xfrm>
-                  <a:off x="8576745" y="3989967"/>
-                  <a:ext cx="56520" cy="85320"/>
-                </a:xfrm>
-                <a:prstGeom prst="rect">
-                  <a:avLst/>
-                </a:prstGeom>
-              </p:spPr>
-            </p:pic>
-          </mc:Fallback>
-        </mc:AlternateContent>
-        <mc:AlternateContent xmlns:mc="http://schemas.openxmlformats.org/markup-compatibility/2006">
-          <mc:Choice xmlns:p14="http://schemas.microsoft.com/office/powerpoint/2010/main" xmlns:aink="http://schemas.microsoft.com/office/drawing/2016/ink" Requires="p14 aink">
-            <p:contentPart p14:bwMode="auto" r:id="rId67">
-              <p14:nvContentPartPr>
-                <p14:cNvPr id="36" name="Ink 35">
-                  <a:extLst>
-                    <a:ext uri="{FF2B5EF4-FFF2-40B4-BE49-F238E27FC236}">
-                      <a16:creationId xmlns:a16="http://schemas.microsoft.com/office/drawing/2014/main" id="{6AB324F4-18DC-42E7-1876-C55B6D03B62B}"/>
-                    </a:ext>
-                  </a:extLst>
-                </p14:cNvPr>
-                <p14:cNvContentPartPr/>
-                <p14:nvPr/>
-              </p14:nvContentPartPr>
-              <p14:xfrm>
-                <a:off x="8633985" y="3979167"/>
-                <a:ext cx="127080" cy="114840"/>
-              </p14:xfrm>
-            </p:contentPart>
-          </mc:Choice>
-          <mc:Fallback>
-            <p:pic>
-              <p:nvPicPr>
-                <p:cNvPr id="36" name="Ink 35">
-                  <a:extLst>
-                    <a:ext uri="{FF2B5EF4-FFF2-40B4-BE49-F238E27FC236}">
-                      <a16:creationId xmlns:a16="http://schemas.microsoft.com/office/drawing/2014/main" id="{6AB324F4-18DC-42E7-1876-C55B6D03B62B}"/>
-                    </a:ext>
-                  </a:extLst>
-                </p:cNvPr>
-                <p:cNvPicPr/>
-                <p:nvPr/>
-              </p:nvPicPr>
-              <p:blipFill>
-                <a:blip r:embed="rId68"/>
-                <a:stretch>
-                  <a:fillRect/>
-                </a:stretch>
-              </p:blipFill>
-              <p:spPr>
-                <a:xfrm>
-                  <a:off x="8627865" y="3973047"/>
-                  <a:ext cx="139320" cy="127080"/>
-                </a:xfrm>
-                <a:prstGeom prst="rect">
-                  <a:avLst/>
-                </a:prstGeom>
-              </p:spPr>
-            </p:pic>
-          </mc:Fallback>
-        </mc:AlternateContent>
-        <mc:AlternateContent xmlns:mc="http://schemas.openxmlformats.org/markup-compatibility/2006">
-          <mc:Choice xmlns:p14="http://schemas.microsoft.com/office/powerpoint/2010/main" xmlns:aink="http://schemas.microsoft.com/office/drawing/2016/ink" Requires="p14 aink">
-            <p:contentPart p14:bwMode="auto" r:id="rId69">
-              <p14:nvContentPartPr>
-                <p14:cNvPr id="37" name="Ink 36">
-                  <a:extLst>
-                    <a:ext uri="{FF2B5EF4-FFF2-40B4-BE49-F238E27FC236}">
-                      <a16:creationId xmlns:a16="http://schemas.microsoft.com/office/drawing/2014/main" id="{3DC2DC5F-1B7A-CF67-7985-3F5132A939F0}"/>
-                    </a:ext>
-                  </a:extLst>
-                </p14:cNvPr>
-                <p14:cNvContentPartPr/>
-                <p14:nvPr/>
-              </p14:nvContentPartPr>
-              <p14:xfrm>
-                <a:off x="8625705" y="3925527"/>
-                <a:ext cx="288360" cy="220320"/>
-              </p14:xfrm>
-            </p:contentPart>
-          </mc:Choice>
-          <mc:Fallback>
-            <p:pic>
-              <p:nvPicPr>
-                <p:cNvPr id="37" name="Ink 36">
-                  <a:extLst>
-                    <a:ext uri="{FF2B5EF4-FFF2-40B4-BE49-F238E27FC236}">
-                      <a16:creationId xmlns:a16="http://schemas.microsoft.com/office/drawing/2014/main" id="{3DC2DC5F-1B7A-CF67-7985-3F5132A939F0}"/>
-                    </a:ext>
-                  </a:extLst>
-                </p:cNvPr>
-                <p:cNvPicPr/>
-                <p:nvPr/>
-              </p:nvPicPr>
-              <p:blipFill>
-                <a:blip r:embed="rId70"/>
-                <a:stretch>
-                  <a:fillRect/>
-                </a:stretch>
-              </p:blipFill>
-              <p:spPr>
-                <a:xfrm>
-                  <a:off x="8619585" y="3919407"/>
-                  <a:ext cx="300600" cy="232560"/>
-                </a:xfrm>
-                <a:prstGeom prst="rect">
-                  <a:avLst/>
-                </a:prstGeom>
-              </p:spPr>
-            </p:pic>
-          </mc:Fallback>
-        </mc:AlternateContent>
-      </p:grpSp>
-      <mc:AlternateContent xmlns:mc="http://schemas.openxmlformats.org/markup-compatibility/2006">
-        <mc:Choice xmlns:p14="http://schemas.microsoft.com/office/powerpoint/2010/main" xmlns:aink="http://schemas.microsoft.com/office/drawing/2016/ink" Requires="p14 aink">
-          <p:contentPart p14:bwMode="auto" r:id="rId71">
-            <p14:nvContentPartPr>
-              <p14:cNvPr id="39" name="Ink 38">
-                <a:extLst>
-                  <a:ext uri="{FF2B5EF4-FFF2-40B4-BE49-F238E27FC236}">
-                    <a16:creationId xmlns:a16="http://schemas.microsoft.com/office/drawing/2014/main" id="{0D6B3B7B-3D50-D028-6610-D626D76EE251}"/>
-                  </a:ext>
-                </a:extLst>
-              </p14:cNvPr>
-              <p14:cNvContentPartPr/>
-              <p14:nvPr/>
-            </p14:nvContentPartPr>
-            <p14:xfrm>
-              <a:off x="5072865" y="4719687"/>
-              <a:ext cx="1031400" cy="15480"/>
-            </p14:xfrm>
-          </p:contentPart>
-        </mc:Choice>
-        <mc:Fallback>
-          <p:pic>
-            <p:nvPicPr>
-              <p:cNvPr id="39" name="Ink 38">
-                <a:extLst>
-                  <a:ext uri="{FF2B5EF4-FFF2-40B4-BE49-F238E27FC236}">
-                    <a16:creationId xmlns:a16="http://schemas.microsoft.com/office/drawing/2014/main" id="{0D6B3B7B-3D50-D028-6610-D626D76EE251}"/>
-                  </a:ext>
-                </a:extLst>
-              </p:cNvPr>
-              <p:cNvPicPr/>
-              <p:nvPr/>
-            </p:nvPicPr>
-            <p:blipFill>
-              <a:blip r:embed="rId72"/>
-              <a:stretch>
-                <a:fillRect/>
-              </a:stretch>
-            </p:blipFill>
-            <p:spPr>
-              <a:xfrm>
-                <a:off x="5066745" y="4713567"/>
-                <a:ext cx="1043640" cy="27720"/>
-              </a:xfrm>
-              <a:prstGeom prst="rect">
-                <a:avLst/>
-              </a:prstGeom>
-            </p:spPr>
-          </p:pic>
-        </mc:Fallback>
-      </mc:AlternateContent>
-      <mc:AlternateContent xmlns:mc="http://schemas.openxmlformats.org/markup-compatibility/2006">
-        <mc:Choice xmlns:p14="http://schemas.microsoft.com/office/powerpoint/2010/main" xmlns:aink="http://schemas.microsoft.com/office/drawing/2016/ink" Requires="p14 aink">
-          <p:contentPart p14:bwMode="auto" r:id="rId73">
+      <mc:AlternateContent xmlns:mc="http://schemas.openxmlformats.org/markup-compatibility/2006" xmlns:p14="http://schemas.microsoft.com/office/powerpoint/2010/main" xmlns:aink="http://schemas.microsoft.com/office/drawing/2016/ink">
+        <mc:Choice Requires="p14 aink">
+          <p:contentPart p14:bwMode="auto" r:id="rId3">
             <p14:nvContentPartPr>
               <p14:cNvPr id="42" name="Ink 41">
                 <a:extLst>
@@ -24951,7 +19783,7 @@
             </p14:xfrm>
           </p:contentPart>
         </mc:Choice>
-        <mc:Fallback>
+        <mc:Fallback xmlns="">
           <p:pic>
             <p:nvPicPr>
               <p:cNvPr id="42" name="Ink 41">
@@ -24983,3699 +19815,6 @@
         </mc:Fallback>
       </mc:AlternateContent>
     </p:spTree>
-  </p:cSld>
-  <p:clrMapOvr>
-    <a:masterClrMapping/>
-  </p:clrMapOvr>
-</p:sld>
-</file>
-
-<file path=ppt/slides/slide25.xml><?xml version="1.0" encoding="utf-8"?>
-<p:sld xmlns:a="http://schemas.openxmlformats.org/drawingml/2006/main" xmlns:r="http://schemas.openxmlformats.org/officeDocument/2006/relationships" xmlns:p="http://schemas.openxmlformats.org/presentationml/2006/main">
-  <p:cSld>
-    <p:spTree>
-      <p:nvGrpSpPr>
-        <p:cNvPr id="1" name=""/>
-        <p:cNvGrpSpPr/>
-        <p:nvPr/>
-      </p:nvGrpSpPr>
-      <p:grpSpPr>
-        <a:xfrm>
-          <a:off x="0" y="0"/>
-          <a:ext cx="0" cy="0"/>
-          <a:chOff x="0" y="0"/>
-          <a:chExt cx="0" cy="0"/>
-        </a:xfrm>
-      </p:grpSpPr>
-      <p:grpSp>
-        <p:nvGrpSpPr>
-          <p:cNvPr id="65" name="Group 64">
-            <a:extLst>
-              <a:ext uri="{FF2B5EF4-FFF2-40B4-BE49-F238E27FC236}">
-                <a16:creationId xmlns:a16="http://schemas.microsoft.com/office/drawing/2014/main" id="{68BAA1B8-6C44-D91B-EEE1-9EB4A45A9357}"/>
-              </a:ext>
-            </a:extLst>
-          </p:cNvPr>
-          <p:cNvGrpSpPr/>
-          <p:nvPr/>
-        </p:nvGrpSpPr>
-        <p:grpSpPr>
-          <a:xfrm>
-            <a:off x="2118705" y="2505327"/>
-            <a:ext cx="5523120" cy="2629800"/>
-            <a:chOff x="2118705" y="2505327"/>
-            <a:chExt cx="5523120" cy="2629800"/>
-          </a:xfrm>
-        </p:grpSpPr>
-        <mc:AlternateContent xmlns:mc="http://schemas.openxmlformats.org/markup-compatibility/2006">
-          <mc:Choice xmlns:p14="http://schemas.microsoft.com/office/powerpoint/2010/main" xmlns:aink="http://schemas.microsoft.com/office/drawing/2016/ink" Requires="p14 aink">
-            <p:contentPart p14:bwMode="auto" r:id="rId2">
-              <p14:nvContentPartPr>
-                <p14:cNvPr id="32" name="Ink 31">
-                  <a:extLst>
-                    <a:ext uri="{FF2B5EF4-FFF2-40B4-BE49-F238E27FC236}">
-                      <a16:creationId xmlns:a16="http://schemas.microsoft.com/office/drawing/2014/main" id="{A19B7C77-3971-9BF0-3029-1B006E87FA62}"/>
-                    </a:ext>
-                  </a:extLst>
-                </p14:cNvPr>
-                <p14:cNvContentPartPr/>
-                <p14:nvPr/>
-              </p14:nvContentPartPr>
-              <p14:xfrm>
-                <a:off x="2118705" y="2795487"/>
-                <a:ext cx="210600" cy="1670400"/>
-              </p14:xfrm>
-            </p:contentPart>
-          </mc:Choice>
-          <mc:Fallback>
-            <p:pic>
-              <p:nvPicPr>
-                <p:cNvPr id="32" name="Ink 31">
-                  <a:extLst>
-                    <a:ext uri="{FF2B5EF4-FFF2-40B4-BE49-F238E27FC236}">
-                      <a16:creationId xmlns:a16="http://schemas.microsoft.com/office/drawing/2014/main" id="{A19B7C77-3971-9BF0-3029-1B006E87FA62}"/>
-                    </a:ext>
-                  </a:extLst>
-                </p:cNvPr>
-                <p:cNvPicPr/>
-                <p:nvPr/>
-              </p:nvPicPr>
-              <p:blipFill>
-                <a:blip r:embed="rId3"/>
-                <a:stretch>
-                  <a:fillRect/>
-                </a:stretch>
-              </p:blipFill>
-              <p:spPr>
-                <a:xfrm>
-                  <a:off x="2112585" y="2789367"/>
-                  <a:ext cx="222840" cy="1682640"/>
-                </a:xfrm>
-                <a:prstGeom prst="rect">
-                  <a:avLst/>
-                </a:prstGeom>
-              </p:spPr>
-            </p:pic>
-          </mc:Fallback>
-        </mc:AlternateContent>
-        <mc:AlternateContent xmlns:mc="http://schemas.openxmlformats.org/markup-compatibility/2006">
-          <mc:Choice xmlns:p14="http://schemas.microsoft.com/office/powerpoint/2010/main" xmlns:aink="http://schemas.microsoft.com/office/drawing/2016/ink" Requires="p14 aink">
-            <p:contentPart p14:bwMode="auto" r:id="rId4">
-              <p14:nvContentPartPr>
-                <p14:cNvPr id="33" name="Ink 32">
-                  <a:extLst>
-                    <a:ext uri="{FF2B5EF4-FFF2-40B4-BE49-F238E27FC236}">
-                      <a16:creationId xmlns:a16="http://schemas.microsoft.com/office/drawing/2014/main" id="{C47D341C-0597-B45A-37A5-9DBED9E7230D}"/>
-                    </a:ext>
-                  </a:extLst>
-                </p14:cNvPr>
-                <p14:cNvContentPartPr/>
-                <p14:nvPr/>
-              </p14:nvContentPartPr>
-              <p14:xfrm>
-                <a:off x="2486265" y="2505327"/>
-                <a:ext cx="5155560" cy="2629800"/>
-              </p14:xfrm>
-            </p:contentPart>
-          </mc:Choice>
-          <mc:Fallback>
-            <p:pic>
-              <p:nvPicPr>
-                <p:cNvPr id="33" name="Ink 32">
-                  <a:extLst>
-                    <a:ext uri="{FF2B5EF4-FFF2-40B4-BE49-F238E27FC236}">
-                      <a16:creationId xmlns:a16="http://schemas.microsoft.com/office/drawing/2014/main" id="{C47D341C-0597-B45A-37A5-9DBED9E7230D}"/>
-                    </a:ext>
-                  </a:extLst>
-                </p:cNvPr>
-                <p:cNvPicPr/>
-                <p:nvPr/>
-              </p:nvPicPr>
-              <p:blipFill>
-                <a:blip r:embed="rId5"/>
-                <a:stretch>
-                  <a:fillRect/>
-                </a:stretch>
-              </p:blipFill>
-              <p:spPr>
-                <a:xfrm>
-                  <a:off x="2480145" y="2499207"/>
-                  <a:ext cx="5167800" cy="2642040"/>
-                </a:xfrm>
-                <a:prstGeom prst="rect">
-                  <a:avLst/>
-                </a:prstGeom>
-              </p:spPr>
-            </p:pic>
-          </mc:Fallback>
-        </mc:AlternateContent>
-        <mc:AlternateContent xmlns:mc="http://schemas.openxmlformats.org/markup-compatibility/2006">
-          <mc:Choice xmlns:p14="http://schemas.microsoft.com/office/powerpoint/2010/main" xmlns:aink="http://schemas.microsoft.com/office/drawing/2016/ink" Requires="p14 aink">
-            <p:contentPart p14:bwMode="auto" r:id="rId6">
-              <p14:nvContentPartPr>
-                <p14:cNvPr id="34" name="Ink 33">
-                  <a:extLst>
-                    <a:ext uri="{FF2B5EF4-FFF2-40B4-BE49-F238E27FC236}">
-                      <a16:creationId xmlns:a16="http://schemas.microsoft.com/office/drawing/2014/main" id="{DF4DEB14-083C-0929-A27F-587604C6990D}"/>
-                    </a:ext>
-                  </a:extLst>
-                </p14:cNvPr>
-                <p14:cNvContentPartPr/>
-                <p14:nvPr/>
-              </p14:nvContentPartPr>
-              <p14:xfrm>
-                <a:off x="2383665" y="2954967"/>
-                <a:ext cx="201240" cy="323640"/>
-              </p14:xfrm>
-            </p:contentPart>
-          </mc:Choice>
-          <mc:Fallback>
-            <p:pic>
-              <p:nvPicPr>
-                <p:cNvPr id="34" name="Ink 33">
-                  <a:extLst>
-                    <a:ext uri="{FF2B5EF4-FFF2-40B4-BE49-F238E27FC236}">
-                      <a16:creationId xmlns:a16="http://schemas.microsoft.com/office/drawing/2014/main" id="{DF4DEB14-083C-0929-A27F-587604C6990D}"/>
-                    </a:ext>
-                  </a:extLst>
-                </p:cNvPr>
-                <p:cNvPicPr/>
-                <p:nvPr/>
-              </p:nvPicPr>
-              <p:blipFill>
-                <a:blip r:embed="rId7"/>
-                <a:stretch>
-                  <a:fillRect/>
-                </a:stretch>
-              </p:blipFill>
-              <p:spPr>
-                <a:xfrm>
-                  <a:off x="2377545" y="2948847"/>
-                  <a:ext cx="213480" cy="335880"/>
-                </a:xfrm>
-                <a:prstGeom prst="rect">
-                  <a:avLst/>
-                </a:prstGeom>
-              </p:spPr>
-            </p:pic>
-          </mc:Fallback>
-        </mc:AlternateContent>
-        <mc:AlternateContent xmlns:mc="http://schemas.openxmlformats.org/markup-compatibility/2006">
-          <mc:Choice xmlns:p14="http://schemas.microsoft.com/office/powerpoint/2010/main" xmlns:aink="http://schemas.microsoft.com/office/drawing/2016/ink" Requires="p14 aink">
-            <p:contentPart p14:bwMode="auto" r:id="rId8">
-              <p14:nvContentPartPr>
-                <p14:cNvPr id="35" name="Ink 34">
-                  <a:extLst>
-                    <a:ext uri="{FF2B5EF4-FFF2-40B4-BE49-F238E27FC236}">
-                      <a16:creationId xmlns:a16="http://schemas.microsoft.com/office/drawing/2014/main" id="{6F75F1D6-2D33-34DC-5881-87EB81B9BC9F}"/>
-                    </a:ext>
-                  </a:extLst>
-                </p14:cNvPr>
-                <p14:cNvContentPartPr/>
-                <p14:nvPr/>
-              </p14:nvContentPartPr>
-              <p14:xfrm>
-                <a:off x="2582745" y="2918607"/>
-                <a:ext cx="45000" cy="270000"/>
-              </p14:xfrm>
-            </p:contentPart>
-          </mc:Choice>
-          <mc:Fallback>
-            <p:pic>
-              <p:nvPicPr>
-                <p:cNvPr id="35" name="Ink 34">
-                  <a:extLst>
-                    <a:ext uri="{FF2B5EF4-FFF2-40B4-BE49-F238E27FC236}">
-                      <a16:creationId xmlns:a16="http://schemas.microsoft.com/office/drawing/2014/main" id="{6F75F1D6-2D33-34DC-5881-87EB81B9BC9F}"/>
-                    </a:ext>
-                  </a:extLst>
-                </p:cNvPr>
-                <p:cNvPicPr/>
-                <p:nvPr/>
-              </p:nvPicPr>
-              <p:blipFill>
-                <a:blip r:embed="rId9"/>
-                <a:stretch>
-                  <a:fillRect/>
-                </a:stretch>
-              </p:blipFill>
-              <p:spPr>
-                <a:xfrm>
-                  <a:off x="2576625" y="2912487"/>
-                  <a:ext cx="57240" cy="282240"/>
-                </a:xfrm>
-                <a:prstGeom prst="rect">
-                  <a:avLst/>
-                </a:prstGeom>
-              </p:spPr>
-            </p:pic>
-          </mc:Fallback>
-        </mc:AlternateContent>
-        <mc:AlternateContent xmlns:mc="http://schemas.openxmlformats.org/markup-compatibility/2006">
-          <mc:Choice xmlns:p14="http://schemas.microsoft.com/office/powerpoint/2010/main" xmlns:aink="http://schemas.microsoft.com/office/drawing/2016/ink" Requires="p14 aink">
-            <p:contentPart p14:bwMode="auto" r:id="rId10">
-              <p14:nvContentPartPr>
-                <p14:cNvPr id="36" name="Ink 35">
-                  <a:extLst>
-                    <a:ext uri="{FF2B5EF4-FFF2-40B4-BE49-F238E27FC236}">
-                      <a16:creationId xmlns:a16="http://schemas.microsoft.com/office/drawing/2014/main" id="{6542BBAF-42FB-C442-E9C5-8C2A9A0CEA36}"/>
-                    </a:ext>
-                  </a:extLst>
-                </p14:cNvPr>
-                <p14:cNvContentPartPr/>
-                <p14:nvPr/>
-              </p14:nvContentPartPr>
-              <p14:xfrm>
-                <a:off x="2429385" y="3143967"/>
-                <a:ext cx="185040" cy="24840"/>
-              </p14:xfrm>
-            </p:contentPart>
-          </mc:Choice>
-          <mc:Fallback>
-            <p:pic>
-              <p:nvPicPr>
-                <p:cNvPr id="36" name="Ink 35">
-                  <a:extLst>
-                    <a:ext uri="{FF2B5EF4-FFF2-40B4-BE49-F238E27FC236}">
-                      <a16:creationId xmlns:a16="http://schemas.microsoft.com/office/drawing/2014/main" id="{6542BBAF-42FB-C442-E9C5-8C2A9A0CEA36}"/>
-                    </a:ext>
-                  </a:extLst>
-                </p:cNvPr>
-                <p:cNvPicPr/>
-                <p:nvPr/>
-              </p:nvPicPr>
-              <p:blipFill>
-                <a:blip r:embed="rId11"/>
-                <a:stretch>
-                  <a:fillRect/>
-                </a:stretch>
-              </p:blipFill>
-              <p:spPr>
-                <a:xfrm>
-                  <a:off x="2423265" y="3137847"/>
-                  <a:ext cx="197280" cy="37080"/>
-                </a:xfrm>
-                <a:prstGeom prst="rect">
-                  <a:avLst/>
-                </a:prstGeom>
-              </p:spPr>
-            </p:pic>
-          </mc:Fallback>
-        </mc:AlternateContent>
-        <mc:AlternateContent xmlns:mc="http://schemas.openxmlformats.org/markup-compatibility/2006">
-          <mc:Choice xmlns:p14="http://schemas.microsoft.com/office/powerpoint/2010/main" xmlns:aink="http://schemas.microsoft.com/office/drawing/2016/ink" Requires="p14 aink">
-            <p:contentPart p14:bwMode="auto" r:id="rId12">
-              <p14:nvContentPartPr>
-                <p14:cNvPr id="37" name="Ink 36">
-                  <a:extLst>
-                    <a:ext uri="{FF2B5EF4-FFF2-40B4-BE49-F238E27FC236}">
-                      <a16:creationId xmlns:a16="http://schemas.microsoft.com/office/drawing/2014/main" id="{00271248-5425-BE54-3394-E5EADB7A6AA3}"/>
-                    </a:ext>
-                  </a:extLst>
-                </p14:cNvPr>
-                <p14:cNvContentPartPr/>
-                <p14:nvPr/>
-              </p14:nvContentPartPr>
-              <p14:xfrm>
-                <a:off x="2286825" y="2801607"/>
-                <a:ext cx="501840" cy="535680"/>
-              </p14:xfrm>
-            </p:contentPart>
-          </mc:Choice>
-          <mc:Fallback>
-            <p:pic>
-              <p:nvPicPr>
-                <p:cNvPr id="37" name="Ink 36">
-                  <a:extLst>
-                    <a:ext uri="{FF2B5EF4-FFF2-40B4-BE49-F238E27FC236}">
-                      <a16:creationId xmlns:a16="http://schemas.microsoft.com/office/drawing/2014/main" id="{00271248-5425-BE54-3394-E5EADB7A6AA3}"/>
-                    </a:ext>
-                  </a:extLst>
-                </p:cNvPr>
-                <p:cNvPicPr/>
-                <p:nvPr/>
-              </p:nvPicPr>
-              <p:blipFill>
-                <a:blip r:embed="rId13"/>
-                <a:stretch>
-                  <a:fillRect/>
-                </a:stretch>
-              </p:blipFill>
-              <p:spPr>
-                <a:xfrm>
-                  <a:off x="2280705" y="2795487"/>
-                  <a:ext cx="514080" cy="547920"/>
-                </a:xfrm>
-                <a:prstGeom prst="rect">
-                  <a:avLst/>
-                </a:prstGeom>
-              </p:spPr>
-            </p:pic>
-          </mc:Fallback>
-        </mc:AlternateContent>
-        <mc:AlternateContent xmlns:mc="http://schemas.openxmlformats.org/markup-compatibility/2006">
-          <mc:Choice xmlns:p14="http://schemas.microsoft.com/office/powerpoint/2010/main" xmlns:aink="http://schemas.microsoft.com/office/drawing/2016/ink" Requires="p14 aink">
-            <p:contentPart p14:bwMode="auto" r:id="rId14">
-              <p14:nvContentPartPr>
-                <p14:cNvPr id="39" name="Ink 38">
-                  <a:extLst>
-                    <a:ext uri="{FF2B5EF4-FFF2-40B4-BE49-F238E27FC236}">
-                      <a16:creationId xmlns:a16="http://schemas.microsoft.com/office/drawing/2014/main" id="{8BECA98B-C532-6E37-56A7-BA6EF20B90CC}"/>
-                    </a:ext>
-                  </a:extLst>
-                </p14:cNvPr>
-                <p14:cNvContentPartPr/>
-                <p14:nvPr/>
-              </p14:nvContentPartPr>
-              <p14:xfrm>
-                <a:off x="3597225" y="2985927"/>
-                <a:ext cx="81000" cy="439560"/>
-              </p14:xfrm>
-            </p:contentPart>
-          </mc:Choice>
-          <mc:Fallback>
-            <p:pic>
-              <p:nvPicPr>
-                <p:cNvPr id="39" name="Ink 38">
-                  <a:extLst>
-                    <a:ext uri="{FF2B5EF4-FFF2-40B4-BE49-F238E27FC236}">
-                      <a16:creationId xmlns:a16="http://schemas.microsoft.com/office/drawing/2014/main" id="{8BECA98B-C532-6E37-56A7-BA6EF20B90CC}"/>
-                    </a:ext>
-                  </a:extLst>
-                </p:cNvPr>
-                <p:cNvPicPr/>
-                <p:nvPr/>
-              </p:nvPicPr>
-              <p:blipFill>
-                <a:blip r:embed="rId15"/>
-                <a:stretch>
-                  <a:fillRect/>
-                </a:stretch>
-              </p:blipFill>
-              <p:spPr>
-                <a:xfrm>
-                  <a:off x="3591105" y="2979807"/>
-                  <a:ext cx="93240" cy="451800"/>
-                </a:xfrm>
-                <a:prstGeom prst="rect">
-                  <a:avLst/>
-                </a:prstGeom>
-              </p:spPr>
-            </p:pic>
-          </mc:Fallback>
-        </mc:AlternateContent>
-        <mc:AlternateContent xmlns:mc="http://schemas.openxmlformats.org/markup-compatibility/2006">
-          <mc:Choice xmlns:p14="http://schemas.microsoft.com/office/powerpoint/2010/main" xmlns:aink="http://schemas.microsoft.com/office/drawing/2016/ink" Requires="p14 aink">
-            <p:contentPart p14:bwMode="auto" r:id="rId16">
-              <p14:nvContentPartPr>
-                <p14:cNvPr id="40" name="Ink 39">
-                  <a:extLst>
-                    <a:ext uri="{FF2B5EF4-FFF2-40B4-BE49-F238E27FC236}">
-                      <a16:creationId xmlns:a16="http://schemas.microsoft.com/office/drawing/2014/main" id="{9D146FEF-0923-BD91-8565-11F3AC4B73EA}"/>
-                    </a:ext>
-                  </a:extLst>
-                </p14:cNvPr>
-                <p14:cNvContentPartPr/>
-                <p14:nvPr/>
-              </p14:nvContentPartPr>
-              <p14:xfrm>
-                <a:off x="3591825" y="2856327"/>
-                <a:ext cx="535680" cy="537480"/>
-              </p14:xfrm>
-            </p:contentPart>
-          </mc:Choice>
-          <mc:Fallback>
-            <p:pic>
-              <p:nvPicPr>
-                <p:cNvPr id="40" name="Ink 39">
-                  <a:extLst>
-                    <a:ext uri="{FF2B5EF4-FFF2-40B4-BE49-F238E27FC236}">
-                      <a16:creationId xmlns:a16="http://schemas.microsoft.com/office/drawing/2014/main" id="{9D146FEF-0923-BD91-8565-11F3AC4B73EA}"/>
-                    </a:ext>
-                  </a:extLst>
-                </p:cNvPr>
-                <p:cNvPicPr/>
-                <p:nvPr/>
-              </p:nvPicPr>
-              <p:blipFill>
-                <a:blip r:embed="rId17"/>
-                <a:stretch>
-                  <a:fillRect/>
-                </a:stretch>
-              </p:blipFill>
-              <p:spPr>
-                <a:xfrm>
-                  <a:off x="3585705" y="2850207"/>
-                  <a:ext cx="547920" cy="549720"/>
-                </a:xfrm>
-                <a:prstGeom prst="rect">
-                  <a:avLst/>
-                </a:prstGeom>
-              </p:spPr>
-            </p:pic>
-          </mc:Fallback>
-        </mc:AlternateContent>
-        <mc:AlternateContent xmlns:mc="http://schemas.openxmlformats.org/markup-compatibility/2006">
-          <mc:Choice xmlns:p14="http://schemas.microsoft.com/office/powerpoint/2010/main" xmlns:aink="http://schemas.microsoft.com/office/drawing/2016/ink" Requires="p14 aink">
-            <p:contentPart p14:bwMode="auto" r:id="rId18">
-              <p14:nvContentPartPr>
-                <p14:cNvPr id="41" name="Ink 40">
-                  <a:extLst>
-                    <a:ext uri="{FF2B5EF4-FFF2-40B4-BE49-F238E27FC236}">
-                      <a16:creationId xmlns:a16="http://schemas.microsoft.com/office/drawing/2014/main" id="{933201F9-2B5F-3C19-D826-1E217E35C177}"/>
-                    </a:ext>
-                  </a:extLst>
-                </p14:cNvPr>
-                <p14:cNvContentPartPr/>
-                <p14:nvPr/>
-              </p14:nvContentPartPr>
-              <p14:xfrm>
-                <a:off x="4729425" y="2935887"/>
-                <a:ext cx="37440" cy="274680"/>
-              </p14:xfrm>
-            </p:contentPart>
-          </mc:Choice>
-          <mc:Fallback>
-            <p:pic>
-              <p:nvPicPr>
-                <p:cNvPr id="41" name="Ink 40">
-                  <a:extLst>
-                    <a:ext uri="{FF2B5EF4-FFF2-40B4-BE49-F238E27FC236}">
-                      <a16:creationId xmlns:a16="http://schemas.microsoft.com/office/drawing/2014/main" id="{933201F9-2B5F-3C19-D826-1E217E35C177}"/>
-                    </a:ext>
-                  </a:extLst>
-                </p:cNvPr>
-                <p:cNvPicPr/>
-                <p:nvPr/>
-              </p:nvPicPr>
-              <p:blipFill>
-                <a:blip r:embed="rId19"/>
-                <a:stretch>
-                  <a:fillRect/>
-                </a:stretch>
-              </p:blipFill>
-              <p:spPr>
-                <a:xfrm>
-                  <a:off x="4723305" y="2929767"/>
-                  <a:ext cx="49680" cy="286920"/>
-                </a:xfrm>
-                <a:prstGeom prst="rect">
-                  <a:avLst/>
-                </a:prstGeom>
-              </p:spPr>
-            </p:pic>
-          </mc:Fallback>
-        </mc:AlternateContent>
-        <mc:AlternateContent xmlns:mc="http://schemas.openxmlformats.org/markup-compatibility/2006">
-          <mc:Choice xmlns:p14="http://schemas.microsoft.com/office/powerpoint/2010/main" xmlns:aink="http://schemas.microsoft.com/office/drawing/2016/ink" Requires="p14 aink">
-            <p:contentPart p14:bwMode="auto" r:id="rId20">
-              <p14:nvContentPartPr>
-                <p14:cNvPr id="42" name="Ink 41">
-                  <a:extLst>
-                    <a:ext uri="{FF2B5EF4-FFF2-40B4-BE49-F238E27FC236}">
-                      <a16:creationId xmlns:a16="http://schemas.microsoft.com/office/drawing/2014/main" id="{8401E5B2-3032-66B4-72C2-7CC26E86D612}"/>
-                    </a:ext>
-                  </a:extLst>
-                </p14:cNvPr>
-                <p14:cNvContentPartPr/>
-                <p14:nvPr/>
-              </p14:nvContentPartPr>
-              <p14:xfrm>
-                <a:off x="4780905" y="2849487"/>
-                <a:ext cx="395640" cy="488160"/>
-              </p14:xfrm>
-            </p:contentPart>
-          </mc:Choice>
-          <mc:Fallback>
-            <p:pic>
-              <p:nvPicPr>
-                <p:cNvPr id="42" name="Ink 41">
-                  <a:extLst>
-                    <a:ext uri="{FF2B5EF4-FFF2-40B4-BE49-F238E27FC236}">
-                      <a16:creationId xmlns:a16="http://schemas.microsoft.com/office/drawing/2014/main" id="{8401E5B2-3032-66B4-72C2-7CC26E86D612}"/>
-                    </a:ext>
-                  </a:extLst>
-                </p:cNvPr>
-                <p:cNvPicPr/>
-                <p:nvPr/>
-              </p:nvPicPr>
-              <p:blipFill>
-                <a:blip r:embed="rId21"/>
-                <a:stretch>
-                  <a:fillRect/>
-                </a:stretch>
-              </p:blipFill>
-              <p:spPr>
-                <a:xfrm>
-                  <a:off x="4774785" y="2843367"/>
-                  <a:ext cx="407880" cy="500400"/>
-                </a:xfrm>
-                <a:prstGeom prst="rect">
-                  <a:avLst/>
-                </a:prstGeom>
-              </p:spPr>
-            </p:pic>
-          </mc:Fallback>
-        </mc:AlternateContent>
-        <mc:AlternateContent xmlns:mc="http://schemas.openxmlformats.org/markup-compatibility/2006">
-          <mc:Choice xmlns:p14="http://schemas.microsoft.com/office/powerpoint/2010/main" xmlns:aink="http://schemas.microsoft.com/office/drawing/2016/ink" Requires="p14 aink">
-            <p:contentPart p14:bwMode="auto" r:id="rId22">
-              <p14:nvContentPartPr>
-                <p14:cNvPr id="43" name="Ink 42">
-                  <a:extLst>
-                    <a:ext uri="{FF2B5EF4-FFF2-40B4-BE49-F238E27FC236}">
-                      <a16:creationId xmlns:a16="http://schemas.microsoft.com/office/drawing/2014/main" id="{65D2ED0F-8FE9-435F-580B-94E4610BEF35}"/>
-                    </a:ext>
-                  </a:extLst>
-                </p14:cNvPr>
-                <p14:cNvContentPartPr/>
-                <p14:nvPr/>
-              </p14:nvContentPartPr>
-              <p14:xfrm>
-                <a:off x="6171225" y="2900967"/>
-                <a:ext cx="158400" cy="270000"/>
-              </p14:xfrm>
-            </p:contentPart>
-          </mc:Choice>
-          <mc:Fallback>
-            <p:pic>
-              <p:nvPicPr>
-                <p:cNvPr id="43" name="Ink 42">
-                  <a:extLst>
-                    <a:ext uri="{FF2B5EF4-FFF2-40B4-BE49-F238E27FC236}">
-                      <a16:creationId xmlns:a16="http://schemas.microsoft.com/office/drawing/2014/main" id="{65D2ED0F-8FE9-435F-580B-94E4610BEF35}"/>
-                    </a:ext>
-                  </a:extLst>
-                </p:cNvPr>
-                <p:cNvPicPr/>
-                <p:nvPr/>
-              </p:nvPicPr>
-              <p:blipFill>
-                <a:blip r:embed="rId23"/>
-                <a:stretch>
-                  <a:fillRect/>
-                </a:stretch>
-              </p:blipFill>
-              <p:spPr>
-                <a:xfrm>
-                  <a:off x="6165105" y="2894847"/>
-                  <a:ext cx="170640" cy="282240"/>
-                </a:xfrm>
-                <a:prstGeom prst="rect">
-                  <a:avLst/>
-                </a:prstGeom>
-              </p:spPr>
-            </p:pic>
-          </mc:Fallback>
-        </mc:AlternateContent>
-        <mc:AlternateContent xmlns:mc="http://schemas.openxmlformats.org/markup-compatibility/2006">
-          <mc:Choice xmlns:p14="http://schemas.microsoft.com/office/powerpoint/2010/main" xmlns:aink="http://schemas.microsoft.com/office/drawing/2016/ink" Requires="p14 aink">
-            <p:contentPart p14:bwMode="auto" r:id="rId24">
-              <p14:nvContentPartPr>
-                <p14:cNvPr id="44" name="Ink 43">
-                  <a:extLst>
-                    <a:ext uri="{FF2B5EF4-FFF2-40B4-BE49-F238E27FC236}">
-                      <a16:creationId xmlns:a16="http://schemas.microsoft.com/office/drawing/2014/main" id="{964F8143-B623-651B-00AC-CAF07691B290}"/>
-                    </a:ext>
-                  </a:extLst>
-                </p14:cNvPr>
-                <p14:cNvContentPartPr/>
-                <p14:nvPr/>
-              </p14:nvContentPartPr>
-              <p14:xfrm>
-                <a:off x="5665065" y="2847327"/>
-                <a:ext cx="916200" cy="597960"/>
-              </p14:xfrm>
-            </p:contentPart>
-          </mc:Choice>
-          <mc:Fallback>
-            <p:pic>
-              <p:nvPicPr>
-                <p:cNvPr id="44" name="Ink 43">
-                  <a:extLst>
-                    <a:ext uri="{FF2B5EF4-FFF2-40B4-BE49-F238E27FC236}">
-                      <a16:creationId xmlns:a16="http://schemas.microsoft.com/office/drawing/2014/main" id="{964F8143-B623-651B-00AC-CAF07691B290}"/>
-                    </a:ext>
-                  </a:extLst>
-                </p:cNvPr>
-                <p:cNvPicPr/>
-                <p:nvPr/>
-              </p:nvPicPr>
-              <p:blipFill>
-                <a:blip r:embed="rId25"/>
-                <a:stretch>
-                  <a:fillRect/>
-                </a:stretch>
-              </p:blipFill>
-              <p:spPr>
-                <a:xfrm>
-                  <a:off x="5658945" y="2841207"/>
-                  <a:ext cx="928440" cy="610200"/>
-                </a:xfrm>
-                <a:prstGeom prst="rect">
-                  <a:avLst/>
-                </a:prstGeom>
-              </p:spPr>
-            </p:pic>
-          </mc:Fallback>
-        </mc:AlternateContent>
-        <mc:AlternateContent xmlns:mc="http://schemas.openxmlformats.org/markup-compatibility/2006">
-          <mc:Choice xmlns:p14="http://schemas.microsoft.com/office/powerpoint/2010/main" xmlns:aink="http://schemas.microsoft.com/office/drawing/2016/ink" Requires="p14 aink">
-            <p:contentPart p14:bwMode="auto" r:id="rId26">
-              <p14:nvContentPartPr>
-                <p14:cNvPr id="47" name="Ink 46">
-                  <a:extLst>
-                    <a:ext uri="{FF2B5EF4-FFF2-40B4-BE49-F238E27FC236}">
-                      <a16:creationId xmlns:a16="http://schemas.microsoft.com/office/drawing/2014/main" id="{FB4CA3DC-FC90-FE4C-5387-75C94CC31F08}"/>
-                    </a:ext>
-                  </a:extLst>
-                </p14:cNvPr>
-                <p14:cNvContentPartPr/>
-                <p14:nvPr/>
-              </p14:nvContentPartPr>
-              <p14:xfrm>
-                <a:off x="4317225" y="3845967"/>
-                <a:ext cx="98640" cy="344880"/>
-              </p14:xfrm>
-            </p:contentPart>
-          </mc:Choice>
-          <mc:Fallback>
-            <p:pic>
-              <p:nvPicPr>
-                <p:cNvPr id="47" name="Ink 46">
-                  <a:extLst>
-                    <a:ext uri="{FF2B5EF4-FFF2-40B4-BE49-F238E27FC236}">
-                      <a16:creationId xmlns:a16="http://schemas.microsoft.com/office/drawing/2014/main" id="{FB4CA3DC-FC90-FE4C-5387-75C94CC31F08}"/>
-                    </a:ext>
-                  </a:extLst>
-                </p:cNvPr>
-                <p:cNvPicPr/>
-                <p:nvPr/>
-              </p:nvPicPr>
-              <p:blipFill>
-                <a:blip r:embed="rId27"/>
-                <a:stretch>
-                  <a:fillRect/>
-                </a:stretch>
-              </p:blipFill>
-              <p:spPr>
-                <a:xfrm>
-                  <a:off x="4311105" y="3839847"/>
-                  <a:ext cx="110880" cy="357120"/>
-                </a:xfrm>
-                <a:prstGeom prst="rect">
-                  <a:avLst/>
-                </a:prstGeom>
-              </p:spPr>
-            </p:pic>
-          </mc:Fallback>
-        </mc:AlternateContent>
-        <mc:AlternateContent xmlns:mc="http://schemas.openxmlformats.org/markup-compatibility/2006">
-          <mc:Choice xmlns:p14="http://schemas.microsoft.com/office/powerpoint/2010/main" xmlns:aink="http://schemas.microsoft.com/office/drawing/2016/ink" Requires="p14 aink">
-            <p:contentPart p14:bwMode="auto" r:id="rId28">
-              <p14:nvContentPartPr>
-                <p14:cNvPr id="48" name="Ink 47">
-                  <a:extLst>
-                    <a:ext uri="{FF2B5EF4-FFF2-40B4-BE49-F238E27FC236}">
-                      <a16:creationId xmlns:a16="http://schemas.microsoft.com/office/drawing/2014/main" id="{CDD12C7A-6638-9075-EF2B-57D24A7356FC}"/>
-                    </a:ext>
-                  </a:extLst>
-                </p14:cNvPr>
-                <p14:cNvContentPartPr/>
-                <p14:nvPr/>
-              </p14:nvContentPartPr>
-              <p14:xfrm>
-                <a:off x="4292745" y="3798807"/>
-                <a:ext cx="1745640" cy="567360"/>
-              </p14:xfrm>
-            </p:contentPart>
-          </mc:Choice>
-          <mc:Fallback>
-            <p:pic>
-              <p:nvPicPr>
-                <p:cNvPr id="48" name="Ink 47">
-                  <a:extLst>
-                    <a:ext uri="{FF2B5EF4-FFF2-40B4-BE49-F238E27FC236}">
-                      <a16:creationId xmlns:a16="http://schemas.microsoft.com/office/drawing/2014/main" id="{CDD12C7A-6638-9075-EF2B-57D24A7356FC}"/>
-                    </a:ext>
-                  </a:extLst>
-                </p:cNvPr>
-                <p:cNvPicPr/>
-                <p:nvPr/>
-              </p:nvPicPr>
-              <p:blipFill>
-                <a:blip r:embed="rId29"/>
-                <a:stretch>
-                  <a:fillRect/>
-                </a:stretch>
-              </p:blipFill>
-              <p:spPr>
-                <a:xfrm>
-                  <a:off x="4286625" y="3792687"/>
-                  <a:ext cx="1757880" cy="579600"/>
-                </a:xfrm>
-                <a:prstGeom prst="rect">
-                  <a:avLst/>
-                </a:prstGeom>
-              </p:spPr>
-            </p:pic>
-          </mc:Fallback>
-        </mc:AlternateContent>
-        <mc:AlternateContent xmlns:mc="http://schemas.openxmlformats.org/markup-compatibility/2006">
-          <mc:Choice xmlns:p14="http://schemas.microsoft.com/office/powerpoint/2010/main" xmlns:aink="http://schemas.microsoft.com/office/drawing/2016/ink" Requires="p14 aink">
-            <p:contentPart p14:bwMode="auto" r:id="rId30">
-              <p14:nvContentPartPr>
-                <p14:cNvPr id="49" name="Ink 48">
-                  <a:extLst>
-                    <a:ext uri="{FF2B5EF4-FFF2-40B4-BE49-F238E27FC236}">
-                      <a16:creationId xmlns:a16="http://schemas.microsoft.com/office/drawing/2014/main" id="{1871645E-F3E7-5792-C0F3-6D9D0DD27ECF}"/>
-                    </a:ext>
-                  </a:extLst>
-                </p14:cNvPr>
-                <p14:cNvContentPartPr/>
-                <p14:nvPr/>
-              </p14:nvContentPartPr>
-              <p14:xfrm>
-                <a:off x="4529625" y="3964407"/>
-                <a:ext cx="41760" cy="184680"/>
-              </p14:xfrm>
-            </p:contentPart>
-          </mc:Choice>
-          <mc:Fallback>
-            <p:pic>
-              <p:nvPicPr>
-                <p:cNvPr id="49" name="Ink 48">
-                  <a:extLst>
-                    <a:ext uri="{FF2B5EF4-FFF2-40B4-BE49-F238E27FC236}">
-                      <a16:creationId xmlns:a16="http://schemas.microsoft.com/office/drawing/2014/main" id="{1871645E-F3E7-5792-C0F3-6D9D0DD27ECF}"/>
-                    </a:ext>
-                  </a:extLst>
-                </p:cNvPr>
-                <p:cNvPicPr/>
-                <p:nvPr/>
-              </p:nvPicPr>
-              <p:blipFill>
-                <a:blip r:embed="rId31"/>
-                <a:stretch>
-                  <a:fillRect/>
-                </a:stretch>
-              </p:blipFill>
-              <p:spPr>
-                <a:xfrm>
-                  <a:off x="4523505" y="3958287"/>
-                  <a:ext cx="54000" cy="196920"/>
-                </a:xfrm>
-                <a:prstGeom prst="rect">
-                  <a:avLst/>
-                </a:prstGeom>
-              </p:spPr>
-            </p:pic>
-          </mc:Fallback>
-        </mc:AlternateContent>
-        <mc:AlternateContent xmlns:mc="http://schemas.openxmlformats.org/markup-compatibility/2006">
-          <mc:Choice xmlns:p14="http://schemas.microsoft.com/office/powerpoint/2010/main" xmlns:aink="http://schemas.microsoft.com/office/drawing/2016/ink" Requires="p14 aink">
-            <p:contentPart p14:bwMode="auto" r:id="rId32">
-              <p14:nvContentPartPr>
-                <p14:cNvPr id="50" name="Ink 49">
-                  <a:extLst>
-                    <a:ext uri="{FF2B5EF4-FFF2-40B4-BE49-F238E27FC236}">
-                      <a16:creationId xmlns:a16="http://schemas.microsoft.com/office/drawing/2014/main" id="{50923F22-8611-C485-7E07-786DE7E52647}"/>
-                    </a:ext>
-                  </a:extLst>
-                </p14:cNvPr>
-                <p14:cNvContentPartPr/>
-                <p14:nvPr/>
-              </p14:nvContentPartPr>
-              <p14:xfrm>
-                <a:off x="4580385" y="3973767"/>
-                <a:ext cx="111600" cy="168480"/>
-              </p14:xfrm>
-            </p:contentPart>
-          </mc:Choice>
-          <mc:Fallback>
-            <p:pic>
-              <p:nvPicPr>
-                <p:cNvPr id="50" name="Ink 49">
-                  <a:extLst>
-                    <a:ext uri="{FF2B5EF4-FFF2-40B4-BE49-F238E27FC236}">
-                      <a16:creationId xmlns:a16="http://schemas.microsoft.com/office/drawing/2014/main" id="{50923F22-8611-C485-7E07-786DE7E52647}"/>
-                    </a:ext>
-                  </a:extLst>
-                </p:cNvPr>
-                <p:cNvPicPr/>
-                <p:nvPr/>
-              </p:nvPicPr>
-              <p:blipFill>
-                <a:blip r:embed="rId33"/>
-                <a:stretch>
-                  <a:fillRect/>
-                </a:stretch>
-              </p:blipFill>
-              <p:spPr>
-                <a:xfrm>
-                  <a:off x="4574265" y="3967647"/>
-                  <a:ext cx="123840" cy="180720"/>
-                </a:xfrm>
-                <a:prstGeom prst="rect">
-                  <a:avLst/>
-                </a:prstGeom>
-              </p:spPr>
-            </p:pic>
-          </mc:Fallback>
-        </mc:AlternateContent>
-        <mc:AlternateContent xmlns:mc="http://schemas.openxmlformats.org/markup-compatibility/2006">
-          <mc:Choice xmlns:p14="http://schemas.microsoft.com/office/powerpoint/2010/main" xmlns:aink="http://schemas.microsoft.com/office/drawing/2016/ink" Requires="p14 aink">
-            <p:contentPart p14:bwMode="auto" r:id="rId34">
-              <p14:nvContentPartPr>
-                <p14:cNvPr id="51" name="Ink 50">
-                  <a:extLst>
-                    <a:ext uri="{FF2B5EF4-FFF2-40B4-BE49-F238E27FC236}">
-                      <a16:creationId xmlns:a16="http://schemas.microsoft.com/office/drawing/2014/main" id="{9DF1D768-FC66-13B5-FCAA-8C79D88200D4}"/>
-                    </a:ext>
-                  </a:extLst>
-                </p14:cNvPr>
-                <p14:cNvContentPartPr/>
-                <p14:nvPr/>
-              </p14:nvContentPartPr>
-              <p14:xfrm>
-                <a:off x="4726545" y="4022007"/>
-                <a:ext cx="156960" cy="116280"/>
-              </p14:xfrm>
-            </p:contentPart>
-          </mc:Choice>
-          <mc:Fallback>
-            <p:pic>
-              <p:nvPicPr>
-                <p:cNvPr id="51" name="Ink 50">
-                  <a:extLst>
-                    <a:ext uri="{FF2B5EF4-FFF2-40B4-BE49-F238E27FC236}">
-                      <a16:creationId xmlns:a16="http://schemas.microsoft.com/office/drawing/2014/main" id="{9DF1D768-FC66-13B5-FCAA-8C79D88200D4}"/>
-                    </a:ext>
-                  </a:extLst>
-                </p:cNvPr>
-                <p:cNvPicPr/>
-                <p:nvPr/>
-              </p:nvPicPr>
-              <p:blipFill>
-                <a:blip r:embed="rId35"/>
-                <a:stretch>
-                  <a:fillRect/>
-                </a:stretch>
-              </p:blipFill>
-              <p:spPr>
-                <a:xfrm>
-                  <a:off x="4720425" y="4015887"/>
-                  <a:ext cx="169200" cy="128520"/>
-                </a:xfrm>
-                <a:prstGeom prst="rect">
-                  <a:avLst/>
-                </a:prstGeom>
-              </p:spPr>
-            </p:pic>
-          </mc:Fallback>
-        </mc:AlternateContent>
-        <mc:AlternateContent xmlns:mc="http://schemas.openxmlformats.org/markup-compatibility/2006">
-          <mc:Choice xmlns:p14="http://schemas.microsoft.com/office/powerpoint/2010/main" xmlns:aink="http://schemas.microsoft.com/office/drawing/2016/ink" Requires="p14 aink">
-            <p:contentPart p14:bwMode="auto" r:id="rId36">
-              <p14:nvContentPartPr>
-                <p14:cNvPr id="52" name="Ink 51">
-                  <a:extLst>
-                    <a:ext uri="{FF2B5EF4-FFF2-40B4-BE49-F238E27FC236}">
-                      <a16:creationId xmlns:a16="http://schemas.microsoft.com/office/drawing/2014/main" id="{EBB055DF-2F80-7B3C-B38D-44CE07D0D34C}"/>
-                    </a:ext>
-                  </a:extLst>
-                </p14:cNvPr>
-                <p14:cNvContentPartPr/>
-                <p14:nvPr/>
-              </p14:nvContentPartPr>
-              <p14:xfrm>
-                <a:off x="4901865" y="4008687"/>
-                <a:ext cx="110880" cy="150480"/>
-              </p14:xfrm>
-            </p:contentPart>
-          </mc:Choice>
-          <mc:Fallback>
-            <p:pic>
-              <p:nvPicPr>
-                <p:cNvPr id="52" name="Ink 51">
-                  <a:extLst>
-                    <a:ext uri="{FF2B5EF4-FFF2-40B4-BE49-F238E27FC236}">
-                      <a16:creationId xmlns:a16="http://schemas.microsoft.com/office/drawing/2014/main" id="{EBB055DF-2F80-7B3C-B38D-44CE07D0D34C}"/>
-                    </a:ext>
-                  </a:extLst>
-                </p:cNvPr>
-                <p:cNvPicPr/>
-                <p:nvPr/>
-              </p:nvPicPr>
-              <p:blipFill>
-                <a:blip r:embed="rId37"/>
-                <a:stretch>
-                  <a:fillRect/>
-                </a:stretch>
-              </p:blipFill>
-              <p:spPr>
-                <a:xfrm>
-                  <a:off x="4895745" y="4002567"/>
-                  <a:ext cx="123120" cy="162720"/>
-                </a:xfrm>
-                <a:prstGeom prst="rect">
-                  <a:avLst/>
-                </a:prstGeom>
-              </p:spPr>
-            </p:pic>
-          </mc:Fallback>
-        </mc:AlternateContent>
-        <mc:AlternateContent xmlns:mc="http://schemas.openxmlformats.org/markup-compatibility/2006">
-          <mc:Choice xmlns:p14="http://schemas.microsoft.com/office/powerpoint/2010/main" xmlns:aink="http://schemas.microsoft.com/office/drawing/2016/ink" Requires="p14 aink">
-            <p:contentPart p14:bwMode="auto" r:id="rId38">
-              <p14:nvContentPartPr>
-                <p14:cNvPr id="53" name="Ink 52">
-                  <a:extLst>
-                    <a:ext uri="{FF2B5EF4-FFF2-40B4-BE49-F238E27FC236}">
-                      <a16:creationId xmlns:a16="http://schemas.microsoft.com/office/drawing/2014/main" id="{05449953-8846-179D-D21F-4571E2F8DC38}"/>
-                    </a:ext>
-                  </a:extLst>
-                </p14:cNvPr>
-                <p14:cNvContentPartPr/>
-                <p14:nvPr/>
-              </p14:nvContentPartPr>
-              <p14:xfrm>
-                <a:off x="5131905" y="4007607"/>
-                <a:ext cx="96480" cy="161640"/>
-              </p14:xfrm>
-            </p:contentPart>
-          </mc:Choice>
-          <mc:Fallback>
-            <p:pic>
-              <p:nvPicPr>
-                <p:cNvPr id="53" name="Ink 52">
-                  <a:extLst>
-                    <a:ext uri="{FF2B5EF4-FFF2-40B4-BE49-F238E27FC236}">
-                      <a16:creationId xmlns:a16="http://schemas.microsoft.com/office/drawing/2014/main" id="{05449953-8846-179D-D21F-4571E2F8DC38}"/>
-                    </a:ext>
-                  </a:extLst>
-                </p:cNvPr>
-                <p:cNvPicPr/>
-                <p:nvPr/>
-              </p:nvPicPr>
-              <p:blipFill>
-                <a:blip r:embed="rId39"/>
-                <a:stretch>
-                  <a:fillRect/>
-                </a:stretch>
-              </p:blipFill>
-              <p:spPr>
-                <a:xfrm>
-                  <a:off x="5125785" y="4001487"/>
-                  <a:ext cx="108720" cy="173880"/>
-                </a:xfrm>
-                <a:prstGeom prst="rect">
-                  <a:avLst/>
-                </a:prstGeom>
-              </p:spPr>
-            </p:pic>
-          </mc:Fallback>
-        </mc:AlternateContent>
-        <mc:AlternateContent xmlns:mc="http://schemas.openxmlformats.org/markup-compatibility/2006">
-          <mc:Choice xmlns:p14="http://schemas.microsoft.com/office/powerpoint/2010/main" xmlns:aink="http://schemas.microsoft.com/office/drawing/2016/ink" Requires="p14 aink">
-            <p:contentPart p14:bwMode="auto" r:id="rId40">
-              <p14:nvContentPartPr>
-                <p14:cNvPr id="54" name="Ink 53">
-                  <a:extLst>
-                    <a:ext uri="{FF2B5EF4-FFF2-40B4-BE49-F238E27FC236}">
-                      <a16:creationId xmlns:a16="http://schemas.microsoft.com/office/drawing/2014/main" id="{F748D00B-ACF9-4FE0-8FDD-793E4B105DB9}"/>
-                    </a:ext>
-                  </a:extLst>
-                </p14:cNvPr>
-                <p14:cNvContentPartPr/>
-                <p14:nvPr/>
-              </p14:nvContentPartPr>
-              <p14:xfrm>
-                <a:off x="5287425" y="4079967"/>
-                <a:ext cx="39600" cy="82440"/>
-              </p14:xfrm>
-            </p:contentPart>
-          </mc:Choice>
-          <mc:Fallback>
-            <p:pic>
-              <p:nvPicPr>
-                <p:cNvPr id="54" name="Ink 53">
-                  <a:extLst>
-                    <a:ext uri="{FF2B5EF4-FFF2-40B4-BE49-F238E27FC236}">
-                      <a16:creationId xmlns:a16="http://schemas.microsoft.com/office/drawing/2014/main" id="{F748D00B-ACF9-4FE0-8FDD-793E4B105DB9}"/>
-                    </a:ext>
-                  </a:extLst>
-                </p:cNvPr>
-                <p:cNvPicPr/>
-                <p:nvPr/>
-              </p:nvPicPr>
-              <p:blipFill>
-                <a:blip r:embed="rId41"/>
-                <a:stretch>
-                  <a:fillRect/>
-                </a:stretch>
-              </p:blipFill>
-              <p:spPr>
-                <a:xfrm>
-                  <a:off x="5281305" y="4073847"/>
-                  <a:ext cx="51840" cy="94680"/>
-                </a:xfrm>
-                <a:prstGeom prst="rect">
-                  <a:avLst/>
-                </a:prstGeom>
-              </p:spPr>
-            </p:pic>
-          </mc:Fallback>
-        </mc:AlternateContent>
-        <mc:AlternateContent xmlns:mc="http://schemas.openxmlformats.org/markup-compatibility/2006">
-          <mc:Choice xmlns:p14="http://schemas.microsoft.com/office/powerpoint/2010/main" xmlns:aink="http://schemas.microsoft.com/office/drawing/2016/ink" Requires="p14 aink">
-            <p:contentPart p14:bwMode="auto" r:id="rId42">
-              <p14:nvContentPartPr>
-                <p14:cNvPr id="55" name="Ink 54">
-                  <a:extLst>
-                    <a:ext uri="{FF2B5EF4-FFF2-40B4-BE49-F238E27FC236}">
-                      <a16:creationId xmlns:a16="http://schemas.microsoft.com/office/drawing/2014/main" id="{6359B903-C238-9849-0642-73FD30888855}"/>
-                    </a:ext>
-                  </a:extLst>
-                </p14:cNvPr>
-                <p14:cNvContentPartPr/>
-                <p14:nvPr/>
-              </p14:nvContentPartPr>
-              <p14:xfrm>
-                <a:off x="5490105" y="3982047"/>
-                <a:ext cx="46440" cy="150840"/>
-              </p14:xfrm>
-            </p:contentPart>
-          </mc:Choice>
-          <mc:Fallback>
-            <p:pic>
-              <p:nvPicPr>
-                <p:cNvPr id="55" name="Ink 54">
-                  <a:extLst>
-                    <a:ext uri="{FF2B5EF4-FFF2-40B4-BE49-F238E27FC236}">
-                      <a16:creationId xmlns:a16="http://schemas.microsoft.com/office/drawing/2014/main" id="{6359B903-C238-9849-0642-73FD30888855}"/>
-                    </a:ext>
-                  </a:extLst>
-                </p:cNvPr>
-                <p:cNvPicPr/>
-                <p:nvPr/>
-              </p:nvPicPr>
-              <p:blipFill>
-                <a:blip r:embed="rId43"/>
-                <a:stretch>
-                  <a:fillRect/>
-                </a:stretch>
-              </p:blipFill>
-              <p:spPr>
-                <a:xfrm>
-                  <a:off x="5483985" y="3975927"/>
-                  <a:ext cx="58680" cy="163080"/>
-                </a:xfrm>
-                <a:prstGeom prst="rect">
-                  <a:avLst/>
-                </a:prstGeom>
-              </p:spPr>
-            </p:pic>
-          </mc:Fallback>
-        </mc:AlternateContent>
-        <mc:AlternateContent xmlns:mc="http://schemas.openxmlformats.org/markup-compatibility/2006">
-          <mc:Choice xmlns:p14="http://schemas.microsoft.com/office/powerpoint/2010/main" xmlns:aink="http://schemas.microsoft.com/office/drawing/2016/ink" Requires="p14 aink">
-            <p:contentPart p14:bwMode="auto" r:id="rId44">
-              <p14:nvContentPartPr>
-                <p14:cNvPr id="56" name="Ink 55">
-                  <a:extLst>
-                    <a:ext uri="{FF2B5EF4-FFF2-40B4-BE49-F238E27FC236}">
-                      <a16:creationId xmlns:a16="http://schemas.microsoft.com/office/drawing/2014/main" id="{5979A241-2FE7-D217-2FD8-DBC5504F0D01}"/>
-                    </a:ext>
-                  </a:extLst>
-                </p14:cNvPr>
-                <p14:cNvContentPartPr/>
-                <p14:nvPr/>
-              </p14:nvContentPartPr>
-              <p14:xfrm>
-                <a:off x="5442585" y="3904287"/>
-                <a:ext cx="183600" cy="50400"/>
-              </p14:xfrm>
-            </p:contentPart>
-          </mc:Choice>
-          <mc:Fallback>
-            <p:pic>
-              <p:nvPicPr>
-                <p:cNvPr id="56" name="Ink 55">
-                  <a:extLst>
-                    <a:ext uri="{FF2B5EF4-FFF2-40B4-BE49-F238E27FC236}">
-                      <a16:creationId xmlns:a16="http://schemas.microsoft.com/office/drawing/2014/main" id="{5979A241-2FE7-D217-2FD8-DBC5504F0D01}"/>
-                    </a:ext>
-                  </a:extLst>
-                </p:cNvPr>
-                <p:cNvPicPr/>
-                <p:nvPr/>
-              </p:nvPicPr>
-              <p:blipFill>
-                <a:blip r:embed="rId45"/>
-                <a:stretch>
-                  <a:fillRect/>
-                </a:stretch>
-              </p:blipFill>
-              <p:spPr>
-                <a:xfrm>
-                  <a:off x="5436465" y="3898167"/>
-                  <a:ext cx="195840" cy="62640"/>
-                </a:xfrm>
-                <a:prstGeom prst="rect">
-                  <a:avLst/>
-                </a:prstGeom>
-              </p:spPr>
-            </p:pic>
-          </mc:Fallback>
-        </mc:AlternateContent>
-        <mc:AlternateContent xmlns:mc="http://schemas.openxmlformats.org/markup-compatibility/2006">
-          <mc:Choice xmlns:p14="http://schemas.microsoft.com/office/powerpoint/2010/main" xmlns:aink="http://schemas.microsoft.com/office/drawing/2016/ink" Requires="p14 aink">
-            <p:contentPart p14:bwMode="auto" r:id="rId46">
-              <p14:nvContentPartPr>
-                <p14:cNvPr id="57" name="Ink 56">
-                  <a:extLst>
-                    <a:ext uri="{FF2B5EF4-FFF2-40B4-BE49-F238E27FC236}">
-                      <a16:creationId xmlns:a16="http://schemas.microsoft.com/office/drawing/2014/main" id="{243BEB2A-7FD1-36A5-EC09-C39A0D344F04}"/>
-                    </a:ext>
-                  </a:extLst>
-                </p14:cNvPr>
-                <p14:cNvContentPartPr/>
-                <p14:nvPr/>
-              </p14:nvContentPartPr>
-              <p14:xfrm>
-                <a:off x="5320545" y="3917607"/>
-                <a:ext cx="14760" cy="17640"/>
-              </p14:xfrm>
-            </p:contentPart>
-          </mc:Choice>
-          <mc:Fallback>
-            <p:pic>
-              <p:nvPicPr>
-                <p:cNvPr id="57" name="Ink 56">
-                  <a:extLst>
-                    <a:ext uri="{FF2B5EF4-FFF2-40B4-BE49-F238E27FC236}">
-                      <a16:creationId xmlns:a16="http://schemas.microsoft.com/office/drawing/2014/main" id="{243BEB2A-7FD1-36A5-EC09-C39A0D344F04}"/>
-                    </a:ext>
-                  </a:extLst>
-                </p:cNvPr>
-                <p:cNvPicPr/>
-                <p:nvPr/>
-              </p:nvPicPr>
-              <p:blipFill>
-                <a:blip r:embed="rId47"/>
-                <a:stretch>
-                  <a:fillRect/>
-                </a:stretch>
-              </p:blipFill>
-              <p:spPr>
-                <a:xfrm>
-                  <a:off x="5314425" y="3911487"/>
-                  <a:ext cx="27000" cy="29880"/>
-                </a:xfrm>
-                <a:prstGeom prst="rect">
-                  <a:avLst/>
-                </a:prstGeom>
-              </p:spPr>
-            </p:pic>
-          </mc:Fallback>
-        </mc:AlternateContent>
-        <mc:AlternateContent xmlns:mc="http://schemas.openxmlformats.org/markup-compatibility/2006">
-          <mc:Choice xmlns:p14="http://schemas.microsoft.com/office/powerpoint/2010/main" xmlns:aink="http://schemas.microsoft.com/office/drawing/2016/ink" Requires="p14 aink">
-            <p:contentPart p14:bwMode="auto" r:id="rId48">
-              <p14:nvContentPartPr>
-                <p14:cNvPr id="59" name="Ink 58">
-                  <a:extLst>
-                    <a:ext uri="{FF2B5EF4-FFF2-40B4-BE49-F238E27FC236}">
-                      <a16:creationId xmlns:a16="http://schemas.microsoft.com/office/drawing/2014/main" id="{46B93267-9617-5AA2-33E4-B8AA8FD7285F}"/>
-                    </a:ext>
-                  </a:extLst>
-                </p14:cNvPr>
-                <p14:cNvContentPartPr/>
-                <p14:nvPr/>
-              </p14:nvContentPartPr>
-              <p14:xfrm>
-                <a:off x="4973865" y="3343407"/>
-                <a:ext cx="25200" cy="137520"/>
-              </p14:xfrm>
-            </p:contentPart>
-          </mc:Choice>
-          <mc:Fallback>
-            <p:pic>
-              <p:nvPicPr>
-                <p:cNvPr id="59" name="Ink 58">
-                  <a:extLst>
-                    <a:ext uri="{FF2B5EF4-FFF2-40B4-BE49-F238E27FC236}">
-                      <a16:creationId xmlns:a16="http://schemas.microsoft.com/office/drawing/2014/main" id="{46B93267-9617-5AA2-33E4-B8AA8FD7285F}"/>
-                    </a:ext>
-                  </a:extLst>
-                </p:cNvPr>
-                <p:cNvPicPr/>
-                <p:nvPr/>
-              </p:nvPicPr>
-              <p:blipFill>
-                <a:blip r:embed="rId49"/>
-                <a:stretch>
-                  <a:fillRect/>
-                </a:stretch>
-              </p:blipFill>
-              <p:spPr>
-                <a:xfrm>
-                  <a:off x="4967745" y="3337287"/>
-                  <a:ext cx="37440" cy="149760"/>
-                </a:xfrm>
-                <a:prstGeom prst="rect">
-                  <a:avLst/>
-                </a:prstGeom>
-              </p:spPr>
-            </p:pic>
-          </mc:Fallback>
-        </mc:AlternateContent>
-        <mc:AlternateContent xmlns:mc="http://schemas.openxmlformats.org/markup-compatibility/2006">
-          <mc:Choice xmlns:p14="http://schemas.microsoft.com/office/powerpoint/2010/main" xmlns:aink="http://schemas.microsoft.com/office/drawing/2016/ink" Requires="p14 aink">
-            <p:contentPart p14:bwMode="auto" r:id="rId50">
-              <p14:nvContentPartPr>
-                <p14:cNvPr id="60" name="Ink 59">
-                  <a:extLst>
-                    <a:ext uri="{FF2B5EF4-FFF2-40B4-BE49-F238E27FC236}">
-                      <a16:creationId xmlns:a16="http://schemas.microsoft.com/office/drawing/2014/main" id="{3D000C0F-C948-45DA-9272-A2BA8828D134}"/>
-                    </a:ext>
-                  </a:extLst>
-                </p14:cNvPr>
-                <p14:cNvContentPartPr/>
-                <p14:nvPr/>
-              </p14:nvContentPartPr>
-              <p14:xfrm>
-                <a:off x="4958025" y="3428727"/>
-                <a:ext cx="81360" cy="99000"/>
-              </p14:xfrm>
-            </p:contentPart>
-          </mc:Choice>
-          <mc:Fallback>
-            <p:pic>
-              <p:nvPicPr>
-                <p:cNvPr id="60" name="Ink 59">
-                  <a:extLst>
-                    <a:ext uri="{FF2B5EF4-FFF2-40B4-BE49-F238E27FC236}">
-                      <a16:creationId xmlns:a16="http://schemas.microsoft.com/office/drawing/2014/main" id="{3D000C0F-C948-45DA-9272-A2BA8828D134}"/>
-                    </a:ext>
-                  </a:extLst>
-                </p:cNvPr>
-                <p:cNvPicPr/>
-                <p:nvPr/>
-              </p:nvPicPr>
-              <p:blipFill>
-                <a:blip r:embed="rId51"/>
-                <a:stretch>
-                  <a:fillRect/>
-                </a:stretch>
-              </p:blipFill>
-              <p:spPr>
-                <a:xfrm>
-                  <a:off x="4951905" y="3422607"/>
-                  <a:ext cx="93600" cy="111240"/>
-                </a:xfrm>
-                <a:prstGeom prst="rect">
-                  <a:avLst/>
-                </a:prstGeom>
-              </p:spPr>
-            </p:pic>
-          </mc:Fallback>
-        </mc:AlternateContent>
-        <mc:AlternateContent xmlns:mc="http://schemas.openxmlformats.org/markup-compatibility/2006">
-          <mc:Choice xmlns:p14="http://schemas.microsoft.com/office/powerpoint/2010/main" xmlns:aink="http://schemas.microsoft.com/office/drawing/2016/ink" Requires="p14 aink">
-            <p:contentPart p14:bwMode="auto" r:id="rId52">
-              <p14:nvContentPartPr>
-                <p14:cNvPr id="61" name="Ink 60">
-                  <a:extLst>
-                    <a:ext uri="{FF2B5EF4-FFF2-40B4-BE49-F238E27FC236}">
-                      <a16:creationId xmlns:a16="http://schemas.microsoft.com/office/drawing/2014/main" id="{0B51ACF2-A30C-D81D-CC81-6EFEF7543446}"/>
-                    </a:ext>
-                  </a:extLst>
-                </p14:cNvPr>
-                <p14:cNvContentPartPr/>
-                <p14:nvPr/>
-              </p14:nvContentPartPr>
-              <p14:xfrm>
-                <a:off x="5876025" y="3439887"/>
-                <a:ext cx="127080" cy="125280"/>
-              </p14:xfrm>
-            </p:contentPart>
-          </mc:Choice>
-          <mc:Fallback>
-            <p:pic>
-              <p:nvPicPr>
-                <p:cNvPr id="61" name="Ink 60">
-                  <a:extLst>
-                    <a:ext uri="{FF2B5EF4-FFF2-40B4-BE49-F238E27FC236}">
-                      <a16:creationId xmlns:a16="http://schemas.microsoft.com/office/drawing/2014/main" id="{0B51ACF2-A30C-D81D-CC81-6EFEF7543446}"/>
-                    </a:ext>
-                  </a:extLst>
-                </p:cNvPr>
-                <p:cNvPicPr/>
-                <p:nvPr/>
-              </p:nvPicPr>
-              <p:blipFill>
-                <a:blip r:embed="rId53"/>
-                <a:stretch>
-                  <a:fillRect/>
-                </a:stretch>
-              </p:blipFill>
-              <p:spPr>
-                <a:xfrm>
-                  <a:off x="5869905" y="3433767"/>
-                  <a:ext cx="139320" cy="137520"/>
-                </a:xfrm>
-                <a:prstGeom prst="rect">
-                  <a:avLst/>
-                </a:prstGeom>
-              </p:spPr>
-            </p:pic>
-          </mc:Fallback>
-        </mc:AlternateContent>
-        <mc:AlternateContent xmlns:mc="http://schemas.openxmlformats.org/markup-compatibility/2006">
-          <mc:Choice xmlns:p14="http://schemas.microsoft.com/office/powerpoint/2010/main" xmlns:aink="http://schemas.microsoft.com/office/drawing/2016/ink" Requires="p14 aink">
-            <p:contentPart p14:bwMode="auto" r:id="rId54">
-              <p14:nvContentPartPr>
-                <p14:cNvPr id="62" name="Ink 61">
-                  <a:extLst>
-                    <a:ext uri="{FF2B5EF4-FFF2-40B4-BE49-F238E27FC236}">
-                      <a16:creationId xmlns:a16="http://schemas.microsoft.com/office/drawing/2014/main" id="{93E67173-FF79-27A2-EAFA-8F123B844B59}"/>
-                    </a:ext>
-                  </a:extLst>
-                </p14:cNvPr>
-                <p14:cNvContentPartPr/>
-                <p14:nvPr/>
-              </p14:nvContentPartPr>
-              <p14:xfrm>
-                <a:off x="5865945" y="3465087"/>
-                <a:ext cx="148320" cy="105120"/>
-              </p14:xfrm>
-            </p:contentPart>
-          </mc:Choice>
-          <mc:Fallback>
-            <p:pic>
-              <p:nvPicPr>
-                <p:cNvPr id="62" name="Ink 61">
-                  <a:extLst>
-                    <a:ext uri="{FF2B5EF4-FFF2-40B4-BE49-F238E27FC236}">
-                      <a16:creationId xmlns:a16="http://schemas.microsoft.com/office/drawing/2014/main" id="{93E67173-FF79-27A2-EAFA-8F123B844B59}"/>
-                    </a:ext>
-                  </a:extLst>
-                </p:cNvPr>
-                <p:cNvPicPr/>
-                <p:nvPr/>
-              </p:nvPicPr>
-              <p:blipFill>
-                <a:blip r:embed="rId55"/>
-                <a:stretch>
-                  <a:fillRect/>
-                </a:stretch>
-              </p:blipFill>
-              <p:spPr>
-                <a:xfrm>
-                  <a:off x="5859825" y="3458967"/>
-                  <a:ext cx="160560" cy="117360"/>
-                </a:xfrm>
-                <a:prstGeom prst="rect">
-                  <a:avLst/>
-                </a:prstGeom>
-              </p:spPr>
-            </p:pic>
-          </mc:Fallback>
-        </mc:AlternateContent>
-        <mc:AlternateContent xmlns:mc="http://schemas.openxmlformats.org/markup-compatibility/2006">
-          <mc:Choice xmlns:p14="http://schemas.microsoft.com/office/powerpoint/2010/main" xmlns:aink="http://schemas.microsoft.com/office/drawing/2016/ink" Requires="p14 aink">
-            <p:contentPart p14:bwMode="auto" r:id="rId56">
-              <p14:nvContentPartPr>
-                <p14:cNvPr id="63" name="Ink 62">
-                  <a:extLst>
-                    <a:ext uri="{FF2B5EF4-FFF2-40B4-BE49-F238E27FC236}">
-                      <a16:creationId xmlns:a16="http://schemas.microsoft.com/office/drawing/2014/main" id="{BE625DC5-FEB2-F56E-DFF4-DD05AF23A0DD}"/>
-                    </a:ext>
-                  </a:extLst>
-                </p14:cNvPr>
-                <p14:cNvContentPartPr/>
-                <p14:nvPr/>
-              </p14:nvContentPartPr>
-              <p14:xfrm>
-                <a:off x="4201665" y="3431247"/>
-                <a:ext cx="143280" cy="157680"/>
-              </p14:xfrm>
-            </p:contentPart>
-          </mc:Choice>
-          <mc:Fallback>
-            <p:pic>
-              <p:nvPicPr>
-                <p:cNvPr id="63" name="Ink 62">
-                  <a:extLst>
-                    <a:ext uri="{FF2B5EF4-FFF2-40B4-BE49-F238E27FC236}">
-                      <a16:creationId xmlns:a16="http://schemas.microsoft.com/office/drawing/2014/main" id="{BE625DC5-FEB2-F56E-DFF4-DD05AF23A0DD}"/>
-                    </a:ext>
-                  </a:extLst>
-                </p:cNvPr>
-                <p:cNvPicPr/>
-                <p:nvPr/>
-              </p:nvPicPr>
-              <p:blipFill>
-                <a:blip r:embed="rId57"/>
-                <a:stretch>
-                  <a:fillRect/>
-                </a:stretch>
-              </p:blipFill>
-              <p:spPr>
-                <a:xfrm>
-                  <a:off x="4195545" y="3425127"/>
-                  <a:ext cx="155520" cy="169920"/>
-                </a:xfrm>
-                <a:prstGeom prst="rect">
-                  <a:avLst/>
-                </a:prstGeom>
-              </p:spPr>
-            </p:pic>
-          </mc:Fallback>
-        </mc:AlternateContent>
-        <mc:AlternateContent xmlns:mc="http://schemas.openxmlformats.org/markup-compatibility/2006">
-          <mc:Choice xmlns:p14="http://schemas.microsoft.com/office/powerpoint/2010/main" xmlns:aink="http://schemas.microsoft.com/office/drawing/2016/ink" Requires="p14 aink">
-            <p:contentPart p14:bwMode="auto" r:id="rId58">
-              <p14:nvContentPartPr>
-                <p14:cNvPr id="64" name="Ink 63">
-                  <a:extLst>
-                    <a:ext uri="{FF2B5EF4-FFF2-40B4-BE49-F238E27FC236}">
-                      <a16:creationId xmlns:a16="http://schemas.microsoft.com/office/drawing/2014/main" id="{0825B453-7BC9-7E35-C770-536A180CE41A}"/>
-                    </a:ext>
-                  </a:extLst>
-                </p14:cNvPr>
-                <p14:cNvContentPartPr/>
-                <p14:nvPr/>
-              </p14:nvContentPartPr>
-              <p14:xfrm>
-                <a:off x="4208865" y="3492447"/>
-                <a:ext cx="132120" cy="117000"/>
-              </p14:xfrm>
-            </p:contentPart>
-          </mc:Choice>
-          <mc:Fallback>
-            <p:pic>
-              <p:nvPicPr>
-                <p:cNvPr id="64" name="Ink 63">
-                  <a:extLst>
-                    <a:ext uri="{FF2B5EF4-FFF2-40B4-BE49-F238E27FC236}">
-                      <a16:creationId xmlns:a16="http://schemas.microsoft.com/office/drawing/2014/main" id="{0825B453-7BC9-7E35-C770-536A180CE41A}"/>
-                    </a:ext>
-                  </a:extLst>
-                </p:cNvPr>
-                <p:cNvPicPr/>
-                <p:nvPr/>
-              </p:nvPicPr>
-              <p:blipFill>
-                <a:blip r:embed="rId59"/>
-                <a:stretch>
-                  <a:fillRect/>
-                </a:stretch>
-              </p:blipFill>
-              <p:spPr>
-                <a:xfrm>
-                  <a:off x="4202745" y="3486327"/>
-                  <a:ext cx="144360" cy="129240"/>
-                </a:xfrm>
-                <a:prstGeom prst="rect">
-                  <a:avLst/>
-                </a:prstGeom>
-              </p:spPr>
-            </p:pic>
-          </mc:Fallback>
-        </mc:AlternateContent>
-      </p:grpSp>
-      <p:grpSp>
-        <p:nvGrpSpPr>
-          <p:cNvPr id="72" name="Group 71">
-            <a:extLst>
-              <a:ext uri="{FF2B5EF4-FFF2-40B4-BE49-F238E27FC236}">
-                <a16:creationId xmlns:a16="http://schemas.microsoft.com/office/drawing/2014/main" id="{EB19168B-53EE-53B0-6997-DE75A7080052}"/>
-              </a:ext>
-            </a:extLst>
-          </p:cNvPr>
-          <p:cNvGrpSpPr/>
-          <p:nvPr/>
-        </p:nvGrpSpPr>
-        <p:grpSpPr>
-          <a:xfrm>
-            <a:off x="470625" y="505887"/>
-            <a:ext cx="8393040" cy="1735920"/>
-            <a:chOff x="470625" y="505887"/>
-            <a:chExt cx="8393040" cy="1735920"/>
-          </a:xfrm>
-        </p:grpSpPr>
-        <mc:AlternateContent xmlns:mc="http://schemas.openxmlformats.org/markup-compatibility/2006">
-          <mc:Choice xmlns:p14="http://schemas.microsoft.com/office/powerpoint/2010/main" xmlns:aink="http://schemas.microsoft.com/office/drawing/2016/ink" Requires="p14 aink">
-            <p:contentPart p14:bwMode="auto" r:id="rId60">
-              <p14:nvContentPartPr>
-                <p14:cNvPr id="5" name="Ink 4">
-                  <a:extLst>
-                    <a:ext uri="{FF2B5EF4-FFF2-40B4-BE49-F238E27FC236}">
-                      <a16:creationId xmlns:a16="http://schemas.microsoft.com/office/drawing/2014/main" id="{5B6B9350-E227-41CB-9C61-C4B0A506C400}"/>
-                    </a:ext>
-                  </a:extLst>
-                </p14:cNvPr>
-                <p14:cNvContentPartPr/>
-                <p14:nvPr/>
-              </p14:nvContentPartPr>
-              <p14:xfrm>
-                <a:off x="470625" y="505887"/>
-                <a:ext cx="66240" cy="1697040"/>
-              </p14:xfrm>
-            </p:contentPart>
-          </mc:Choice>
-          <mc:Fallback>
-            <p:pic>
-              <p:nvPicPr>
-                <p:cNvPr id="5" name="Ink 4">
-                  <a:extLst>
-                    <a:ext uri="{FF2B5EF4-FFF2-40B4-BE49-F238E27FC236}">
-                      <a16:creationId xmlns:a16="http://schemas.microsoft.com/office/drawing/2014/main" id="{5B6B9350-E227-41CB-9C61-C4B0A506C400}"/>
-                    </a:ext>
-                  </a:extLst>
-                </p:cNvPr>
-                <p:cNvPicPr/>
-                <p:nvPr/>
-              </p:nvPicPr>
-              <p:blipFill>
-                <a:blip r:embed="rId61"/>
-                <a:stretch>
-                  <a:fillRect/>
-                </a:stretch>
-              </p:blipFill>
-              <p:spPr>
-                <a:xfrm>
-                  <a:off x="464505" y="499767"/>
-                  <a:ext cx="78480" cy="1709280"/>
-                </a:xfrm>
-                <a:prstGeom prst="rect">
-                  <a:avLst/>
-                </a:prstGeom>
-              </p:spPr>
-            </p:pic>
-          </mc:Fallback>
-        </mc:AlternateContent>
-        <mc:AlternateContent xmlns:mc="http://schemas.openxmlformats.org/markup-compatibility/2006">
-          <mc:Choice xmlns:p14="http://schemas.microsoft.com/office/powerpoint/2010/main" xmlns:aink="http://schemas.microsoft.com/office/drawing/2016/ink" Requires="p14 aink">
-            <p:contentPart p14:bwMode="auto" r:id="rId62">
-              <p14:nvContentPartPr>
-                <p14:cNvPr id="6" name="Ink 5">
-                  <a:extLst>
-                    <a:ext uri="{FF2B5EF4-FFF2-40B4-BE49-F238E27FC236}">
-                      <a16:creationId xmlns:a16="http://schemas.microsoft.com/office/drawing/2014/main" id="{8E4B6A9F-CAED-AF57-09E8-04E0AD4E044D}"/>
-                    </a:ext>
-                  </a:extLst>
-                </p14:cNvPr>
-                <p14:cNvContentPartPr/>
-                <p14:nvPr/>
-              </p14:nvContentPartPr>
-              <p14:xfrm>
-                <a:off x="659625" y="603087"/>
-                <a:ext cx="1787760" cy="1557000"/>
-              </p14:xfrm>
-            </p:contentPart>
-          </mc:Choice>
-          <mc:Fallback>
-            <p:pic>
-              <p:nvPicPr>
-                <p:cNvPr id="6" name="Ink 5">
-                  <a:extLst>
-                    <a:ext uri="{FF2B5EF4-FFF2-40B4-BE49-F238E27FC236}">
-                      <a16:creationId xmlns:a16="http://schemas.microsoft.com/office/drawing/2014/main" id="{8E4B6A9F-CAED-AF57-09E8-04E0AD4E044D}"/>
-                    </a:ext>
-                  </a:extLst>
-                </p:cNvPr>
-                <p:cNvPicPr/>
-                <p:nvPr/>
-              </p:nvPicPr>
-              <p:blipFill>
-                <a:blip r:embed="rId63"/>
-                <a:stretch>
-                  <a:fillRect/>
-                </a:stretch>
-              </p:blipFill>
-              <p:spPr>
-                <a:xfrm>
-                  <a:off x="653505" y="596967"/>
-                  <a:ext cx="1800000" cy="1569240"/>
-                </a:xfrm>
-                <a:prstGeom prst="rect">
-                  <a:avLst/>
-                </a:prstGeom>
-              </p:spPr>
-            </p:pic>
-          </mc:Fallback>
-        </mc:AlternateContent>
-        <mc:AlternateContent xmlns:mc="http://schemas.openxmlformats.org/markup-compatibility/2006">
-          <mc:Choice xmlns:p14="http://schemas.microsoft.com/office/powerpoint/2010/main" xmlns:aink="http://schemas.microsoft.com/office/drawing/2016/ink" Requires="p14 aink">
-            <p:contentPart p14:bwMode="auto" r:id="rId64">
-              <p14:nvContentPartPr>
-                <p14:cNvPr id="7" name="Ink 6">
-                  <a:extLst>
-                    <a:ext uri="{FF2B5EF4-FFF2-40B4-BE49-F238E27FC236}">
-                      <a16:creationId xmlns:a16="http://schemas.microsoft.com/office/drawing/2014/main" id="{68CACD87-AB41-A7B3-D311-392AA0247292}"/>
-                    </a:ext>
-                  </a:extLst>
-                </p14:cNvPr>
-                <p14:cNvContentPartPr/>
-                <p14:nvPr/>
-              </p14:nvContentPartPr>
-              <p14:xfrm>
-                <a:off x="1207545" y="989727"/>
-                <a:ext cx="394560" cy="720000"/>
-              </p14:xfrm>
-            </p:contentPart>
-          </mc:Choice>
-          <mc:Fallback>
-            <p:pic>
-              <p:nvPicPr>
-                <p:cNvPr id="7" name="Ink 6">
-                  <a:extLst>
-                    <a:ext uri="{FF2B5EF4-FFF2-40B4-BE49-F238E27FC236}">
-                      <a16:creationId xmlns:a16="http://schemas.microsoft.com/office/drawing/2014/main" id="{68CACD87-AB41-A7B3-D311-392AA0247292}"/>
-                    </a:ext>
-                  </a:extLst>
-                </p:cNvPr>
-                <p:cNvPicPr/>
-                <p:nvPr/>
-              </p:nvPicPr>
-              <p:blipFill>
-                <a:blip r:embed="rId65"/>
-                <a:stretch>
-                  <a:fillRect/>
-                </a:stretch>
-              </p:blipFill>
-              <p:spPr>
-                <a:xfrm>
-                  <a:off x="1201425" y="983607"/>
-                  <a:ext cx="406800" cy="732240"/>
-                </a:xfrm>
-                <a:prstGeom prst="rect">
-                  <a:avLst/>
-                </a:prstGeom>
-              </p:spPr>
-            </p:pic>
-          </mc:Fallback>
-        </mc:AlternateContent>
-        <mc:AlternateContent xmlns:mc="http://schemas.openxmlformats.org/markup-compatibility/2006">
-          <mc:Choice xmlns:p14="http://schemas.microsoft.com/office/powerpoint/2010/main" xmlns:aink="http://schemas.microsoft.com/office/drawing/2016/ink" Requires="p14 aink">
-            <p:contentPart p14:bwMode="auto" r:id="rId66">
-              <p14:nvContentPartPr>
-                <p14:cNvPr id="8" name="Ink 7">
-                  <a:extLst>
-                    <a:ext uri="{FF2B5EF4-FFF2-40B4-BE49-F238E27FC236}">
-                      <a16:creationId xmlns:a16="http://schemas.microsoft.com/office/drawing/2014/main" id="{82B0265B-5066-AFAB-181C-EA091D341301}"/>
-                    </a:ext>
-                  </a:extLst>
-                </p14:cNvPr>
-                <p14:cNvContentPartPr/>
-                <p14:nvPr/>
-              </p14:nvContentPartPr>
-              <p14:xfrm>
-                <a:off x="1634505" y="1061007"/>
-                <a:ext cx="34560" cy="350280"/>
-              </p14:xfrm>
-            </p:contentPart>
-          </mc:Choice>
-          <mc:Fallback>
-            <p:pic>
-              <p:nvPicPr>
-                <p:cNvPr id="8" name="Ink 7">
-                  <a:extLst>
-                    <a:ext uri="{FF2B5EF4-FFF2-40B4-BE49-F238E27FC236}">
-                      <a16:creationId xmlns:a16="http://schemas.microsoft.com/office/drawing/2014/main" id="{82B0265B-5066-AFAB-181C-EA091D341301}"/>
-                    </a:ext>
-                  </a:extLst>
-                </p:cNvPr>
-                <p:cNvPicPr/>
-                <p:nvPr/>
-              </p:nvPicPr>
-              <p:blipFill>
-                <a:blip r:embed="rId67"/>
-                <a:stretch>
-                  <a:fillRect/>
-                </a:stretch>
-              </p:blipFill>
-              <p:spPr>
-                <a:xfrm>
-                  <a:off x="1628385" y="1054887"/>
-                  <a:ext cx="46800" cy="362520"/>
-                </a:xfrm>
-                <a:prstGeom prst="rect">
-                  <a:avLst/>
-                </a:prstGeom>
-              </p:spPr>
-            </p:pic>
-          </mc:Fallback>
-        </mc:AlternateContent>
-        <mc:AlternateContent xmlns:mc="http://schemas.openxmlformats.org/markup-compatibility/2006">
-          <mc:Choice xmlns:p14="http://schemas.microsoft.com/office/powerpoint/2010/main" xmlns:aink="http://schemas.microsoft.com/office/drawing/2016/ink" Requires="p14 aink">
-            <p:contentPart p14:bwMode="auto" r:id="rId68">
-              <p14:nvContentPartPr>
-                <p14:cNvPr id="9" name="Ink 8">
-                  <a:extLst>
-                    <a:ext uri="{FF2B5EF4-FFF2-40B4-BE49-F238E27FC236}">
-                      <a16:creationId xmlns:a16="http://schemas.microsoft.com/office/drawing/2014/main" id="{71B64EEC-2534-E918-C8BB-EBFFEFDE55A5}"/>
-                    </a:ext>
-                  </a:extLst>
-                </p14:cNvPr>
-                <p14:cNvContentPartPr/>
-                <p14:nvPr/>
-              </p14:nvContentPartPr>
-              <p14:xfrm>
-                <a:off x="1485825" y="1268367"/>
-                <a:ext cx="1100520" cy="65520"/>
-              </p14:xfrm>
-            </p:contentPart>
-          </mc:Choice>
-          <mc:Fallback>
-            <p:pic>
-              <p:nvPicPr>
-                <p:cNvPr id="9" name="Ink 8">
-                  <a:extLst>
-                    <a:ext uri="{FF2B5EF4-FFF2-40B4-BE49-F238E27FC236}">
-                      <a16:creationId xmlns:a16="http://schemas.microsoft.com/office/drawing/2014/main" id="{71B64EEC-2534-E918-C8BB-EBFFEFDE55A5}"/>
-                    </a:ext>
-                  </a:extLst>
-                </p:cNvPr>
-                <p:cNvPicPr/>
-                <p:nvPr/>
-              </p:nvPicPr>
-              <p:blipFill>
-                <a:blip r:embed="rId69"/>
-                <a:stretch>
-                  <a:fillRect/>
-                </a:stretch>
-              </p:blipFill>
-              <p:spPr>
-                <a:xfrm>
-                  <a:off x="1479705" y="1262247"/>
-                  <a:ext cx="1112760" cy="77760"/>
-                </a:xfrm>
-                <a:prstGeom prst="rect">
-                  <a:avLst/>
-                </a:prstGeom>
-              </p:spPr>
-            </p:pic>
-          </mc:Fallback>
-        </mc:AlternateContent>
-        <mc:AlternateContent xmlns:mc="http://schemas.openxmlformats.org/markup-compatibility/2006">
-          <mc:Choice xmlns:p14="http://schemas.microsoft.com/office/powerpoint/2010/main" xmlns:aink="http://schemas.microsoft.com/office/drawing/2016/ink" Requires="p14 aink">
-            <p:contentPart p14:bwMode="auto" r:id="rId70">
-              <p14:nvContentPartPr>
-                <p14:cNvPr id="10" name="Ink 9">
-                  <a:extLst>
-                    <a:ext uri="{FF2B5EF4-FFF2-40B4-BE49-F238E27FC236}">
-                      <a16:creationId xmlns:a16="http://schemas.microsoft.com/office/drawing/2014/main" id="{BF7EBF7E-01AD-2123-4D21-E0C31929AEF4}"/>
-                    </a:ext>
-                  </a:extLst>
-                </p14:cNvPr>
-                <p14:cNvContentPartPr/>
-                <p14:nvPr/>
-              </p14:nvContentPartPr>
-              <p14:xfrm>
-                <a:off x="7012545" y="776607"/>
-                <a:ext cx="99360" cy="1465200"/>
-              </p14:xfrm>
-            </p:contentPart>
-          </mc:Choice>
-          <mc:Fallback>
-            <p:pic>
-              <p:nvPicPr>
-                <p:cNvPr id="10" name="Ink 9">
-                  <a:extLst>
-                    <a:ext uri="{FF2B5EF4-FFF2-40B4-BE49-F238E27FC236}">
-                      <a16:creationId xmlns:a16="http://schemas.microsoft.com/office/drawing/2014/main" id="{BF7EBF7E-01AD-2123-4D21-E0C31929AEF4}"/>
-                    </a:ext>
-                  </a:extLst>
-                </p:cNvPr>
-                <p:cNvPicPr/>
-                <p:nvPr/>
-              </p:nvPicPr>
-              <p:blipFill>
-                <a:blip r:embed="rId71"/>
-                <a:stretch>
-                  <a:fillRect/>
-                </a:stretch>
-              </p:blipFill>
-              <p:spPr>
-                <a:xfrm>
-                  <a:off x="7006425" y="770487"/>
-                  <a:ext cx="111600" cy="1477440"/>
-                </a:xfrm>
-                <a:prstGeom prst="rect">
-                  <a:avLst/>
-                </a:prstGeom>
-              </p:spPr>
-            </p:pic>
-          </mc:Fallback>
-        </mc:AlternateContent>
-        <mc:AlternateContent xmlns:mc="http://schemas.openxmlformats.org/markup-compatibility/2006">
-          <mc:Choice xmlns:p14="http://schemas.microsoft.com/office/powerpoint/2010/main" xmlns:aink="http://schemas.microsoft.com/office/drawing/2016/ink" Requires="p14 aink">
-            <p:contentPart p14:bwMode="auto" r:id="rId72">
-              <p14:nvContentPartPr>
-                <p14:cNvPr id="11" name="Ink 10">
-                  <a:extLst>
-                    <a:ext uri="{FF2B5EF4-FFF2-40B4-BE49-F238E27FC236}">
-                      <a16:creationId xmlns:a16="http://schemas.microsoft.com/office/drawing/2014/main" id="{ED34AE21-5BC1-44B1-93CE-5ED69D27985C}"/>
-                    </a:ext>
-                  </a:extLst>
-                </p14:cNvPr>
-                <p14:cNvContentPartPr/>
-                <p14:nvPr/>
-              </p14:nvContentPartPr>
-              <p14:xfrm>
-                <a:off x="7089585" y="630807"/>
-                <a:ext cx="1774080" cy="1565280"/>
-              </p14:xfrm>
-            </p:contentPart>
-          </mc:Choice>
-          <mc:Fallback>
-            <p:pic>
-              <p:nvPicPr>
-                <p:cNvPr id="11" name="Ink 10">
-                  <a:extLst>
-                    <a:ext uri="{FF2B5EF4-FFF2-40B4-BE49-F238E27FC236}">
-                      <a16:creationId xmlns:a16="http://schemas.microsoft.com/office/drawing/2014/main" id="{ED34AE21-5BC1-44B1-93CE-5ED69D27985C}"/>
-                    </a:ext>
-                  </a:extLst>
-                </p:cNvPr>
-                <p:cNvPicPr/>
-                <p:nvPr/>
-              </p:nvPicPr>
-              <p:blipFill>
-                <a:blip r:embed="rId73"/>
-                <a:stretch>
-                  <a:fillRect/>
-                </a:stretch>
-              </p:blipFill>
-              <p:spPr>
-                <a:xfrm>
-                  <a:off x="7083465" y="624687"/>
-                  <a:ext cx="1786320" cy="1577520"/>
-                </a:xfrm>
-                <a:prstGeom prst="rect">
-                  <a:avLst/>
-                </a:prstGeom>
-              </p:spPr>
-            </p:pic>
-          </mc:Fallback>
-        </mc:AlternateContent>
-        <mc:AlternateContent xmlns:mc="http://schemas.openxmlformats.org/markup-compatibility/2006">
-          <mc:Choice xmlns:p14="http://schemas.microsoft.com/office/powerpoint/2010/main" xmlns:aink="http://schemas.microsoft.com/office/drawing/2016/ink" Requires="p14 aink">
-            <p:contentPart p14:bwMode="auto" r:id="rId74">
-              <p14:nvContentPartPr>
-                <p14:cNvPr id="12" name="Ink 11">
-                  <a:extLst>
-                    <a:ext uri="{FF2B5EF4-FFF2-40B4-BE49-F238E27FC236}">
-                      <a16:creationId xmlns:a16="http://schemas.microsoft.com/office/drawing/2014/main" id="{352FBACF-77F0-FB73-2817-0DB17B7E0954}"/>
-                    </a:ext>
-                  </a:extLst>
-                </p14:cNvPr>
-                <p14:cNvContentPartPr/>
-                <p14:nvPr/>
-              </p14:nvContentPartPr>
-              <p14:xfrm>
-                <a:off x="7466505" y="1062087"/>
-                <a:ext cx="120960" cy="582480"/>
-              </p14:xfrm>
-            </p:contentPart>
-          </mc:Choice>
-          <mc:Fallback>
-            <p:pic>
-              <p:nvPicPr>
-                <p:cNvPr id="12" name="Ink 11">
-                  <a:extLst>
-                    <a:ext uri="{FF2B5EF4-FFF2-40B4-BE49-F238E27FC236}">
-                      <a16:creationId xmlns:a16="http://schemas.microsoft.com/office/drawing/2014/main" id="{352FBACF-77F0-FB73-2817-0DB17B7E0954}"/>
-                    </a:ext>
-                  </a:extLst>
-                </p:cNvPr>
-                <p:cNvPicPr/>
-                <p:nvPr/>
-              </p:nvPicPr>
-              <p:blipFill>
-                <a:blip r:embed="rId75"/>
-                <a:stretch>
-                  <a:fillRect/>
-                </a:stretch>
-              </p:blipFill>
-              <p:spPr>
-                <a:xfrm>
-                  <a:off x="7460385" y="1055967"/>
-                  <a:ext cx="133200" cy="594720"/>
-                </a:xfrm>
-                <a:prstGeom prst="rect">
-                  <a:avLst/>
-                </a:prstGeom>
-              </p:spPr>
-            </p:pic>
-          </mc:Fallback>
-        </mc:AlternateContent>
-        <mc:AlternateContent xmlns:mc="http://schemas.openxmlformats.org/markup-compatibility/2006">
-          <mc:Choice xmlns:p14="http://schemas.microsoft.com/office/powerpoint/2010/main" xmlns:aink="http://schemas.microsoft.com/office/drawing/2016/ink" Requires="p14 aink">
-            <p:contentPart p14:bwMode="auto" r:id="rId76">
-              <p14:nvContentPartPr>
-                <p14:cNvPr id="13" name="Ink 12">
-                  <a:extLst>
-                    <a:ext uri="{FF2B5EF4-FFF2-40B4-BE49-F238E27FC236}">
-                      <a16:creationId xmlns:a16="http://schemas.microsoft.com/office/drawing/2014/main" id="{006DED59-5EDC-4A72-C749-6C77045B55A2}"/>
-                    </a:ext>
-                  </a:extLst>
-                </p14:cNvPr>
-                <p14:cNvContentPartPr/>
-                <p14:nvPr/>
-              </p14:nvContentPartPr>
-              <p14:xfrm>
-                <a:off x="7537065" y="1017447"/>
-                <a:ext cx="303120" cy="502200"/>
-              </p14:xfrm>
-            </p:contentPart>
-          </mc:Choice>
-          <mc:Fallback>
-            <p:pic>
-              <p:nvPicPr>
-                <p:cNvPr id="13" name="Ink 12">
-                  <a:extLst>
-                    <a:ext uri="{FF2B5EF4-FFF2-40B4-BE49-F238E27FC236}">
-                      <a16:creationId xmlns:a16="http://schemas.microsoft.com/office/drawing/2014/main" id="{006DED59-5EDC-4A72-C749-6C77045B55A2}"/>
-                    </a:ext>
-                  </a:extLst>
-                </p:cNvPr>
-                <p:cNvPicPr/>
-                <p:nvPr/>
-              </p:nvPicPr>
-              <p:blipFill>
-                <a:blip r:embed="rId77"/>
-                <a:stretch>
-                  <a:fillRect/>
-                </a:stretch>
-              </p:blipFill>
-              <p:spPr>
-                <a:xfrm>
-                  <a:off x="7530945" y="1011327"/>
-                  <a:ext cx="315360" cy="514440"/>
-                </a:xfrm>
-                <a:prstGeom prst="rect">
-                  <a:avLst/>
-                </a:prstGeom>
-              </p:spPr>
-            </p:pic>
-          </mc:Fallback>
-        </mc:AlternateContent>
-        <mc:AlternateContent xmlns:mc="http://schemas.openxmlformats.org/markup-compatibility/2006">
-          <mc:Choice xmlns:p14="http://schemas.microsoft.com/office/powerpoint/2010/main" xmlns:aink="http://schemas.microsoft.com/office/drawing/2016/ink" Requires="p14 aink">
-            <p:contentPart p14:bwMode="auto" r:id="rId78">
-              <p14:nvContentPartPr>
-                <p14:cNvPr id="16" name="Ink 15">
-                  <a:extLst>
-                    <a:ext uri="{FF2B5EF4-FFF2-40B4-BE49-F238E27FC236}">
-                      <a16:creationId xmlns:a16="http://schemas.microsoft.com/office/drawing/2014/main" id="{DED538D1-B071-C689-3E12-9772F2855B69}"/>
-                    </a:ext>
-                  </a:extLst>
-                </p14:cNvPr>
-                <p14:cNvContentPartPr/>
-                <p14:nvPr/>
-              </p14:nvContentPartPr>
-              <p14:xfrm>
-                <a:off x="3896385" y="893967"/>
-                <a:ext cx="63360" cy="967320"/>
-              </p14:xfrm>
-            </p:contentPart>
-          </mc:Choice>
-          <mc:Fallback>
-            <p:pic>
-              <p:nvPicPr>
-                <p:cNvPr id="16" name="Ink 15">
-                  <a:extLst>
-                    <a:ext uri="{FF2B5EF4-FFF2-40B4-BE49-F238E27FC236}">
-                      <a16:creationId xmlns:a16="http://schemas.microsoft.com/office/drawing/2014/main" id="{DED538D1-B071-C689-3E12-9772F2855B69}"/>
-                    </a:ext>
-                  </a:extLst>
-                </p:cNvPr>
-                <p:cNvPicPr/>
-                <p:nvPr/>
-              </p:nvPicPr>
-              <p:blipFill>
-                <a:blip r:embed="rId79"/>
-                <a:stretch>
-                  <a:fillRect/>
-                </a:stretch>
-              </p:blipFill>
-              <p:spPr>
-                <a:xfrm>
-                  <a:off x="3890265" y="887847"/>
-                  <a:ext cx="75600" cy="979560"/>
-                </a:xfrm>
-                <a:prstGeom prst="rect">
-                  <a:avLst/>
-                </a:prstGeom>
-              </p:spPr>
-            </p:pic>
-          </mc:Fallback>
-        </mc:AlternateContent>
-        <mc:AlternateContent xmlns:mc="http://schemas.openxmlformats.org/markup-compatibility/2006">
-          <mc:Choice xmlns:p14="http://schemas.microsoft.com/office/powerpoint/2010/main" xmlns:aink="http://schemas.microsoft.com/office/drawing/2016/ink" Requires="p14 aink">
-            <p:contentPart p14:bwMode="auto" r:id="rId80">
-              <p14:nvContentPartPr>
-                <p14:cNvPr id="17" name="Ink 16">
-                  <a:extLst>
-                    <a:ext uri="{FF2B5EF4-FFF2-40B4-BE49-F238E27FC236}">
-                      <a16:creationId xmlns:a16="http://schemas.microsoft.com/office/drawing/2014/main" id="{CCFD5FFB-BB58-9EA8-B37D-BFA91A3A011A}"/>
-                    </a:ext>
-                  </a:extLst>
-                </p14:cNvPr>
-                <p14:cNvContentPartPr/>
-                <p14:nvPr/>
-              </p14:nvContentPartPr>
-              <p14:xfrm>
-                <a:off x="4020585" y="507327"/>
-                <a:ext cx="1864440" cy="1468080"/>
-              </p14:xfrm>
-            </p:contentPart>
-          </mc:Choice>
-          <mc:Fallback>
-            <p:pic>
-              <p:nvPicPr>
-                <p:cNvPr id="17" name="Ink 16">
-                  <a:extLst>
-                    <a:ext uri="{FF2B5EF4-FFF2-40B4-BE49-F238E27FC236}">
-                      <a16:creationId xmlns:a16="http://schemas.microsoft.com/office/drawing/2014/main" id="{CCFD5FFB-BB58-9EA8-B37D-BFA91A3A011A}"/>
-                    </a:ext>
-                  </a:extLst>
-                </p:cNvPr>
-                <p:cNvPicPr/>
-                <p:nvPr/>
-              </p:nvPicPr>
-              <p:blipFill>
-                <a:blip r:embed="rId81"/>
-                <a:stretch>
-                  <a:fillRect/>
-                </a:stretch>
-              </p:blipFill>
-              <p:spPr>
-                <a:xfrm>
-                  <a:off x="4014465" y="501207"/>
-                  <a:ext cx="1876680" cy="1480320"/>
-                </a:xfrm>
-                <a:prstGeom prst="rect">
-                  <a:avLst/>
-                </a:prstGeom>
-              </p:spPr>
-            </p:pic>
-          </mc:Fallback>
-        </mc:AlternateContent>
-        <mc:AlternateContent xmlns:mc="http://schemas.openxmlformats.org/markup-compatibility/2006">
-          <mc:Choice xmlns:p14="http://schemas.microsoft.com/office/powerpoint/2010/main" xmlns:aink="http://schemas.microsoft.com/office/drawing/2016/ink" Requires="p14 aink">
-            <p:contentPart p14:bwMode="auto" r:id="rId82">
-              <p14:nvContentPartPr>
-                <p14:cNvPr id="18" name="Ink 17">
-                  <a:extLst>
-                    <a:ext uri="{FF2B5EF4-FFF2-40B4-BE49-F238E27FC236}">
-                      <a16:creationId xmlns:a16="http://schemas.microsoft.com/office/drawing/2014/main" id="{93799C4A-71D1-4B76-7F05-1A9F8470BDD9}"/>
-                    </a:ext>
-                  </a:extLst>
-                </p14:cNvPr>
-                <p14:cNvContentPartPr/>
-                <p14:nvPr/>
-              </p14:nvContentPartPr>
-              <p14:xfrm>
-                <a:off x="4448265" y="879207"/>
-                <a:ext cx="293040" cy="741960"/>
-              </p14:xfrm>
-            </p:contentPart>
-          </mc:Choice>
-          <mc:Fallback>
-            <p:pic>
-              <p:nvPicPr>
-                <p:cNvPr id="18" name="Ink 17">
-                  <a:extLst>
-                    <a:ext uri="{FF2B5EF4-FFF2-40B4-BE49-F238E27FC236}">
-                      <a16:creationId xmlns:a16="http://schemas.microsoft.com/office/drawing/2014/main" id="{93799C4A-71D1-4B76-7F05-1A9F8470BDD9}"/>
-                    </a:ext>
-                  </a:extLst>
-                </p:cNvPr>
-                <p:cNvPicPr/>
-                <p:nvPr/>
-              </p:nvPicPr>
-              <p:blipFill>
-                <a:blip r:embed="rId83"/>
-                <a:stretch>
-                  <a:fillRect/>
-                </a:stretch>
-              </p:blipFill>
-              <p:spPr>
-                <a:xfrm>
-                  <a:off x="4442145" y="873087"/>
-                  <a:ext cx="305280" cy="754200"/>
-                </a:xfrm>
-                <a:prstGeom prst="rect">
-                  <a:avLst/>
-                </a:prstGeom>
-              </p:spPr>
-            </p:pic>
-          </mc:Fallback>
-        </mc:AlternateContent>
-        <mc:AlternateContent xmlns:mc="http://schemas.openxmlformats.org/markup-compatibility/2006">
-          <mc:Choice xmlns:p14="http://schemas.microsoft.com/office/powerpoint/2010/main" xmlns:aink="http://schemas.microsoft.com/office/drawing/2016/ink" Requires="p14 aink">
-            <p:contentPart p14:bwMode="auto" r:id="rId84">
-              <p14:nvContentPartPr>
-                <p14:cNvPr id="19" name="Ink 18">
-                  <a:extLst>
-                    <a:ext uri="{FF2B5EF4-FFF2-40B4-BE49-F238E27FC236}">
-                      <a16:creationId xmlns:a16="http://schemas.microsoft.com/office/drawing/2014/main" id="{15BC381E-AEF8-0015-92F5-294F1990A579}"/>
-                    </a:ext>
-                  </a:extLst>
-                </p14:cNvPr>
-                <p14:cNvContentPartPr/>
-                <p14:nvPr/>
-              </p14:nvContentPartPr>
-              <p14:xfrm>
-                <a:off x="4609905" y="1214367"/>
-                <a:ext cx="87480" cy="137520"/>
-              </p14:xfrm>
-            </p:contentPart>
-          </mc:Choice>
-          <mc:Fallback>
-            <p:pic>
-              <p:nvPicPr>
-                <p:cNvPr id="19" name="Ink 18">
-                  <a:extLst>
-                    <a:ext uri="{FF2B5EF4-FFF2-40B4-BE49-F238E27FC236}">
-                      <a16:creationId xmlns:a16="http://schemas.microsoft.com/office/drawing/2014/main" id="{15BC381E-AEF8-0015-92F5-294F1990A579}"/>
-                    </a:ext>
-                  </a:extLst>
-                </p:cNvPr>
-                <p:cNvPicPr/>
-                <p:nvPr/>
-              </p:nvPicPr>
-              <p:blipFill>
-                <a:blip r:embed="rId85"/>
-                <a:stretch>
-                  <a:fillRect/>
-                </a:stretch>
-              </p:blipFill>
-              <p:spPr>
-                <a:xfrm>
-                  <a:off x="4603785" y="1208247"/>
-                  <a:ext cx="99720" cy="149760"/>
-                </a:xfrm>
-                <a:prstGeom prst="rect">
-                  <a:avLst/>
-                </a:prstGeom>
-              </p:spPr>
-            </p:pic>
-          </mc:Fallback>
-        </mc:AlternateContent>
-        <mc:AlternateContent xmlns:mc="http://schemas.openxmlformats.org/markup-compatibility/2006">
-          <mc:Choice xmlns:p14="http://schemas.microsoft.com/office/powerpoint/2010/main" xmlns:aink="http://schemas.microsoft.com/office/drawing/2016/ink" Requires="p14 aink">
-            <p:contentPart p14:bwMode="auto" r:id="rId86">
-              <p14:nvContentPartPr>
-                <p14:cNvPr id="20" name="Ink 19">
-                  <a:extLst>
-                    <a:ext uri="{FF2B5EF4-FFF2-40B4-BE49-F238E27FC236}">
-                      <a16:creationId xmlns:a16="http://schemas.microsoft.com/office/drawing/2014/main" id="{05F2DED0-3679-AAEC-683B-87B9F6CCC643}"/>
-                    </a:ext>
-                  </a:extLst>
-                </p14:cNvPr>
-                <p14:cNvContentPartPr/>
-                <p14:nvPr/>
-              </p14:nvContentPartPr>
-              <p14:xfrm>
-                <a:off x="4715025" y="992967"/>
-                <a:ext cx="186120" cy="563040"/>
-              </p14:xfrm>
-            </p:contentPart>
-          </mc:Choice>
-          <mc:Fallback>
-            <p:pic>
-              <p:nvPicPr>
-                <p:cNvPr id="20" name="Ink 19">
-                  <a:extLst>
-                    <a:ext uri="{FF2B5EF4-FFF2-40B4-BE49-F238E27FC236}">
-                      <a16:creationId xmlns:a16="http://schemas.microsoft.com/office/drawing/2014/main" id="{05F2DED0-3679-AAEC-683B-87B9F6CCC643}"/>
-                    </a:ext>
-                  </a:extLst>
-                </p:cNvPr>
-                <p:cNvPicPr/>
-                <p:nvPr/>
-              </p:nvPicPr>
-              <p:blipFill>
-                <a:blip r:embed="rId87"/>
-                <a:stretch>
-                  <a:fillRect/>
-                </a:stretch>
-              </p:blipFill>
-              <p:spPr>
-                <a:xfrm>
-                  <a:off x="4708905" y="986847"/>
-                  <a:ext cx="198360" cy="575280"/>
-                </a:xfrm>
-                <a:prstGeom prst="rect">
-                  <a:avLst/>
-                </a:prstGeom>
-              </p:spPr>
-            </p:pic>
-          </mc:Fallback>
-        </mc:AlternateContent>
-        <mc:AlternateContent xmlns:mc="http://schemas.openxmlformats.org/markup-compatibility/2006">
-          <mc:Choice xmlns:p14="http://schemas.microsoft.com/office/powerpoint/2010/main" xmlns:aink="http://schemas.microsoft.com/office/drawing/2016/ink" Requires="p14 aink">
-            <p:contentPart p14:bwMode="auto" r:id="rId88">
-              <p14:nvContentPartPr>
-                <p14:cNvPr id="21" name="Ink 20">
-                  <a:extLst>
-                    <a:ext uri="{FF2B5EF4-FFF2-40B4-BE49-F238E27FC236}">
-                      <a16:creationId xmlns:a16="http://schemas.microsoft.com/office/drawing/2014/main" id="{3DB3A018-AB70-C502-22A8-8771011FC33A}"/>
-                    </a:ext>
-                  </a:extLst>
-                </p14:cNvPr>
-                <p14:cNvContentPartPr/>
-                <p14:nvPr/>
-              </p14:nvContentPartPr>
-              <p14:xfrm>
-                <a:off x="4952265" y="907287"/>
-                <a:ext cx="69120" cy="463680"/>
-              </p14:xfrm>
-            </p:contentPart>
-          </mc:Choice>
-          <mc:Fallback>
-            <p:pic>
-              <p:nvPicPr>
-                <p:cNvPr id="21" name="Ink 20">
-                  <a:extLst>
-                    <a:ext uri="{FF2B5EF4-FFF2-40B4-BE49-F238E27FC236}">
-                      <a16:creationId xmlns:a16="http://schemas.microsoft.com/office/drawing/2014/main" id="{3DB3A018-AB70-C502-22A8-8771011FC33A}"/>
-                    </a:ext>
-                  </a:extLst>
-                </p:cNvPr>
-                <p:cNvPicPr/>
-                <p:nvPr/>
-              </p:nvPicPr>
-              <p:blipFill>
-                <a:blip r:embed="rId89"/>
-                <a:stretch>
-                  <a:fillRect/>
-                </a:stretch>
-              </p:blipFill>
-              <p:spPr>
-                <a:xfrm>
-                  <a:off x="4946145" y="901167"/>
-                  <a:ext cx="81360" cy="475920"/>
-                </a:xfrm>
-                <a:prstGeom prst="rect">
-                  <a:avLst/>
-                </a:prstGeom>
-              </p:spPr>
-            </p:pic>
-          </mc:Fallback>
-        </mc:AlternateContent>
-        <mc:AlternateContent xmlns:mc="http://schemas.openxmlformats.org/markup-compatibility/2006">
-          <mc:Choice xmlns:p14="http://schemas.microsoft.com/office/powerpoint/2010/main" xmlns:aink="http://schemas.microsoft.com/office/drawing/2016/ink" Requires="p14 aink">
-            <p:contentPart p14:bwMode="auto" r:id="rId90">
-              <p14:nvContentPartPr>
-                <p14:cNvPr id="22" name="Ink 21">
-                  <a:extLst>
-                    <a:ext uri="{FF2B5EF4-FFF2-40B4-BE49-F238E27FC236}">
-                      <a16:creationId xmlns:a16="http://schemas.microsoft.com/office/drawing/2014/main" id="{C43C72B5-BA98-085C-3838-0EEAC853A797}"/>
-                    </a:ext>
-                  </a:extLst>
-                </p14:cNvPr>
-                <p14:cNvContentPartPr/>
-                <p14:nvPr/>
-              </p14:nvContentPartPr>
-              <p14:xfrm>
-                <a:off x="4881705" y="1225167"/>
-                <a:ext cx="259920" cy="37800"/>
-              </p14:xfrm>
-            </p:contentPart>
-          </mc:Choice>
-          <mc:Fallback>
-            <p:pic>
-              <p:nvPicPr>
-                <p:cNvPr id="22" name="Ink 21">
-                  <a:extLst>
-                    <a:ext uri="{FF2B5EF4-FFF2-40B4-BE49-F238E27FC236}">
-                      <a16:creationId xmlns:a16="http://schemas.microsoft.com/office/drawing/2014/main" id="{C43C72B5-BA98-085C-3838-0EEAC853A797}"/>
-                    </a:ext>
-                  </a:extLst>
-                </p:cNvPr>
-                <p:cNvPicPr/>
-                <p:nvPr/>
-              </p:nvPicPr>
-              <p:blipFill>
-                <a:blip r:embed="rId91"/>
-                <a:stretch>
-                  <a:fillRect/>
-                </a:stretch>
-              </p:blipFill>
-              <p:spPr>
-                <a:xfrm>
-                  <a:off x="4875585" y="1219047"/>
-                  <a:ext cx="272160" cy="50040"/>
-                </a:xfrm>
-                <a:prstGeom prst="rect">
-                  <a:avLst/>
-                </a:prstGeom>
-              </p:spPr>
-            </p:pic>
-          </mc:Fallback>
-        </mc:AlternateContent>
-        <mc:AlternateContent xmlns:mc="http://schemas.openxmlformats.org/markup-compatibility/2006">
-          <mc:Choice xmlns:p14="http://schemas.microsoft.com/office/powerpoint/2010/main" xmlns:aink="http://schemas.microsoft.com/office/drawing/2016/ink" Requires="p14 aink">
-            <p:contentPart p14:bwMode="auto" r:id="rId92">
-              <p14:nvContentPartPr>
-                <p14:cNvPr id="23" name="Ink 22">
-                  <a:extLst>
-                    <a:ext uri="{FF2B5EF4-FFF2-40B4-BE49-F238E27FC236}">
-                      <a16:creationId xmlns:a16="http://schemas.microsoft.com/office/drawing/2014/main" id="{59B09539-E213-E302-A29A-BEC03220EA06}"/>
-                    </a:ext>
-                  </a:extLst>
-                </p14:cNvPr>
-                <p14:cNvContentPartPr/>
-                <p14:nvPr/>
-              </p14:nvContentPartPr>
-              <p14:xfrm>
-                <a:off x="5116425" y="840327"/>
-                <a:ext cx="197280" cy="622800"/>
-              </p14:xfrm>
-            </p:contentPart>
-          </mc:Choice>
-          <mc:Fallback>
-            <p:pic>
-              <p:nvPicPr>
-                <p:cNvPr id="23" name="Ink 22">
-                  <a:extLst>
-                    <a:ext uri="{FF2B5EF4-FFF2-40B4-BE49-F238E27FC236}">
-                      <a16:creationId xmlns:a16="http://schemas.microsoft.com/office/drawing/2014/main" id="{59B09539-E213-E302-A29A-BEC03220EA06}"/>
-                    </a:ext>
-                  </a:extLst>
-                </p:cNvPr>
-                <p:cNvPicPr/>
-                <p:nvPr/>
-              </p:nvPicPr>
-              <p:blipFill>
-                <a:blip r:embed="rId93"/>
-                <a:stretch>
-                  <a:fillRect/>
-                </a:stretch>
-              </p:blipFill>
-              <p:spPr>
-                <a:xfrm>
-                  <a:off x="5110305" y="834207"/>
-                  <a:ext cx="209520" cy="635040"/>
-                </a:xfrm>
-                <a:prstGeom prst="rect">
-                  <a:avLst/>
-                </a:prstGeom>
-              </p:spPr>
-            </p:pic>
-          </mc:Fallback>
-        </mc:AlternateContent>
-        <mc:AlternateContent xmlns:mc="http://schemas.openxmlformats.org/markup-compatibility/2006">
-          <mc:Choice xmlns:p14="http://schemas.microsoft.com/office/powerpoint/2010/main" xmlns:aink="http://schemas.microsoft.com/office/drawing/2016/ink" Requires="p14 aink">
-            <p:contentPart p14:bwMode="auto" r:id="rId94">
-              <p14:nvContentPartPr>
-                <p14:cNvPr id="24" name="Ink 23">
-                  <a:extLst>
-                    <a:ext uri="{FF2B5EF4-FFF2-40B4-BE49-F238E27FC236}">
-                      <a16:creationId xmlns:a16="http://schemas.microsoft.com/office/drawing/2014/main" id="{0CA7077E-5765-15E5-9A33-FEA8159BD360}"/>
-                    </a:ext>
-                  </a:extLst>
-                </p14:cNvPr>
-                <p14:cNvContentPartPr/>
-                <p14:nvPr/>
-              </p14:nvContentPartPr>
-              <p14:xfrm>
-                <a:off x="5160345" y="1064607"/>
-                <a:ext cx="244440" cy="64080"/>
-              </p14:xfrm>
-            </p:contentPart>
-          </mc:Choice>
-          <mc:Fallback>
-            <p:pic>
-              <p:nvPicPr>
-                <p:cNvPr id="24" name="Ink 23">
-                  <a:extLst>
-                    <a:ext uri="{FF2B5EF4-FFF2-40B4-BE49-F238E27FC236}">
-                      <a16:creationId xmlns:a16="http://schemas.microsoft.com/office/drawing/2014/main" id="{0CA7077E-5765-15E5-9A33-FEA8159BD360}"/>
-                    </a:ext>
-                  </a:extLst>
-                </p:cNvPr>
-                <p:cNvPicPr/>
-                <p:nvPr/>
-              </p:nvPicPr>
-              <p:blipFill>
-                <a:blip r:embed="rId95"/>
-                <a:stretch>
-                  <a:fillRect/>
-                </a:stretch>
-              </p:blipFill>
-              <p:spPr>
-                <a:xfrm>
-                  <a:off x="5154225" y="1058487"/>
-                  <a:ext cx="256680" cy="76320"/>
-                </a:xfrm>
-                <a:prstGeom prst="rect">
-                  <a:avLst/>
-                </a:prstGeom>
-              </p:spPr>
-            </p:pic>
-          </mc:Fallback>
-        </mc:AlternateContent>
-        <mc:AlternateContent xmlns:mc="http://schemas.openxmlformats.org/markup-compatibility/2006">
-          <mc:Choice xmlns:p14="http://schemas.microsoft.com/office/powerpoint/2010/main" xmlns:aink="http://schemas.microsoft.com/office/drawing/2016/ink" Requires="p14 aink">
-            <p:contentPart p14:bwMode="auto" r:id="rId96">
-              <p14:nvContentPartPr>
-                <p14:cNvPr id="25" name="Ink 24">
-                  <a:extLst>
-                    <a:ext uri="{FF2B5EF4-FFF2-40B4-BE49-F238E27FC236}">
-                      <a16:creationId xmlns:a16="http://schemas.microsoft.com/office/drawing/2014/main" id="{3ACCE30E-4E8E-8AA4-487C-1C4D27489E0E}"/>
-                    </a:ext>
-                  </a:extLst>
-                </p14:cNvPr>
-                <p14:cNvContentPartPr/>
-                <p14:nvPr/>
-              </p14:nvContentPartPr>
-              <p14:xfrm>
-                <a:off x="2875785" y="1214367"/>
-                <a:ext cx="582480" cy="83520"/>
-              </p14:xfrm>
-            </p:contentPart>
-          </mc:Choice>
-          <mc:Fallback>
-            <p:pic>
-              <p:nvPicPr>
-                <p:cNvPr id="25" name="Ink 24">
-                  <a:extLst>
-                    <a:ext uri="{FF2B5EF4-FFF2-40B4-BE49-F238E27FC236}">
-                      <a16:creationId xmlns:a16="http://schemas.microsoft.com/office/drawing/2014/main" id="{3ACCE30E-4E8E-8AA4-487C-1C4D27489E0E}"/>
-                    </a:ext>
-                  </a:extLst>
-                </p:cNvPr>
-                <p:cNvPicPr/>
-                <p:nvPr/>
-              </p:nvPicPr>
-              <p:blipFill>
-                <a:blip r:embed="rId97"/>
-                <a:stretch>
-                  <a:fillRect/>
-                </a:stretch>
-              </p:blipFill>
-              <p:spPr>
-                <a:xfrm>
-                  <a:off x="2869665" y="1208247"/>
-                  <a:ext cx="594720" cy="95760"/>
-                </a:xfrm>
-                <a:prstGeom prst="rect">
-                  <a:avLst/>
-                </a:prstGeom>
-              </p:spPr>
-            </p:pic>
-          </mc:Fallback>
-        </mc:AlternateContent>
-        <mc:AlternateContent xmlns:mc="http://schemas.openxmlformats.org/markup-compatibility/2006">
-          <mc:Choice xmlns:p14="http://schemas.microsoft.com/office/powerpoint/2010/main" xmlns:aink="http://schemas.microsoft.com/office/drawing/2016/ink" Requires="p14 aink">
-            <p:contentPart p14:bwMode="auto" r:id="rId98">
-              <p14:nvContentPartPr>
-                <p14:cNvPr id="26" name="Ink 25">
-                  <a:extLst>
-                    <a:ext uri="{FF2B5EF4-FFF2-40B4-BE49-F238E27FC236}">
-                      <a16:creationId xmlns:a16="http://schemas.microsoft.com/office/drawing/2014/main" id="{A7C7826C-47B0-7ECE-215C-11737C9887A5}"/>
-                    </a:ext>
-                  </a:extLst>
-                </p14:cNvPr>
-                <p14:cNvContentPartPr/>
-                <p14:nvPr/>
-              </p14:nvContentPartPr>
-              <p14:xfrm>
-                <a:off x="2697585" y="1142007"/>
-                <a:ext cx="396000" cy="215640"/>
-              </p14:xfrm>
-            </p:contentPart>
-          </mc:Choice>
-          <mc:Fallback>
-            <p:pic>
-              <p:nvPicPr>
-                <p:cNvPr id="26" name="Ink 25">
-                  <a:extLst>
-                    <a:ext uri="{FF2B5EF4-FFF2-40B4-BE49-F238E27FC236}">
-                      <a16:creationId xmlns:a16="http://schemas.microsoft.com/office/drawing/2014/main" id="{A7C7826C-47B0-7ECE-215C-11737C9887A5}"/>
-                    </a:ext>
-                  </a:extLst>
-                </p:cNvPr>
-                <p:cNvPicPr/>
-                <p:nvPr/>
-              </p:nvPicPr>
-              <p:blipFill>
-                <a:blip r:embed="rId99"/>
-                <a:stretch>
-                  <a:fillRect/>
-                </a:stretch>
-              </p:blipFill>
-              <p:spPr>
-                <a:xfrm>
-                  <a:off x="2691465" y="1135887"/>
-                  <a:ext cx="408240" cy="227880"/>
-                </a:xfrm>
-                <a:prstGeom prst="rect">
-                  <a:avLst/>
-                </a:prstGeom>
-              </p:spPr>
-            </p:pic>
-          </mc:Fallback>
-        </mc:AlternateContent>
-        <mc:AlternateContent xmlns:mc="http://schemas.openxmlformats.org/markup-compatibility/2006">
-          <mc:Choice xmlns:p14="http://schemas.microsoft.com/office/powerpoint/2010/main" xmlns:aink="http://schemas.microsoft.com/office/drawing/2016/ink" Requires="p14 aink">
-            <p:contentPart p14:bwMode="auto" r:id="rId100">
-              <p14:nvContentPartPr>
-                <p14:cNvPr id="27" name="Ink 26">
-                  <a:extLst>
-                    <a:ext uri="{FF2B5EF4-FFF2-40B4-BE49-F238E27FC236}">
-                      <a16:creationId xmlns:a16="http://schemas.microsoft.com/office/drawing/2014/main" id="{BFE21EC1-660B-05AE-9DE4-035408002C73}"/>
-                    </a:ext>
-                  </a:extLst>
-                </p14:cNvPr>
-                <p14:cNvContentPartPr/>
-                <p14:nvPr/>
-              </p14:nvContentPartPr>
-              <p14:xfrm>
-                <a:off x="3384105" y="1174047"/>
-                <a:ext cx="386280" cy="180720"/>
-              </p14:xfrm>
-            </p:contentPart>
-          </mc:Choice>
-          <mc:Fallback>
-            <p:pic>
-              <p:nvPicPr>
-                <p:cNvPr id="27" name="Ink 26">
-                  <a:extLst>
-                    <a:ext uri="{FF2B5EF4-FFF2-40B4-BE49-F238E27FC236}">
-                      <a16:creationId xmlns:a16="http://schemas.microsoft.com/office/drawing/2014/main" id="{BFE21EC1-660B-05AE-9DE4-035408002C73}"/>
-                    </a:ext>
-                  </a:extLst>
-                </p:cNvPr>
-                <p:cNvPicPr/>
-                <p:nvPr/>
-              </p:nvPicPr>
-              <p:blipFill>
-                <a:blip r:embed="rId101"/>
-                <a:stretch>
-                  <a:fillRect/>
-                </a:stretch>
-              </p:blipFill>
-              <p:spPr>
-                <a:xfrm>
-                  <a:off x="3377985" y="1167927"/>
-                  <a:ext cx="398520" cy="192960"/>
-                </a:xfrm>
-                <a:prstGeom prst="rect">
-                  <a:avLst/>
-                </a:prstGeom>
-              </p:spPr>
-            </p:pic>
-          </mc:Fallback>
-        </mc:AlternateContent>
-        <mc:AlternateContent xmlns:mc="http://schemas.openxmlformats.org/markup-compatibility/2006">
-          <mc:Choice xmlns:p14="http://schemas.microsoft.com/office/powerpoint/2010/main" xmlns:aink="http://schemas.microsoft.com/office/drawing/2016/ink" Requires="p14 aink">
-            <p:contentPart p14:bwMode="auto" r:id="rId102">
-              <p14:nvContentPartPr>
-                <p14:cNvPr id="28" name="Ink 27">
-                  <a:extLst>
-                    <a:ext uri="{FF2B5EF4-FFF2-40B4-BE49-F238E27FC236}">
-                      <a16:creationId xmlns:a16="http://schemas.microsoft.com/office/drawing/2014/main" id="{D9415B3C-A084-B51E-A4D2-ECF464901262}"/>
-                    </a:ext>
-                  </a:extLst>
-                </p14:cNvPr>
-                <p14:cNvContentPartPr/>
-                <p14:nvPr/>
-              </p14:nvContentPartPr>
-              <p14:xfrm>
-                <a:off x="6379665" y="1115727"/>
-                <a:ext cx="645480" cy="29520"/>
-              </p14:xfrm>
-            </p:contentPart>
-          </mc:Choice>
-          <mc:Fallback>
-            <p:pic>
-              <p:nvPicPr>
-                <p:cNvPr id="28" name="Ink 27">
-                  <a:extLst>
-                    <a:ext uri="{FF2B5EF4-FFF2-40B4-BE49-F238E27FC236}">
-                      <a16:creationId xmlns:a16="http://schemas.microsoft.com/office/drawing/2014/main" id="{D9415B3C-A084-B51E-A4D2-ECF464901262}"/>
-                    </a:ext>
-                  </a:extLst>
-                </p:cNvPr>
-                <p:cNvPicPr/>
-                <p:nvPr/>
-              </p:nvPicPr>
-              <p:blipFill>
-                <a:blip r:embed="rId103"/>
-                <a:stretch>
-                  <a:fillRect/>
-                </a:stretch>
-              </p:blipFill>
-              <p:spPr>
-                <a:xfrm>
-                  <a:off x="6373545" y="1109607"/>
-                  <a:ext cx="657720" cy="41760"/>
-                </a:xfrm>
-                <a:prstGeom prst="rect">
-                  <a:avLst/>
-                </a:prstGeom>
-              </p:spPr>
-            </p:pic>
-          </mc:Fallback>
-        </mc:AlternateContent>
-        <mc:AlternateContent xmlns:mc="http://schemas.openxmlformats.org/markup-compatibility/2006">
-          <mc:Choice xmlns:p14="http://schemas.microsoft.com/office/powerpoint/2010/main" xmlns:aink="http://schemas.microsoft.com/office/drawing/2016/ink" Requires="p14 aink">
-            <p:contentPart p14:bwMode="auto" r:id="rId104">
-              <p14:nvContentPartPr>
-                <p14:cNvPr id="29" name="Ink 28">
-                  <a:extLst>
-                    <a:ext uri="{FF2B5EF4-FFF2-40B4-BE49-F238E27FC236}">
-                      <a16:creationId xmlns:a16="http://schemas.microsoft.com/office/drawing/2014/main" id="{641E357C-7F34-3D70-19F4-F2423519EE04}"/>
-                    </a:ext>
-                  </a:extLst>
-                </p14:cNvPr>
-                <p14:cNvContentPartPr/>
-                <p14:nvPr/>
-              </p14:nvContentPartPr>
-              <p14:xfrm>
-                <a:off x="6170145" y="975327"/>
-                <a:ext cx="428400" cy="292320"/>
-              </p14:xfrm>
-            </p:contentPart>
-          </mc:Choice>
-          <mc:Fallback>
-            <p:pic>
-              <p:nvPicPr>
-                <p:cNvPr id="29" name="Ink 28">
-                  <a:extLst>
-                    <a:ext uri="{FF2B5EF4-FFF2-40B4-BE49-F238E27FC236}">
-                      <a16:creationId xmlns:a16="http://schemas.microsoft.com/office/drawing/2014/main" id="{641E357C-7F34-3D70-19F4-F2423519EE04}"/>
-                    </a:ext>
-                  </a:extLst>
-                </p:cNvPr>
-                <p:cNvPicPr/>
-                <p:nvPr/>
-              </p:nvPicPr>
-              <p:blipFill>
-                <a:blip r:embed="rId105"/>
-                <a:stretch>
-                  <a:fillRect/>
-                </a:stretch>
-              </p:blipFill>
-              <p:spPr>
-                <a:xfrm>
-                  <a:off x="6164025" y="969207"/>
-                  <a:ext cx="440640" cy="304560"/>
-                </a:xfrm>
-                <a:prstGeom prst="rect">
-                  <a:avLst/>
-                </a:prstGeom>
-              </p:spPr>
-            </p:pic>
-          </mc:Fallback>
-        </mc:AlternateContent>
-        <mc:AlternateContent xmlns:mc="http://schemas.openxmlformats.org/markup-compatibility/2006">
-          <mc:Choice xmlns:p14="http://schemas.microsoft.com/office/powerpoint/2010/main" xmlns:aink="http://schemas.microsoft.com/office/drawing/2016/ink" Requires="p14 aink">
-            <p:contentPart p14:bwMode="auto" r:id="rId106">
-              <p14:nvContentPartPr>
-                <p14:cNvPr id="30" name="Ink 29">
-                  <a:extLst>
-                    <a:ext uri="{FF2B5EF4-FFF2-40B4-BE49-F238E27FC236}">
-                      <a16:creationId xmlns:a16="http://schemas.microsoft.com/office/drawing/2014/main" id="{C1150118-2C96-7FA9-7F24-619A79A0EBB8}"/>
-                    </a:ext>
-                  </a:extLst>
-                </p14:cNvPr>
-                <p14:cNvContentPartPr/>
-                <p14:nvPr/>
-              </p14:nvContentPartPr>
-              <p14:xfrm>
-                <a:off x="6855225" y="982167"/>
-                <a:ext cx="206640" cy="245160"/>
-              </p14:xfrm>
-            </p:contentPart>
-          </mc:Choice>
-          <mc:Fallback>
-            <p:pic>
-              <p:nvPicPr>
-                <p:cNvPr id="30" name="Ink 29">
-                  <a:extLst>
-                    <a:ext uri="{FF2B5EF4-FFF2-40B4-BE49-F238E27FC236}">
-                      <a16:creationId xmlns:a16="http://schemas.microsoft.com/office/drawing/2014/main" id="{C1150118-2C96-7FA9-7F24-619A79A0EBB8}"/>
-                    </a:ext>
-                  </a:extLst>
-                </p:cNvPr>
-                <p:cNvPicPr/>
-                <p:nvPr/>
-              </p:nvPicPr>
-              <p:blipFill>
-                <a:blip r:embed="rId107"/>
-                <a:stretch>
-                  <a:fillRect/>
-                </a:stretch>
-              </p:blipFill>
-              <p:spPr>
-                <a:xfrm>
-                  <a:off x="6849105" y="976047"/>
-                  <a:ext cx="218880" cy="257400"/>
-                </a:xfrm>
-                <a:prstGeom prst="rect">
-                  <a:avLst/>
-                </a:prstGeom>
-              </p:spPr>
-            </p:pic>
-          </mc:Fallback>
-        </mc:AlternateContent>
-        <mc:AlternateContent xmlns:mc="http://schemas.openxmlformats.org/markup-compatibility/2006">
-          <mc:Choice xmlns:p14="http://schemas.microsoft.com/office/powerpoint/2010/main" xmlns:aink="http://schemas.microsoft.com/office/drawing/2016/ink" Requires="p14 aink">
-            <p:contentPart p14:bwMode="auto" r:id="rId108">
-              <p14:nvContentPartPr>
-                <p14:cNvPr id="66" name="Ink 65">
-                  <a:extLst>
-                    <a:ext uri="{FF2B5EF4-FFF2-40B4-BE49-F238E27FC236}">
-                      <a16:creationId xmlns:a16="http://schemas.microsoft.com/office/drawing/2014/main" id="{6E7EF32D-2B53-0F66-3A6B-C0A059EF7F7D}"/>
-                    </a:ext>
-                  </a:extLst>
-                </p14:cNvPr>
-                <p14:cNvContentPartPr/>
-                <p14:nvPr/>
-              </p14:nvContentPartPr>
-              <p14:xfrm>
-                <a:off x="510225" y="2180247"/>
-                <a:ext cx="1139760" cy="12600"/>
-              </p14:xfrm>
-            </p:contentPart>
-          </mc:Choice>
-          <mc:Fallback>
-            <p:pic>
-              <p:nvPicPr>
-                <p:cNvPr id="66" name="Ink 65">
-                  <a:extLst>
-                    <a:ext uri="{FF2B5EF4-FFF2-40B4-BE49-F238E27FC236}">
-                      <a16:creationId xmlns:a16="http://schemas.microsoft.com/office/drawing/2014/main" id="{6E7EF32D-2B53-0F66-3A6B-C0A059EF7F7D}"/>
-                    </a:ext>
-                  </a:extLst>
-                </p:cNvPr>
-                <p:cNvPicPr/>
-                <p:nvPr/>
-              </p:nvPicPr>
-              <p:blipFill>
-                <a:blip r:embed="rId109"/>
-                <a:stretch>
-                  <a:fillRect/>
-                </a:stretch>
-              </p:blipFill>
-              <p:spPr>
-                <a:xfrm>
-                  <a:off x="504105" y="2174127"/>
-                  <a:ext cx="1152000" cy="24840"/>
-                </a:xfrm>
-                <a:prstGeom prst="rect">
-                  <a:avLst/>
-                </a:prstGeom>
-              </p:spPr>
-            </p:pic>
-          </mc:Fallback>
-        </mc:AlternateContent>
-        <mc:AlternateContent xmlns:mc="http://schemas.openxmlformats.org/markup-compatibility/2006">
-          <mc:Choice xmlns:p14="http://schemas.microsoft.com/office/powerpoint/2010/main" xmlns:aink="http://schemas.microsoft.com/office/drawing/2016/ink" Requires="p14 aink">
-            <p:contentPart p14:bwMode="auto" r:id="rId110">
-              <p14:nvContentPartPr>
-                <p14:cNvPr id="68" name="Ink 67">
-                  <a:extLst>
-                    <a:ext uri="{FF2B5EF4-FFF2-40B4-BE49-F238E27FC236}">
-                      <a16:creationId xmlns:a16="http://schemas.microsoft.com/office/drawing/2014/main" id="{AECA7A4E-C31D-8355-B13A-0F684C5DFC2F}"/>
-                    </a:ext>
-                  </a:extLst>
-                </p14:cNvPr>
-                <p14:cNvContentPartPr/>
-                <p14:nvPr/>
-              </p14:nvContentPartPr>
-              <p14:xfrm>
-                <a:off x="1539825" y="2169447"/>
-                <a:ext cx="609120" cy="22680"/>
-              </p14:xfrm>
-            </p:contentPart>
-          </mc:Choice>
-          <mc:Fallback>
-            <p:pic>
-              <p:nvPicPr>
-                <p:cNvPr id="68" name="Ink 67">
-                  <a:extLst>
-                    <a:ext uri="{FF2B5EF4-FFF2-40B4-BE49-F238E27FC236}">
-                      <a16:creationId xmlns:a16="http://schemas.microsoft.com/office/drawing/2014/main" id="{AECA7A4E-C31D-8355-B13A-0F684C5DFC2F}"/>
-                    </a:ext>
-                  </a:extLst>
-                </p:cNvPr>
-                <p:cNvPicPr/>
-                <p:nvPr/>
-              </p:nvPicPr>
-              <p:blipFill>
-                <a:blip r:embed="rId111"/>
-                <a:stretch>
-                  <a:fillRect/>
-                </a:stretch>
-              </p:blipFill>
-              <p:spPr>
-                <a:xfrm>
-                  <a:off x="1533705" y="2163327"/>
-                  <a:ext cx="621360" cy="34920"/>
-                </a:xfrm>
-                <a:prstGeom prst="rect">
-                  <a:avLst/>
-                </a:prstGeom>
-              </p:spPr>
-            </p:pic>
-          </mc:Fallback>
-        </mc:AlternateContent>
-        <mc:AlternateContent xmlns:mc="http://schemas.openxmlformats.org/markup-compatibility/2006">
-          <mc:Choice xmlns:p14="http://schemas.microsoft.com/office/powerpoint/2010/main" xmlns:aink="http://schemas.microsoft.com/office/drawing/2016/ink" Requires="p14 aink">
-            <p:contentPart p14:bwMode="auto" r:id="rId112">
-              <p14:nvContentPartPr>
-                <p14:cNvPr id="69" name="Ink 68">
-                  <a:extLst>
-                    <a:ext uri="{FF2B5EF4-FFF2-40B4-BE49-F238E27FC236}">
-                      <a16:creationId xmlns:a16="http://schemas.microsoft.com/office/drawing/2014/main" id="{C39FD664-ADB2-9F27-977C-3DFD83376A1D}"/>
-                    </a:ext>
-                  </a:extLst>
-                </p14:cNvPr>
-                <p14:cNvContentPartPr/>
-                <p14:nvPr/>
-              </p14:nvContentPartPr>
-              <p14:xfrm>
-                <a:off x="1879305" y="2123367"/>
-                <a:ext cx="294480" cy="70200"/>
-              </p14:xfrm>
-            </p:contentPart>
-          </mc:Choice>
-          <mc:Fallback>
-            <p:pic>
-              <p:nvPicPr>
-                <p:cNvPr id="69" name="Ink 68">
-                  <a:extLst>
-                    <a:ext uri="{FF2B5EF4-FFF2-40B4-BE49-F238E27FC236}">
-                      <a16:creationId xmlns:a16="http://schemas.microsoft.com/office/drawing/2014/main" id="{C39FD664-ADB2-9F27-977C-3DFD83376A1D}"/>
-                    </a:ext>
-                  </a:extLst>
-                </p:cNvPr>
-                <p:cNvPicPr/>
-                <p:nvPr/>
-              </p:nvPicPr>
-              <p:blipFill>
-                <a:blip r:embed="rId113"/>
-                <a:stretch>
-                  <a:fillRect/>
-                </a:stretch>
-              </p:blipFill>
-              <p:spPr>
-                <a:xfrm>
-                  <a:off x="1873185" y="2117247"/>
-                  <a:ext cx="306720" cy="82440"/>
-                </a:xfrm>
-                <a:prstGeom prst="rect">
-                  <a:avLst/>
-                </a:prstGeom>
-              </p:spPr>
-            </p:pic>
-          </mc:Fallback>
-        </mc:AlternateContent>
-        <mc:AlternateContent xmlns:mc="http://schemas.openxmlformats.org/markup-compatibility/2006">
-          <mc:Choice xmlns:p14="http://schemas.microsoft.com/office/powerpoint/2010/main" xmlns:aink="http://schemas.microsoft.com/office/drawing/2016/ink" Requires="p14 aink">
-            <p:contentPart p14:bwMode="auto" r:id="rId114">
-              <p14:nvContentPartPr>
-                <p14:cNvPr id="71" name="Ink 70">
-                  <a:extLst>
-                    <a:ext uri="{FF2B5EF4-FFF2-40B4-BE49-F238E27FC236}">
-                      <a16:creationId xmlns:a16="http://schemas.microsoft.com/office/drawing/2014/main" id="{C97E9BEA-F751-1509-F0B9-6772BD406213}"/>
-                    </a:ext>
-                  </a:extLst>
-                </p14:cNvPr>
-                <p14:cNvContentPartPr/>
-                <p14:nvPr/>
-              </p14:nvContentPartPr>
-              <p14:xfrm>
-                <a:off x="3899985" y="659607"/>
-                <a:ext cx="160560" cy="229680"/>
-              </p14:xfrm>
-            </p:contentPart>
-          </mc:Choice>
-          <mc:Fallback>
-            <p:pic>
-              <p:nvPicPr>
-                <p:cNvPr id="71" name="Ink 70">
-                  <a:extLst>
-                    <a:ext uri="{FF2B5EF4-FFF2-40B4-BE49-F238E27FC236}">
-                      <a16:creationId xmlns:a16="http://schemas.microsoft.com/office/drawing/2014/main" id="{C97E9BEA-F751-1509-F0B9-6772BD406213}"/>
-                    </a:ext>
-                  </a:extLst>
-                </p:cNvPr>
-                <p:cNvPicPr/>
-                <p:nvPr/>
-              </p:nvPicPr>
-              <p:blipFill>
-                <a:blip r:embed="rId115"/>
-                <a:stretch>
-                  <a:fillRect/>
-                </a:stretch>
-              </p:blipFill>
-              <p:spPr>
-                <a:xfrm>
-                  <a:off x="3893865" y="653487"/>
-                  <a:ext cx="172800" cy="241920"/>
-                </a:xfrm>
-                <a:prstGeom prst="rect">
-                  <a:avLst/>
-                </a:prstGeom>
-              </p:spPr>
-            </p:pic>
-          </mc:Fallback>
-        </mc:AlternateContent>
-      </p:grpSp>
-      <p:grpSp>
-        <p:nvGrpSpPr>
-          <p:cNvPr id="88" name="Group 87">
-            <a:extLst>
-              <a:ext uri="{FF2B5EF4-FFF2-40B4-BE49-F238E27FC236}">
-                <a16:creationId xmlns:a16="http://schemas.microsoft.com/office/drawing/2014/main" id="{4244B0FE-6345-1760-1E4D-76688E530585}"/>
-              </a:ext>
-            </a:extLst>
-          </p:cNvPr>
-          <p:cNvGrpSpPr/>
-          <p:nvPr/>
-        </p:nvGrpSpPr>
-        <p:grpSpPr>
-          <a:xfrm>
-            <a:off x="62745" y="2633667"/>
-            <a:ext cx="1606320" cy="844560"/>
-            <a:chOff x="-81975" y="2643207"/>
-            <a:chExt cx="1606320" cy="844560"/>
-          </a:xfrm>
-        </p:grpSpPr>
-        <mc:AlternateContent xmlns:mc="http://schemas.openxmlformats.org/markup-compatibility/2006">
-          <mc:Choice xmlns:p14="http://schemas.microsoft.com/office/powerpoint/2010/main" xmlns:aink="http://schemas.microsoft.com/office/drawing/2016/ink" Requires="p14 aink">
-            <p:contentPart p14:bwMode="auto" r:id="rId116">
-              <p14:nvContentPartPr>
-                <p14:cNvPr id="73" name="Ink 72">
-                  <a:extLst>
-                    <a:ext uri="{FF2B5EF4-FFF2-40B4-BE49-F238E27FC236}">
-                      <a16:creationId xmlns:a16="http://schemas.microsoft.com/office/drawing/2014/main" id="{A8AD9D7F-C5AC-D3D0-87AE-05A0E4F1A395}"/>
-                    </a:ext>
-                  </a:extLst>
-                </p14:cNvPr>
-                <p14:cNvContentPartPr/>
-                <p14:nvPr/>
-              </p14:nvContentPartPr>
-              <p14:xfrm>
-                <a:off x="17385" y="2643207"/>
-                <a:ext cx="36720" cy="263520"/>
-              </p14:xfrm>
-            </p:contentPart>
-          </mc:Choice>
-          <mc:Fallback>
-            <p:pic>
-              <p:nvPicPr>
-                <p:cNvPr id="73" name="Ink 72">
-                  <a:extLst>
-                    <a:ext uri="{FF2B5EF4-FFF2-40B4-BE49-F238E27FC236}">
-                      <a16:creationId xmlns:a16="http://schemas.microsoft.com/office/drawing/2014/main" id="{A8AD9D7F-C5AC-D3D0-87AE-05A0E4F1A395}"/>
-                    </a:ext>
-                  </a:extLst>
-                </p:cNvPr>
-                <p:cNvPicPr/>
-                <p:nvPr/>
-              </p:nvPicPr>
-              <p:blipFill>
-                <a:blip r:embed="rId117"/>
-                <a:stretch>
-                  <a:fillRect/>
-                </a:stretch>
-              </p:blipFill>
-              <p:spPr>
-                <a:xfrm>
-                  <a:off x="11265" y="2637087"/>
-                  <a:ext cx="48960" cy="275760"/>
-                </a:xfrm>
-                <a:prstGeom prst="rect">
-                  <a:avLst/>
-                </a:prstGeom>
-              </p:spPr>
-            </p:pic>
-          </mc:Fallback>
-        </mc:AlternateContent>
-        <mc:AlternateContent xmlns:mc="http://schemas.openxmlformats.org/markup-compatibility/2006">
-          <mc:Choice xmlns:p14="http://schemas.microsoft.com/office/powerpoint/2010/main" xmlns:aink="http://schemas.microsoft.com/office/drawing/2016/ink" Requires="p14 aink">
-            <p:contentPart p14:bwMode="auto" r:id="rId118">
-              <p14:nvContentPartPr>
-                <p14:cNvPr id="74" name="Ink 73">
-                  <a:extLst>
-                    <a:ext uri="{FF2B5EF4-FFF2-40B4-BE49-F238E27FC236}">
-                      <a16:creationId xmlns:a16="http://schemas.microsoft.com/office/drawing/2014/main" id="{03F46E0B-2951-49BE-5359-EA1D2B1CD2A2}"/>
-                    </a:ext>
-                  </a:extLst>
-                </p14:cNvPr>
-                <p14:cNvContentPartPr/>
-                <p14:nvPr/>
-              </p14:nvContentPartPr>
-              <p14:xfrm>
-                <a:off x="114585" y="2706567"/>
-                <a:ext cx="180360" cy="174240"/>
-              </p14:xfrm>
-            </p:contentPart>
-          </mc:Choice>
-          <mc:Fallback>
-            <p:pic>
-              <p:nvPicPr>
-                <p:cNvPr id="74" name="Ink 73">
-                  <a:extLst>
-                    <a:ext uri="{FF2B5EF4-FFF2-40B4-BE49-F238E27FC236}">
-                      <a16:creationId xmlns:a16="http://schemas.microsoft.com/office/drawing/2014/main" id="{03F46E0B-2951-49BE-5359-EA1D2B1CD2A2}"/>
-                    </a:ext>
-                  </a:extLst>
-                </p:cNvPr>
-                <p:cNvPicPr/>
-                <p:nvPr/>
-              </p:nvPicPr>
-              <p:blipFill>
-                <a:blip r:embed="rId119"/>
-                <a:stretch>
-                  <a:fillRect/>
-                </a:stretch>
-              </p:blipFill>
-              <p:spPr>
-                <a:xfrm>
-                  <a:off x="108465" y="2700447"/>
-                  <a:ext cx="192600" cy="186480"/>
-                </a:xfrm>
-                <a:prstGeom prst="rect">
-                  <a:avLst/>
-                </a:prstGeom>
-              </p:spPr>
-            </p:pic>
-          </mc:Fallback>
-        </mc:AlternateContent>
-        <mc:AlternateContent xmlns:mc="http://schemas.openxmlformats.org/markup-compatibility/2006">
-          <mc:Choice xmlns:p14="http://schemas.microsoft.com/office/powerpoint/2010/main" xmlns:aink="http://schemas.microsoft.com/office/drawing/2016/ink" Requires="p14 aink">
-            <p:contentPart p14:bwMode="auto" r:id="rId120">
-              <p14:nvContentPartPr>
-                <p14:cNvPr id="75" name="Ink 74">
-                  <a:extLst>
-                    <a:ext uri="{FF2B5EF4-FFF2-40B4-BE49-F238E27FC236}">
-                      <a16:creationId xmlns:a16="http://schemas.microsoft.com/office/drawing/2014/main" id="{FCF6F92D-AF74-F218-0A7E-C4434FB7350F}"/>
-                    </a:ext>
-                  </a:extLst>
-                </p14:cNvPr>
-                <p14:cNvContentPartPr/>
-                <p14:nvPr/>
-              </p14:nvContentPartPr>
-              <p14:xfrm>
-                <a:off x="324825" y="2898447"/>
-                <a:ext cx="2520" cy="12600"/>
-              </p14:xfrm>
-            </p:contentPart>
-          </mc:Choice>
-          <mc:Fallback>
-            <p:pic>
-              <p:nvPicPr>
-                <p:cNvPr id="75" name="Ink 74">
-                  <a:extLst>
-                    <a:ext uri="{FF2B5EF4-FFF2-40B4-BE49-F238E27FC236}">
-                      <a16:creationId xmlns:a16="http://schemas.microsoft.com/office/drawing/2014/main" id="{FCF6F92D-AF74-F218-0A7E-C4434FB7350F}"/>
-                    </a:ext>
-                  </a:extLst>
-                </p:cNvPr>
-                <p:cNvPicPr/>
-                <p:nvPr/>
-              </p:nvPicPr>
-              <p:blipFill>
-                <a:blip r:embed="rId121"/>
-                <a:stretch>
-                  <a:fillRect/>
-                </a:stretch>
-              </p:blipFill>
-              <p:spPr>
-                <a:xfrm>
-                  <a:off x="318705" y="2892327"/>
-                  <a:ext cx="14760" cy="24840"/>
-                </a:xfrm>
-                <a:prstGeom prst="rect">
-                  <a:avLst/>
-                </a:prstGeom>
-              </p:spPr>
-            </p:pic>
-          </mc:Fallback>
-        </mc:AlternateContent>
-        <mc:AlternateContent xmlns:mc="http://schemas.openxmlformats.org/markup-compatibility/2006">
-          <mc:Choice xmlns:p14="http://schemas.microsoft.com/office/powerpoint/2010/main" xmlns:aink="http://schemas.microsoft.com/office/drawing/2016/ink" Requires="p14 aink">
-            <p:contentPart p14:bwMode="auto" r:id="rId122">
-              <p14:nvContentPartPr>
-                <p14:cNvPr id="76" name="Ink 75">
-                  <a:extLst>
-                    <a:ext uri="{FF2B5EF4-FFF2-40B4-BE49-F238E27FC236}">
-                      <a16:creationId xmlns:a16="http://schemas.microsoft.com/office/drawing/2014/main" id="{50210FA1-239F-18F0-3F65-27DAB351B33B}"/>
-                    </a:ext>
-                  </a:extLst>
-                </p14:cNvPr>
-                <p14:cNvContentPartPr/>
-                <p14:nvPr/>
-              </p14:nvContentPartPr>
-              <p14:xfrm>
-                <a:off x="404025" y="2787207"/>
-                <a:ext cx="143640" cy="132120"/>
-              </p14:xfrm>
-            </p:contentPart>
-          </mc:Choice>
-          <mc:Fallback>
-            <p:pic>
-              <p:nvPicPr>
-                <p:cNvPr id="76" name="Ink 75">
-                  <a:extLst>
-                    <a:ext uri="{FF2B5EF4-FFF2-40B4-BE49-F238E27FC236}">
-                      <a16:creationId xmlns:a16="http://schemas.microsoft.com/office/drawing/2014/main" id="{50210FA1-239F-18F0-3F65-27DAB351B33B}"/>
-                    </a:ext>
-                  </a:extLst>
-                </p:cNvPr>
-                <p:cNvPicPr/>
-                <p:nvPr/>
-              </p:nvPicPr>
-              <p:blipFill>
-                <a:blip r:embed="rId123"/>
-                <a:stretch>
-                  <a:fillRect/>
-                </a:stretch>
-              </p:blipFill>
-              <p:spPr>
-                <a:xfrm>
-                  <a:off x="397905" y="2781087"/>
-                  <a:ext cx="155880" cy="144360"/>
-                </a:xfrm>
-                <a:prstGeom prst="rect">
-                  <a:avLst/>
-                </a:prstGeom>
-              </p:spPr>
-            </p:pic>
-          </mc:Fallback>
-        </mc:AlternateContent>
-        <mc:AlternateContent xmlns:mc="http://schemas.openxmlformats.org/markup-compatibility/2006">
-          <mc:Choice xmlns:p14="http://schemas.microsoft.com/office/powerpoint/2010/main" xmlns:aink="http://schemas.microsoft.com/office/drawing/2016/ink" Requires="p14 aink">
-            <p:contentPart p14:bwMode="auto" r:id="rId124">
-              <p14:nvContentPartPr>
-                <p14:cNvPr id="77" name="Ink 76">
-                  <a:extLst>
-                    <a:ext uri="{FF2B5EF4-FFF2-40B4-BE49-F238E27FC236}">
-                      <a16:creationId xmlns:a16="http://schemas.microsoft.com/office/drawing/2014/main" id="{21EE76B6-23C8-6532-8870-36B44CBBD704}"/>
-                    </a:ext>
-                  </a:extLst>
-                </p14:cNvPr>
-                <p14:cNvContentPartPr/>
-                <p14:nvPr/>
-              </p14:nvContentPartPr>
-              <p14:xfrm>
-                <a:off x="554865" y="2812407"/>
-                <a:ext cx="126000" cy="113040"/>
-              </p14:xfrm>
-            </p:contentPart>
-          </mc:Choice>
-          <mc:Fallback>
-            <p:pic>
-              <p:nvPicPr>
-                <p:cNvPr id="77" name="Ink 76">
-                  <a:extLst>
-                    <a:ext uri="{FF2B5EF4-FFF2-40B4-BE49-F238E27FC236}">
-                      <a16:creationId xmlns:a16="http://schemas.microsoft.com/office/drawing/2014/main" id="{21EE76B6-23C8-6532-8870-36B44CBBD704}"/>
-                    </a:ext>
-                  </a:extLst>
-                </p:cNvPr>
-                <p:cNvPicPr/>
-                <p:nvPr/>
-              </p:nvPicPr>
-              <p:blipFill>
-                <a:blip r:embed="rId125"/>
-                <a:stretch>
-                  <a:fillRect/>
-                </a:stretch>
-              </p:blipFill>
-              <p:spPr>
-                <a:xfrm>
-                  <a:off x="548745" y="2806287"/>
-                  <a:ext cx="138240" cy="125280"/>
-                </a:xfrm>
-                <a:prstGeom prst="rect">
-                  <a:avLst/>
-                </a:prstGeom>
-              </p:spPr>
-            </p:pic>
-          </mc:Fallback>
-        </mc:AlternateContent>
-        <mc:AlternateContent xmlns:mc="http://schemas.openxmlformats.org/markup-compatibility/2006">
-          <mc:Choice xmlns:p14="http://schemas.microsoft.com/office/powerpoint/2010/main" xmlns:aink="http://schemas.microsoft.com/office/drawing/2016/ink" Requires="p14 aink">
-            <p:contentPart p14:bwMode="auto" r:id="rId126">
-              <p14:nvContentPartPr>
-                <p14:cNvPr id="78" name="Ink 77">
-                  <a:extLst>
-                    <a:ext uri="{FF2B5EF4-FFF2-40B4-BE49-F238E27FC236}">
-                      <a16:creationId xmlns:a16="http://schemas.microsoft.com/office/drawing/2014/main" id="{2C0B4D84-4C51-0A32-C9B6-FEB625563A95}"/>
-                    </a:ext>
-                  </a:extLst>
-                </p14:cNvPr>
-                <p14:cNvContentPartPr/>
-                <p14:nvPr/>
-              </p14:nvContentPartPr>
-              <p14:xfrm>
-                <a:off x="757545" y="2813487"/>
-                <a:ext cx="362880" cy="137880"/>
-              </p14:xfrm>
-            </p:contentPart>
-          </mc:Choice>
-          <mc:Fallback>
-            <p:pic>
-              <p:nvPicPr>
-                <p:cNvPr id="78" name="Ink 77">
-                  <a:extLst>
-                    <a:ext uri="{FF2B5EF4-FFF2-40B4-BE49-F238E27FC236}">
-                      <a16:creationId xmlns:a16="http://schemas.microsoft.com/office/drawing/2014/main" id="{2C0B4D84-4C51-0A32-C9B6-FEB625563A95}"/>
-                    </a:ext>
-                  </a:extLst>
-                </p:cNvPr>
-                <p:cNvPicPr/>
-                <p:nvPr/>
-              </p:nvPicPr>
-              <p:blipFill>
-                <a:blip r:embed="rId127"/>
-                <a:stretch>
-                  <a:fillRect/>
-                </a:stretch>
-              </p:blipFill>
-              <p:spPr>
-                <a:xfrm>
-                  <a:off x="751425" y="2807367"/>
-                  <a:ext cx="375120" cy="150120"/>
-                </a:xfrm>
-                <a:prstGeom prst="rect">
-                  <a:avLst/>
-                </a:prstGeom>
-              </p:spPr>
-            </p:pic>
-          </mc:Fallback>
-        </mc:AlternateContent>
-        <mc:AlternateContent xmlns:mc="http://schemas.openxmlformats.org/markup-compatibility/2006">
-          <mc:Choice xmlns:p14="http://schemas.microsoft.com/office/powerpoint/2010/main" xmlns:aink="http://schemas.microsoft.com/office/drawing/2016/ink" Requires="p14 aink">
-            <p:contentPart p14:bwMode="auto" r:id="rId128">
-              <p14:nvContentPartPr>
-                <p14:cNvPr id="79" name="Ink 78">
-                  <a:extLst>
-                    <a:ext uri="{FF2B5EF4-FFF2-40B4-BE49-F238E27FC236}">
-                      <a16:creationId xmlns:a16="http://schemas.microsoft.com/office/drawing/2014/main" id="{876CDB5E-6E80-5487-F4C2-0BE5AD713254}"/>
-                    </a:ext>
-                  </a:extLst>
-                </p14:cNvPr>
-                <p14:cNvContentPartPr/>
-                <p14:nvPr/>
-              </p14:nvContentPartPr>
-              <p14:xfrm>
-                <a:off x="-16815" y="2903487"/>
-                <a:ext cx="1541160" cy="98640"/>
-              </p14:xfrm>
-            </p:contentPart>
-          </mc:Choice>
-          <mc:Fallback>
-            <p:pic>
-              <p:nvPicPr>
-                <p:cNvPr id="79" name="Ink 78">
-                  <a:extLst>
-                    <a:ext uri="{FF2B5EF4-FFF2-40B4-BE49-F238E27FC236}">
-                      <a16:creationId xmlns:a16="http://schemas.microsoft.com/office/drawing/2014/main" id="{876CDB5E-6E80-5487-F4C2-0BE5AD713254}"/>
-                    </a:ext>
-                  </a:extLst>
-                </p:cNvPr>
-                <p:cNvPicPr/>
-                <p:nvPr/>
-              </p:nvPicPr>
-              <p:blipFill>
-                <a:blip r:embed="rId129"/>
-                <a:stretch>
-                  <a:fillRect/>
-                </a:stretch>
-              </p:blipFill>
-              <p:spPr>
-                <a:xfrm>
-                  <a:off x="-22935" y="2897367"/>
-                  <a:ext cx="1553400" cy="110880"/>
-                </a:xfrm>
-                <a:prstGeom prst="rect">
-                  <a:avLst/>
-                </a:prstGeom>
-              </p:spPr>
-            </p:pic>
-          </mc:Fallback>
-        </mc:AlternateContent>
-        <mc:AlternateContent xmlns:mc="http://schemas.openxmlformats.org/markup-compatibility/2006">
-          <mc:Choice xmlns:p14="http://schemas.microsoft.com/office/powerpoint/2010/main" xmlns:aink="http://schemas.microsoft.com/office/drawing/2016/ink" Requires="p14 aink">
-            <p:contentPart p14:bwMode="auto" r:id="rId130">
-              <p14:nvContentPartPr>
-                <p14:cNvPr id="81" name="Ink 80">
-                  <a:extLst>
-                    <a:ext uri="{FF2B5EF4-FFF2-40B4-BE49-F238E27FC236}">
-                      <a16:creationId xmlns:a16="http://schemas.microsoft.com/office/drawing/2014/main" id="{7F11CC20-8F5D-2F64-99C5-7A6D7BB7EC56}"/>
-                    </a:ext>
-                  </a:extLst>
-                </p14:cNvPr>
-                <p14:cNvContentPartPr/>
-                <p14:nvPr/>
-              </p14:nvContentPartPr>
-              <p14:xfrm>
-                <a:off x="43665" y="3245127"/>
-                <a:ext cx="87840" cy="208080"/>
-              </p14:xfrm>
-            </p:contentPart>
-          </mc:Choice>
-          <mc:Fallback>
-            <p:pic>
-              <p:nvPicPr>
-                <p:cNvPr id="81" name="Ink 80">
-                  <a:extLst>
-                    <a:ext uri="{FF2B5EF4-FFF2-40B4-BE49-F238E27FC236}">
-                      <a16:creationId xmlns:a16="http://schemas.microsoft.com/office/drawing/2014/main" id="{7F11CC20-8F5D-2F64-99C5-7A6D7BB7EC56}"/>
-                    </a:ext>
-                  </a:extLst>
-                </p:cNvPr>
-                <p:cNvPicPr/>
-                <p:nvPr/>
-              </p:nvPicPr>
-              <p:blipFill>
-                <a:blip r:embed="rId131"/>
-                <a:stretch>
-                  <a:fillRect/>
-                </a:stretch>
-              </p:blipFill>
-              <p:spPr>
-                <a:xfrm>
-                  <a:off x="37545" y="3239007"/>
-                  <a:ext cx="100080" cy="220320"/>
-                </a:xfrm>
-                <a:prstGeom prst="rect">
-                  <a:avLst/>
-                </a:prstGeom>
-              </p:spPr>
-            </p:pic>
-          </mc:Fallback>
-        </mc:AlternateContent>
-        <mc:AlternateContent xmlns:mc="http://schemas.openxmlformats.org/markup-compatibility/2006">
-          <mc:Choice xmlns:p14="http://schemas.microsoft.com/office/powerpoint/2010/main" xmlns:aink="http://schemas.microsoft.com/office/drawing/2016/ink" Requires="p14 aink">
-            <p:contentPart p14:bwMode="auto" r:id="rId132">
-              <p14:nvContentPartPr>
-                <p14:cNvPr id="82" name="Ink 81">
-                  <a:extLst>
-                    <a:ext uri="{FF2B5EF4-FFF2-40B4-BE49-F238E27FC236}">
-                      <a16:creationId xmlns:a16="http://schemas.microsoft.com/office/drawing/2014/main" id="{EAB0AEC7-7771-0B22-14F5-FDCBD903BF91}"/>
-                    </a:ext>
-                  </a:extLst>
-                </p14:cNvPr>
-                <p14:cNvContentPartPr/>
-                <p14:nvPr/>
-              </p14:nvContentPartPr>
-              <p14:xfrm>
-                <a:off x="-615" y="3309567"/>
-                <a:ext cx="11880" cy="57600"/>
-              </p14:xfrm>
-            </p:contentPart>
-          </mc:Choice>
-          <mc:Fallback>
-            <p:pic>
-              <p:nvPicPr>
-                <p:cNvPr id="82" name="Ink 81">
-                  <a:extLst>
-                    <a:ext uri="{FF2B5EF4-FFF2-40B4-BE49-F238E27FC236}">
-                      <a16:creationId xmlns:a16="http://schemas.microsoft.com/office/drawing/2014/main" id="{EAB0AEC7-7771-0B22-14F5-FDCBD903BF91}"/>
-                    </a:ext>
-                  </a:extLst>
-                </p:cNvPr>
-                <p:cNvPicPr/>
-                <p:nvPr/>
-              </p:nvPicPr>
-              <p:blipFill>
-                <a:blip r:embed="rId133"/>
-                <a:stretch>
-                  <a:fillRect/>
-                </a:stretch>
-              </p:blipFill>
-              <p:spPr>
-                <a:xfrm>
-                  <a:off x="-6735" y="3303447"/>
-                  <a:ext cx="24120" cy="69840"/>
-                </a:xfrm>
-                <a:prstGeom prst="rect">
-                  <a:avLst/>
-                </a:prstGeom>
-              </p:spPr>
-            </p:pic>
-          </mc:Fallback>
-        </mc:AlternateContent>
-        <mc:AlternateContent xmlns:mc="http://schemas.openxmlformats.org/markup-compatibility/2006">
-          <mc:Choice xmlns:p14="http://schemas.microsoft.com/office/powerpoint/2010/main" xmlns:aink="http://schemas.microsoft.com/office/drawing/2016/ink" Requires="p14 aink">
-            <p:contentPart p14:bwMode="auto" r:id="rId134">
-              <p14:nvContentPartPr>
-                <p14:cNvPr id="84" name="Ink 83">
-                  <a:extLst>
-                    <a:ext uri="{FF2B5EF4-FFF2-40B4-BE49-F238E27FC236}">
-                      <a16:creationId xmlns:a16="http://schemas.microsoft.com/office/drawing/2014/main" id="{B5ECDB6E-0523-55F7-EBCA-1154C0951676}"/>
-                    </a:ext>
-                  </a:extLst>
-                </p14:cNvPr>
-                <p14:cNvContentPartPr/>
-                <p14:nvPr/>
-              </p14:nvContentPartPr>
-              <p14:xfrm>
-                <a:off x="58425" y="3251247"/>
-                <a:ext cx="107280" cy="150840"/>
-              </p14:xfrm>
-            </p:contentPart>
-          </mc:Choice>
-          <mc:Fallback>
-            <p:pic>
-              <p:nvPicPr>
-                <p:cNvPr id="84" name="Ink 83">
-                  <a:extLst>
-                    <a:ext uri="{FF2B5EF4-FFF2-40B4-BE49-F238E27FC236}">
-                      <a16:creationId xmlns:a16="http://schemas.microsoft.com/office/drawing/2014/main" id="{B5ECDB6E-0523-55F7-EBCA-1154C0951676}"/>
-                    </a:ext>
-                  </a:extLst>
-                </p:cNvPr>
-                <p:cNvPicPr/>
-                <p:nvPr/>
-              </p:nvPicPr>
-              <p:blipFill>
-                <a:blip r:embed="rId135"/>
-                <a:stretch>
-                  <a:fillRect/>
-                </a:stretch>
-              </p:blipFill>
-              <p:spPr>
-                <a:xfrm>
-                  <a:off x="52305" y="3245127"/>
-                  <a:ext cx="119520" cy="163080"/>
-                </a:xfrm>
-                <a:prstGeom prst="rect">
-                  <a:avLst/>
-                </a:prstGeom>
-              </p:spPr>
-            </p:pic>
-          </mc:Fallback>
-        </mc:AlternateContent>
-        <mc:AlternateContent xmlns:mc="http://schemas.openxmlformats.org/markup-compatibility/2006">
-          <mc:Choice xmlns:p14="http://schemas.microsoft.com/office/powerpoint/2010/main" xmlns:aink="http://schemas.microsoft.com/office/drawing/2016/ink" Requires="p14 aink">
-            <p:contentPart p14:bwMode="auto" r:id="rId136">
-              <p14:nvContentPartPr>
-                <p14:cNvPr id="85" name="Ink 84">
-                  <a:extLst>
-                    <a:ext uri="{FF2B5EF4-FFF2-40B4-BE49-F238E27FC236}">
-                      <a16:creationId xmlns:a16="http://schemas.microsoft.com/office/drawing/2014/main" id="{A1080DEE-DACA-A2B4-5C17-983448F72159}"/>
-                    </a:ext>
-                  </a:extLst>
-                </p14:cNvPr>
-                <p14:cNvContentPartPr/>
-                <p14:nvPr/>
-              </p14:nvContentPartPr>
-              <p14:xfrm>
-                <a:off x="77505" y="3245847"/>
-                <a:ext cx="136800" cy="10800"/>
-              </p14:xfrm>
-            </p:contentPart>
-          </mc:Choice>
-          <mc:Fallback>
-            <p:pic>
-              <p:nvPicPr>
-                <p:cNvPr id="85" name="Ink 84">
-                  <a:extLst>
-                    <a:ext uri="{FF2B5EF4-FFF2-40B4-BE49-F238E27FC236}">
-                      <a16:creationId xmlns:a16="http://schemas.microsoft.com/office/drawing/2014/main" id="{A1080DEE-DACA-A2B4-5C17-983448F72159}"/>
-                    </a:ext>
-                  </a:extLst>
-                </p:cNvPr>
-                <p:cNvPicPr/>
-                <p:nvPr/>
-              </p:nvPicPr>
-              <p:blipFill>
-                <a:blip r:embed="rId137"/>
-                <a:stretch>
-                  <a:fillRect/>
-                </a:stretch>
-              </p:blipFill>
-              <p:spPr>
-                <a:xfrm>
-                  <a:off x="71385" y="3239727"/>
-                  <a:ext cx="149040" cy="23040"/>
-                </a:xfrm>
-                <a:prstGeom prst="rect">
-                  <a:avLst/>
-                </a:prstGeom>
-              </p:spPr>
-            </p:pic>
-          </mc:Fallback>
-        </mc:AlternateContent>
-        <mc:AlternateContent xmlns:mc="http://schemas.openxmlformats.org/markup-compatibility/2006">
-          <mc:Choice xmlns:p14="http://schemas.microsoft.com/office/powerpoint/2010/main" xmlns:aink="http://schemas.microsoft.com/office/drawing/2016/ink" Requires="p14 aink">
-            <p:contentPart p14:bwMode="auto" r:id="rId138">
-              <p14:nvContentPartPr>
-                <p14:cNvPr id="86" name="Ink 85">
-                  <a:extLst>
-                    <a:ext uri="{FF2B5EF4-FFF2-40B4-BE49-F238E27FC236}">
-                      <a16:creationId xmlns:a16="http://schemas.microsoft.com/office/drawing/2014/main" id="{8136A3D6-344B-C6F1-A819-F13AECB720A9}"/>
-                    </a:ext>
-                  </a:extLst>
-                </p14:cNvPr>
-                <p14:cNvContentPartPr/>
-                <p14:nvPr/>
-              </p14:nvContentPartPr>
-              <p14:xfrm>
-                <a:off x="229785" y="3230007"/>
-                <a:ext cx="161640" cy="109080"/>
-              </p14:xfrm>
-            </p:contentPart>
-          </mc:Choice>
-          <mc:Fallback>
-            <p:pic>
-              <p:nvPicPr>
-                <p:cNvPr id="86" name="Ink 85">
-                  <a:extLst>
-                    <a:ext uri="{FF2B5EF4-FFF2-40B4-BE49-F238E27FC236}">
-                      <a16:creationId xmlns:a16="http://schemas.microsoft.com/office/drawing/2014/main" id="{8136A3D6-344B-C6F1-A819-F13AECB720A9}"/>
-                    </a:ext>
-                  </a:extLst>
-                </p:cNvPr>
-                <p:cNvPicPr/>
-                <p:nvPr/>
-              </p:nvPicPr>
-              <p:blipFill>
-                <a:blip r:embed="rId139"/>
-                <a:stretch>
-                  <a:fillRect/>
-                </a:stretch>
-              </p:blipFill>
-              <p:spPr>
-                <a:xfrm>
-                  <a:off x="223665" y="3223887"/>
-                  <a:ext cx="173880" cy="121320"/>
-                </a:xfrm>
-                <a:prstGeom prst="rect">
-                  <a:avLst/>
-                </a:prstGeom>
-              </p:spPr>
-            </p:pic>
-          </mc:Fallback>
-        </mc:AlternateContent>
-        <mc:AlternateContent xmlns:mc="http://schemas.openxmlformats.org/markup-compatibility/2006">
-          <mc:Choice xmlns:p14="http://schemas.microsoft.com/office/powerpoint/2010/main" xmlns:aink="http://schemas.microsoft.com/office/drawing/2016/ink" Requires="p14 aink">
-            <p:contentPart p14:bwMode="auto" r:id="rId140">
-              <p14:nvContentPartPr>
-                <p14:cNvPr id="87" name="Ink 86">
-                  <a:extLst>
-                    <a:ext uri="{FF2B5EF4-FFF2-40B4-BE49-F238E27FC236}">
-                      <a16:creationId xmlns:a16="http://schemas.microsoft.com/office/drawing/2014/main" id="{12EBF502-9F1F-903C-32E5-6AD18B8203E9}"/>
-                    </a:ext>
-                  </a:extLst>
-                </p14:cNvPr>
-                <p14:cNvContentPartPr/>
-                <p14:nvPr/>
-              </p14:nvContentPartPr>
-              <p14:xfrm>
-                <a:off x="-81975" y="3183207"/>
-                <a:ext cx="847440" cy="304560"/>
-              </p14:xfrm>
-            </p:contentPart>
-          </mc:Choice>
-          <mc:Fallback>
-            <p:pic>
-              <p:nvPicPr>
-                <p:cNvPr id="87" name="Ink 86">
-                  <a:extLst>
-                    <a:ext uri="{FF2B5EF4-FFF2-40B4-BE49-F238E27FC236}">
-                      <a16:creationId xmlns:a16="http://schemas.microsoft.com/office/drawing/2014/main" id="{12EBF502-9F1F-903C-32E5-6AD18B8203E9}"/>
-                    </a:ext>
-                  </a:extLst>
-                </p:cNvPr>
-                <p:cNvPicPr/>
-                <p:nvPr/>
-              </p:nvPicPr>
-              <p:blipFill>
-                <a:blip r:embed="rId141"/>
-                <a:stretch>
-                  <a:fillRect/>
-                </a:stretch>
-              </p:blipFill>
-              <p:spPr>
-                <a:xfrm>
-                  <a:off x="-88095" y="3177087"/>
-                  <a:ext cx="859680" cy="316800"/>
-                </a:xfrm>
-                <a:prstGeom prst="rect">
-                  <a:avLst/>
-                </a:prstGeom>
-              </p:spPr>
-            </p:pic>
-          </mc:Fallback>
-        </mc:AlternateContent>
-      </p:grpSp>
-    </p:spTree>
-    <p:extLst>
-      <p:ext uri="{BB962C8B-B14F-4D97-AF65-F5344CB8AC3E}">
-        <p14:creationId xmlns:p14="http://schemas.microsoft.com/office/powerpoint/2010/main" val="1432417462"/>
-      </p:ext>
-    </p:extLst>
-  </p:cSld>
-  <p:clrMapOvr>
-    <a:masterClrMapping/>
-  </p:clrMapOvr>
-</p:sld>
-</file>
-
-<file path=ppt/slides/slide26.xml><?xml version="1.0" encoding="utf-8"?>
-<p:sld xmlns:a="http://schemas.openxmlformats.org/drawingml/2006/main" xmlns:r="http://schemas.openxmlformats.org/officeDocument/2006/relationships" xmlns:p="http://schemas.openxmlformats.org/presentationml/2006/main">
-  <p:cSld>
-    <p:spTree>
-      <p:nvGrpSpPr>
-        <p:cNvPr id="1" name=""/>
-        <p:cNvGrpSpPr/>
-        <p:nvPr/>
-      </p:nvGrpSpPr>
-      <p:grpSpPr>
-        <a:xfrm>
-          <a:off x="0" y="0"/>
-          <a:ext cx="0" cy="0"/>
-          <a:chOff x="0" y="0"/>
-          <a:chExt cx="0" cy="0"/>
-        </a:xfrm>
-      </p:grpSpPr>
-    </p:spTree>
-    <p:extLst>
-      <p:ext uri="{BB962C8B-B14F-4D97-AF65-F5344CB8AC3E}">
-        <p14:creationId xmlns:p14="http://schemas.microsoft.com/office/powerpoint/2010/main" val="2271794239"/>
-      </p:ext>
-    </p:extLst>
   </p:cSld>
   <p:clrMapOvr>
     <a:masterClrMapping/>
